--- a/report/iot_presentation2.pptx
+++ b/report/iot_presentation2.pptx
@@ -5,22 +5,28 @@
     <p:sldMasterId id="2147483715" r:id="rId1"/>
   </p:sldMasterIdLst>
   <p:notesMasterIdLst>
-    <p:notesMasterId r:id="rId15"/>
+    <p:notesMasterId r:id="rId21"/>
   </p:notesMasterIdLst>
   <p:sldIdLst>
     <p:sldId id="257" r:id="rId2"/>
-    <p:sldId id="260" r:id="rId3"/>
-    <p:sldId id="261" r:id="rId4"/>
-    <p:sldId id="262" r:id="rId5"/>
-    <p:sldId id="263" r:id="rId6"/>
-    <p:sldId id="264" r:id="rId7"/>
-    <p:sldId id="265" r:id="rId8"/>
-    <p:sldId id="267" r:id="rId9"/>
-    <p:sldId id="266" r:id="rId10"/>
-    <p:sldId id="268" r:id="rId11"/>
-    <p:sldId id="269" r:id="rId12"/>
-    <p:sldId id="270" r:id="rId13"/>
-    <p:sldId id="271" r:id="rId14"/>
+    <p:sldId id="278" r:id="rId3"/>
+    <p:sldId id="273" r:id="rId4"/>
+    <p:sldId id="274" r:id="rId5"/>
+    <p:sldId id="275" r:id="rId6"/>
+    <p:sldId id="276" r:id="rId7"/>
+    <p:sldId id="277" r:id="rId8"/>
+    <p:sldId id="260" r:id="rId9"/>
+    <p:sldId id="261" r:id="rId10"/>
+    <p:sldId id="262" r:id="rId11"/>
+    <p:sldId id="263" r:id="rId12"/>
+    <p:sldId id="264" r:id="rId13"/>
+    <p:sldId id="265" r:id="rId14"/>
+    <p:sldId id="267" r:id="rId15"/>
+    <p:sldId id="266" r:id="rId16"/>
+    <p:sldId id="268" r:id="rId17"/>
+    <p:sldId id="269" r:id="rId18"/>
+    <p:sldId id="270" r:id="rId19"/>
+    <p:sldId id="271" r:id="rId20"/>
   </p:sldIdLst>
   <p:sldSz cx="12192000" cy="6858000"/>
   <p:notesSz cx="6858000" cy="9144000"/>
@@ -128,7 +134,7 @@
 </file>
 
 <file path=ppt/charts/chart1.xml><?xml version="1.0" encoding="utf-8"?>
-<c:chartSpace xmlns:c="http://schemas.openxmlformats.org/drawingml/2006/chart" xmlns:a="http://schemas.openxmlformats.org/drawingml/2006/main" xmlns:r="http://schemas.openxmlformats.org/officeDocument/2006/relationships" xmlns:c16r2="http://schemas.microsoft.com/office/drawing/2015/06/chart">
+<c:chartSpace xmlns:c="http://schemas.openxmlformats.org/drawingml/2006/chart" xmlns:a="http://schemas.openxmlformats.org/drawingml/2006/main" xmlns:r="http://schemas.openxmlformats.org/officeDocument/2006/relationships">
   <c:date1904 val="0"/>
   <c:lang val="zh-CN"/>
   <c:roundedCorners val="0"/>
@@ -167,6 +173,7 @@
           </a:p>
         </c:rich>
       </c:tx>
+      <c:layout/>
       <c:overlay val="0"/>
       <c:spPr>
         <a:noFill/>
@@ -267,36 +274,36 @@
                 <c:formatCode>m/d/yyyy</c:formatCode>
                 <c:ptCount val="9"/>
                 <c:pt idx="0">
-                  <c:v>43353</c:v>
+                  <c:v>43353.0</c:v>
                 </c:pt>
                 <c:pt idx="1">
-                  <c:v>43355</c:v>
+                  <c:v>43355.0</c:v>
                 </c:pt>
                 <c:pt idx="2">
-                  <c:v>43360</c:v>
+                  <c:v>43360.0</c:v>
                 </c:pt>
                 <c:pt idx="3">
-                  <c:v>43364</c:v>
+                  <c:v>43364.0</c:v>
                 </c:pt>
                 <c:pt idx="4">
-                  <c:v>43377</c:v>
+                  <c:v>43377.0</c:v>
                 </c:pt>
                 <c:pt idx="5">
-                  <c:v>43396</c:v>
+                  <c:v>43396.0</c:v>
                 </c:pt>
                 <c:pt idx="6">
-                  <c:v>43404</c:v>
+                  <c:v>43404.0</c:v>
                 </c:pt>
                 <c:pt idx="7">
-                  <c:v>43414</c:v>
+                  <c:v>43414.0</c:v>
                 </c:pt>
                 <c:pt idx="8">
-                  <c:v>43422</c:v>
+                  <c:v>43422.0</c:v>
                 </c:pt>
               </c:numCache>
             </c:numRef>
           </c:val>
-          <c:extLst>
+          <c:extLst xmlns:c16r2="http://schemas.microsoft.com/office/drawing/2015/06/chart">
             <c:ext xmlns:c16="http://schemas.microsoft.com/office/drawing/2014/chart" uri="{C3380CC4-5D6E-409C-BE32-E72D297353CC}">
               <c16:uniqueId val="{00000000-2C69-4F77-895A-40417B6DD582}"/>
             </c:ext>
@@ -368,36 +375,36 @@
                 <c:formatCode>General</c:formatCode>
                 <c:ptCount val="9"/>
                 <c:pt idx="0">
-                  <c:v>2</c:v>
+                  <c:v>2.0</c:v>
                 </c:pt>
                 <c:pt idx="1">
-                  <c:v>5</c:v>
+                  <c:v>5.0</c:v>
                 </c:pt>
                 <c:pt idx="2">
-                  <c:v>7</c:v>
+                  <c:v>7.0</c:v>
                 </c:pt>
                 <c:pt idx="3">
-                  <c:v>15</c:v>
+                  <c:v>15.0</c:v>
                 </c:pt>
                 <c:pt idx="4">
-                  <c:v>19</c:v>
+                  <c:v>19.0</c:v>
                 </c:pt>
                 <c:pt idx="5">
-                  <c:v>0</c:v>
+                  <c:v>0.0</c:v>
                 </c:pt>
                 <c:pt idx="6">
-                  <c:v>0</c:v>
+                  <c:v>0.0</c:v>
                 </c:pt>
                 <c:pt idx="7">
-                  <c:v>0</c:v>
+                  <c:v>0.0</c:v>
                 </c:pt>
                 <c:pt idx="8">
-                  <c:v>0</c:v>
+                  <c:v>0.0</c:v>
                 </c:pt>
               </c:numCache>
             </c:numRef>
           </c:val>
-          <c:extLst>
+          <c:extLst xmlns:c16r2="http://schemas.microsoft.com/office/drawing/2015/06/chart">
             <c:ext xmlns:c16="http://schemas.microsoft.com/office/drawing/2014/chart" uri="{C3380CC4-5D6E-409C-BE32-E72D297353CC}">
               <c16:uniqueId val="{00000001-2C69-4F77-895A-40417B6DD582}"/>
             </c:ext>
@@ -471,36 +478,36 @@
                 <c:formatCode>General</c:formatCode>
                 <c:ptCount val="9"/>
                 <c:pt idx="0">
-                  <c:v>0</c:v>
+                  <c:v>0.0</c:v>
                 </c:pt>
                 <c:pt idx="1">
-                  <c:v>0</c:v>
+                  <c:v>0.0</c:v>
                 </c:pt>
                 <c:pt idx="2">
-                  <c:v>0</c:v>
+                  <c:v>0.0</c:v>
                 </c:pt>
                 <c:pt idx="3">
-                  <c:v>0</c:v>
+                  <c:v>0.0</c:v>
                 </c:pt>
                 <c:pt idx="4">
-                  <c:v>1</c:v>
+                  <c:v>1.0</c:v>
                 </c:pt>
                 <c:pt idx="5">
-                  <c:v>9</c:v>
+                  <c:v>9.0</c:v>
                 </c:pt>
                 <c:pt idx="6">
-                  <c:v>10</c:v>
+                  <c:v>10.0</c:v>
                 </c:pt>
                 <c:pt idx="7">
-                  <c:v>8</c:v>
+                  <c:v>8.0</c:v>
                 </c:pt>
                 <c:pt idx="8">
-                  <c:v>4</c:v>
+                  <c:v>4.0</c:v>
                 </c:pt>
               </c:numCache>
             </c:numRef>
           </c:val>
-          <c:extLst>
+          <c:extLst xmlns:c16r2="http://schemas.microsoft.com/office/drawing/2015/06/chart">
             <c:ext xmlns:c16="http://schemas.microsoft.com/office/drawing/2014/chart" uri="{C3380CC4-5D6E-409C-BE32-E72D297353CC}">
               <c16:uniqueId val="{00000002-2C69-4F77-895A-40417B6DD582}"/>
             </c:ext>
@@ -516,11 +523,11 @@
         </c:dLbls>
         <c:gapWidth val="55"/>
         <c:overlap val="100"/>
-        <c:axId val="399861536"/>
-        <c:axId val="399864672"/>
+        <c:axId val="-1239930528"/>
+        <c:axId val="-1239942992"/>
       </c:barChart>
       <c:catAx>
-        <c:axId val="399861536"/>
+        <c:axId val="-1239930528"/>
         <c:scaling>
           <c:orientation val="maxMin"/>
         </c:scaling>
@@ -563,7 +570,7 @@
             <a:endParaRPr lang="zh-CN"/>
           </a:p>
         </c:txPr>
-        <c:crossAx val="399864672"/>
+        <c:crossAx val="-1239942992"/>
         <c:crosses val="autoZero"/>
         <c:auto val="1"/>
         <c:lblAlgn val="ctr"/>
@@ -571,11 +578,11 @@
         <c:noMultiLvlLbl val="0"/>
       </c:catAx>
       <c:valAx>
-        <c:axId val="399864672"/>
+        <c:axId val="-1239942992"/>
         <c:scaling>
           <c:orientation val="minMax"/>
-          <c:max val="43428"/>
-          <c:min val="43353"/>
+          <c:max val="43428.0"/>
+          <c:min val="43353.0"/>
         </c:scaling>
         <c:delete val="0"/>
         <c:axPos val="t"/>
@@ -624,7 +631,7 @@
             <a:endParaRPr lang="zh-CN"/>
           </a:p>
         </c:txPr>
-        <c:crossAx val="399861536"/>
+        <c:crossAx val="-1239930528"/>
         <c:crosses val="autoZero"/>
         <c:crossBetween val="between"/>
       </c:valAx>
@@ -642,10 +649,10 @@
         <c:manualLayout>
           <c:xMode val="edge"/>
           <c:yMode val="edge"/>
-          <c:x val="0.11544060814689325"/>
-          <c:y val="0.92923963058233683"/>
-          <c:w val="0.34368115906628444"/>
-          <c:h val="5.0810244729383891E-2"/>
+          <c:x val="0.115440608146893"/>
+          <c:y val="0.929239630582337"/>
+          <c:w val="0.343681159066284"/>
+          <c:h val="0.0508102447293839"/>
         </c:manualLayout>
       </c:layout>
       <c:overlay val="0"/>
@@ -3204,6 +3211,13 @@
         </dgm:presLayoutVars>
       </dgm:prSet>
       <dgm:spPr/>
+      <dgm:t>
+        <a:bodyPr/>
+        <a:lstStyle/>
+        <a:p>
+          <a:endParaRPr lang="zh-CN" altLang="en-US"/>
+        </a:p>
+      </dgm:t>
     </dgm:pt>
     <dgm:pt modelId="{D5751625-6C7D-4DFE-AAAB-491D78AAD51F}" type="pres">
       <dgm:prSet presAssocID="{14DB1DBD-99BF-4C0A-B718-DED539BFD06B}" presName="parentLin" presStyleCnt="0"/>
@@ -3212,6 +3226,13 @@
     <dgm:pt modelId="{A16645CD-28BA-4F38-9467-BD0E6AE54023}" type="pres">
       <dgm:prSet presAssocID="{14DB1DBD-99BF-4C0A-B718-DED539BFD06B}" presName="parentLeftMargin" presStyleLbl="node1" presStyleIdx="0" presStyleCnt="2"/>
       <dgm:spPr/>
+      <dgm:t>
+        <a:bodyPr/>
+        <a:lstStyle/>
+        <a:p>
+          <a:endParaRPr lang="zh-CN" altLang="en-US"/>
+        </a:p>
+      </dgm:t>
     </dgm:pt>
     <dgm:pt modelId="{A3A28B3C-C054-4101-B5A9-7F2D5EF0ADB0}" type="pres">
       <dgm:prSet presAssocID="{14DB1DBD-99BF-4C0A-B718-DED539BFD06B}" presName="parentText" presStyleLbl="node1" presStyleIdx="0" presStyleCnt="2">
@@ -3221,6 +3242,13 @@
         </dgm:presLayoutVars>
       </dgm:prSet>
       <dgm:spPr/>
+      <dgm:t>
+        <a:bodyPr/>
+        <a:lstStyle/>
+        <a:p>
+          <a:endParaRPr lang="zh-CN" altLang="en-US"/>
+        </a:p>
+      </dgm:t>
     </dgm:pt>
     <dgm:pt modelId="{C4D1FE99-67BB-4352-9197-33612E13D694}" type="pres">
       <dgm:prSet presAssocID="{14DB1DBD-99BF-4C0A-B718-DED539BFD06B}" presName="negativeSpace" presStyleCnt="0"/>
@@ -3233,6 +3261,13 @@
         </dgm:presLayoutVars>
       </dgm:prSet>
       <dgm:spPr/>
+      <dgm:t>
+        <a:bodyPr/>
+        <a:lstStyle/>
+        <a:p>
+          <a:endParaRPr lang="zh-CN" altLang="en-US"/>
+        </a:p>
+      </dgm:t>
     </dgm:pt>
     <dgm:pt modelId="{E7E9AD13-B70B-450F-889C-D2CAB8A096DC}" type="pres">
       <dgm:prSet presAssocID="{7E7D10E2-7336-46C6-8BDF-8DA7EC5480EC}" presName="spaceBetweenRectangles" presStyleCnt="0"/>
@@ -3245,6 +3280,13 @@
     <dgm:pt modelId="{19E3C654-7942-42CD-89B6-3E4B807FEF71}" type="pres">
       <dgm:prSet presAssocID="{2DA97FD1-BBB3-4064-A1EB-F44E48656E36}" presName="parentLeftMargin" presStyleLbl="node1" presStyleIdx="0" presStyleCnt="2"/>
       <dgm:spPr/>
+      <dgm:t>
+        <a:bodyPr/>
+        <a:lstStyle/>
+        <a:p>
+          <a:endParaRPr lang="zh-CN" altLang="en-US"/>
+        </a:p>
+      </dgm:t>
     </dgm:pt>
     <dgm:pt modelId="{5839DD8F-35E0-4AA8-AB18-C7A19C74ABCD}" type="pres">
       <dgm:prSet presAssocID="{2DA97FD1-BBB3-4064-A1EB-F44E48656E36}" presName="parentText" presStyleLbl="node1" presStyleIdx="1" presStyleCnt="2">
@@ -3254,6 +3296,13 @@
         </dgm:presLayoutVars>
       </dgm:prSet>
       <dgm:spPr/>
+      <dgm:t>
+        <a:bodyPr/>
+        <a:lstStyle/>
+        <a:p>
+          <a:endParaRPr lang="zh-CN" altLang="en-US"/>
+        </a:p>
+      </dgm:t>
     </dgm:pt>
     <dgm:pt modelId="{E65B2CAC-3D23-4E31-BBC2-0311DEC8B171}" type="pres">
       <dgm:prSet presAssocID="{2DA97FD1-BBB3-4064-A1EB-F44E48656E36}" presName="negativeSpace" presStyleCnt="0"/>
@@ -3266,24 +3315,31 @@
         </dgm:presLayoutVars>
       </dgm:prSet>
       <dgm:spPr/>
+      <dgm:t>
+        <a:bodyPr/>
+        <a:lstStyle/>
+        <a:p>
+          <a:endParaRPr lang="zh-CN" altLang="en-US"/>
+        </a:p>
+      </dgm:t>
     </dgm:pt>
   </dgm:ptLst>
   <dgm:cxnLst>
-    <dgm:cxn modelId="{484C3013-5B07-4C18-B949-6B2D59EE7631}" type="presOf" srcId="{03D25477-C2BF-4DCF-BBF0-E63B155D8D9F}" destId="{6C44FC15-BF77-4C83-9686-7158D2639C38}" srcOrd="0" destOrd="0" presId="urn:microsoft.com/office/officeart/2005/8/layout/list1"/>
+    <dgm:cxn modelId="{211E9B6E-C40D-43DC-B2FD-CEBA350EF6B0}" srcId="{C4708FD0-BDC9-4AC3-B46E-5F3134201944}" destId="{14DB1DBD-99BF-4C0A-B718-DED539BFD06B}" srcOrd="0" destOrd="0" parTransId="{8F136B61-E3EC-4381-B77B-1EEC4005988C}" sibTransId="{7E7D10E2-7336-46C6-8BDF-8DA7EC5480EC}"/>
+    <dgm:cxn modelId="{6B6F228C-1C14-4BA3-8A7A-C02424DBBFFA}" type="presOf" srcId="{55A711D8-0013-471A-A580-3DC3B91CD6C0}" destId="{2DB9F3C7-F783-45EF-B98A-6CF68ACAC559}" srcOrd="0" destOrd="3" presId="urn:microsoft.com/office/officeart/2005/8/layout/list1"/>
+    <dgm:cxn modelId="{99D69674-0471-4DE5-A248-30890882583E}" srcId="{14DB1DBD-99BF-4C0A-B718-DED539BFD06B}" destId="{03D25477-C2BF-4DCF-BBF0-E63B155D8D9F}" srcOrd="0" destOrd="0" parTransId="{A423EDF3-5F71-4DFF-AD77-4931B7EAD278}" sibTransId="{AAF7F17F-3917-48F4-B4F7-42FBB00A2365}"/>
+    <dgm:cxn modelId="{E1B015C9-429B-410A-B0C2-351B2C7CE223}" srcId="{2DA97FD1-BBB3-4064-A1EB-F44E48656E36}" destId="{A8817308-8045-4284-9ED0-FA6A7280B37B}" srcOrd="0" destOrd="0" parTransId="{B632295C-AE21-4C31-8A65-E8B29F487DE7}" sibTransId="{54329B70-CB29-4FF5-9C71-1E7819E4ECD8}"/>
+    <dgm:cxn modelId="{6F4C0F96-481A-448C-882B-3BCAB9B370D4}" type="presOf" srcId="{76196532-FFF1-47AB-9928-8607D558FCB7}" destId="{2DB9F3C7-F783-45EF-B98A-6CF68ACAC559}" srcOrd="0" destOrd="2" presId="urn:microsoft.com/office/officeart/2005/8/layout/list1"/>
+    <dgm:cxn modelId="{FEE4D8E4-B530-40F2-ABE9-00206EB3AA81}" type="presOf" srcId="{2DA97FD1-BBB3-4064-A1EB-F44E48656E36}" destId="{5839DD8F-35E0-4AA8-AB18-C7A19C74ABCD}" srcOrd="1" destOrd="0" presId="urn:microsoft.com/office/officeart/2005/8/layout/list1"/>
+    <dgm:cxn modelId="{64B384E7-18CC-4065-8130-B0004C0B6953}" srcId="{2DA97FD1-BBB3-4064-A1EB-F44E48656E36}" destId="{55A711D8-0013-471A-A580-3DC3B91CD6C0}" srcOrd="1" destOrd="0" parTransId="{A49BB6C9-CE8D-469C-8523-2B0C16561E88}" sibTransId="{2045927C-5B50-4003-B600-64C2A5ABE2DD}"/>
+    <dgm:cxn modelId="{71716D25-E06B-41F5-AF7E-F41412630174}" type="presOf" srcId="{E0BAEF83-2C71-4107-81E1-926DCD286086}" destId="{2DB9F3C7-F783-45EF-B98A-6CF68ACAC559}" srcOrd="0" destOrd="1" presId="urn:microsoft.com/office/officeart/2005/8/layout/list1"/>
+    <dgm:cxn modelId="{ABC15FCE-53A0-4A33-8AFA-8560CAE9346C}" type="presOf" srcId="{2DA97FD1-BBB3-4064-A1EB-F44E48656E36}" destId="{19E3C654-7942-42CD-89B6-3E4B807FEF71}" srcOrd="0" destOrd="0" presId="urn:microsoft.com/office/officeart/2005/8/layout/list1"/>
     <dgm:cxn modelId="{C9E3D724-DBAE-416D-9CD0-1DD2E34F4127}" srcId="{A8817308-8045-4284-9ED0-FA6A7280B37B}" destId="{76196532-FFF1-47AB-9928-8607D558FCB7}" srcOrd="1" destOrd="0" parTransId="{AC956ACF-B090-4354-B1FB-6B872A4FBCF9}" sibTransId="{965FB1C3-545A-4A82-B4BF-2B3000AA8849}"/>
-    <dgm:cxn modelId="{71716D25-E06B-41F5-AF7E-F41412630174}" type="presOf" srcId="{E0BAEF83-2C71-4107-81E1-926DCD286086}" destId="{2DB9F3C7-F783-45EF-B98A-6CF68ACAC559}" srcOrd="0" destOrd="1" presId="urn:microsoft.com/office/officeart/2005/8/layout/list1"/>
-    <dgm:cxn modelId="{8409EC6B-D513-4AF5-A28F-8CCCBFB33ED1}" type="presOf" srcId="{14DB1DBD-99BF-4C0A-B718-DED539BFD06B}" destId="{A16645CD-28BA-4F38-9467-BD0E6AE54023}" srcOrd="0" destOrd="0" presId="urn:microsoft.com/office/officeart/2005/8/layout/list1"/>
-    <dgm:cxn modelId="{211E9B6E-C40D-43DC-B2FD-CEBA350EF6B0}" srcId="{C4708FD0-BDC9-4AC3-B46E-5F3134201944}" destId="{14DB1DBD-99BF-4C0A-B718-DED539BFD06B}" srcOrd="0" destOrd="0" parTransId="{8F136B61-E3EC-4381-B77B-1EEC4005988C}" sibTransId="{7E7D10E2-7336-46C6-8BDF-8DA7EC5480EC}"/>
-    <dgm:cxn modelId="{99D69674-0471-4DE5-A248-30890882583E}" srcId="{14DB1DBD-99BF-4C0A-B718-DED539BFD06B}" destId="{03D25477-C2BF-4DCF-BBF0-E63B155D8D9F}" srcOrd="0" destOrd="0" parTransId="{A423EDF3-5F71-4DFF-AD77-4931B7EAD278}" sibTransId="{AAF7F17F-3917-48F4-B4F7-42FBB00A2365}"/>
-    <dgm:cxn modelId="{6B6F228C-1C14-4BA3-8A7A-C02424DBBFFA}" type="presOf" srcId="{55A711D8-0013-471A-A580-3DC3B91CD6C0}" destId="{2DB9F3C7-F783-45EF-B98A-6CF68ACAC559}" srcOrd="0" destOrd="3" presId="urn:microsoft.com/office/officeart/2005/8/layout/list1"/>
-    <dgm:cxn modelId="{6F4C0F96-481A-448C-882B-3BCAB9B370D4}" type="presOf" srcId="{76196532-FFF1-47AB-9928-8607D558FCB7}" destId="{2DB9F3C7-F783-45EF-B98A-6CF68ACAC559}" srcOrd="0" destOrd="2" presId="urn:microsoft.com/office/officeart/2005/8/layout/list1"/>
     <dgm:cxn modelId="{4645E8AE-47FC-4A57-AC17-FB2D400798E4}" type="presOf" srcId="{A8817308-8045-4284-9ED0-FA6A7280B37B}" destId="{2DB9F3C7-F783-45EF-B98A-6CF68ACAC559}" srcOrd="0" destOrd="0" presId="urn:microsoft.com/office/officeart/2005/8/layout/list1"/>
     <dgm:cxn modelId="{1DA069AF-D256-4C49-84F2-70003C8727B9}" type="presOf" srcId="{C4708FD0-BDC9-4AC3-B46E-5F3134201944}" destId="{3AC68A53-0468-45EA-99D1-E9C1612C6CCC}" srcOrd="0" destOrd="0" presId="urn:microsoft.com/office/officeart/2005/8/layout/list1"/>
-    <dgm:cxn modelId="{E1B015C9-429B-410A-B0C2-351B2C7CE223}" srcId="{2DA97FD1-BBB3-4064-A1EB-F44E48656E36}" destId="{A8817308-8045-4284-9ED0-FA6A7280B37B}" srcOrd="0" destOrd="0" parTransId="{B632295C-AE21-4C31-8A65-E8B29F487DE7}" sibTransId="{54329B70-CB29-4FF5-9C71-1E7819E4ECD8}"/>
-    <dgm:cxn modelId="{ABC15FCE-53A0-4A33-8AFA-8560CAE9346C}" type="presOf" srcId="{2DA97FD1-BBB3-4064-A1EB-F44E48656E36}" destId="{19E3C654-7942-42CD-89B6-3E4B807FEF71}" srcOrd="0" destOrd="0" presId="urn:microsoft.com/office/officeart/2005/8/layout/list1"/>
     <dgm:cxn modelId="{2A0B32D3-AA13-44DF-BCED-7E6409C3D14A}" srcId="{A8817308-8045-4284-9ED0-FA6A7280B37B}" destId="{E0BAEF83-2C71-4107-81E1-926DCD286086}" srcOrd="0" destOrd="0" parTransId="{287AE2BE-57E7-445B-934E-E14C58888496}" sibTransId="{5CE02461-63AB-4E0A-93FB-48AAC7FE8550}"/>
-    <dgm:cxn modelId="{FEE4D8E4-B530-40F2-ABE9-00206EB3AA81}" type="presOf" srcId="{2DA97FD1-BBB3-4064-A1EB-F44E48656E36}" destId="{5839DD8F-35E0-4AA8-AB18-C7A19C74ABCD}" srcOrd="1" destOrd="0" presId="urn:microsoft.com/office/officeart/2005/8/layout/list1"/>
-    <dgm:cxn modelId="{64B384E7-18CC-4065-8130-B0004C0B6953}" srcId="{2DA97FD1-BBB3-4064-A1EB-F44E48656E36}" destId="{55A711D8-0013-471A-A580-3DC3B91CD6C0}" srcOrd="1" destOrd="0" parTransId="{A49BB6C9-CE8D-469C-8523-2B0C16561E88}" sibTransId="{2045927C-5B50-4003-B600-64C2A5ABE2DD}"/>
+    <dgm:cxn modelId="{8409EC6B-D513-4AF5-A28F-8CCCBFB33ED1}" type="presOf" srcId="{14DB1DBD-99BF-4C0A-B718-DED539BFD06B}" destId="{A16645CD-28BA-4F38-9467-BD0E6AE54023}" srcOrd="0" destOrd="0" presId="urn:microsoft.com/office/officeart/2005/8/layout/list1"/>
+    <dgm:cxn modelId="{484C3013-5B07-4C18-B949-6B2D59EE7631}" type="presOf" srcId="{03D25477-C2BF-4DCF-BBF0-E63B155D8D9F}" destId="{6C44FC15-BF77-4C83-9686-7158D2639C38}" srcOrd="0" destOrd="0" presId="urn:microsoft.com/office/officeart/2005/8/layout/list1"/>
     <dgm:cxn modelId="{C2EACBF5-CE20-4734-89FA-E5DF1BF2EDDC}" srcId="{C4708FD0-BDC9-4AC3-B46E-5F3134201944}" destId="{2DA97FD1-BBB3-4064-A1EB-F44E48656E36}" srcOrd="1" destOrd="0" parTransId="{A6EAA0AD-15B1-412A-B40E-2002B46C6584}" sibTransId="{D1F033EF-F22A-4B29-B9A9-12C9B9FA9C68}"/>
     <dgm:cxn modelId="{9A90A4FB-B7CE-4C3B-AAE4-0E0E6A64A81A}" type="presOf" srcId="{14DB1DBD-99BF-4C0A-B718-DED539BFD06B}" destId="{A3A28B3C-C054-4101-B5A9-7F2D5EF0ADB0}" srcOrd="1" destOrd="0" presId="urn:microsoft.com/office/officeart/2005/8/layout/list1"/>
     <dgm:cxn modelId="{58952BD1-2435-454A-8279-6AA8C0297E90}" type="presParOf" srcId="{3AC68A53-0468-45EA-99D1-E9C1612C6CCC}" destId="{D5751625-6C7D-4DFE-AAAB-491D78AAD51F}" srcOrd="0" destOrd="0" presId="urn:microsoft.com/office/officeart/2005/8/layout/list1"/>
@@ -3439,6 +3495,13 @@
         </dgm:presLayoutVars>
       </dgm:prSet>
       <dgm:spPr/>
+      <dgm:t>
+        <a:bodyPr/>
+        <a:lstStyle/>
+        <a:p>
+          <a:endParaRPr lang="zh-CN" altLang="en-US"/>
+        </a:p>
+      </dgm:t>
     </dgm:pt>
     <dgm:pt modelId="{158D2379-F9A1-44D3-84BA-9B3EA567E10D}" type="pres">
       <dgm:prSet presAssocID="{0701F870-EF8B-448B-A46E-26E0FDC95F69}" presName="thickLine" presStyleLbl="alignNode1" presStyleIdx="0" presStyleCnt="3"/>
@@ -3451,6 +3514,13 @@
     <dgm:pt modelId="{5F2A3C28-5E6F-4BF7-AF62-C90BDA017413}" type="pres">
       <dgm:prSet presAssocID="{0701F870-EF8B-448B-A46E-26E0FDC95F69}" presName="tx1" presStyleLbl="revTx" presStyleIdx="0" presStyleCnt="3"/>
       <dgm:spPr/>
+      <dgm:t>
+        <a:bodyPr/>
+        <a:lstStyle/>
+        <a:p>
+          <a:endParaRPr lang="zh-CN" altLang="en-US"/>
+        </a:p>
+      </dgm:t>
     </dgm:pt>
     <dgm:pt modelId="{E3537504-7668-4019-A1EC-34C03B9B1FCB}" type="pres">
       <dgm:prSet presAssocID="{0701F870-EF8B-448B-A46E-26E0FDC95F69}" presName="vert1" presStyleCnt="0"/>
@@ -3467,6 +3537,13 @@
     <dgm:pt modelId="{2E779070-8052-45F9-88F5-D77B4973B02F}" type="pres">
       <dgm:prSet presAssocID="{81BECF53-7B92-4DD3-AC45-6ABAC71E4D9C}" presName="tx1" presStyleLbl="revTx" presStyleIdx="1" presStyleCnt="3"/>
       <dgm:spPr/>
+      <dgm:t>
+        <a:bodyPr/>
+        <a:lstStyle/>
+        <a:p>
+          <a:endParaRPr lang="zh-CN" altLang="en-US"/>
+        </a:p>
+      </dgm:t>
     </dgm:pt>
     <dgm:pt modelId="{A27A731D-4934-4039-A8C5-C6E7CFFA9D21}" type="pres">
       <dgm:prSet presAssocID="{81BECF53-7B92-4DD3-AC45-6ABAC71E4D9C}" presName="vert1" presStyleCnt="0"/>
@@ -3483,6 +3560,13 @@
     <dgm:pt modelId="{43DEAD10-7DFB-48B9-830A-F0EDC4582525}" type="pres">
       <dgm:prSet presAssocID="{93633622-0F47-4EFC-891C-110222B70729}" presName="tx1" presStyleLbl="revTx" presStyleIdx="2" presStyleCnt="3"/>
       <dgm:spPr/>
+      <dgm:t>
+        <a:bodyPr/>
+        <a:lstStyle/>
+        <a:p>
+          <a:endParaRPr lang="zh-CN" altLang="en-US"/>
+        </a:p>
+      </dgm:t>
     </dgm:pt>
     <dgm:pt modelId="{C19DB744-ACAD-4104-B12F-3CC219514CAE}" type="pres">
       <dgm:prSet presAssocID="{93633622-0F47-4EFC-891C-110222B70729}" presName="vert1" presStyleCnt="0"/>
@@ -3490,12 +3574,12 @@
     </dgm:pt>
   </dgm:ptLst>
   <dgm:cxnLst>
+    <dgm:cxn modelId="{3752D69E-64F5-4D9B-B39C-1658AF432B2E}" srcId="{AB0BCB92-4FC1-4C11-B512-ED92E737BBAA}" destId="{81BECF53-7B92-4DD3-AC45-6ABAC71E4D9C}" srcOrd="1" destOrd="0" parTransId="{BB63B001-21E3-4C51-B5CF-92C4C4F066E9}" sibTransId="{B6465842-C0E1-4179-B141-0F95060D02B3}"/>
+    <dgm:cxn modelId="{DD34BCB9-D348-438A-BA9A-90DBC4E073E8}" type="presOf" srcId="{81BECF53-7B92-4DD3-AC45-6ABAC71E4D9C}" destId="{2E779070-8052-45F9-88F5-D77B4973B02F}" srcOrd="0" destOrd="0" presId="urn:microsoft.com/office/officeart/2008/layout/LinedList"/>
+    <dgm:cxn modelId="{AAB91AB0-3800-4CBA-9A35-09335F009EA5}" type="presOf" srcId="{AB0BCB92-4FC1-4C11-B512-ED92E737BBAA}" destId="{CBEE759C-012E-4B3C-942B-1E0328641844}" srcOrd="0" destOrd="0" presId="urn:microsoft.com/office/officeart/2008/layout/LinedList"/>
+    <dgm:cxn modelId="{B727EE30-BAAE-46DB-9F45-C64BC555FE9B}" srcId="{AB0BCB92-4FC1-4C11-B512-ED92E737BBAA}" destId="{93633622-0F47-4EFC-891C-110222B70729}" srcOrd="2" destOrd="0" parTransId="{A010C79D-ABB0-46A8-8C3B-2540CB09A582}" sibTransId="{CC12B6EA-5104-41B0-8EDB-BF54002E30D6}"/>
+    <dgm:cxn modelId="{29FC24C7-0D4D-425B-A553-BADA8C8379B8}" type="presOf" srcId="{93633622-0F47-4EFC-891C-110222B70729}" destId="{43DEAD10-7DFB-48B9-830A-F0EDC4582525}" srcOrd="0" destOrd="0" presId="urn:microsoft.com/office/officeart/2008/layout/LinedList"/>
     <dgm:cxn modelId="{0F479427-A55C-4171-924D-6C0038C52403}" srcId="{AB0BCB92-4FC1-4C11-B512-ED92E737BBAA}" destId="{0701F870-EF8B-448B-A46E-26E0FDC95F69}" srcOrd="0" destOrd="0" parTransId="{B1D76282-738C-4B22-A12D-56AD08227AA6}" sibTransId="{6BFEE035-E7AA-47C6-BC41-13C3B8B6EFAF}"/>
-    <dgm:cxn modelId="{B727EE30-BAAE-46DB-9F45-C64BC555FE9B}" srcId="{AB0BCB92-4FC1-4C11-B512-ED92E737BBAA}" destId="{93633622-0F47-4EFC-891C-110222B70729}" srcOrd="2" destOrd="0" parTransId="{A010C79D-ABB0-46A8-8C3B-2540CB09A582}" sibTransId="{CC12B6EA-5104-41B0-8EDB-BF54002E30D6}"/>
-    <dgm:cxn modelId="{3752D69E-64F5-4D9B-B39C-1658AF432B2E}" srcId="{AB0BCB92-4FC1-4C11-B512-ED92E737BBAA}" destId="{81BECF53-7B92-4DD3-AC45-6ABAC71E4D9C}" srcOrd="1" destOrd="0" parTransId="{BB63B001-21E3-4C51-B5CF-92C4C4F066E9}" sibTransId="{B6465842-C0E1-4179-B141-0F95060D02B3}"/>
-    <dgm:cxn modelId="{AAB91AB0-3800-4CBA-9A35-09335F009EA5}" type="presOf" srcId="{AB0BCB92-4FC1-4C11-B512-ED92E737BBAA}" destId="{CBEE759C-012E-4B3C-942B-1E0328641844}" srcOrd="0" destOrd="0" presId="urn:microsoft.com/office/officeart/2008/layout/LinedList"/>
-    <dgm:cxn modelId="{DD34BCB9-D348-438A-BA9A-90DBC4E073E8}" type="presOf" srcId="{81BECF53-7B92-4DD3-AC45-6ABAC71E4D9C}" destId="{2E779070-8052-45F9-88F5-D77B4973B02F}" srcOrd="0" destOrd="0" presId="urn:microsoft.com/office/officeart/2008/layout/LinedList"/>
-    <dgm:cxn modelId="{29FC24C7-0D4D-425B-A553-BADA8C8379B8}" type="presOf" srcId="{93633622-0F47-4EFC-891C-110222B70729}" destId="{43DEAD10-7DFB-48B9-830A-F0EDC4582525}" srcOrd="0" destOrd="0" presId="urn:microsoft.com/office/officeart/2008/layout/LinedList"/>
     <dgm:cxn modelId="{07D9DDE7-818A-4632-836E-1BE94EC4058F}" type="presOf" srcId="{0701F870-EF8B-448B-A46E-26E0FDC95F69}" destId="{5F2A3C28-5E6F-4BF7-AF62-C90BDA017413}" srcOrd="0" destOrd="0" presId="urn:microsoft.com/office/officeart/2008/layout/LinedList"/>
     <dgm:cxn modelId="{463D497D-BF5D-466A-A8A7-45C1EE903528}" type="presParOf" srcId="{CBEE759C-012E-4B3C-942B-1E0328641844}" destId="{158D2379-F9A1-44D3-84BA-9B3EA567E10D}" srcOrd="0" destOrd="0" presId="urn:microsoft.com/office/officeart/2008/layout/LinedList"/>
     <dgm:cxn modelId="{353C1AA6-8C55-429D-B68A-DDE56F0B57FD}" type="presParOf" srcId="{CBEE759C-012E-4B3C-942B-1E0328641844}" destId="{0D8D8CEA-D99E-4810-8B3A-5E76BAFEBEA9}" srcOrd="1" destOrd="0" presId="urn:microsoft.com/office/officeart/2008/layout/LinedList"/>
@@ -3681,7 +3765,7 @@
         </a:bodyPr>
         <a:lstStyle/>
         <a:p>
-          <a:pPr marL="0" lvl="0" indent="0" algn="l" defTabSz="1200150">
+          <a:pPr lvl="0" algn="l" defTabSz="1200150">
             <a:lnSpc>
               <a:spcPct val="90000"/>
             </a:lnSpc>
@@ -3691,7 +3775,6 @@
             <a:spcAft>
               <a:spcPct val="35000"/>
             </a:spcAft>
-            <a:buNone/>
           </a:pPr>
           <a:r>
             <a:rPr lang="en-US" sz="2700" kern="1200"/>
@@ -3911,7 +3994,7 @@
         </a:bodyPr>
         <a:lstStyle/>
         <a:p>
-          <a:pPr marL="0" lvl="0" indent="0" algn="l" defTabSz="1200150">
+          <a:pPr lvl="0" algn="l" defTabSz="1200150">
             <a:lnSpc>
               <a:spcPct val="90000"/>
             </a:lnSpc>
@@ -3921,7 +4004,6 @@
             <a:spcAft>
               <a:spcPct val="35000"/>
             </a:spcAft>
-            <a:buNone/>
           </a:pPr>
           <a:r>
             <a:rPr lang="en-US" sz="2700" kern="1200"/>
@@ -4033,7 +4115,7 @@
         </a:bodyPr>
         <a:lstStyle/>
         <a:p>
-          <a:pPr marL="0" lvl="0" indent="0" algn="l" defTabSz="2889250">
+          <a:pPr lvl="0" algn="l" defTabSz="2889250">
             <a:lnSpc>
               <a:spcPct val="90000"/>
             </a:lnSpc>
@@ -4043,7 +4125,6 @@
             <a:spcAft>
               <a:spcPct val="35000"/>
             </a:spcAft>
-            <a:buNone/>
           </a:pPr>
           <a:r>
             <a:rPr lang="en-US" sz="6500" kern="1200"/>
@@ -4143,7 +4224,7 @@
         </a:bodyPr>
         <a:lstStyle/>
         <a:p>
-          <a:pPr marL="0" lvl="0" indent="0" algn="l" defTabSz="2889250">
+          <a:pPr lvl="0" algn="l" defTabSz="2889250">
             <a:lnSpc>
               <a:spcPct val="90000"/>
             </a:lnSpc>
@@ -4153,7 +4234,6 @@
             <a:spcAft>
               <a:spcPct val="35000"/>
             </a:spcAft>
-            <a:buNone/>
           </a:pPr>
           <a:r>
             <a:rPr lang="en-US" sz="6500" kern="1200"/>
@@ -4253,7 +4333,7 @@
         </a:bodyPr>
         <a:lstStyle/>
         <a:p>
-          <a:pPr marL="0" lvl="0" indent="0" algn="l" defTabSz="2889250">
+          <a:pPr lvl="0" algn="l" defTabSz="2889250">
             <a:lnSpc>
               <a:spcPct val="90000"/>
             </a:lnSpc>
@@ -4263,7 +4343,6 @@
             <a:spcAft>
               <a:spcPct val="35000"/>
             </a:spcAft>
-            <a:buNone/>
           </a:pPr>
           <a:r>
             <a:rPr lang="en-US" sz="6500" kern="1200"/>
@@ -7121,7 +7200,7 @@
           <a:p>
             <a:fld id="{7F247836-444C-4F66-A0C1-05BB78B8302F}" type="datetimeFigureOut">
               <a:rPr lang="zh-CN" altLang="en-US" smtClean="0"/>
-              <a:t>2018/10/15</a:t>
+              <a:t>2018/10/16</a:t>
             </a:fld>
             <a:endParaRPr lang="zh-CN" altLang="en-US"/>
           </a:p>
@@ -7453,7 +7532,7 @@
           <a:p>
             <a:fld id="{955D9454-8D7A-4698-A50A-00739B48C81C}" type="slidenum">
               <a:rPr lang="zh-CN" altLang="en-US" smtClean="0"/>
-              <a:t>13</a:t>
+              <a:t>19</a:t>
             </a:fld>
             <a:endParaRPr lang="zh-CN" altLang="en-US"/>
           </a:p>
@@ -7603,7 +7682,7 @@
           <a:p>
             <a:fld id="{C33CCA02-121E-A04D-BB8D-7A9B1E1BDCF5}" type="datetimeFigureOut">
               <a:rPr lang="en-US" smtClean="0"/>
-              <a:t>10/15/2018</a:t>
+              <a:t>10/16/18</a:t>
             </a:fld>
             <a:endParaRPr lang="en-US"/>
           </a:p>
@@ -7773,7 +7852,7 @@
           <a:p>
             <a:fld id="{C33CCA02-121E-A04D-BB8D-7A9B1E1BDCF5}" type="datetimeFigureOut">
               <a:rPr lang="en-US" smtClean="0"/>
-              <a:t>10/15/2018</a:t>
+              <a:t>10/16/18</a:t>
             </a:fld>
             <a:endParaRPr lang="en-US"/>
           </a:p>
@@ -7953,7 +8032,7 @@
           <a:p>
             <a:fld id="{C33CCA02-121E-A04D-BB8D-7A9B1E1BDCF5}" type="datetimeFigureOut">
               <a:rPr lang="en-US" smtClean="0"/>
-              <a:t>10/15/2018</a:t>
+              <a:t>10/16/18</a:t>
             </a:fld>
             <a:endParaRPr lang="en-US"/>
           </a:p>
@@ -8123,7 +8202,7 @@
           <a:p>
             <a:fld id="{C33CCA02-121E-A04D-BB8D-7A9B1E1BDCF5}" type="datetimeFigureOut">
               <a:rPr lang="en-US" smtClean="0"/>
-              <a:t>10/15/2018</a:t>
+              <a:t>10/16/18</a:t>
             </a:fld>
             <a:endParaRPr lang="en-US"/>
           </a:p>
@@ -8369,7 +8448,7 @@
           <a:p>
             <a:fld id="{C33CCA02-121E-A04D-BB8D-7A9B1E1BDCF5}" type="datetimeFigureOut">
               <a:rPr lang="en-US" smtClean="0"/>
-              <a:t>10/15/2018</a:t>
+              <a:t>10/16/18</a:t>
             </a:fld>
             <a:endParaRPr lang="en-US"/>
           </a:p>
@@ -8601,7 +8680,7 @@
           <a:p>
             <a:fld id="{C33CCA02-121E-A04D-BB8D-7A9B1E1BDCF5}" type="datetimeFigureOut">
               <a:rPr lang="en-US" smtClean="0"/>
-              <a:t>10/15/2018</a:t>
+              <a:t>10/16/18</a:t>
             </a:fld>
             <a:endParaRPr lang="en-US"/>
           </a:p>
@@ -8968,7 +9047,7 @@
           <a:p>
             <a:fld id="{C33CCA02-121E-A04D-BB8D-7A9B1E1BDCF5}" type="datetimeFigureOut">
               <a:rPr lang="en-US" smtClean="0"/>
-              <a:t>10/15/2018</a:t>
+              <a:t>10/16/18</a:t>
             </a:fld>
             <a:endParaRPr lang="en-US"/>
           </a:p>
@@ -9086,7 +9165,7 @@
           <a:p>
             <a:fld id="{C33CCA02-121E-A04D-BB8D-7A9B1E1BDCF5}" type="datetimeFigureOut">
               <a:rPr lang="en-US" smtClean="0"/>
-              <a:t>10/15/2018</a:t>
+              <a:t>10/16/18</a:t>
             </a:fld>
             <a:endParaRPr lang="en-US"/>
           </a:p>
@@ -9181,7 +9260,7 @@
           <a:p>
             <a:fld id="{C33CCA02-121E-A04D-BB8D-7A9B1E1BDCF5}" type="datetimeFigureOut">
               <a:rPr lang="en-US" smtClean="0"/>
-              <a:t>10/15/2018</a:t>
+              <a:t>10/16/18</a:t>
             </a:fld>
             <a:endParaRPr lang="en-US"/>
           </a:p>
@@ -9458,7 +9537,7 @@
           <a:p>
             <a:fld id="{C33CCA02-121E-A04D-BB8D-7A9B1E1BDCF5}" type="datetimeFigureOut">
               <a:rPr lang="en-US" smtClean="0"/>
-              <a:t>10/15/2018</a:t>
+              <a:t>10/16/18</a:t>
             </a:fld>
             <a:endParaRPr lang="en-US"/>
           </a:p>
@@ -9715,7 +9794,7 @@
           <a:p>
             <a:fld id="{C33CCA02-121E-A04D-BB8D-7A9B1E1BDCF5}" type="datetimeFigureOut">
               <a:rPr lang="en-US" smtClean="0"/>
-              <a:t>10/15/2018</a:t>
+              <a:t>10/16/18</a:t>
             </a:fld>
             <a:endParaRPr lang="en-US"/>
           </a:p>
@@ -9928,7 +10007,7 @@
           <a:p>
             <a:fld id="{C33CCA02-121E-A04D-BB8D-7A9B1E1BDCF5}" type="datetimeFigureOut">
               <a:rPr lang="en-US" smtClean="0"/>
-              <a:t>10/15/2018</a:t>
+              <a:t>10/16/18</a:t>
             </a:fld>
             <a:endParaRPr lang="en-US"/>
           </a:p>
@@ -10346,10 +10425,10 @@
           <p:cNvPr id="11" name="Rectangle 10">
             <a:extLst>
               <a:ext uri="{FF2B5EF4-FFF2-40B4-BE49-F238E27FC236}">
-                <a16:creationId xmlns:a16="http://schemas.microsoft.com/office/drawing/2014/main" id="{559AE206-7EBA-4D33-8BC9-9D8158553F0E}"/>
+                <a16:creationId xmlns:a16="http://schemas.microsoft.com/office/drawing/2014/main" xmlns="" id="{559AE206-7EBA-4D33-8BC9-9D8158553F0E}"/>
               </a:ext>
               <a:ext uri="{C183D7F6-B498-43B3-948B-1728B52AA6E4}">
-                <adec:decorative xmlns:adec="http://schemas.microsoft.com/office/drawing/2017/decorative" val="1"/>
+                <adec:decorative xmlns:adec="http://schemas.microsoft.com/office/drawing/2017/decorative" xmlns="" val="1"/>
               </a:ext>
             </a:extLst>
           </p:cNvPr>
@@ -10432,56 +10511,13 @@
       </p:sp>
       <p:sp>
         <p:nvSpPr>
-          <p:cNvPr id="2" name="Title 1">
-            <a:extLst>
-              <a:ext uri="{FF2B5EF4-FFF2-40B4-BE49-F238E27FC236}">
-                <a16:creationId xmlns:a16="http://schemas.microsoft.com/office/drawing/2014/main" id="{DD775157-5AA1-384D-B45C-859A191D6F1D}"/>
-              </a:ext>
-            </a:extLst>
-          </p:cNvPr>
-          <p:cNvSpPr>
-            <a:spLocks noGrp="1"/>
-          </p:cNvSpPr>
-          <p:nvPr>
-            <p:ph type="title"/>
-          </p:nvPr>
-        </p:nvSpPr>
-        <p:spPr>
-          <a:xfrm>
-            <a:off x="838199" y="4525347"/>
-            <a:ext cx="6801321" cy="1737360"/>
-          </a:xfrm>
-        </p:spPr>
-        <p:txBody>
-          <a:bodyPr vert="horz" lIns="91440" tIns="45720" rIns="91440" bIns="45720" rtlCol="0" anchor="ctr">
-            <a:normAutofit/>
-          </a:bodyPr>
-          <a:lstStyle/>
-          <a:p>
-            <a:pPr algn="r"/>
-            <a:r>
-              <a:rPr lang="en-US" sz="6000" b="1" kern="1200" dirty="0">
-                <a:solidFill>
-                  <a:schemeClr val="tx1"/>
-                </a:solidFill>
-                <a:latin typeface="Helvetica Neue" panose="02000503000000020004" pitchFamily="2" charset="0"/>
-                <a:ea typeface="Helvetica Neue" panose="02000503000000020004" pitchFamily="2" charset="0"/>
-                <a:cs typeface="Helvetica Neue" panose="02000503000000020004" pitchFamily="2" charset="0"/>
-              </a:rPr>
-              <a:t>2.0	Algorithm</a:t>
-            </a:r>
-          </a:p>
-        </p:txBody>
-      </p:sp>
-      <p:sp>
-        <p:nvSpPr>
           <p:cNvPr id="13" name="Oval 12">
             <a:extLst>
               <a:ext uri="{FF2B5EF4-FFF2-40B4-BE49-F238E27FC236}">
-                <a16:creationId xmlns:a16="http://schemas.microsoft.com/office/drawing/2014/main" id="{6437D937-A7F1-4011-92B4-328E5BE1B166}"/>
+                <a16:creationId xmlns:a16="http://schemas.microsoft.com/office/drawing/2014/main" xmlns="" id="{6437D937-A7F1-4011-92B4-328E5BE1B166}"/>
               </a:ext>
               <a:ext uri="{C183D7F6-B498-43B3-948B-1728B52AA6E4}">
-                <adec:decorative xmlns:adec="http://schemas.microsoft.com/office/drawing/2017/decorative" val="1"/>
+                <adec:decorative xmlns:adec="http://schemas.microsoft.com/office/drawing/2017/decorative" xmlns="" val="1"/>
               </a:ext>
             </a:extLst>
           </p:cNvPr>
@@ -10570,10 +10606,10 @@
           <p:cNvPr id="15" name="Oval 14">
             <a:extLst>
               <a:ext uri="{FF2B5EF4-FFF2-40B4-BE49-F238E27FC236}">
-                <a16:creationId xmlns:a16="http://schemas.microsoft.com/office/drawing/2014/main" id="{B672F332-AF08-46C6-94F0-77684310D7B7}"/>
+                <a16:creationId xmlns:a16="http://schemas.microsoft.com/office/drawing/2014/main" xmlns="" id="{B672F332-AF08-46C6-94F0-77684310D7B7}"/>
               </a:ext>
               <a:ext uri="{C183D7F6-B498-43B3-948B-1728B52AA6E4}">
-                <adec:decorative xmlns:adec="http://schemas.microsoft.com/office/drawing/2017/decorative" val="1"/>
+                <adec:decorative xmlns:adec="http://schemas.microsoft.com/office/drawing/2017/decorative" xmlns="" val="1"/>
               </a:ext>
             </a:extLst>
           </p:cNvPr>
@@ -10662,10 +10698,10 @@
           <p:cNvPr id="17" name="Oval 16">
             <a:extLst>
               <a:ext uri="{FF2B5EF4-FFF2-40B4-BE49-F238E27FC236}">
-                <a16:creationId xmlns:a16="http://schemas.microsoft.com/office/drawing/2014/main" id="{34244EF8-D73A-40E1-BE73-D46E6B4B04ED}"/>
+                <a16:creationId xmlns:a16="http://schemas.microsoft.com/office/drawing/2014/main" xmlns="" id="{34244EF8-D73A-40E1-BE73-D46E6B4B04ED}"/>
               </a:ext>
               <a:ext uri="{C183D7F6-B498-43B3-948B-1728B52AA6E4}">
-                <adec:decorative xmlns:adec="http://schemas.microsoft.com/office/drawing/2017/decorative" val="1"/>
+                <adec:decorative xmlns:adec="http://schemas.microsoft.com/office/drawing/2017/decorative" xmlns="" val="1"/>
               </a:ext>
             </a:extLst>
           </p:cNvPr>
@@ -10754,10 +10790,10 @@
           <p:cNvPr id="19" name="Freeform: Shape 18">
             <a:extLst>
               <a:ext uri="{FF2B5EF4-FFF2-40B4-BE49-F238E27FC236}">
-                <a16:creationId xmlns:a16="http://schemas.microsoft.com/office/drawing/2014/main" id="{AB84D7E8-4ECB-42D7-ADBF-01689B0F24AE}"/>
+                <a16:creationId xmlns:a16="http://schemas.microsoft.com/office/drawing/2014/main" xmlns="" id="{AB84D7E8-4ECB-42D7-ADBF-01689B0F24AE}"/>
               </a:ext>
               <a:ext uri="{C183D7F6-B498-43B3-948B-1728B52AA6E4}">
-                <adec:decorative xmlns:adec="http://schemas.microsoft.com/office/drawing/2017/decorative" val="1"/>
+                <adec:decorative xmlns:adec="http://schemas.microsoft.com/office/drawing/2017/decorative" xmlns="" val="1"/>
               </a:ext>
             </a:extLst>
           </p:cNvPr>
@@ -10909,10 +10945,10 @@
           <p:cNvPr id="21" name="Straight Connector 20">
             <a:extLst>
               <a:ext uri="{FF2B5EF4-FFF2-40B4-BE49-F238E27FC236}">
-                <a16:creationId xmlns:a16="http://schemas.microsoft.com/office/drawing/2014/main" id="{9E8E38ED-369A-44C2-B635-0BED0E48A6E8}"/>
+                <a16:creationId xmlns:a16="http://schemas.microsoft.com/office/drawing/2014/main" xmlns="" id="{9E8E38ED-369A-44C2-B635-0BED0E48A6E8}"/>
               </a:ext>
               <a:ext uri="{C183D7F6-B498-43B3-948B-1728B52AA6E4}">
-                <adec:decorative xmlns:adec="http://schemas.microsoft.com/office/drawing/2017/decorative" val="1"/>
+                <adec:decorative xmlns:adec="http://schemas.microsoft.com/office/drawing/2017/decorative" xmlns="" val="1"/>
               </a:ext>
             </a:extLst>
           </p:cNvPr>
@@ -10961,7 +10997,7 @@
           <p:cNvPr id="6" name="TextBox 5">
             <a:extLst>
               <a:ext uri="{FF2B5EF4-FFF2-40B4-BE49-F238E27FC236}">
-                <a16:creationId xmlns:a16="http://schemas.microsoft.com/office/drawing/2014/main" id="{22B54AF2-355A-C640-94BB-354252E5DA20}"/>
+                <a16:creationId xmlns:a16="http://schemas.microsoft.com/office/drawing/2014/main" xmlns="" id="{22B54AF2-355A-C640-94BB-354252E5DA20}"/>
               </a:ext>
             </a:extLst>
           </p:cNvPr>
@@ -10999,7 +11035,7 @@
                 <a:hlinkClick r:id="rId2" tooltip="http://umaprofessoramaluquinha.com.br/?attachment_id=1237">
                   <a:extLst>
                     <a:ext uri="{A12FA001-AC4F-418D-AE19-62706E023703}">
-                      <ahyp:hlinkClr xmlns:ahyp="http://schemas.microsoft.com/office/drawing/2018/hyperlinkcolor" val="tx"/>
+                      <ahyp:hlinkClr xmlns:ahyp="http://schemas.microsoft.com/office/drawing/2018/hyperlinkcolor" xmlns="" val="tx"/>
                     </a:ext>
                   </a:extLst>
                 </a:hlinkClick>
@@ -11022,7 +11058,7 @@
                 <a:hlinkClick r:id="rId3" tooltip="https://creativecommons.org/licenses/by/3.0/">
                   <a:extLst>
                     <a:ext uri="{A12FA001-AC4F-418D-AE19-62706E023703}">
-                      <ahyp:hlinkClr xmlns:ahyp="http://schemas.microsoft.com/office/drawing/2018/hyperlinkcolor" val="tx"/>
+                      <ahyp:hlinkClr xmlns:ahyp="http://schemas.microsoft.com/office/drawing/2018/hyperlinkcolor" xmlns="" val="tx"/>
                     </a:ext>
                   </a:extLst>
                 </a:hlinkClick>
@@ -11033,6 +11069,62 @@
               <a:solidFill>
                 <a:srgbClr val="FFFFFF"/>
               </a:solidFill>
+            </a:endParaRPr>
+          </a:p>
+        </p:txBody>
+      </p:sp>
+      <p:sp>
+        <p:nvSpPr>
+          <p:cNvPr id="10" name="Title 1">
+            <a:extLst>
+              <a:ext uri="{FF2B5EF4-FFF2-40B4-BE49-F238E27FC236}">
+                <a16:creationId xmlns="" xmlns:a16="http://schemas.microsoft.com/office/drawing/2014/main" id="{DD775157-5AA1-384D-B45C-859A191D6F1D}"/>
+              </a:ext>
+            </a:extLst>
+          </p:cNvPr>
+          <p:cNvSpPr txBox="1">
+            <a:spLocks/>
+          </p:cNvSpPr>
+          <p:nvPr/>
+        </p:nvSpPr>
+        <p:spPr>
+          <a:xfrm>
+            <a:off x="600381" y="4554936"/>
+            <a:ext cx="7194631" cy="1737360"/>
+          </a:xfrm>
+          <a:prstGeom prst="rect">
+            <a:avLst/>
+          </a:prstGeom>
+        </p:spPr>
+        <p:txBody>
+          <a:bodyPr vert="horz" lIns="91440" tIns="45720" rIns="91440" bIns="45720" rtlCol="0" anchor="ctr">
+            <a:normAutofit fontScale="97500"/>
+          </a:bodyPr>
+          <a:lstStyle>
+            <a:lvl1pPr algn="l" defTabSz="914400" rtl="0" eaLnBrk="1" latinLnBrk="0" hangingPunct="1">
+              <a:lnSpc>
+                <a:spcPct val="90000"/>
+              </a:lnSpc>
+              <a:spcBef>
+                <a:spcPct val="0"/>
+              </a:spcBef>
+              <a:buNone/>
+              <a:defRPr sz="4400" kern="1200">
+                <a:solidFill>
+                  <a:schemeClr val="tx1"/>
+                </a:solidFill>
+                <a:latin typeface="+mj-lt"/>
+                <a:ea typeface="+mj-ea"/>
+                <a:cs typeface="+mj-cs"/>
+              </a:defRPr>
+            </a:lvl1pPr>
+          </a:lstStyle>
+          <a:p>
+            <a:pPr algn="r"/>
+            <a:endParaRPr lang="en-US" sz="6000" b="1" dirty="0">
+              <a:latin typeface="Helvetica Neue" panose="02000503000000020004" pitchFamily="2" charset="0"/>
+              <a:ea typeface="Helvetica Neue" panose="02000503000000020004" pitchFamily="2" charset="0"/>
+              <a:cs typeface="Helvetica Neue" panose="02000503000000020004" pitchFamily="2" charset="0"/>
             </a:endParaRPr>
           </a:p>
         </p:txBody>
@@ -11051,6 +11143,925 @@
 </file>
 
 <file path=ppt/slides/slide10.xml><?xml version="1.0" encoding="utf-8"?>
+<p:sld xmlns:a="http://schemas.openxmlformats.org/drawingml/2006/main" xmlns:r="http://schemas.openxmlformats.org/officeDocument/2006/relationships" xmlns:p="http://schemas.openxmlformats.org/presentationml/2006/main">
+  <p:cSld>
+    <p:spTree>
+      <p:nvGrpSpPr>
+        <p:cNvPr id="1" name=""/>
+        <p:cNvGrpSpPr/>
+        <p:nvPr/>
+      </p:nvGrpSpPr>
+      <p:grpSpPr>
+        <a:xfrm>
+          <a:off x="0" y="0"/>
+          <a:ext cx="0" cy="0"/>
+          <a:chOff x="0" y="0"/>
+          <a:chExt cx="0" cy="0"/>
+        </a:xfrm>
+      </p:grpSpPr>
+      <p:sp>
+        <p:nvSpPr>
+          <p:cNvPr id="2" name="Title 1">
+            <a:extLst>
+              <a:ext uri="{FF2B5EF4-FFF2-40B4-BE49-F238E27FC236}">
+                <a16:creationId xmlns:a16="http://schemas.microsoft.com/office/drawing/2014/main" xmlns="" id="{07798674-E301-554E-9BA6-4119F55B3BAA}"/>
+              </a:ext>
+            </a:extLst>
+          </p:cNvPr>
+          <p:cNvSpPr>
+            <a:spLocks noGrp="1"/>
+          </p:cNvSpPr>
+          <p:nvPr>
+            <p:ph type="title"/>
+          </p:nvPr>
+        </p:nvSpPr>
+        <p:spPr/>
+        <p:txBody>
+          <a:bodyPr>
+            <a:normAutofit/>
+          </a:bodyPr>
+          <a:lstStyle/>
+          <a:p>
+            <a:r>
+              <a:rPr lang="en-AU" b="1" dirty="0">
+                <a:latin typeface="Helvetica Neue" panose="02000503000000020004" pitchFamily="2" charset="0"/>
+                <a:ea typeface="Helvetica Neue" panose="02000503000000020004" pitchFamily="2" charset="0"/>
+                <a:cs typeface="Helvetica Neue" panose="02000503000000020004" pitchFamily="2" charset="0"/>
+              </a:rPr>
+              <a:t>2.3	K-nearest Neighbour Prediction</a:t>
+            </a:r>
+            <a:endParaRPr lang="en-US" dirty="0">
+              <a:latin typeface="Helvetica Neue" panose="02000503000000020004" pitchFamily="2" charset="0"/>
+              <a:ea typeface="Helvetica Neue" panose="02000503000000020004" pitchFamily="2" charset="0"/>
+              <a:cs typeface="Helvetica Neue" panose="02000503000000020004" pitchFamily="2" charset="0"/>
+            </a:endParaRPr>
+          </a:p>
+        </p:txBody>
+      </p:sp>
+      <p:sp>
+        <p:nvSpPr>
+          <p:cNvPr id="3" name="Content Placeholder 2">
+            <a:extLst>
+              <a:ext uri="{FF2B5EF4-FFF2-40B4-BE49-F238E27FC236}">
+                <a16:creationId xmlns:a16="http://schemas.microsoft.com/office/drawing/2014/main" xmlns="" id="{43E4FCF2-53F1-4C4F-A846-72FC3C457F62}"/>
+              </a:ext>
+            </a:extLst>
+          </p:cNvPr>
+          <p:cNvSpPr>
+            <a:spLocks noGrp="1"/>
+          </p:cNvSpPr>
+          <p:nvPr>
+            <p:ph idx="1"/>
+          </p:nvPr>
+        </p:nvSpPr>
+        <p:spPr/>
+        <p:txBody>
+          <a:bodyPr/>
+          <a:lstStyle/>
+          <a:p>
+            <a:r>
+              <a:rPr lang="en-US" dirty="0">
+                <a:latin typeface="Helvetica Neue" panose="02000503000000020004" pitchFamily="2" charset="0"/>
+                <a:ea typeface="Helvetica Neue" panose="02000503000000020004" pitchFamily="2" charset="0"/>
+                <a:cs typeface="Helvetica Neue" panose="02000503000000020004" pitchFamily="2" charset="0"/>
+              </a:rPr>
+              <a:t>For each test points base station reading compare with the sample points readings</a:t>
+            </a:r>
+          </a:p>
+          <a:p>
+            <a:pPr marL="0" indent="0">
+              <a:buNone/>
+            </a:pPr>
+            <a:endParaRPr lang="en-US" dirty="0">
+              <a:latin typeface="Helvetica Neue" panose="02000503000000020004" pitchFamily="2" charset="0"/>
+              <a:ea typeface="Helvetica Neue" panose="02000503000000020004" pitchFamily="2" charset="0"/>
+              <a:cs typeface="Helvetica Neue" panose="02000503000000020004" pitchFamily="2" charset="0"/>
+            </a:endParaRPr>
+          </a:p>
+          <a:p>
+            <a:r>
+              <a:rPr lang="en-US" dirty="0">
+                <a:latin typeface="Helvetica Neue" panose="02000503000000020004" pitchFamily="2" charset="0"/>
+                <a:ea typeface="Helvetica Neue" panose="02000503000000020004" pitchFamily="2" charset="0"/>
+                <a:cs typeface="Helvetica Neue" panose="02000503000000020004" pitchFamily="2" charset="0"/>
+              </a:rPr>
+              <a:t>Compute the Euclidian Distance applying the weight with each sample points</a:t>
+            </a:r>
+          </a:p>
+          <a:p>
+            <a:pPr marL="0" indent="0">
+              <a:buNone/>
+            </a:pPr>
+            <a:endParaRPr lang="en-US" dirty="0">
+              <a:latin typeface="Helvetica Neue" panose="02000503000000020004" pitchFamily="2" charset="0"/>
+              <a:ea typeface="Helvetica Neue" panose="02000503000000020004" pitchFamily="2" charset="0"/>
+              <a:cs typeface="Helvetica Neue" panose="02000503000000020004" pitchFamily="2" charset="0"/>
+            </a:endParaRPr>
+          </a:p>
+          <a:p>
+            <a:r>
+              <a:rPr lang="en-US" dirty="0">
+                <a:latin typeface="Helvetica Neue" panose="02000503000000020004" pitchFamily="2" charset="0"/>
+                <a:ea typeface="Helvetica Neue" panose="02000503000000020004" pitchFamily="2" charset="0"/>
+                <a:cs typeface="Helvetica Neue" panose="02000503000000020004" pitchFamily="2" charset="0"/>
+              </a:rPr>
+              <a:t>Find the k sample points with the least distance</a:t>
+            </a:r>
+          </a:p>
+          <a:p>
+            <a:pPr marL="0" indent="0">
+              <a:buNone/>
+            </a:pPr>
+            <a:endParaRPr lang="en-US" dirty="0">
+              <a:latin typeface="Helvetica Neue" panose="02000503000000020004" pitchFamily="2" charset="0"/>
+              <a:ea typeface="Helvetica Neue" panose="02000503000000020004" pitchFamily="2" charset="0"/>
+              <a:cs typeface="Helvetica Neue" panose="02000503000000020004" pitchFamily="2" charset="0"/>
+            </a:endParaRPr>
+          </a:p>
+          <a:p>
+            <a:r>
+              <a:rPr lang="en-US" dirty="0">
+                <a:latin typeface="Helvetica Neue" panose="02000503000000020004" pitchFamily="2" charset="0"/>
+                <a:ea typeface="Helvetica Neue" panose="02000503000000020004" pitchFamily="2" charset="0"/>
+                <a:cs typeface="Helvetica Neue" panose="02000503000000020004" pitchFamily="2" charset="0"/>
+              </a:rPr>
+              <a:t>Find the center of the k sample points</a:t>
+            </a:r>
+          </a:p>
+        </p:txBody>
+      </p:sp>
+    </p:spTree>
+    <p:extLst>
+      <p:ext uri="{BB962C8B-B14F-4D97-AF65-F5344CB8AC3E}">
+        <p14:creationId xmlns:p14="http://schemas.microsoft.com/office/powerpoint/2010/main" val="2038368973"/>
+      </p:ext>
+    </p:extLst>
+  </p:cSld>
+  <p:clrMapOvr>
+    <a:masterClrMapping/>
+  </p:clrMapOvr>
+</p:sld>
+</file>
+
+<file path=ppt/slides/slide11.xml><?xml version="1.0" encoding="utf-8"?>
+<p:sld xmlns:a="http://schemas.openxmlformats.org/drawingml/2006/main" xmlns:r="http://schemas.openxmlformats.org/officeDocument/2006/relationships" xmlns:p="http://schemas.openxmlformats.org/presentationml/2006/main">
+  <p:cSld>
+    <p:spTree>
+      <p:nvGrpSpPr>
+        <p:cNvPr id="1" name=""/>
+        <p:cNvGrpSpPr/>
+        <p:nvPr/>
+      </p:nvGrpSpPr>
+      <p:grpSpPr>
+        <a:xfrm>
+          <a:off x="0" y="0"/>
+          <a:ext cx="0" cy="0"/>
+          <a:chOff x="0" y="0"/>
+          <a:chExt cx="0" cy="0"/>
+        </a:xfrm>
+      </p:grpSpPr>
+      <p:sp>
+        <p:nvSpPr>
+          <p:cNvPr id="2" name="Title 1">
+            <a:extLst>
+              <a:ext uri="{FF2B5EF4-FFF2-40B4-BE49-F238E27FC236}">
+                <a16:creationId xmlns:a16="http://schemas.microsoft.com/office/drawing/2014/main" xmlns="" id="{F668BCFA-92F5-E24D-BA3C-F8E85A091FBF}"/>
+              </a:ext>
+            </a:extLst>
+          </p:cNvPr>
+          <p:cNvSpPr>
+            <a:spLocks noGrp="1"/>
+          </p:cNvSpPr>
+          <p:nvPr>
+            <p:ph type="title"/>
+          </p:nvPr>
+        </p:nvSpPr>
+        <p:spPr/>
+        <p:txBody>
+          <a:bodyPr/>
+          <a:lstStyle/>
+          <a:p>
+            <a:r>
+              <a:rPr lang="en-AU" b="1" dirty="0">
+                <a:latin typeface="Helvetica Neue" panose="02000503000000020004" pitchFamily="2" charset="0"/>
+                <a:ea typeface="Helvetica Neue" panose="02000503000000020004" pitchFamily="2" charset="0"/>
+                <a:cs typeface="Helvetica Neue" panose="02000503000000020004" pitchFamily="2" charset="0"/>
+              </a:rPr>
+              <a:t>2.3	How to choose K?</a:t>
+            </a:r>
+            <a:endParaRPr lang="en-US" dirty="0"/>
+          </a:p>
+        </p:txBody>
+      </p:sp>
+      <p:pic>
+        <p:nvPicPr>
+          <p:cNvPr id="4" name="Content Placeholder 3">
+            <a:extLst>
+              <a:ext uri="{FF2B5EF4-FFF2-40B4-BE49-F238E27FC236}">
+                <a16:creationId xmlns:a16="http://schemas.microsoft.com/office/drawing/2014/main" xmlns="" id="{59C5DA00-E148-2343-95FC-60D868345577}"/>
+              </a:ext>
+            </a:extLst>
+          </p:cNvPr>
+          <p:cNvPicPr>
+            <a:picLocks noGrp="1" noChangeAspect="1"/>
+          </p:cNvPicPr>
+          <p:nvPr>
+            <p:ph idx="1"/>
+          </p:nvPr>
+        </p:nvPicPr>
+        <p:blipFill>
+          <a:blip r:embed="rId2"/>
+          <a:stretch>
+            <a:fillRect/>
+          </a:stretch>
+        </p:blipFill>
+        <p:spPr>
+          <a:xfrm>
+            <a:off x="5807675" y="1569308"/>
+            <a:ext cx="6212755" cy="3909149"/>
+          </a:xfrm>
+          <a:prstGeom prst="rect">
+            <a:avLst/>
+          </a:prstGeom>
+        </p:spPr>
+      </p:pic>
+      <p:sp>
+        <p:nvSpPr>
+          <p:cNvPr id="5" name="TextBox 4">
+            <a:extLst>
+              <a:ext uri="{FF2B5EF4-FFF2-40B4-BE49-F238E27FC236}">
+                <a16:creationId xmlns:a16="http://schemas.microsoft.com/office/drawing/2014/main" xmlns="" id="{5A77450D-EE40-5A40-8F97-9AB6B40FDD34}"/>
+              </a:ext>
+            </a:extLst>
+          </p:cNvPr>
+          <p:cNvSpPr txBox="1"/>
+          <p:nvPr/>
+        </p:nvSpPr>
+        <p:spPr>
+          <a:xfrm>
+            <a:off x="704335" y="1690688"/>
+            <a:ext cx="4287794" cy="2862322"/>
+          </a:xfrm>
+          <a:prstGeom prst="rect">
+            <a:avLst/>
+          </a:prstGeom>
+          <a:noFill/>
+        </p:spPr>
+        <p:txBody>
+          <a:bodyPr wrap="square" rtlCol="0">
+            <a:spAutoFit/>
+          </a:bodyPr>
+          <a:lstStyle/>
+          <a:p>
+            <a:pPr marL="342900" indent="-342900">
+              <a:buFont typeface="Arial" panose="020B0604020202020204" pitchFamily="34" charset="0"/>
+              <a:buChar char="•"/>
+            </a:pPr>
+            <a:r>
+              <a:rPr lang="en-US" sz="2000" dirty="0">
+                <a:latin typeface="Helvetica Neue" panose="02000503000000020004" pitchFamily="2" charset="0"/>
+                <a:ea typeface="Helvetica Neue" panose="02000503000000020004" pitchFamily="2" charset="0"/>
+                <a:cs typeface="Helvetica Neue" panose="02000503000000020004" pitchFamily="2" charset="0"/>
+              </a:rPr>
+              <a:t>By Using the weight we mentioned before the error distance decrease from 6.14 to 5.54 meters</a:t>
+            </a:r>
+          </a:p>
+          <a:p>
+            <a:endParaRPr lang="en-US" sz="2000" dirty="0">
+              <a:latin typeface="Helvetica Neue" panose="02000503000000020004" pitchFamily="2" charset="0"/>
+              <a:ea typeface="Helvetica Neue" panose="02000503000000020004" pitchFamily="2" charset="0"/>
+              <a:cs typeface="Helvetica Neue" panose="02000503000000020004" pitchFamily="2" charset="0"/>
+            </a:endParaRPr>
+          </a:p>
+          <a:p>
+            <a:pPr marL="342900" indent="-342900">
+              <a:buFont typeface="Arial" panose="020B0604020202020204" pitchFamily="34" charset="0"/>
+              <a:buChar char="•"/>
+            </a:pPr>
+            <a:r>
+              <a:rPr lang="en-US" sz="2000" dirty="0">
+                <a:latin typeface="Helvetica Neue" panose="02000503000000020004" pitchFamily="2" charset="0"/>
+                <a:ea typeface="Helvetica Neue" panose="02000503000000020004" pitchFamily="2" charset="0"/>
+                <a:cs typeface="Helvetica Neue" panose="02000503000000020004" pitchFamily="2" charset="0"/>
+              </a:rPr>
+              <a:t>By far applying the weight as well as chose k = 4 seems returns the best outcome </a:t>
+            </a:r>
+          </a:p>
+          <a:p>
+            <a:endParaRPr lang="en-US" sz="2000" dirty="0">
+              <a:latin typeface="Helvetica Neue" panose="02000503000000020004" pitchFamily="2" charset="0"/>
+              <a:ea typeface="Helvetica Neue" panose="02000503000000020004" pitchFamily="2" charset="0"/>
+              <a:cs typeface="Helvetica Neue" panose="02000503000000020004" pitchFamily="2" charset="0"/>
+            </a:endParaRPr>
+          </a:p>
+        </p:txBody>
+      </p:sp>
+    </p:spTree>
+    <p:extLst>
+      <p:ext uri="{BB962C8B-B14F-4D97-AF65-F5344CB8AC3E}">
+        <p14:creationId xmlns:p14="http://schemas.microsoft.com/office/powerpoint/2010/main" val="3203538212"/>
+      </p:ext>
+    </p:extLst>
+  </p:cSld>
+  <p:clrMapOvr>
+    <a:masterClrMapping/>
+  </p:clrMapOvr>
+</p:sld>
+</file>
+
+<file path=ppt/slides/slide12.xml><?xml version="1.0" encoding="utf-8"?>
+<p:sld xmlns:a="http://schemas.openxmlformats.org/drawingml/2006/main" xmlns:r="http://schemas.openxmlformats.org/officeDocument/2006/relationships" xmlns:p="http://schemas.openxmlformats.org/presentationml/2006/main">
+  <p:cSld>
+    <p:spTree>
+      <p:nvGrpSpPr>
+        <p:cNvPr id="1" name=""/>
+        <p:cNvGrpSpPr/>
+        <p:nvPr/>
+      </p:nvGrpSpPr>
+      <p:grpSpPr>
+        <a:xfrm>
+          <a:off x="0" y="0"/>
+          <a:ext cx="0" cy="0"/>
+          <a:chOff x="0" y="0"/>
+          <a:chExt cx="0" cy="0"/>
+        </a:xfrm>
+      </p:grpSpPr>
+      <p:sp>
+        <p:nvSpPr>
+          <p:cNvPr id="2" name="Title 1">
+            <a:extLst>
+              <a:ext uri="{FF2B5EF4-FFF2-40B4-BE49-F238E27FC236}">
+                <a16:creationId xmlns:a16="http://schemas.microsoft.com/office/drawing/2014/main" xmlns="" id="{9261DB7E-44C4-084F-9D57-29E04A3B36CD}"/>
+              </a:ext>
+            </a:extLst>
+          </p:cNvPr>
+          <p:cNvSpPr>
+            <a:spLocks noGrp="1"/>
+          </p:cNvSpPr>
+          <p:nvPr>
+            <p:ph type="title"/>
+          </p:nvPr>
+        </p:nvSpPr>
+        <p:spPr/>
+        <p:txBody>
+          <a:bodyPr/>
+          <a:lstStyle/>
+          <a:p>
+            <a:r>
+              <a:rPr lang="en-AU" b="1" dirty="0">
+                <a:latin typeface="Helvetica Neue" panose="02000503000000020004" pitchFamily="2" charset="0"/>
+                <a:ea typeface="Helvetica Neue" panose="02000503000000020004" pitchFamily="2" charset="0"/>
+                <a:cs typeface="Helvetica Neue" panose="02000503000000020004" pitchFamily="2" charset="0"/>
+              </a:rPr>
+              <a:t>2.4	Discussion for the Error</a:t>
+            </a:r>
+            <a:r>
+              <a:rPr lang="en-AU" dirty="0">
+                <a:latin typeface="Helvetica Neue" panose="02000503000000020004" pitchFamily="2" charset="0"/>
+                <a:ea typeface="Helvetica Neue" panose="02000503000000020004" pitchFamily="2" charset="0"/>
+                <a:cs typeface="Helvetica Neue" panose="02000503000000020004" pitchFamily="2" charset="0"/>
+              </a:rPr>
+              <a:t> (Hardware)</a:t>
+            </a:r>
+            <a:endParaRPr lang="en-US" dirty="0">
+              <a:latin typeface="Helvetica Neue" panose="02000503000000020004" pitchFamily="2" charset="0"/>
+              <a:ea typeface="Helvetica Neue" panose="02000503000000020004" pitchFamily="2" charset="0"/>
+              <a:cs typeface="Helvetica Neue" panose="02000503000000020004" pitchFamily="2" charset="0"/>
+            </a:endParaRPr>
+          </a:p>
+        </p:txBody>
+      </p:sp>
+      <p:sp>
+        <p:nvSpPr>
+          <p:cNvPr id="3" name="Content Placeholder 2">
+            <a:extLst>
+              <a:ext uri="{FF2B5EF4-FFF2-40B4-BE49-F238E27FC236}">
+                <a16:creationId xmlns:a16="http://schemas.microsoft.com/office/drawing/2014/main" xmlns="" id="{1010BBE1-8861-F94D-B6F0-777229F73116}"/>
+              </a:ext>
+            </a:extLst>
+          </p:cNvPr>
+          <p:cNvSpPr>
+            <a:spLocks noGrp="1"/>
+          </p:cNvSpPr>
+          <p:nvPr>
+            <p:ph idx="1"/>
+          </p:nvPr>
+        </p:nvSpPr>
+        <p:spPr>
+          <a:xfrm>
+            <a:off x="838200" y="2369326"/>
+            <a:ext cx="5150708" cy="4351338"/>
+          </a:xfrm>
+        </p:spPr>
+        <p:txBody>
+          <a:bodyPr/>
+          <a:lstStyle/>
+          <a:p>
+            <a:r>
+              <a:rPr lang="en-US" b="1" dirty="0">
+                <a:latin typeface="Helvetica Neue" panose="02000503000000020004" pitchFamily="2" charset="0"/>
+                <a:ea typeface="Helvetica Neue" panose="02000503000000020004" pitchFamily="2" charset="0"/>
+                <a:cs typeface="Helvetica Neue" panose="02000503000000020004" pitchFamily="2" charset="0"/>
+              </a:rPr>
+              <a:t>Sensor Tag</a:t>
+            </a:r>
+          </a:p>
+          <a:p>
+            <a:pPr>
+              <a:buFont typeface="Wingdings" pitchFamily="2" charset="2"/>
+              <a:buChar char="q"/>
+            </a:pPr>
+            <a:r>
+              <a:rPr lang="en-US" dirty="0">
+                <a:latin typeface="Helvetica Neue" panose="02000503000000020004" pitchFamily="2" charset="0"/>
+                <a:ea typeface="Helvetica Neue" panose="02000503000000020004" pitchFamily="2" charset="0"/>
+                <a:cs typeface="Helvetica Neue" panose="02000503000000020004" pitchFamily="2" charset="0"/>
+              </a:rPr>
+              <a:t>Less Signal Strength</a:t>
+            </a:r>
+          </a:p>
+          <a:p>
+            <a:pPr>
+              <a:buFont typeface="Wingdings" pitchFamily="2" charset="2"/>
+              <a:buChar char="q"/>
+            </a:pPr>
+            <a:r>
+              <a:rPr lang="en-US" dirty="0">
+                <a:latin typeface="Helvetica Neue" panose="02000503000000020004" pitchFamily="2" charset="0"/>
+                <a:ea typeface="Helvetica Neue" panose="02000503000000020004" pitchFamily="2" charset="0"/>
+                <a:cs typeface="Helvetica Neue" panose="02000503000000020004" pitchFamily="2" charset="0"/>
+              </a:rPr>
+              <a:t>Less Signal Penetration</a:t>
+            </a:r>
+          </a:p>
+          <a:p>
+            <a:pPr>
+              <a:buFont typeface="Wingdings" pitchFamily="2" charset="2"/>
+              <a:buChar char="q"/>
+            </a:pPr>
+            <a:r>
+              <a:rPr lang="en-US" dirty="0">
+                <a:latin typeface="Helvetica Neue" panose="02000503000000020004" pitchFamily="2" charset="0"/>
+                <a:ea typeface="Helvetica Neue" panose="02000503000000020004" pitchFamily="2" charset="0"/>
+                <a:cs typeface="Helvetica Neue" panose="02000503000000020004" pitchFamily="2" charset="0"/>
+              </a:rPr>
+              <a:t>Less Power Supply</a:t>
+            </a:r>
+          </a:p>
+          <a:p>
+            <a:pPr>
+              <a:buFont typeface="Wingdings" pitchFamily="2" charset="2"/>
+              <a:buChar char="q"/>
+            </a:pPr>
+            <a:r>
+              <a:rPr lang="en-US" dirty="0">
+                <a:latin typeface="Helvetica Neue" panose="02000503000000020004" pitchFamily="2" charset="0"/>
+                <a:ea typeface="Helvetica Neue" panose="02000503000000020004" pitchFamily="2" charset="0"/>
+                <a:cs typeface="Helvetica Neue" panose="02000503000000020004" pitchFamily="2" charset="0"/>
+              </a:rPr>
+              <a:t>Less Resistant to Noise</a:t>
+            </a:r>
+          </a:p>
+          <a:p>
+            <a:pPr marL="0" indent="0">
+              <a:buNone/>
+            </a:pPr>
+            <a:endParaRPr lang="en-US" dirty="0">
+              <a:latin typeface="Helvetica Neue" panose="02000503000000020004" pitchFamily="2" charset="0"/>
+              <a:ea typeface="Helvetica Neue" panose="02000503000000020004" pitchFamily="2" charset="0"/>
+              <a:cs typeface="Helvetica Neue" panose="02000503000000020004" pitchFamily="2" charset="0"/>
+            </a:endParaRPr>
+          </a:p>
+        </p:txBody>
+      </p:sp>
+      <p:sp>
+        <p:nvSpPr>
+          <p:cNvPr id="4" name="Content Placeholder 2">
+            <a:extLst>
+              <a:ext uri="{FF2B5EF4-FFF2-40B4-BE49-F238E27FC236}">
+                <a16:creationId xmlns:a16="http://schemas.microsoft.com/office/drawing/2014/main" xmlns="" id="{5B697BF6-5492-574B-947C-E6EE38A5BDD9}"/>
+              </a:ext>
+            </a:extLst>
+          </p:cNvPr>
+          <p:cNvSpPr txBox="1">
+            <a:spLocks/>
+          </p:cNvSpPr>
+          <p:nvPr/>
+        </p:nvSpPr>
+        <p:spPr>
+          <a:xfrm>
+            <a:off x="6439930" y="2369326"/>
+            <a:ext cx="5150708" cy="4351338"/>
+          </a:xfrm>
+          <a:prstGeom prst="rect">
+            <a:avLst/>
+          </a:prstGeom>
+        </p:spPr>
+        <p:txBody>
+          <a:bodyPr vert="horz" lIns="91440" tIns="45720" rIns="91440" bIns="45720" rtlCol="0">
+            <a:normAutofit/>
+          </a:bodyPr>
+          <a:lstStyle>
+            <a:lvl1pPr marL="228600" indent="-228600" algn="l" defTabSz="914400" rtl="0" eaLnBrk="1" latinLnBrk="0" hangingPunct="1">
+              <a:lnSpc>
+                <a:spcPct val="90000"/>
+              </a:lnSpc>
+              <a:spcBef>
+                <a:spcPts val="1000"/>
+              </a:spcBef>
+              <a:buFont typeface="Arial" panose="020B0604020202020204" pitchFamily="34" charset="0"/>
+              <a:buChar char="•"/>
+              <a:defRPr sz="2800" kern="1200">
+                <a:solidFill>
+                  <a:schemeClr val="tx1"/>
+                </a:solidFill>
+                <a:latin typeface="+mn-lt"/>
+                <a:ea typeface="+mn-ea"/>
+                <a:cs typeface="+mn-cs"/>
+              </a:defRPr>
+            </a:lvl1pPr>
+            <a:lvl2pPr marL="685800" indent="-228600" algn="l" defTabSz="914400" rtl="0" eaLnBrk="1" latinLnBrk="0" hangingPunct="1">
+              <a:lnSpc>
+                <a:spcPct val="90000"/>
+              </a:lnSpc>
+              <a:spcBef>
+                <a:spcPts val="500"/>
+              </a:spcBef>
+              <a:buFont typeface="Arial" panose="020B0604020202020204" pitchFamily="34" charset="0"/>
+              <a:buChar char="•"/>
+              <a:defRPr sz="2400" kern="1200">
+                <a:solidFill>
+                  <a:schemeClr val="tx1"/>
+                </a:solidFill>
+                <a:latin typeface="+mn-lt"/>
+                <a:ea typeface="+mn-ea"/>
+                <a:cs typeface="+mn-cs"/>
+              </a:defRPr>
+            </a:lvl2pPr>
+            <a:lvl3pPr marL="1143000" indent="-228600" algn="l" defTabSz="914400" rtl="0" eaLnBrk="1" latinLnBrk="0" hangingPunct="1">
+              <a:lnSpc>
+                <a:spcPct val="90000"/>
+              </a:lnSpc>
+              <a:spcBef>
+                <a:spcPts val="500"/>
+              </a:spcBef>
+              <a:buFont typeface="Arial" panose="020B0604020202020204" pitchFamily="34" charset="0"/>
+              <a:buChar char="•"/>
+              <a:defRPr sz="2000" kern="1200">
+                <a:solidFill>
+                  <a:schemeClr val="tx1"/>
+                </a:solidFill>
+                <a:latin typeface="+mn-lt"/>
+                <a:ea typeface="+mn-ea"/>
+                <a:cs typeface="+mn-cs"/>
+              </a:defRPr>
+            </a:lvl3pPr>
+            <a:lvl4pPr marL="1600200" indent="-228600" algn="l" defTabSz="914400" rtl="0" eaLnBrk="1" latinLnBrk="0" hangingPunct="1">
+              <a:lnSpc>
+                <a:spcPct val="90000"/>
+              </a:lnSpc>
+              <a:spcBef>
+                <a:spcPts val="500"/>
+              </a:spcBef>
+              <a:buFont typeface="Arial" panose="020B0604020202020204" pitchFamily="34" charset="0"/>
+              <a:buChar char="•"/>
+              <a:defRPr sz="1800" kern="1200">
+                <a:solidFill>
+                  <a:schemeClr val="tx1"/>
+                </a:solidFill>
+                <a:latin typeface="+mn-lt"/>
+                <a:ea typeface="+mn-ea"/>
+                <a:cs typeface="+mn-cs"/>
+              </a:defRPr>
+            </a:lvl4pPr>
+            <a:lvl5pPr marL="2057400" indent="-228600" algn="l" defTabSz="914400" rtl="0" eaLnBrk="1" latinLnBrk="0" hangingPunct="1">
+              <a:lnSpc>
+                <a:spcPct val="90000"/>
+              </a:lnSpc>
+              <a:spcBef>
+                <a:spcPts val="500"/>
+              </a:spcBef>
+              <a:buFont typeface="Arial" panose="020B0604020202020204" pitchFamily="34" charset="0"/>
+              <a:buChar char="•"/>
+              <a:defRPr sz="1800" kern="1200">
+                <a:solidFill>
+                  <a:schemeClr val="tx1"/>
+                </a:solidFill>
+                <a:latin typeface="+mn-lt"/>
+                <a:ea typeface="+mn-ea"/>
+                <a:cs typeface="+mn-cs"/>
+              </a:defRPr>
+            </a:lvl5pPr>
+            <a:lvl6pPr marL="2514600" indent="-228600" algn="l" defTabSz="914400" rtl="0" eaLnBrk="1" latinLnBrk="0" hangingPunct="1">
+              <a:lnSpc>
+                <a:spcPct val="90000"/>
+              </a:lnSpc>
+              <a:spcBef>
+                <a:spcPts val="500"/>
+              </a:spcBef>
+              <a:buFont typeface="Arial" panose="020B0604020202020204" pitchFamily="34" charset="0"/>
+              <a:buChar char="•"/>
+              <a:defRPr sz="1800" kern="1200">
+                <a:solidFill>
+                  <a:schemeClr val="tx1"/>
+                </a:solidFill>
+                <a:latin typeface="+mn-lt"/>
+                <a:ea typeface="+mn-ea"/>
+                <a:cs typeface="+mn-cs"/>
+              </a:defRPr>
+            </a:lvl6pPr>
+            <a:lvl7pPr marL="2971800" indent="-228600" algn="l" defTabSz="914400" rtl="0" eaLnBrk="1" latinLnBrk="0" hangingPunct="1">
+              <a:lnSpc>
+                <a:spcPct val="90000"/>
+              </a:lnSpc>
+              <a:spcBef>
+                <a:spcPts val="500"/>
+              </a:spcBef>
+              <a:buFont typeface="Arial" panose="020B0604020202020204" pitchFamily="34" charset="0"/>
+              <a:buChar char="•"/>
+              <a:defRPr sz="1800" kern="1200">
+                <a:solidFill>
+                  <a:schemeClr val="tx1"/>
+                </a:solidFill>
+                <a:latin typeface="+mn-lt"/>
+                <a:ea typeface="+mn-ea"/>
+                <a:cs typeface="+mn-cs"/>
+              </a:defRPr>
+            </a:lvl7pPr>
+            <a:lvl8pPr marL="3429000" indent="-228600" algn="l" defTabSz="914400" rtl="0" eaLnBrk="1" latinLnBrk="0" hangingPunct="1">
+              <a:lnSpc>
+                <a:spcPct val="90000"/>
+              </a:lnSpc>
+              <a:spcBef>
+                <a:spcPts val="500"/>
+              </a:spcBef>
+              <a:buFont typeface="Arial" panose="020B0604020202020204" pitchFamily="34" charset="0"/>
+              <a:buChar char="•"/>
+              <a:defRPr sz="1800" kern="1200">
+                <a:solidFill>
+                  <a:schemeClr val="tx1"/>
+                </a:solidFill>
+                <a:latin typeface="+mn-lt"/>
+                <a:ea typeface="+mn-ea"/>
+                <a:cs typeface="+mn-cs"/>
+              </a:defRPr>
+            </a:lvl8pPr>
+            <a:lvl9pPr marL="3886200" indent="-228600" algn="l" defTabSz="914400" rtl="0" eaLnBrk="1" latinLnBrk="0" hangingPunct="1">
+              <a:lnSpc>
+                <a:spcPct val="90000"/>
+              </a:lnSpc>
+              <a:spcBef>
+                <a:spcPts val="500"/>
+              </a:spcBef>
+              <a:buFont typeface="Arial" panose="020B0604020202020204" pitchFamily="34" charset="0"/>
+              <a:buChar char="•"/>
+              <a:defRPr sz="1800" kern="1200">
+                <a:solidFill>
+                  <a:schemeClr val="tx1"/>
+                </a:solidFill>
+                <a:latin typeface="+mn-lt"/>
+                <a:ea typeface="+mn-ea"/>
+                <a:cs typeface="+mn-cs"/>
+              </a:defRPr>
+            </a:lvl9pPr>
+          </a:lstStyle>
+          <a:p>
+            <a:r>
+              <a:rPr lang="en-US" b="1" dirty="0">
+                <a:latin typeface="Helvetica Neue" panose="02000503000000020004" pitchFamily="2" charset="0"/>
+                <a:ea typeface="Helvetica Neue" panose="02000503000000020004" pitchFamily="2" charset="0"/>
+                <a:cs typeface="Helvetica Neue" panose="02000503000000020004" pitchFamily="2" charset="0"/>
+              </a:rPr>
+              <a:t>PC with WIFI network Card</a:t>
+            </a:r>
+          </a:p>
+          <a:p>
+            <a:pPr>
+              <a:buFont typeface="Wingdings" pitchFamily="2" charset="2"/>
+              <a:buChar char="q"/>
+            </a:pPr>
+            <a:r>
+              <a:rPr lang="en-US" dirty="0">
+                <a:latin typeface="Helvetica Neue" panose="02000503000000020004" pitchFamily="2" charset="0"/>
+                <a:ea typeface="Helvetica Neue" panose="02000503000000020004" pitchFamily="2" charset="0"/>
+                <a:cs typeface="Helvetica Neue" panose="02000503000000020004" pitchFamily="2" charset="0"/>
+              </a:rPr>
+              <a:t>Stronger WIFI Signal</a:t>
+            </a:r>
+          </a:p>
+          <a:p>
+            <a:pPr>
+              <a:buFont typeface="Wingdings" pitchFamily="2" charset="2"/>
+              <a:buChar char="q"/>
+            </a:pPr>
+            <a:r>
+              <a:rPr lang="en-US" dirty="0">
+                <a:latin typeface="Helvetica Neue" panose="02000503000000020004" pitchFamily="2" charset="0"/>
+                <a:ea typeface="Helvetica Neue" panose="02000503000000020004" pitchFamily="2" charset="0"/>
+                <a:cs typeface="Helvetica Neue" panose="02000503000000020004" pitchFamily="2" charset="0"/>
+              </a:rPr>
+              <a:t>Better Signal Prorogation</a:t>
+            </a:r>
+          </a:p>
+          <a:p>
+            <a:pPr>
+              <a:buFont typeface="Wingdings" pitchFamily="2" charset="2"/>
+              <a:buChar char="q"/>
+            </a:pPr>
+            <a:r>
+              <a:rPr lang="en-US" dirty="0">
+                <a:latin typeface="Helvetica Neue" panose="02000503000000020004" pitchFamily="2" charset="0"/>
+                <a:ea typeface="Helvetica Neue" panose="02000503000000020004" pitchFamily="2" charset="0"/>
+                <a:cs typeface="Helvetica Neue" panose="02000503000000020004" pitchFamily="2" charset="0"/>
+              </a:rPr>
+              <a:t>Stale and Sufficient Power </a:t>
+            </a:r>
+          </a:p>
+          <a:p>
+            <a:pPr>
+              <a:buFont typeface="Wingdings" pitchFamily="2" charset="2"/>
+              <a:buChar char="q"/>
+            </a:pPr>
+            <a:r>
+              <a:rPr lang="en-US" dirty="0">
+                <a:latin typeface="Helvetica Neue" panose="02000503000000020004" pitchFamily="2" charset="0"/>
+                <a:ea typeface="Helvetica Neue" panose="02000503000000020004" pitchFamily="2" charset="0"/>
+                <a:cs typeface="Helvetica Neue" panose="02000503000000020004" pitchFamily="2" charset="0"/>
+              </a:rPr>
+              <a:t>More Adaptive to Noise</a:t>
+            </a:r>
+          </a:p>
+        </p:txBody>
+      </p:sp>
+    </p:spTree>
+    <p:extLst>
+      <p:ext uri="{BB962C8B-B14F-4D97-AF65-F5344CB8AC3E}">
+        <p14:creationId xmlns:p14="http://schemas.microsoft.com/office/powerpoint/2010/main" val="3300740142"/>
+      </p:ext>
+    </p:extLst>
+  </p:cSld>
+  <p:clrMapOvr>
+    <a:masterClrMapping/>
+  </p:clrMapOvr>
+</p:sld>
+</file>
+
+<file path=ppt/slides/slide13.xml><?xml version="1.0" encoding="utf-8"?>
+<p:sld xmlns:a="http://schemas.openxmlformats.org/drawingml/2006/main" xmlns:r="http://schemas.openxmlformats.org/officeDocument/2006/relationships" xmlns:p="http://schemas.openxmlformats.org/presentationml/2006/main">
+  <p:cSld>
+    <p:spTree>
+      <p:nvGrpSpPr>
+        <p:cNvPr id="1" name=""/>
+        <p:cNvGrpSpPr/>
+        <p:nvPr/>
+      </p:nvGrpSpPr>
+      <p:grpSpPr>
+        <a:xfrm>
+          <a:off x="0" y="0"/>
+          <a:ext cx="0" cy="0"/>
+          <a:chOff x="0" y="0"/>
+          <a:chExt cx="0" cy="0"/>
+        </a:xfrm>
+      </p:grpSpPr>
+      <p:sp>
+        <p:nvSpPr>
+          <p:cNvPr id="2" name="Title 1">
+            <a:extLst>
+              <a:ext uri="{FF2B5EF4-FFF2-40B4-BE49-F238E27FC236}">
+                <a16:creationId xmlns:a16="http://schemas.microsoft.com/office/drawing/2014/main" xmlns="" id="{B80129F1-3283-2649-B262-872A93970315}"/>
+              </a:ext>
+            </a:extLst>
+          </p:cNvPr>
+          <p:cNvSpPr>
+            <a:spLocks noGrp="1"/>
+          </p:cNvSpPr>
+          <p:nvPr>
+            <p:ph type="title"/>
+          </p:nvPr>
+        </p:nvSpPr>
+        <p:spPr/>
+        <p:txBody>
+          <a:bodyPr/>
+          <a:lstStyle/>
+          <a:p>
+            <a:r>
+              <a:rPr lang="en-AU" b="1" dirty="0">
+                <a:latin typeface="Helvetica Neue" panose="02000503000000020004" pitchFamily="2" charset="0"/>
+                <a:ea typeface="Helvetica Neue" panose="02000503000000020004" pitchFamily="2" charset="0"/>
+                <a:cs typeface="Helvetica Neue" panose="02000503000000020004" pitchFamily="2" charset="0"/>
+              </a:rPr>
+              <a:t>2.4	Discussion for the Error</a:t>
+            </a:r>
+            <a:r>
+              <a:rPr lang="en-AU" dirty="0">
+                <a:latin typeface="Helvetica Neue" panose="02000503000000020004" pitchFamily="2" charset="0"/>
+                <a:ea typeface="Helvetica Neue" panose="02000503000000020004" pitchFamily="2" charset="0"/>
+                <a:cs typeface="Helvetica Neue" panose="02000503000000020004" pitchFamily="2" charset="0"/>
+              </a:rPr>
+              <a:t> (Algorithm)</a:t>
+            </a:r>
+            <a:endParaRPr lang="en-US" dirty="0"/>
+          </a:p>
+        </p:txBody>
+      </p:sp>
+      <p:sp>
+        <p:nvSpPr>
+          <p:cNvPr id="3" name="Content Placeholder 2">
+            <a:extLst>
+              <a:ext uri="{FF2B5EF4-FFF2-40B4-BE49-F238E27FC236}">
+                <a16:creationId xmlns:a16="http://schemas.microsoft.com/office/drawing/2014/main" xmlns="" id="{A969F0D0-CFDD-0B43-8E67-812D48ADA02A}"/>
+              </a:ext>
+            </a:extLst>
+          </p:cNvPr>
+          <p:cNvSpPr>
+            <a:spLocks noGrp="1"/>
+          </p:cNvSpPr>
+          <p:nvPr>
+            <p:ph idx="1"/>
+          </p:nvPr>
+        </p:nvSpPr>
+        <p:spPr/>
+        <p:txBody>
+          <a:bodyPr/>
+          <a:lstStyle/>
+          <a:p>
+            <a:r>
+              <a:rPr lang="en-US" dirty="0">
+                <a:latin typeface="Helvetica Neue" panose="02000503000000020004" pitchFamily="2" charset="0"/>
+                <a:ea typeface="Helvetica Neue" panose="02000503000000020004" pitchFamily="2" charset="0"/>
+                <a:cs typeface="Helvetica Neue" panose="02000503000000020004" pitchFamily="2" charset="0"/>
+              </a:rPr>
+              <a:t>Minimum Implementation of the Algorithm, more emphasis on experiment implementation(quick and dirty)</a:t>
+            </a:r>
+          </a:p>
+          <a:p>
+            <a:r>
+              <a:rPr lang="en-AU" dirty="0">
+                <a:latin typeface="Helvetica Neue" panose="02000503000000020004" pitchFamily="2" charset="0"/>
+                <a:ea typeface="Helvetica Neue" panose="02000503000000020004" pitchFamily="2" charset="0"/>
+                <a:cs typeface="Helvetica Neue" panose="02000503000000020004" pitchFamily="2" charset="0"/>
+              </a:rPr>
+              <a:t>Further tweak on the weight when calculation the Euclidian Distance</a:t>
+            </a:r>
+          </a:p>
+          <a:p>
+            <a:r>
+              <a:rPr lang="en-AU" dirty="0">
+                <a:latin typeface="Helvetica Neue" panose="02000503000000020004" pitchFamily="2" charset="0"/>
+                <a:ea typeface="Helvetica Neue" panose="02000503000000020004" pitchFamily="2" charset="0"/>
+                <a:cs typeface="Helvetica Neue" panose="02000503000000020004" pitchFamily="2" charset="0"/>
+              </a:rPr>
+              <a:t>Use Kalman Filtering to Further improve the data aggregation</a:t>
+            </a:r>
+          </a:p>
+          <a:p>
+            <a:r>
+              <a:rPr lang="en-AU" dirty="0">
+                <a:latin typeface="Helvetica Neue" panose="02000503000000020004" pitchFamily="2" charset="0"/>
+                <a:ea typeface="Helvetica Neue" panose="02000503000000020004" pitchFamily="2" charset="0"/>
+                <a:cs typeface="Helvetica Neue" panose="02000503000000020004" pitchFamily="2" charset="0"/>
+              </a:rPr>
+              <a:t>Using Least Square Fit ,know base station coordinates and RSSI to predict the location by Trilateral localisation. </a:t>
+            </a:r>
+          </a:p>
+          <a:p>
+            <a:r>
+              <a:rPr lang="en-AU" dirty="0">
+                <a:latin typeface="Helvetica Neue" panose="02000503000000020004" pitchFamily="2" charset="0"/>
+                <a:ea typeface="Helvetica Neue" panose="02000503000000020004" pitchFamily="2" charset="0"/>
+                <a:cs typeface="Helvetica Neue" panose="02000503000000020004" pitchFamily="2" charset="0"/>
+              </a:rPr>
+              <a:t>Possible leverage of Trilateral localisation and K-nearest Neighbours by taking a weighted average </a:t>
+            </a:r>
+            <a:endParaRPr lang="en-US" dirty="0">
+              <a:latin typeface="Helvetica Neue" panose="02000503000000020004" pitchFamily="2" charset="0"/>
+              <a:ea typeface="Helvetica Neue" panose="02000503000000020004" pitchFamily="2" charset="0"/>
+              <a:cs typeface="Helvetica Neue" panose="02000503000000020004" pitchFamily="2" charset="0"/>
+            </a:endParaRPr>
+          </a:p>
+          <a:p>
+            <a:endParaRPr lang="en-US" dirty="0">
+              <a:latin typeface="Helvetica Neue" panose="02000503000000020004" pitchFamily="2" charset="0"/>
+              <a:ea typeface="Helvetica Neue" panose="02000503000000020004" pitchFamily="2" charset="0"/>
+              <a:cs typeface="Helvetica Neue" panose="02000503000000020004" pitchFamily="2" charset="0"/>
+            </a:endParaRPr>
+          </a:p>
+        </p:txBody>
+      </p:sp>
+    </p:spTree>
+    <p:extLst>
+      <p:ext uri="{BB962C8B-B14F-4D97-AF65-F5344CB8AC3E}">
+        <p14:creationId xmlns:p14="http://schemas.microsoft.com/office/powerpoint/2010/main" val="2965007256"/>
+      </p:ext>
+    </p:extLst>
+  </p:cSld>
+  <p:clrMapOvr>
+    <a:masterClrMapping/>
+  </p:clrMapOvr>
+</p:sld>
+</file>
+
+<file path=ppt/slides/slide14.xml><?xml version="1.0" encoding="utf-8"?>
 <p:sld xmlns:a="http://schemas.openxmlformats.org/drawingml/2006/main" xmlns:r="http://schemas.openxmlformats.org/officeDocument/2006/relationships" xmlns:p="http://schemas.openxmlformats.org/presentationml/2006/main">
   <p:cSld>
     <p:bg>
@@ -11080,10 +12091,10 @@
           <p:cNvPr id="11" name="Rectangle 10">
             <a:extLst>
               <a:ext uri="{FF2B5EF4-FFF2-40B4-BE49-F238E27FC236}">
-                <a16:creationId xmlns:a16="http://schemas.microsoft.com/office/drawing/2014/main" id="{559AE206-7EBA-4D33-8BC9-9D8158553F0E}"/>
+                <a16:creationId xmlns:a16="http://schemas.microsoft.com/office/drawing/2014/main" xmlns="" id="{559AE206-7EBA-4D33-8BC9-9D8158553F0E}"/>
               </a:ext>
               <a:ext uri="{C183D7F6-B498-43B3-948B-1728B52AA6E4}">
-                <adec:decorative xmlns:adec="http://schemas.microsoft.com/office/drawing/2017/decorative" val="1"/>
+                <adec:decorative xmlns:adec="http://schemas.microsoft.com/office/drawing/2017/decorative" xmlns="" val="1"/>
               </a:ext>
             </a:extLst>
           </p:cNvPr>
@@ -11169,7 +12180,7 @@
           <p:cNvPr id="2" name="Title 1">
             <a:extLst>
               <a:ext uri="{FF2B5EF4-FFF2-40B4-BE49-F238E27FC236}">
-                <a16:creationId xmlns:a16="http://schemas.microsoft.com/office/drawing/2014/main" id="{DD775157-5AA1-384D-B45C-859A191D6F1D}"/>
+                <a16:creationId xmlns:a16="http://schemas.microsoft.com/office/drawing/2014/main" xmlns="" id="{DD775157-5AA1-384D-B45C-859A191D6F1D}"/>
               </a:ext>
             </a:extLst>
           </p:cNvPr>
@@ -11195,7 +12206,7 @@
             <a:pPr algn="r"/>
             <a:r>
               <a:rPr lang="en-US" altLang="zh-CN" sz="6000" b="1" dirty="0"/>
-              <a:t>4</a:t>
+              <a:t>3</a:t>
             </a:r>
             <a:r>
               <a:rPr lang="en-US" sz="6000" b="1" kern="1200" dirty="0">
@@ -11206,8 +12217,20 @@
                 <a:ea typeface="+mj-ea"/>
                 <a:cs typeface="+mj-cs"/>
               </a:rPr>
-              <a:t>.0	Future Plan</a:t>
-            </a:r>
+              <a:t>.0	</a:t>
+            </a:r>
+            <a:r>
+              <a:rPr lang="en-US" sz="6000" b="1" dirty="0"/>
+              <a:t>Review on project progress</a:t>
+            </a:r>
+            <a:endParaRPr lang="en-US" sz="6000" b="1" kern="1200" dirty="0">
+              <a:solidFill>
+                <a:schemeClr val="tx1"/>
+              </a:solidFill>
+              <a:latin typeface="+mj-lt"/>
+              <a:ea typeface="+mj-ea"/>
+              <a:cs typeface="+mj-cs"/>
+            </a:endParaRPr>
           </a:p>
         </p:txBody>
       </p:sp>
@@ -11216,10 +12239,10 @@
           <p:cNvPr id="13" name="Oval 12">
             <a:extLst>
               <a:ext uri="{FF2B5EF4-FFF2-40B4-BE49-F238E27FC236}">
-                <a16:creationId xmlns:a16="http://schemas.microsoft.com/office/drawing/2014/main" id="{6437D937-A7F1-4011-92B4-328E5BE1B166}"/>
+                <a16:creationId xmlns:a16="http://schemas.microsoft.com/office/drawing/2014/main" xmlns="" id="{6437D937-A7F1-4011-92B4-328E5BE1B166}"/>
               </a:ext>
               <a:ext uri="{C183D7F6-B498-43B3-948B-1728B52AA6E4}">
-                <adec:decorative xmlns:adec="http://schemas.microsoft.com/office/drawing/2017/decorative" val="1"/>
+                <adec:decorative xmlns:adec="http://schemas.microsoft.com/office/drawing/2017/decorative" xmlns="" val="1"/>
               </a:ext>
             </a:extLst>
           </p:cNvPr>
@@ -11308,10 +12331,10 @@
           <p:cNvPr id="15" name="Oval 14">
             <a:extLst>
               <a:ext uri="{FF2B5EF4-FFF2-40B4-BE49-F238E27FC236}">
-                <a16:creationId xmlns:a16="http://schemas.microsoft.com/office/drawing/2014/main" id="{B672F332-AF08-46C6-94F0-77684310D7B7}"/>
+                <a16:creationId xmlns:a16="http://schemas.microsoft.com/office/drawing/2014/main" xmlns="" id="{B672F332-AF08-46C6-94F0-77684310D7B7}"/>
               </a:ext>
               <a:ext uri="{C183D7F6-B498-43B3-948B-1728B52AA6E4}">
-                <adec:decorative xmlns:adec="http://schemas.microsoft.com/office/drawing/2017/decorative" val="1"/>
+                <adec:decorative xmlns:adec="http://schemas.microsoft.com/office/drawing/2017/decorative" xmlns="" val="1"/>
               </a:ext>
             </a:extLst>
           </p:cNvPr>
@@ -11400,10 +12423,10 @@
           <p:cNvPr id="17" name="Oval 16">
             <a:extLst>
               <a:ext uri="{FF2B5EF4-FFF2-40B4-BE49-F238E27FC236}">
-                <a16:creationId xmlns:a16="http://schemas.microsoft.com/office/drawing/2014/main" id="{34244EF8-D73A-40E1-BE73-D46E6B4B04ED}"/>
+                <a16:creationId xmlns:a16="http://schemas.microsoft.com/office/drawing/2014/main" xmlns="" id="{34244EF8-D73A-40E1-BE73-D46E6B4B04ED}"/>
               </a:ext>
               <a:ext uri="{C183D7F6-B498-43B3-948B-1728B52AA6E4}">
-                <adec:decorative xmlns:adec="http://schemas.microsoft.com/office/drawing/2017/decorative" val="1"/>
+                <adec:decorative xmlns:adec="http://schemas.microsoft.com/office/drawing/2017/decorative" xmlns="" val="1"/>
               </a:ext>
             </a:extLst>
           </p:cNvPr>
@@ -11492,10 +12515,10 @@
           <p:cNvPr id="19" name="Freeform: Shape 18">
             <a:extLst>
               <a:ext uri="{FF2B5EF4-FFF2-40B4-BE49-F238E27FC236}">
-                <a16:creationId xmlns:a16="http://schemas.microsoft.com/office/drawing/2014/main" id="{AB84D7E8-4ECB-42D7-ADBF-01689B0F24AE}"/>
+                <a16:creationId xmlns:a16="http://schemas.microsoft.com/office/drawing/2014/main" xmlns="" id="{AB84D7E8-4ECB-42D7-ADBF-01689B0F24AE}"/>
               </a:ext>
               <a:ext uri="{C183D7F6-B498-43B3-948B-1728B52AA6E4}">
-                <adec:decorative xmlns:adec="http://schemas.microsoft.com/office/drawing/2017/decorative" val="1"/>
+                <adec:decorative xmlns:adec="http://schemas.microsoft.com/office/drawing/2017/decorative" xmlns="" val="1"/>
               </a:ext>
             </a:extLst>
           </p:cNvPr>
@@ -11647,10 +12670,10 @@
           <p:cNvPr id="21" name="Straight Connector 20">
             <a:extLst>
               <a:ext uri="{FF2B5EF4-FFF2-40B4-BE49-F238E27FC236}">
-                <a16:creationId xmlns:a16="http://schemas.microsoft.com/office/drawing/2014/main" id="{9E8E38ED-369A-44C2-B635-0BED0E48A6E8}"/>
+                <a16:creationId xmlns:a16="http://schemas.microsoft.com/office/drawing/2014/main" xmlns="" id="{9E8E38ED-369A-44C2-B635-0BED0E48A6E8}"/>
               </a:ext>
               <a:ext uri="{C183D7F6-B498-43B3-948B-1728B52AA6E4}">
-                <adec:decorative xmlns:adec="http://schemas.microsoft.com/office/drawing/2017/decorative" val="1"/>
+                <adec:decorative xmlns:adec="http://schemas.microsoft.com/office/drawing/2017/decorative" xmlns="" val="1"/>
               </a:ext>
             </a:extLst>
           </p:cNvPr>
@@ -11699,7 +12722,7 @@
           <p:cNvPr id="6" name="TextBox 5">
             <a:extLst>
               <a:ext uri="{FF2B5EF4-FFF2-40B4-BE49-F238E27FC236}">
-                <a16:creationId xmlns:a16="http://schemas.microsoft.com/office/drawing/2014/main" id="{22B54AF2-355A-C640-94BB-354252E5DA20}"/>
+                <a16:creationId xmlns:a16="http://schemas.microsoft.com/office/drawing/2014/main" xmlns="" id="{22B54AF2-355A-C640-94BB-354252E5DA20}"/>
               </a:ext>
             </a:extLst>
           </p:cNvPr>
@@ -11737,7 +12760,7 @@
                 <a:hlinkClick r:id="rId2" tooltip="http://umaprofessoramaluquinha.com.br/?attachment_id=1237">
                   <a:extLst>
                     <a:ext uri="{A12FA001-AC4F-418D-AE19-62706E023703}">
-                      <ahyp:hlinkClr xmlns:ahyp="http://schemas.microsoft.com/office/drawing/2018/hyperlinkcolor" val="tx"/>
+                      <ahyp:hlinkClr xmlns:ahyp="http://schemas.microsoft.com/office/drawing/2018/hyperlinkcolor" xmlns="" val="tx"/>
                     </a:ext>
                   </a:extLst>
                 </a:hlinkClick>
@@ -11760,7 +12783,1204 @@
                 <a:hlinkClick r:id="rId3" tooltip="https://creativecommons.org/licenses/by/3.0/">
                   <a:extLst>
                     <a:ext uri="{A12FA001-AC4F-418D-AE19-62706E023703}">
-                      <ahyp:hlinkClr xmlns:ahyp="http://schemas.microsoft.com/office/drawing/2018/hyperlinkcolor" val="tx"/>
+                      <ahyp:hlinkClr xmlns:ahyp="http://schemas.microsoft.com/office/drawing/2018/hyperlinkcolor" xmlns="" val="tx"/>
+                    </a:ext>
+                  </a:extLst>
+                </a:hlinkClick>
+              </a:rPr>
+              <a:t>CC BY</a:t>
+            </a:r>
+            <a:endParaRPr lang="en-US" sz="700">
+              <a:solidFill>
+                <a:srgbClr val="FFFFFF"/>
+              </a:solidFill>
+            </a:endParaRPr>
+          </a:p>
+        </p:txBody>
+      </p:sp>
+    </p:spTree>
+    <p:extLst>
+      <p:ext uri="{BB962C8B-B14F-4D97-AF65-F5344CB8AC3E}">
+        <p14:creationId xmlns:p14="http://schemas.microsoft.com/office/powerpoint/2010/main" val="2204131623"/>
+      </p:ext>
+    </p:extLst>
+  </p:cSld>
+  <p:clrMapOvr>
+    <a:masterClrMapping/>
+  </p:clrMapOvr>
+</p:sld>
+</file>
+
+<file path=ppt/slides/slide15.xml><?xml version="1.0" encoding="utf-8"?>
+<p:sld xmlns:a="http://schemas.openxmlformats.org/drawingml/2006/main" xmlns:r="http://schemas.openxmlformats.org/officeDocument/2006/relationships" xmlns:p="http://schemas.openxmlformats.org/presentationml/2006/main">
+  <p:cSld>
+    <p:bg>
+      <p:bgPr>
+        <a:solidFill>
+          <a:schemeClr val="bg1"/>
+        </a:solidFill>
+        <a:effectLst/>
+      </p:bgPr>
+    </p:bg>
+    <p:spTree>
+      <p:nvGrpSpPr>
+        <p:cNvPr id="1" name=""/>
+        <p:cNvGrpSpPr/>
+        <p:nvPr/>
+      </p:nvGrpSpPr>
+      <p:grpSpPr>
+        <a:xfrm>
+          <a:off x="0" y="0"/>
+          <a:ext cx="0" cy="0"/>
+          <a:chOff x="0" y="0"/>
+          <a:chExt cx="0" cy="0"/>
+        </a:xfrm>
+      </p:grpSpPr>
+      <p:sp>
+        <p:nvSpPr>
+          <p:cNvPr id="9" name="Freeform: Shape 8">
+            <a:extLst>
+              <a:ext uri="{FF2B5EF4-FFF2-40B4-BE49-F238E27FC236}">
+                <a16:creationId xmlns:a16="http://schemas.microsoft.com/office/drawing/2014/main" xmlns="" id="{DB66F6E8-4D4A-4907-940A-774703A2D0FE}"/>
+              </a:ext>
+              <a:ext uri="{C183D7F6-B498-43B3-948B-1728B52AA6E4}">
+                <adec:decorative xmlns:adec="http://schemas.microsoft.com/office/drawing/2017/decorative" xmlns="" val="1"/>
+              </a:ext>
+            </a:extLst>
+          </p:cNvPr>
+          <p:cNvSpPr>
+            <a:spLocks noGrp="1" noRot="1" noChangeAspect="1" noMove="1" noResize="1" noEditPoints="1" noAdjustHandles="1" noChangeArrowheads="1" noChangeShapeType="1" noTextEdit="1"/>
+          </p:cNvSpPr>
+          <p:nvPr>
+            <p:extLst>
+              <p:ext uri="{386F3935-93C4-4BCD-93E2-E3B085C9AB24}">
+                <p16:designElem xmlns:p16="http://schemas.microsoft.com/office/powerpoint/2015/main" val="1"/>
+              </p:ext>
+            </p:extLst>
+          </p:nvPr>
+        </p:nvSpPr>
+        <p:spPr>
+          <a:xfrm rot="10800000">
+            <a:off x="9016005" y="5367908"/>
+            <a:ext cx="3175996" cy="1490093"/>
+          </a:xfrm>
+          <a:custGeom>
+            <a:avLst/>
+            <a:gdLst>
+              <a:gd name="connsiteX0" fmla="*/ 2485888 w 3175996"/>
+              <a:gd name="connsiteY0" fmla="*/ 1490093 h 1490093"/>
+              <a:gd name="connsiteX1" fmla="*/ 0 w 3175996"/>
+              <a:gd name="connsiteY1" fmla="*/ 1490093 h 1490093"/>
+              <a:gd name="connsiteX2" fmla="*/ 0 w 3175996"/>
+              <a:gd name="connsiteY2" fmla="*/ 0 h 1490093"/>
+              <a:gd name="connsiteX3" fmla="*/ 3175996 w 3175996"/>
+              <a:gd name="connsiteY3" fmla="*/ 0 h 1490093"/>
+            </a:gdLst>
+            <a:ahLst/>
+            <a:cxnLst>
+              <a:cxn ang="0">
+                <a:pos x="connsiteX0" y="connsiteY0"/>
+              </a:cxn>
+              <a:cxn ang="0">
+                <a:pos x="connsiteX1" y="connsiteY1"/>
+              </a:cxn>
+              <a:cxn ang="0">
+                <a:pos x="connsiteX2" y="connsiteY2"/>
+              </a:cxn>
+              <a:cxn ang="0">
+                <a:pos x="connsiteX3" y="connsiteY3"/>
+              </a:cxn>
+            </a:cxnLst>
+            <a:rect l="l" t="t" r="r" b="b"/>
+            <a:pathLst>
+              <a:path w="3175996" h="1490093">
+                <a:moveTo>
+                  <a:pt x="2485888" y="1490093"/>
+                </a:moveTo>
+                <a:lnTo>
+                  <a:pt x="0" y="1490093"/>
+                </a:lnTo>
+                <a:lnTo>
+                  <a:pt x="0" y="0"/>
+                </a:lnTo>
+                <a:lnTo>
+                  <a:pt x="3175996" y="0"/>
+                </a:lnTo>
+                <a:close/>
+              </a:path>
+            </a:pathLst>
+          </a:custGeom>
+          <a:solidFill>
+            <a:schemeClr val="bg1">
+              <a:lumMod val="95000"/>
+            </a:schemeClr>
+          </a:solidFill>
+          <a:ln>
+            <a:noFill/>
+          </a:ln>
+        </p:spPr>
+        <p:style>
+          <a:lnRef idx="2">
+            <a:schemeClr val="accent1">
+              <a:shade val="50000"/>
+            </a:schemeClr>
+          </a:lnRef>
+          <a:fillRef idx="1">
+            <a:schemeClr val="accent1"/>
+          </a:fillRef>
+          <a:effectRef idx="0">
+            <a:schemeClr val="accent1"/>
+          </a:effectRef>
+          <a:fontRef idx="minor">
+            <a:schemeClr val="lt1"/>
+          </a:fontRef>
+        </p:style>
+        <p:txBody>
+          <a:bodyPr rot="0" spcFirstLastPara="0" vertOverflow="overflow" horzOverflow="overflow" vert="horz" wrap="square" lIns="91440" tIns="45720" rIns="91440" bIns="45720" numCol="1" spcCol="0" rtlCol="0" fromWordArt="0" anchor="ctr" anchorCtr="0" forceAA="0" compatLnSpc="1">
+            <a:prstTxWarp prst="textNoShape">
+              <a:avLst/>
+            </a:prstTxWarp>
+            <a:noAutofit/>
+          </a:bodyPr>
+          <a:lstStyle/>
+          <a:p>
+            <a:pPr algn="ctr"/>
+            <a:endParaRPr lang="en-US"/>
+          </a:p>
+        </p:txBody>
+      </p:sp>
+      <p:sp>
+        <p:nvSpPr>
+          <p:cNvPr id="11" name="Freeform: Shape 10">
+            <a:extLst>
+              <a:ext uri="{FF2B5EF4-FFF2-40B4-BE49-F238E27FC236}">
+                <a16:creationId xmlns:a16="http://schemas.microsoft.com/office/drawing/2014/main" xmlns="" id="{8F1F5A56-E82B-4FD5-9025-B72896FFBB6D}"/>
+              </a:ext>
+              <a:ext uri="{C183D7F6-B498-43B3-948B-1728B52AA6E4}">
+                <adec:decorative xmlns:adec="http://schemas.microsoft.com/office/drawing/2017/decorative" xmlns="" val="1"/>
+              </a:ext>
+            </a:extLst>
+          </p:cNvPr>
+          <p:cNvSpPr>
+            <a:spLocks noGrp="1" noRot="1" noChangeAspect="1" noMove="1" noResize="1" noEditPoints="1" noAdjustHandles="1" noChangeArrowheads="1" noChangeShapeType="1" noTextEdit="1"/>
+          </p:cNvSpPr>
+          <p:nvPr>
+            <p:extLst>
+              <p:ext uri="{386F3935-93C4-4BCD-93E2-E3B085C9AB24}">
+                <p16:designElem xmlns:p16="http://schemas.microsoft.com/office/powerpoint/2015/main" val="1"/>
+              </p:ext>
+            </p:extLst>
+          </p:nvPr>
+        </p:nvSpPr>
+        <p:spPr>
+          <a:xfrm>
+            <a:off x="0" y="5367908"/>
+            <a:ext cx="9566296" cy="1490093"/>
+          </a:xfrm>
+          <a:custGeom>
+            <a:avLst/>
+            <a:gdLst>
+              <a:gd name="connsiteX0" fmla="*/ 0 w 9566296"/>
+              <a:gd name="connsiteY0" fmla="*/ 0 h 1490093"/>
+              <a:gd name="connsiteX1" fmla="*/ 405267 w 9566296"/>
+              <a:gd name="connsiteY1" fmla="*/ 0 h 1490093"/>
+              <a:gd name="connsiteX2" fmla="*/ 631857 w 9566296"/>
+              <a:gd name="connsiteY2" fmla="*/ 0 h 1490093"/>
+              <a:gd name="connsiteX3" fmla="*/ 2451761 w 9566296"/>
+              <a:gd name="connsiteY3" fmla="*/ 0 h 1490093"/>
+              <a:gd name="connsiteX4" fmla="*/ 2901880 w 9566296"/>
+              <a:gd name="connsiteY4" fmla="*/ 0 h 1490093"/>
+              <a:gd name="connsiteX5" fmla="*/ 3641106 w 9566296"/>
+              <a:gd name="connsiteY5" fmla="*/ 0 h 1490093"/>
+              <a:gd name="connsiteX6" fmla="*/ 9566296 w 9566296"/>
+              <a:gd name="connsiteY6" fmla="*/ 0 h 1490093"/>
+              <a:gd name="connsiteX7" fmla="*/ 8876188 w 9566296"/>
+              <a:gd name="connsiteY7" fmla="*/ 1490093 h 1490093"/>
+              <a:gd name="connsiteX8" fmla="*/ 631857 w 9566296"/>
+              <a:gd name="connsiteY8" fmla="*/ 1490093 h 1490093"/>
+              <a:gd name="connsiteX9" fmla="*/ 405267 w 9566296"/>
+              <a:gd name="connsiteY9" fmla="*/ 1490093 h 1490093"/>
+              <a:gd name="connsiteX10" fmla="*/ 0 w 9566296"/>
+              <a:gd name="connsiteY10" fmla="*/ 1490093 h 1490093"/>
+            </a:gdLst>
+            <a:ahLst/>
+            <a:cxnLst>
+              <a:cxn ang="0">
+                <a:pos x="connsiteX0" y="connsiteY0"/>
+              </a:cxn>
+              <a:cxn ang="0">
+                <a:pos x="connsiteX1" y="connsiteY1"/>
+              </a:cxn>
+              <a:cxn ang="0">
+                <a:pos x="connsiteX2" y="connsiteY2"/>
+              </a:cxn>
+              <a:cxn ang="0">
+                <a:pos x="connsiteX3" y="connsiteY3"/>
+              </a:cxn>
+              <a:cxn ang="0">
+                <a:pos x="connsiteX4" y="connsiteY4"/>
+              </a:cxn>
+              <a:cxn ang="0">
+                <a:pos x="connsiteX5" y="connsiteY5"/>
+              </a:cxn>
+              <a:cxn ang="0">
+                <a:pos x="connsiteX6" y="connsiteY6"/>
+              </a:cxn>
+              <a:cxn ang="0">
+                <a:pos x="connsiteX7" y="connsiteY7"/>
+              </a:cxn>
+              <a:cxn ang="0">
+                <a:pos x="connsiteX8" y="connsiteY8"/>
+              </a:cxn>
+              <a:cxn ang="0">
+                <a:pos x="connsiteX9" y="connsiteY9"/>
+              </a:cxn>
+              <a:cxn ang="0">
+                <a:pos x="connsiteX10" y="connsiteY10"/>
+              </a:cxn>
+            </a:cxnLst>
+            <a:rect l="l" t="t" r="r" b="b"/>
+            <a:pathLst>
+              <a:path w="9566296" h="1490093">
+                <a:moveTo>
+                  <a:pt x="0" y="0"/>
+                </a:moveTo>
+                <a:lnTo>
+                  <a:pt x="405267" y="0"/>
+                </a:lnTo>
+                <a:lnTo>
+                  <a:pt x="631857" y="0"/>
+                </a:lnTo>
+                <a:lnTo>
+                  <a:pt x="2451761" y="0"/>
+                </a:lnTo>
+                <a:lnTo>
+                  <a:pt x="2901880" y="0"/>
+                </a:lnTo>
+                <a:lnTo>
+                  <a:pt x="3641106" y="0"/>
+                </a:lnTo>
+                <a:lnTo>
+                  <a:pt x="9566296" y="0"/>
+                </a:lnTo>
+                <a:lnTo>
+                  <a:pt x="8876188" y="1490093"/>
+                </a:lnTo>
+                <a:lnTo>
+                  <a:pt x="631857" y="1490093"/>
+                </a:lnTo>
+                <a:lnTo>
+                  <a:pt x="405267" y="1490093"/>
+                </a:lnTo>
+                <a:lnTo>
+                  <a:pt x="0" y="1490093"/>
+                </a:lnTo>
+                <a:close/>
+              </a:path>
+            </a:pathLst>
+          </a:custGeom>
+          <a:solidFill>
+            <a:schemeClr val="tx1">
+              <a:lumMod val="65000"/>
+              <a:lumOff val="35000"/>
+              <a:alpha val="40000"/>
+            </a:schemeClr>
+          </a:solidFill>
+          <a:ln>
+            <a:noFill/>
+          </a:ln>
+        </p:spPr>
+        <p:style>
+          <a:lnRef idx="2">
+            <a:schemeClr val="accent1">
+              <a:shade val="50000"/>
+            </a:schemeClr>
+          </a:lnRef>
+          <a:fillRef idx="1">
+            <a:schemeClr val="accent1"/>
+          </a:fillRef>
+          <a:effectRef idx="0">
+            <a:schemeClr val="accent1"/>
+          </a:effectRef>
+          <a:fontRef idx="minor">
+            <a:schemeClr val="lt1"/>
+          </a:fontRef>
+        </p:style>
+        <p:txBody>
+          <a:bodyPr rot="0" spcFirstLastPara="0" vertOverflow="overflow" horzOverflow="overflow" vert="horz" wrap="square" lIns="91440" tIns="45720" rIns="91440" bIns="45720" numCol="1" spcCol="0" rtlCol="0" fromWordArt="0" anchor="ctr" anchorCtr="0" forceAA="0" compatLnSpc="1">
+            <a:prstTxWarp prst="textNoShape">
+              <a:avLst/>
+            </a:prstTxWarp>
+            <a:noAutofit/>
+          </a:bodyPr>
+          <a:lstStyle/>
+          <a:p>
+            <a:pPr algn="ctr"/>
+            <a:endParaRPr lang="en-US"/>
+          </a:p>
+        </p:txBody>
+      </p:sp>
+      <p:graphicFrame>
+        <p:nvGraphicFramePr>
+          <p:cNvPr id="4" name="内容占位符 3">
+            <a:extLst>
+              <a:ext uri="{FF2B5EF4-FFF2-40B4-BE49-F238E27FC236}">
+                <a16:creationId xmlns:a16="http://schemas.microsoft.com/office/drawing/2014/main" xmlns="" id="{00000000-0008-0000-0000-000002000000}"/>
+              </a:ext>
+            </a:extLst>
+          </p:cNvPr>
+          <p:cNvGraphicFramePr>
+            <a:graphicFrameLocks noGrp="1"/>
+          </p:cNvGraphicFramePr>
+          <p:nvPr>
+            <p:ph idx="1"/>
+            <p:extLst>
+              <p:ext uri="{D42A27DB-BD31-4B8C-83A1-F6EECF244321}">
+                <p14:modId xmlns:p14="http://schemas.microsoft.com/office/powerpoint/2010/main" val="2815907449"/>
+              </p:ext>
+            </p:extLst>
+          </p:nvPr>
+        </p:nvGraphicFramePr>
+        <p:xfrm>
+          <a:off x="838200" y="643467"/>
+          <a:ext cx="10515600" cy="4080974"/>
+        </p:xfrm>
+        <a:graphic>
+          <a:graphicData uri="http://schemas.openxmlformats.org/drawingml/2006/chart">
+            <c:chart xmlns:c="http://schemas.openxmlformats.org/drawingml/2006/chart" xmlns:r="http://schemas.openxmlformats.org/officeDocument/2006/relationships" r:id="rId2"/>
+          </a:graphicData>
+        </a:graphic>
+      </p:graphicFrame>
+      <p:cxnSp>
+        <p:nvCxnSpPr>
+          <p:cNvPr id="7" name="直接连接符 6">
+            <a:extLst>
+              <a:ext uri="{FF2B5EF4-FFF2-40B4-BE49-F238E27FC236}">
+                <a16:creationId xmlns:a16="http://schemas.microsoft.com/office/drawing/2014/main" xmlns="" id="{AB0C4CE4-42B0-41E0-BBB1-658E840D0B8A}"/>
+              </a:ext>
+            </a:extLst>
+          </p:cNvPr>
+          <p:cNvCxnSpPr>
+            <a:cxnSpLocks/>
+          </p:cNvCxnSpPr>
+          <p:nvPr/>
+        </p:nvCxnSpPr>
+        <p:spPr>
+          <a:xfrm>
+            <a:off x="6997084" y="1399592"/>
+            <a:ext cx="0" cy="2932560"/>
+          </a:xfrm>
+          <a:prstGeom prst="line">
+            <a:avLst/>
+          </a:prstGeom>
+          <a:ln w="28575">
+            <a:solidFill>
+              <a:srgbClr val="FF0000"/>
+            </a:solidFill>
+            <a:prstDash val="sysDot"/>
+          </a:ln>
+        </p:spPr>
+        <p:style>
+          <a:lnRef idx="3">
+            <a:schemeClr val="accent2"/>
+          </a:lnRef>
+          <a:fillRef idx="0">
+            <a:schemeClr val="accent2"/>
+          </a:fillRef>
+          <a:effectRef idx="2">
+            <a:schemeClr val="accent2"/>
+          </a:effectRef>
+          <a:fontRef idx="minor">
+            <a:schemeClr val="tx1"/>
+          </a:fontRef>
+        </p:style>
+      </p:cxnSp>
+      <p:sp>
+        <p:nvSpPr>
+          <p:cNvPr id="8" name="文本框 2">
+            <a:extLst>
+              <a:ext uri="{FF2B5EF4-FFF2-40B4-BE49-F238E27FC236}">
+                <a16:creationId xmlns:a16="http://schemas.microsoft.com/office/drawing/2014/main" xmlns="" id="{87BFA67E-CCCA-48D4-8C88-A63CF6C3CD66}"/>
+              </a:ext>
+            </a:extLst>
+          </p:cNvPr>
+          <p:cNvSpPr txBox="1">
+            <a:spLocks noChangeArrowheads="1"/>
+          </p:cNvSpPr>
+          <p:nvPr/>
+        </p:nvSpPr>
+        <p:spPr bwMode="auto">
+          <a:xfrm>
+            <a:off x="6282709" y="4388667"/>
+            <a:ext cx="1362075" cy="298450"/>
+          </a:xfrm>
+          <a:prstGeom prst="rect">
+            <a:avLst/>
+          </a:prstGeom>
+          <a:noFill/>
+          <a:ln w="9525">
+            <a:noFill/>
+            <a:miter lim="800000"/>
+            <a:headEnd/>
+            <a:tailEnd/>
+          </a:ln>
+        </p:spPr>
+        <p:txBody>
+          <a:bodyPr rot="0" vert="horz" wrap="square" lIns="91440" tIns="45720" rIns="91440" bIns="45720" anchor="t" anchorCtr="0">
+            <a:spAutoFit/>
+          </a:bodyPr>
+          <a:lstStyle/>
+          <a:p>
+            <a:pPr algn="just">
+              <a:spcAft>
+                <a:spcPts val="0"/>
+              </a:spcAft>
+            </a:pPr>
+            <a:r>
+              <a:rPr lang="en-US" sz="1050" kern="100">
+                <a:solidFill>
+                  <a:srgbClr val="595959"/>
+                </a:solidFill>
+                <a:effectLst/>
+                <a:latin typeface="DengXian" panose="02010600030101010101" pitchFamily="2" charset="-122"/>
+                <a:ea typeface="DengXian" panose="02010600030101010101" pitchFamily="2" charset="-122"/>
+                <a:cs typeface="Times New Roman" panose="02020603050405020304" pitchFamily="18" charset="0"/>
+              </a:rPr>
+              <a:t>Intermediate Report</a:t>
+            </a:r>
+            <a:endParaRPr lang="zh-CN" sz="1050" kern="100">
+              <a:effectLst/>
+              <a:latin typeface="DengXian" panose="02010600030101010101" pitchFamily="2" charset="-122"/>
+              <a:ea typeface="DengXian" panose="02010600030101010101" pitchFamily="2" charset="-122"/>
+              <a:cs typeface="Times New Roman" panose="02020603050405020304" pitchFamily="18" charset="0"/>
+            </a:endParaRPr>
+          </a:p>
+        </p:txBody>
+      </p:sp>
+    </p:spTree>
+    <p:extLst>
+      <p:ext uri="{BB962C8B-B14F-4D97-AF65-F5344CB8AC3E}">
+        <p14:creationId xmlns:p14="http://schemas.microsoft.com/office/powerpoint/2010/main" val="285955523"/>
+      </p:ext>
+    </p:extLst>
+  </p:cSld>
+  <p:clrMapOvr>
+    <a:masterClrMapping/>
+  </p:clrMapOvr>
+</p:sld>
+</file>
+
+<file path=ppt/slides/slide16.xml><?xml version="1.0" encoding="utf-8"?>
+<p:sld xmlns:a="http://schemas.openxmlformats.org/drawingml/2006/main" xmlns:r="http://schemas.openxmlformats.org/officeDocument/2006/relationships" xmlns:p="http://schemas.openxmlformats.org/presentationml/2006/main">
+  <p:cSld>
+    <p:bg>
+      <p:bgPr>
+        <a:solidFill>
+          <a:schemeClr val="bg1"/>
+        </a:solidFill>
+        <a:effectLst/>
+      </p:bgPr>
+    </p:bg>
+    <p:spTree>
+      <p:nvGrpSpPr>
+        <p:cNvPr id="1" name=""/>
+        <p:cNvGrpSpPr/>
+        <p:nvPr/>
+      </p:nvGrpSpPr>
+      <p:grpSpPr>
+        <a:xfrm>
+          <a:off x="0" y="0"/>
+          <a:ext cx="0" cy="0"/>
+          <a:chOff x="0" y="0"/>
+          <a:chExt cx="0" cy="0"/>
+        </a:xfrm>
+      </p:grpSpPr>
+      <p:sp useBgFill="1">
+        <p:nvSpPr>
+          <p:cNvPr id="11" name="Rectangle 10">
+            <a:extLst>
+              <a:ext uri="{FF2B5EF4-FFF2-40B4-BE49-F238E27FC236}">
+                <a16:creationId xmlns:a16="http://schemas.microsoft.com/office/drawing/2014/main" xmlns="" id="{559AE206-7EBA-4D33-8BC9-9D8158553F0E}"/>
+              </a:ext>
+              <a:ext uri="{C183D7F6-B498-43B3-948B-1728B52AA6E4}">
+                <adec:decorative xmlns:adec="http://schemas.microsoft.com/office/drawing/2017/decorative" xmlns="" val="1"/>
+              </a:ext>
+            </a:extLst>
+          </p:cNvPr>
+          <p:cNvSpPr>
+            <a:spLocks noGrp="1" noRot="1" noChangeAspect="1" noMove="1" noResize="1" noEditPoints="1" noAdjustHandles="1" noChangeArrowheads="1" noChangeShapeType="1" noTextEdit="1"/>
+          </p:cNvSpPr>
+          <p:nvPr>
+            <p:extLst>
+              <p:ext uri="{386F3935-93C4-4BCD-93E2-E3B085C9AB24}">
+                <p16:designElem xmlns:p16="http://schemas.microsoft.com/office/powerpoint/2015/main" val="1"/>
+              </p:ext>
+            </p:extLst>
+          </p:nvPr>
+        </p:nvSpPr>
+        <p:spPr>
+          <a:xfrm>
+            <a:off x="0" y="0"/>
+            <a:ext cx="12192000" cy="6858000"/>
+          </a:xfrm>
+          <a:prstGeom prst="rect">
+            <a:avLst/>
+          </a:prstGeom>
+          <a:ln>
+            <a:noFill/>
+          </a:ln>
+        </p:spPr>
+        <p:style>
+          <a:lnRef idx="2">
+            <a:schemeClr val="accent1">
+              <a:shade val="50000"/>
+            </a:schemeClr>
+          </a:lnRef>
+          <a:fillRef idx="1">
+            <a:schemeClr val="accent1"/>
+          </a:fillRef>
+          <a:effectRef idx="0">
+            <a:schemeClr val="accent1"/>
+          </a:effectRef>
+          <a:fontRef idx="minor">
+            <a:schemeClr val="lt1"/>
+          </a:fontRef>
+        </p:style>
+        <p:txBody>
+          <a:bodyPr rtlCol="0" anchor="ctr"/>
+          <a:lstStyle/>
+          <a:p>
+            <a:pPr marL="0" marR="0" lvl="0" indent="0" algn="ctr" defTabSz="914400" rtl="0" eaLnBrk="1" fontAlgn="auto" latinLnBrk="0" hangingPunct="1">
+              <a:lnSpc>
+                <a:spcPct val="100000"/>
+              </a:lnSpc>
+              <a:spcBef>
+                <a:spcPts val="0"/>
+              </a:spcBef>
+              <a:spcAft>
+                <a:spcPts val="0"/>
+              </a:spcAft>
+              <a:buClrTx/>
+              <a:buSzTx/>
+              <a:buFontTx/>
+              <a:buNone/>
+              <a:tabLst/>
+              <a:defRPr/>
+            </a:pPr>
+            <a:endParaRPr kumimoji="0" lang="en-US" sz="1800" b="0" i="0" u="none" strike="noStrike" kern="1200" cap="none" spc="0" normalizeH="0" baseline="0" noProof="0">
+              <a:ln>
+                <a:noFill/>
+              </a:ln>
+              <a:solidFill>
+                <a:prstClr val="white"/>
+              </a:solidFill>
+              <a:effectLst/>
+              <a:uLnTx/>
+              <a:uFillTx/>
+              <a:latin typeface="Calibri" panose="020F0502020204030204"/>
+              <a:ea typeface="+mn-ea"/>
+              <a:cs typeface="+mn-cs"/>
+            </a:endParaRPr>
+          </a:p>
+        </p:txBody>
+      </p:sp>
+      <p:sp>
+        <p:nvSpPr>
+          <p:cNvPr id="2" name="Title 1">
+            <a:extLst>
+              <a:ext uri="{FF2B5EF4-FFF2-40B4-BE49-F238E27FC236}">
+                <a16:creationId xmlns:a16="http://schemas.microsoft.com/office/drawing/2014/main" xmlns="" id="{DD775157-5AA1-384D-B45C-859A191D6F1D}"/>
+              </a:ext>
+            </a:extLst>
+          </p:cNvPr>
+          <p:cNvSpPr>
+            <a:spLocks noGrp="1"/>
+          </p:cNvSpPr>
+          <p:nvPr>
+            <p:ph type="title"/>
+          </p:nvPr>
+        </p:nvSpPr>
+        <p:spPr>
+          <a:xfrm>
+            <a:off x="838199" y="4525347"/>
+            <a:ext cx="6801321" cy="1737360"/>
+          </a:xfrm>
+        </p:spPr>
+        <p:txBody>
+          <a:bodyPr vert="horz" lIns="91440" tIns="45720" rIns="91440" bIns="45720" rtlCol="0" anchor="ctr">
+            <a:normAutofit/>
+          </a:bodyPr>
+          <a:lstStyle/>
+          <a:p>
+            <a:pPr algn="r"/>
+            <a:r>
+              <a:rPr lang="en-US" altLang="zh-CN" sz="6000" b="1" dirty="0"/>
+              <a:t>4</a:t>
+            </a:r>
+            <a:r>
+              <a:rPr lang="en-US" sz="6000" b="1" kern="1200" dirty="0">
+                <a:solidFill>
+                  <a:schemeClr val="tx1"/>
+                </a:solidFill>
+                <a:latin typeface="+mj-lt"/>
+                <a:ea typeface="+mj-ea"/>
+                <a:cs typeface="+mj-cs"/>
+              </a:rPr>
+              <a:t>.0	Future Plan</a:t>
+            </a:r>
+          </a:p>
+        </p:txBody>
+      </p:sp>
+      <p:sp>
+        <p:nvSpPr>
+          <p:cNvPr id="13" name="Oval 12">
+            <a:extLst>
+              <a:ext uri="{FF2B5EF4-FFF2-40B4-BE49-F238E27FC236}">
+                <a16:creationId xmlns:a16="http://schemas.microsoft.com/office/drawing/2014/main" xmlns="" id="{6437D937-A7F1-4011-92B4-328E5BE1B166}"/>
+              </a:ext>
+              <a:ext uri="{C183D7F6-B498-43B3-948B-1728B52AA6E4}">
+                <adec:decorative xmlns:adec="http://schemas.microsoft.com/office/drawing/2017/decorative" xmlns="" val="1"/>
+              </a:ext>
+            </a:extLst>
+          </p:cNvPr>
+          <p:cNvSpPr>
+            <a:spLocks noGrp="1" noRot="1" noChangeAspect="1" noMove="1" noResize="1" noEditPoints="1" noAdjustHandles="1" noChangeArrowheads="1" noChangeShapeType="1" noTextEdit="1"/>
+          </p:cNvSpPr>
+          <p:nvPr>
+            <p:extLst>
+              <p:ext uri="{386F3935-93C4-4BCD-93E2-E3B085C9AB24}">
+                <p16:designElem xmlns:p16="http://schemas.microsoft.com/office/powerpoint/2015/main" val="1"/>
+              </p:ext>
+            </p:extLst>
+          </p:nvPr>
+        </p:nvSpPr>
+        <p:spPr>
+          <a:xfrm>
+            <a:off x="588567" y="620480"/>
+            <a:ext cx="2243800" cy="2243796"/>
+          </a:xfrm>
+          <a:prstGeom prst="ellipse">
+            <a:avLst/>
+          </a:prstGeom>
+          <a:solidFill>
+            <a:schemeClr val="accent5"/>
+          </a:solidFill>
+          <a:ln>
+            <a:noFill/>
+          </a:ln>
+        </p:spPr>
+        <p:style>
+          <a:lnRef idx="2">
+            <a:schemeClr val="accent1">
+              <a:shade val="50000"/>
+            </a:schemeClr>
+          </a:lnRef>
+          <a:fillRef idx="1">
+            <a:schemeClr val="accent1"/>
+          </a:fillRef>
+          <a:effectRef idx="0">
+            <a:schemeClr val="accent1"/>
+          </a:effectRef>
+          <a:fontRef idx="minor">
+            <a:schemeClr val="lt1"/>
+          </a:fontRef>
+        </p:style>
+        <p:txBody>
+          <a:bodyPr rtlCol="0" anchor="ctr"/>
+          <a:lstStyle/>
+          <a:p>
+            <a:pPr marL="0" marR="0" lvl="0" indent="0" algn="ctr" defTabSz="914400" rtl="0" eaLnBrk="1" fontAlgn="auto" latinLnBrk="0" hangingPunct="1">
+              <a:lnSpc>
+                <a:spcPct val="100000"/>
+              </a:lnSpc>
+              <a:spcBef>
+                <a:spcPts val="0"/>
+              </a:spcBef>
+              <a:spcAft>
+                <a:spcPts val="0"/>
+              </a:spcAft>
+              <a:buClrTx/>
+              <a:buSzTx/>
+              <a:buFontTx/>
+              <a:buNone/>
+              <a:tabLst/>
+              <a:defRPr/>
+            </a:pPr>
+            <a:endParaRPr kumimoji="0" lang="en-US" sz="1800" b="0" i="0" u="none" strike="noStrike" kern="1200" cap="none" spc="0" normalizeH="0" baseline="0" noProof="0">
+              <a:ln>
+                <a:noFill/>
+              </a:ln>
+              <a:solidFill>
+                <a:prstClr val="white"/>
+              </a:solidFill>
+              <a:effectLst/>
+              <a:uLnTx/>
+              <a:uFillTx/>
+              <a:latin typeface="Calibri" panose="020F0502020204030204"/>
+              <a:ea typeface="+mn-ea"/>
+              <a:cs typeface="+mn-cs"/>
+            </a:endParaRPr>
+          </a:p>
+        </p:txBody>
+      </p:sp>
+      <p:sp>
+        <p:nvSpPr>
+          <p:cNvPr id="15" name="Oval 14">
+            <a:extLst>
+              <a:ext uri="{FF2B5EF4-FFF2-40B4-BE49-F238E27FC236}">
+                <a16:creationId xmlns:a16="http://schemas.microsoft.com/office/drawing/2014/main" xmlns="" id="{B672F332-AF08-46C6-94F0-77684310D7B7}"/>
+              </a:ext>
+              <a:ext uri="{C183D7F6-B498-43B3-948B-1728B52AA6E4}">
+                <adec:decorative xmlns:adec="http://schemas.microsoft.com/office/drawing/2017/decorative" xmlns="" val="1"/>
+              </a:ext>
+            </a:extLst>
+          </p:cNvPr>
+          <p:cNvSpPr>
+            <a:spLocks noGrp="1" noRot="1" noChangeAspect="1" noMove="1" noResize="1" noEditPoints="1" noAdjustHandles="1" noChangeArrowheads="1" noChangeShapeType="1" noTextEdit="1"/>
+          </p:cNvSpPr>
+          <p:nvPr>
+            <p:extLst>
+              <p:ext uri="{386F3935-93C4-4BCD-93E2-E3B085C9AB24}">
+                <p16:designElem xmlns:p16="http://schemas.microsoft.com/office/powerpoint/2015/main" val="1"/>
+              </p:ext>
+            </p:extLst>
+          </p:nvPr>
+        </p:nvSpPr>
+        <p:spPr>
+          <a:xfrm>
+            <a:off x="3395001" y="2466604"/>
+            <a:ext cx="962395" cy="962395"/>
+          </a:xfrm>
+          <a:prstGeom prst="ellipse">
+            <a:avLst/>
+          </a:prstGeom>
+          <a:solidFill>
+            <a:schemeClr val="accent4"/>
+          </a:solidFill>
+          <a:ln>
+            <a:noFill/>
+          </a:ln>
+        </p:spPr>
+        <p:style>
+          <a:lnRef idx="2">
+            <a:schemeClr val="accent1">
+              <a:shade val="50000"/>
+            </a:schemeClr>
+          </a:lnRef>
+          <a:fillRef idx="1">
+            <a:schemeClr val="accent1"/>
+          </a:fillRef>
+          <a:effectRef idx="0">
+            <a:schemeClr val="accent1"/>
+          </a:effectRef>
+          <a:fontRef idx="minor">
+            <a:schemeClr val="lt1"/>
+          </a:fontRef>
+        </p:style>
+        <p:txBody>
+          <a:bodyPr rtlCol="0" anchor="ctr"/>
+          <a:lstStyle/>
+          <a:p>
+            <a:pPr marL="0" marR="0" lvl="0" indent="0" algn="ctr" defTabSz="914400" rtl="0" eaLnBrk="1" fontAlgn="auto" latinLnBrk="0" hangingPunct="1">
+              <a:lnSpc>
+                <a:spcPct val="100000"/>
+              </a:lnSpc>
+              <a:spcBef>
+                <a:spcPts val="0"/>
+              </a:spcBef>
+              <a:spcAft>
+                <a:spcPts val="0"/>
+              </a:spcAft>
+              <a:buClrTx/>
+              <a:buSzTx/>
+              <a:buFontTx/>
+              <a:buNone/>
+              <a:tabLst/>
+              <a:defRPr/>
+            </a:pPr>
+            <a:endParaRPr kumimoji="0" lang="en-US" sz="1800" b="0" i="0" u="none" strike="noStrike" kern="1200" cap="none" spc="0" normalizeH="0" baseline="0" noProof="0">
+              <a:ln>
+                <a:noFill/>
+              </a:ln>
+              <a:solidFill>
+                <a:prstClr val="white"/>
+              </a:solidFill>
+              <a:effectLst/>
+              <a:uLnTx/>
+              <a:uFillTx/>
+              <a:latin typeface="Calibri" panose="020F0502020204030204"/>
+              <a:ea typeface="+mn-ea"/>
+              <a:cs typeface="+mn-cs"/>
+            </a:endParaRPr>
+          </a:p>
+        </p:txBody>
+      </p:sp>
+      <p:sp>
+        <p:nvSpPr>
+          <p:cNvPr id="17" name="Oval 16">
+            <a:extLst>
+              <a:ext uri="{FF2B5EF4-FFF2-40B4-BE49-F238E27FC236}">
+                <a16:creationId xmlns:a16="http://schemas.microsoft.com/office/drawing/2014/main" xmlns="" id="{34244EF8-D73A-40E1-BE73-D46E6B4B04ED}"/>
+              </a:ext>
+              <a:ext uri="{C183D7F6-B498-43B3-948B-1728B52AA6E4}">
+                <adec:decorative xmlns:adec="http://schemas.microsoft.com/office/drawing/2017/decorative" xmlns="" val="1"/>
+              </a:ext>
+            </a:extLst>
+          </p:cNvPr>
+          <p:cNvSpPr>
+            <a:spLocks noGrp="1" noRot="1" noChangeAspect="1" noMove="1" noResize="1" noEditPoints="1" noAdjustHandles="1" noChangeArrowheads="1" noChangeShapeType="1" noTextEdit="1"/>
+          </p:cNvSpPr>
+          <p:nvPr>
+            <p:extLst>
+              <p:ext uri="{386F3935-93C4-4BCD-93E2-E3B085C9AB24}">
+                <p16:designElem xmlns:p16="http://schemas.microsoft.com/office/powerpoint/2015/main" val="1"/>
+              </p:ext>
+            </p:extLst>
+          </p:nvPr>
+        </p:nvSpPr>
+        <p:spPr>
+          <a:xfrm>
+            <a:off x="5125829" y="2327988"/>
+            <a:ext cx="293695" cy="293695"/>
+          </a:xfrm>
+          <a:prstGeom prst="ellipse">
+            <a:avLst/>
+          </a:prstGeom>
+          <a:solidFill>
+            <a:schemeClr val="accent3"/>
+          </a:solidFill>
+          <a:ln>
+            <a:noFill/>
+          </a:ln>
+        </p:spPr>
+        <p:style>
+          <a:lnRef idx="2">
+            <a:schemeClr val="accent1">
+              <a:shade val="50000"/>
+            </a:schemeClr>
+          </a:lnRef>
+          <a:fillRef idx="1">
+            <a:schemeClr val="accent1"/>
+          </a:fillRef>
+          <a:effectRef idx="0">
+            <a:schemeClr val="accent1"/>
+          </a:effectRef>
+          <a:fontRef idx="minor">
+            <a:schemeClr val="lt1"/>
+          </a:fontRef>
+        </p:style>
+        <p:txBody>
+          <a:bodyPr rtlCol="0" anchor="ctr"/>
+          <a:lstStyle/>
+          <a:p>
+            <a:pPr marL="0" marR="0" lvl="0" indent="0" algn="ctr" defTabSz="914400" rtl="0" eaLnBrk="1" fontAlgn="auto" latinLnBrk="0" hangingPunct="1">
+              <a:lnSpc>
+                <a:spcPct val="100000"/>
+              </a:lnSpc>
+              <a:spcBef>
+                <a:spcPts val="0"/>
+              </a:spcBef>
+              <a:spcAft>
+                <a:spcPts val="0"/>
+              </a:spcAft>
+              <a:buClrTx/>
+              <a:buSzTx/>
+              <a:buFontTx/>
+              <a:buNone/>
+              <a:tabLst/>
+              <a:defRPr/>
+            </a:pPr>
+            <a:endParaRPr kumimoji="0" lang="en-US" sz="1800" b="0" i="0" u="none" strike="noStrike" kern="1200" cap="none" spc="0" normalizeH="0" baseline="0" noProof="0">
+              <a:ln>
+                <a:noFill/>
+              </a:ln>
+              <a:solidFill>
+                <a:prstClr val="white"/>
+              </a:solidFill>
+              <a:effectLst/>
+              <a:uLnTx/>
+              <a:uFillTx/>
+              <a:latin typeface="Calibri" panose="020F0502020204030204"/>
+              <a:ea typeface="+mn-ea"/>
+              <a:cs typeface="+mn-cs"/>
+            </a:endParaRPr>
+          </a:p>
+        </p:txBody>
+      </p:sp>
+      <p:sp>
+        <p:nvSpPr>
+          <p:cNvPr id="19" name="Freeform: Shape 18">
+            <a:extLst>
+              <a:ext uri="{FF2B5EF4-FFF2-40B4-BE49-F238E27FC236}">
+                <a16:creationId xmlns:a16="http://schemas.microsoft.com/office/drawing/2014/main" xmlns="" id="{AB84D7E8-4ECB-42D7-ADBF-01689B0F24AE}"/>
+              </a:ext>
+              <a:ext uri="{C183D7F6-B498-43B3-948B-1728B52AA6E4}">
+                <adec:decorative xmlns:adec="http://schemas.microsoft.com/office/drawing/2017/decorative" xmlns="" val="1"/>
+              </a:ext>
+            </a:extLst>
+          </p:cNvPr>
+          <p:cNvSpPr>
+            <a:spLocks noGrp="1" noRot="1" noChangeAspect="1" noMove="1" noResize="1" noEditPoints="1" noAdjustHandles="1" noChangeArrowheads="1" noChangeShapeType="1" noTextEdit="1"/>
+          </p:cNvSpPr>
+          <p:nvPr>
+            <p:extLst>
+              <p:ext uri="{386F3935-93C4-4BCD-93E2-E3B085C9AB24}">
+                <p16:designElem xmlns:p16="http://schemas.microsoft.com/office/powerpoint/2015/main" val="1"/>
+              </p:ext>
+            </p:extLst>
+          </p:nvPr>
+        </p:nvSpPr>
+        <p:spPr>
+          <a:xfrm>
+            <a:off x="6492113" y="0"/>
+            <a:ext cx="5699887" cy="4059244"/>
+          </a:xfrm>
+          <a:custGeom>
+            <a:avLst/>
+            <a:gdLst>
+              <a:gd name="connsiteX0" fmla="*/ 0 w 5699887"/>
+              <a:gd name="connsiteY0" fmla="*/ 0 h 4059244"/>
+              <a:gd name="connsiteX1" fmla="*/ 5699887 w 5699887"/>
+              <a:gd name="connsiteY1" fmla="*/ 0 h 4059244"/>
+              <a:gd name="connsiteX2" fmla="*/ 5699887 w 5699887"/>
+              <a:gd name="connsiteY2" fmla="*/ 3944096 h 4059244"/>
+              <a:gd name="connsiteX3" fmla="*/ 5525775 w 5699887"/>
+              <a:gd name="connsiteY3" fmla="*/ 3980429 h 4059244"/>
+              <a:gd name="connsiteX4" fmla="*/ 4663256 w 5699887"/>
+              <a:gd name="connsiteY4" fmla="*/ 4059244 h 4059244"/>
+              <a:gd name="connsiteX5" fmla="*/ 8566 w 5699887"/>
+              <a:gd name="connsiteY5" fmla="*/ 67422 h 4059244"/>
+            </a:gdLst>
+            <a:ahLst/>
+            <a:cxnLst>
+              <a:cxn ang="0">
+                <a:pos x="connsiteX0" y="connsiteY0"/>
+              </a:cxn>
+              <a:cxn ang="0">
+                <a:pos x="connsiteX1" y="connsiteY1"/>
+              </a:cxn>
+              <a:cxn ang="0">
+                <a:pos x="connsiteX2" y="connsiteY2"/>
+              </a:cxn>
+              <a:cxn ang="0">
+                <a:pos x="connsiteX3" y="connsiteY3"/>
+              </a:cxn>
+              <a:cxn ang="0">
+                <a:pos x="connsiteX4" y="connsiteY4"/>
+              </a:cxn>
+              <a:cxn ang="0">
+                <a:pos x="connsiteX5" y="connsiteY5"/>
+              </a:cxn>
+            </a:cxnLst>
+            <a:rect l="l" t="t" r="r" b="b"/>
+            <a:pathLst>
+              <a:path w="5699887" h="4059244">
+                <a:moveTo>
+                  <a:pt x="0" y="0"/>
+                </a:moveTo>
+                <a:lnTo>
+                  <a:pt x="5699887" y="0"/>
+                </a:lnTo>
+                <a:lnTo>
+                  <a:pt x="5699887" y="3944096"/>
+                </a:lnTo>
+                <a:lnTo>
+                  <a:pt x="5525775" y="3980429"/>
+                </a:lnTo>
+                <a:cubicBezTo>
+                  <a:pt x="5246154" y="4032190"/>
+                  <a:pt x="4957865" y="4059244"/>
+                  <a:pt x="4663256" y="4059244"/>
+                </a:cubicBezTo>
+                <a:cubicBezTo>
+                  <a:pt x="2306390" y="4059244"/>
+                  <a:pt x="353936" y="2327747"/>
+                  <a:pt x="8566" y="67422"/>
+                </a:cubicBezTo>
+                <a:close/>
+              </a:path>
+            </a:pathLst>
+          </a:custGeom>
+          <a:solidFill>
+            <a:srgbClr val="595959"/>
+          </a:solidFill>
+          <a:ln>
+            <a:noFill/>
+          </a:ln>
+        </p:spPr>
+        <p:style>
+          <a:lnRef idx="2">
+            <a:schemeClr val="accent1">
+              <a:shade val="50000"/>
+            </a:schemeClr>
+          </a:lnRef>
+          <a:fillRef idx="1">
+            <a:schemeClr val="accent1"/>
+          </a:fillRef>
+          <a:effectRef idx="0">
+            <a:schemeClr val="accent1"/>
+          </a:effectRef>
+          <a:fontRef idx="minor">
+            <a:schemeClr val="lt1"/>
+          </a:fontRef>
+        </p:style>
+        <p:txBody>
+          <a:bodyPr rtlCol="0" anchor="ctr"/>
+          <a:lstStyle/>
+          <a:p>
+            <a:pPr marL="0" marR="0" lvl="0" indent="0" algn="ctr" defTabSz="914400" rtl="0" eaLnBrk="1" fontAlgn="auto" latinLnBrk="0" hangingPunct="1">
+              <a:lnSpc>
+                <a:spcPct val="100000"/>
+              </a:lnSpc>
+              <a:spcBef>
+                <a:spcPts val="0"/>
+              </a:spcBef>
+              <a:spcAft>
+                <a:spcPts val="0"/>
+              </a:spcAft>
+              <a:buClrTx/>
+              <a:buSzTx/>
+              <a:buFontTx/>
+              <a:buNone/>
+              <a:tabLst/>
+              <a:defRPr/>
+            </a:pPr>
+            <a:endParaRPr kumimoji="0" lang="en-US" sz="1800" b="0" i="0" u="none" strike="noStrike" kern="1200" cap="none" spc="0" normalizeH="0" baseline="0" noProof="0">
+              <a:ln>
+                <a:noFill/>
+              </a:ln>
+              <a:solidFill>
+                <a:prstClr val="white"/>
+              </a:solidFill>
+              <a:effectLst/>
+              <a:uLnTx/>
+              <a:uFillTx/>
+              <a:latin typeface="Calibri" panose="020F0502020204030204"/>
+              <a:ea typeface="+mn-ea"/>
+              <a:cs typeface="+mn-cs"/>
+            </a:endParaRPr>
+          </a:p>
+        </p:txBody>
+      </p:sp>
+      <p:cxnSp>
+        <p:nvCxnSpPr>
+          <p:cNvPr id="21" name="Straight Connector 20">
+            <a:extLst>
+              <a:ext uri="{FF2B5EF4-FFF2-40B4-BE49-F238E27FC236}">
+                <a16:creationId xmlns:a16="http://schemas.microsoft.com/office/drawing/2014/main" xmlns="" id="{9E8E38ED-369A-44C2-B635-0BED0E48A6E8}"/>
+              </a:ext>
+              <a:ext uri="{C183D7F6-B498-43B3-948B-1728B52AA6E4}">
+                <adec:decorative xmlns:adec="http://schemas.microsoft.com/office/drawing/2017/decorative" xmlns="" val="1"/>
+              </a:ext>
+            </a:extLst>
+          </p:cNvPr>
+          <p:cNvCxnSpPr>
+            <a:cxnSpLocks noGrp="1" noRot="1" noChangeAspect="1" noMove="1" noResize="1" noEditPoints="1" noAdjustHandles="1" noChangeArrowheads="1" noChangeShapeType="1"/>
+          </p:cNvCxnSpPr>
+          <p:nvPr>
+            <p:extLst>
+              <p:ext uri="{386F3935-93C4-4BCD-93E2-E3B085C9AB24}">
+                <p16:designElem xmlns:p16="http://schemas.microsoft.com/office/powerpoint/2015/main" val="1"/>
+              </p:ext>
+            </p:extLst>
+          </p:nvPr>
+        </p:nvCxnSpPr>
+        <p:spPr>
+          <a:xfrm>
+            <a:off x="7800392" y="4525347"/>
+            <a:ext cx="0" cy="1737360"/>
+          </a:xfrm>
+          <a:prstGeom prst="line">
+            <a:avLst/>
+          </a:prstGeom>
+          <a:ln w="19050" cap="sq">
+            <a:solidFill>
+              <a:schemeClr val="tx1"/>
+            </a:solidFill>
+          </a:ln>
+        </p:spPr>
+        <p:style>
+          <a:lnRef idx="1">
+            <a:schemeClr val="accent1"/>
+          </a:lnRef>
+          <a:fillRef idx="0">
+            <a:schemeClr val="accent1"/>
+          </a:fillRef>
+          <a:effectRef idx="0">
+            <a:schemeClr val="accent1"/>
+          </a:effectRef>
+          <a:fontRef idx="minor">
+            <a:schemeClr val="tx1"/>
+          </a:fontRef>
+        </p:style>
+      </p:cxnSp>
+      <p:sp>
+        <p:nvSpPr>
+          <p:cNvPr id="6" name="TextBox 5">
+            <a:extLst>
+              <a:ext uri="{FF2B5EF4-FFF2-40B4-BE49-F238E27FC236}">
+                <a16:creationId xmlns:a16="http://schemas.microsoft.com/office/drawing/2014/main" xmlns="" id="{22B54AF2-355A-C640-94BB-354252E5DA20}"/>
+              </a:ext>
+            </a:extLst>
+          </p:cNvPr>
+          <p:cNvSpPr txBox="1"/>
+          <p:nvPr/>
+        </p:nvSpPr>
+        <p:spPr>
+          <a:xfrm>
+            <a:off x="10005184" y="6870700"/>
+            <a:ext cx="2186816" cy="200055"/>
+          </a:xfrm>
+          <a:prstGeom prst="rect">
+            <a:avLst/>
+          </a:prstGeom>
+          <a:solidFill>
+            <a:srgbClr val="000000"/>
+          </a:solidFill>
+        </p:spPr>
+        <p:txBody>
+          <a:bodyPr wrap="none" rtlCol="0">
+            <a:spAutoFit/>
+          </a:bodyPr>
+          <a:lstStyle/>
+          <a:p>
+            <a:pPr algn="r">
+              <a:spcAft>
+                <a:spcPts val="600"/>
+              </a:spcAft>
+            </a:pPr>
+            <a:r>
+              <a:rPr lang="en-US" sz="700">
+                <a:solidFill>
+                  <a:srgbClr val="FFFFFF"/>
+                </a:solidFill>
+                <a:hlinkClick r:id="rId2" tooltip="http://umaprofessoramaluquinha.com.br/?attachment_id=1237">
+                  <a:extLst>
+                    <a:ext uri="{A12FA001-AC4F-418D-AE19-62706E023703}">
+                      <ahyp:hlinkClr xmlns:ahyp="http://schemas.microsoft.com/office/drawing/2018/hyperlinkcolor" xmlns="" val="tx"/>
+                    </a:ext>
+                  </a:extLst>
+                </a:hlinkClick>
+              </a:rPr>
+              <a:t>This Photo</a:t>
+            </a:r>
+            <a:r>
+              <a:rPr lang="en-US" sz="700">
+                <a:solidFill>
+                  <a:srgbClr val="FFFFFF"/>
+                </a:solidFill>
+              </a:rPr>
+              <a:t> by Unknown Author is licensed under </a:t>
+            </a:r>
+            <a:r>
+              <a:rPr lang="en-US" sz="700">
+                <a:solidFill>
+                  <a:srgbClr val="FFFFFF"/>
+                </a:solidFill>
+                <a:hlinkClick r:id="rId3" tooltip="https://creativecommons.org/licenses/by/3.0/">
+                  <a:extLst>
+                    <a:ext uri="{A12FA001-AC4F-418D-AE19-62706E023703}">
+                      <ahyp:hlinkClr xmlns:ahyp="http://schemas.microsoft.com/office/drawing/2018/hyperlinkcolor" xmlns="" val="tx"/>
                     </a:ext>
                   </a:extLst>
                 </a:hlinkClick>
@@ -11788,7 +14008,7 @@
 </p:sld>
 </file>
 
-<file path=ppt/slides/slide11.xml><?xml version="1.0" encoding="utf-8"?>
+<file path=ppt/slides/slide17.xml><?xml version="1.0" encoding="utf-8"?>
 <p:sld xmlns:a="http://schemas.openxmlformats.org/drawingml/2006/main" xmlns:r="http://schemas.openxmlformats.org/officeDocument/2006/relationships" xmlns:p="http://schemas.openxmlformats.org/presentationml/2006/main">
   <p:cSld>
     <p:bg>
@@ -11818,10 +14038,10 @@
           <p:cNvPr id="16" name="Freeform: Shape 9">
             <a:extLst>
               <a:ext uri="{FF2B5EF4-FFF2-40B4-BE49-F238E27FC236}">
-                <a16:creationId xmlns:a16="http://schemas.microsoft.com/office/drawing/2014/main" id="{46C2E80F-49A6-4372-B103-219D417A55ED}"/>
+                <a16:creationId xmlns:a16="http://schemas.microsoft.com/office/drawing/2014/main" xmlns="" id="{46C2E80F-49A6-4372-B103-219D417A55ED}"/>
               </a:ext>
               <a:ext uri="{C183D7F6-B498-43B3-948B-1728B52AA6E4}">
-                <adec:decorative xmlns:adec="http://schemas.microsoft.com/office/drawing/2017/decorative" val="1"/>
+                <adec:decorative xmlns:adec="http://schemas.microsoft.com/office/drawing/2017/decorative" xmlns="" val="1"/>
               </a:ext>
             </a:extLst>
           </p:cNvPr>
@@ -12299,7 +14519,7 @@
           <p:cNvPr id="2" name="标题 1">
             <a:extLst>
               <a:ext uri="{FF2B5EF4-FFF2-40B4-BE49-F238E27FC236}">
-                <a16:creationId xmlns:a16="http://schemas.microsoft.com/office/drawing/2014/main" id="{EB96F098-1AE7-4FB6-999B-C6071E5548D4}"/>
+                <a16:creationId xmlns:a16="http://schemas.microsoft.com/office/drawing/2014/main" xmlns="" id="{EB96F098-1AE7-4FB6-999B-C6071E5548D4}"/>
               </a:ext>
             </a:extLst>
           </p:cNvPr>
@@ -12343,7 +14563,7 @@
           <p:cNvPr id="5" name="内容占位符 2">
             <a:extLst>
               <a:ext uri="{FF2B5EF4-FFF2-40B4-BE49-F238E27FC236}">
-                <a16:creationId xmlns:a16="http://schemas.microsoft.com/office/drawing/2014/main" id="{10A26374-4B1C-45B9-8874-9A4F2E80A9D8}"/>
+                <a16:creationId xmlns:a16="http://schemas.microsoft.com/office/drawing/2014/main" xmlns="" id="{10A26374-4B1C-45B9-8874-9A4F2E80A9D8}"/>
               </a:ext>
             </a:extLst>
           </p:cNvPr>
@@ -12382,7 +14602,7 @@
 </p:sld>
 </file>
 
-<file path=ppt/slides/slide12.xml><?xml version="1.0" encoding="utf-8"?>
+<file path=ppt/slides/slide18.xml><?xml version="1.0" encoding="utf-8"?>
 <p:sld xmlns:a="http://schemas.openxmlformats.org/drawingml/2006/main" xmlns:r="http://schemas.openxmlformats.org/officeDocument/2006/relationships" xmlns:p="http://schemas.openxmlformats.org/presentationml/2006/main">
   <p:cSld>
     <p:spTree>
@@ -12404,7 +14624,7 @@
           <p:cNvPr id="2" name="标题 1">
             <a:extLst>
               <a:ext uri="{FF2B5EF4-FFF2-40B4-BE49-F238E27FC236}">
-                <a16:creationId xmlns:a16="http://schemas.microsoft.com/office/drawing/2014/main" id="{6FBE974E-E76A-4250-8749-81F2263762BF}"/>
+                <a16:creationId xmlns:a16="http://schemas.microsoft.com/office/drawing/2014/main" xmlns="" id="{6FBE974E-E76A-4250-8749-81F2263762BF}"/>
               </a:ext>
             </a:extLst>
           </p:cNvPr>
@@ -12433,7 +14653,7 @@
           <p:cNvPr id="3" name="内容占位符 2">
             <a:extLst>
               <a:ext uri="{FF2B5EF4-FFF2-40B4-BE49-F238E27FC236}">
-                <a16:creationId xmlns:a16="http://schemas.microsoft.com/office/drawing/2014/main" id="{3B9A228A-3D3D-4C00-B1A2-139CA10D9289}"/>
+                <a16:creationId xmlns:a16="http://schemas.microsoft.com/office/drawing/2014/main" xmlns="" id="{3B9A228A-3D3D-4C00-B1A2-139CA10D9289}"/>
               </a:ext>
             </a:extLst>
           </p:cNvPr>
@@ -12458,7 +14678,7 @@
           <p:cNvPr id="18" name="组合 17">
             <a:extLst>
               <a:ext uri="{FF2B5EF4-FFF2-40B4-BE49-F238E27FC236}">
-                <a16:creationId xmlns:a16="http://schemas.microsoft.com/office/drawing/2014/main" id="{459AF89D-E46E-4C06-B76E-271B0091EAEE}"/>
+                <a16:creationId xmlns:a16="http://schemas.microsoft.com/office/drawing/2014/main" xmlns="" id="{459AF89D-E46E-4C06-B76E-271B0091EAEE}"/>
               </a:ext>
             </a:extLst>
           </p:cNvPr>
@@ -12478,7 +14698,7 @@
             <p:cNvPr id="19" name="椭圆 18">
               <a:extLst>
                 <a:ext uri="{FF2B5EF4-FFF2-40B4-BE49-F238E27FC236}">
-                  <a16:creationId xmlns:a16="http://schemas.microsoft.com/office/drawing/2014/main" id="{2AF47829-B268-415D-AEAD-41AEE6139AEB}"/>
+                  <a16:creationId xmlns:a16="http://schemas.microsoft.com/office/drawing/2014/main" xmlns="" id="{2AF47829-B268-415D-AEAD-41AEE6139AEB}"/>
                 </a:ext>
               </a:extLst>
             </p:cNvPr>
@@ -12547,7 +14767,7 @@
             <p:cNvPr id="20" name="椭圆 19">
               <a:extLst>
                 <a:ext uri="{FF2B5EF4-FFF2-40B4-BE49-F238E27FC236}">
-                  <a16:creationId xmlns:a16="http://schemas.microsoft.com/office/drawing/2014/main" id="{B98839A0-DC26-49B0-AAC2-9AF5C7812976}"/>
+                  <a16:creationId xmlns:a16="http://schemas.microsoft.com/office/drawing/2014/main" xmlns="" id="{B98839A0-DC26-49B0-AAC2-9AF5C7812976}"/>
                 </a:ext>
               </a:extLst>
             </p:cNvPr>
@@ -12597,7 +14817,7 @@
             <p:cNvPr id="21" name="椭圆 20">
               <a:extLst>
                 <a:ext uri="{FF2B5EF4-FFF2-40B4-BE49-F238E27FC236}">
-                  <a16:creationId xmlns:a16="http://schemas.microsoft.com/office/drawing/2014/main" id="{5DDBB2C4-7B23-4FC2-88BD-2112505F2632}"/>
+                  <a16:creationId xmlns:a16="http://schemas.microsoft.com/office/drawing/2014/main" xmlns="" id="{5DDBB2C4-7B23-4FC2-88BD-2112505F2632}"/>
                 </a:ext>
               </a:extLst>
             </p:cNvPr>
@@ -12651,7 +14871,7 @@
             <p:cNvPr id="22" name="椭圆 21">
               <a:extLst>
                 <a:ext uri="{FF2B5EF4-FFF2-40B4-BE49-F238E27FC236}">
-                  <a16:creationId xmlns:a16="http://schemas.microsoft.com/office/drawing/2014/main" id="{12EDF1FA-ED22-4D98-B49D-34306B6822D5}"/>
+                  <a16:creationId xmlns:a16="http://schemas.microsoft.com/office/drawing/2014/main" xmlns="" id="{12EDF1FA-ED22-4D98-B49D-34306B6822D5}"/>
                 </a:ext>
               </a:extLst>
             </p:cNvPr>
@@ -12705,7 +14925,7 @@
             <p:cNvPr id="23" name="椭圆 22">
               <a:extLst>
                 <a:ext uri="{FF2B5EF4-FFF2-40B4-BE49-F238E27FC236}">
-                  <a16:creationId xmlns:a16="http://schemas.microsoft.com/office/drawing/2014/main" id="{DFB349E3-F103-48A5-95F6-ACDA54B277E8}"/>
+                  <a16:creationId xmlns:a16="http://schemas.microsoft.com/office/drawing/2014/main" xmlns="" id="{DFB349E3-F103-48A5-95F6-ACDA54B277E8}"/>
                 </a:ext>
               </a:extLst>
             </p:cNvPr>
@@ -12759,7 +14979,7 @@
             <p:cNvPr id="24" name="椭圆 23">
               <a:extLst>
                 <a:ext uri="{FF2B5EF4-FFF2-40B4-BE49-F238E27FC236}">
-                  <a16:creationId xmlns:a16="http://schemas.microsoft.com/office/drawing/2014/main" id="{8A9D2E9D-ADF0-49D9-8C02-E226E1F1535E}"/>
+                  <a16:creationId xmlns:a16="http://schemas.microsoft.com/office/drawing/2014/main" xmlns="" id="{8A9D2E9D-ADF0-49D9-8C02-E226E1F1535E}"/>
                 </a:ext>
               </a:extLst>
             </p:cNvPr>
@@ -12813,7 +15033,7 @@
             <p:cNvPr id="25" name="椭圆 24">
               <a:extLst>
                 <a:ext uri="{FF2B5EF4-FFF2-40B4-BE49-F238E27FC236}">
-                  <a16:creationId xmlns:a16="http://schemas.microsoft.com/office/drawing/2014/main" id="{C17EE380-C57D-4988-BAB8-40D5F128EA92}"/>
+                  <a16:creationId xmlns:a16="http://schemas.microsoft.com/office/drawing/2014/main" xmlns="" id="{C17EE380-C57D-4988-BAB8-40D5F128EA92}"/>
                 </a:ext>
               </a:extLst>
             </p:cNvPr>
@@ -12863,7 +15083,7 @@
             <p:cNvPr id="26" name="椭圆 25">
               <a:extLst>
                 <a:ext uri="{FF2B5EF4-FFF2-40B4-BE49-F238E27FC236}">
-                  <a16:creationId xmlns:a16="http://schemas.microsoft.com/office/drawing/2014/main" id="{9B3279FE-37D1-44A8-899E-2DA8F84D672C}"/>
+                  <a16:creationId xmlns:a16="http://schemas.microsoft.com/office/drawing/2014/main" xmlns="" id="{9B3279FE-37D1-44A8-899E-2DA8F84D672C}"/>
                 </a:ext>
               </a:extLst>
             </p:cNvPr>
@@ -12913,7 +15133,7 @@
             <p:cNvPr id="27" name="文本框 2">
               <a:extLst>
                 <a:ext uri="{FF2B5EF4-FFF2-40B4-BE49-F238E27FC236}">
-                  <a16:creationId xmlns:a16="http://schemas.microsoft.com/office/drawing/2014/main" id="{5C3ABEC4-4436-4721-AB06-EDE0809BEECC}"/>
+                  <a16:creationId xmlns:a16="http://schemas.microsoft.com/office/drawing/2014/main" xmlns="" id="{5C3ABEC4-4436-4721-AB06-EDE0809BEECC}"/>
                 </a:ext>
               </a:extLst>
             </p:cNvPr>
@@ -12972,7 +15192,7 @@
             <p:cNvPr id="28" name="椭圆 27">
               <a:extLst>
                 <a:ext uri="{FF2B5EF4-FFF2-40B4-BE49-F238E27FC236}">
-                  <a16:creationId xmlns:a16="http://schemas.microsoft.com/office/drawing/2014/main" id="{E252D1A3-C7BF-44D9-B6B7-F47E53FD609A}"/>
+                  <a16:creationId xmlns:a16="http://schemas.microsoft.com/office/drawing/2014/main" xmlns="" id="{E252D1A3-C7BF-44D9-B6B7-F47E53FD609A}"/>
                 </a:ext>
               </a:extLst>
             </p:cNvPr>
@@ -13041,7 +15261,7 @@
             <p:cNvPr id="29" name="文本框 2">
               <a:extLst>
                 <a:ext uri="{FF2B5EF4-FFF2-40B4-BE49-F238E27FC236}">
-                  <a16:creationId xmlns:a16="http://schemas.microsoft.com/office/drawing/2014/main" id="{64692BA0-7B08-4F70-8A70-466C2B7CDADB}"/>
+                  <a16:creationId xmlns:a16="http://schemas.microsoft.com/office/drawing/2014/main" xmlns="" id="{64692BA0-7B08-4F70-8A70-466C2B7CDADB}"/>
                 </a:ext>
               </a:extLst>
             </p:cNvPr>
@@ -13100,7 +15320,7 @@
             <p:cNvPr id="30" name="文本框 2">
               <a:extLst>
                 <a:ext uri="{FF2B5EF4-FFF2-40B4-BE49-F238E27FC236}">
-                  <a16:creationId xmlns:a16="http://schemas.microsoft.com/office/drawing/2014/main" id="{D6484BE1-A1CF-4437-9B9C-B4486F77B689}"/>
+                  <a16:creationId xmlns:a16="http://schemas.microsoft.com/office/drawing/2014/main" xmlns="" id="{D6484BE1-A1CF-4437-9B9C-B4486F77B689}"/>
                 </a:ext>
               </a:extLst>
             </p:cNvPr>
@@ -13162,7 +15382,7 @@
             <p:cNvPr id="31" name="文本框 2">
               <a:extLst>
                 <a:ext uri="{FF2B5EF4-FFF2-40B4-BE49-F238E27FC236}">
-                  <a16:creationId xmlns:a16="http://schemas.microsoft.com/office/drawing/2014/main" id="{A1CF3FB0-717F-4AF6-ADD2-8B720D1B3B6D}"/>
+                  <a16:creationId xmlns:a16="http://schemas.microsoft.com/office/drawing/2014/main" xmlns="" id="{A1CF3FB0-717F-4AF6-ADD2-8B720D1B3B6D}"/>
                 </a:ext>
               </a:extLst>
             </p:cNvPr>
@@ -13225,7 +15445,7 @@
           <p:cNvPr id="32" name="椭圆 31">
             <a:extLst>
               <a:ext uri="{FF2B5EF4-FFF2-40B4-BE49-F238E27FC236}">
-                <a16:creationId xmlns:a16="http://schemas.microsoft.com/office/drawing/2014/main" id="{C174CF94-8C59-4881-8872-D0FC108B6E90}"/>
+                <a16:creationId xmlns:a16="http://schemas.microsoft.com/office/drawing/2014/main" xmlns="" id="{C174CF94-8C59-4881-8872-D0FC108B6E90}"/>
               </a:ext>
             </a:extLst>
           </p:cNvPr>
@@ -13275,7 +15495,7 @@
           <p:cNvPr id="33" name="椭圆 32">
             <a:extLst>
               <a:ext uri="{FF2B5EF4-FFF2-40B4-BE49-F238E27FC236}">
-                <a16:creationId xmlns:a16="http://schemas.microsoft.com/office/drawing/2014/main" id="{A0876C01-5D1D-4B7B-A6C4-031DF77D6492}"/>
+                <a16:creationId xmlns:a16="http://schemas.microsoft.com/office/drawing/2014/main" xmlns="" id="{A0876C01-5D1D-4B7B-A6C4-031DF77D6492}"/>
               </a:ext>
             </a:extLst>
           </p:cNvPr>
@@ -13333,7 +15553,7 @@
           <p:cNvPr id="34" name="椭圆 33">
             <a:extLst>
               <a:ext uri="{FF2B5EF4-FFF2-40B4-BE49-F238E27FC236}">
-                <a16:creationId xmlns:a16="http://schemas.microsoft.com/office/drawing/2014/main" id="{C8E26C8B-F15C-4E63-828A-A87881989C88}"/>
+                <a16:creationId xmlns:a16="http://schemas.microsoft.com/office/drawing/2014/main" xmlns="" id="{C8E26C8B-F15C-4E63-828A-A87881989C88}"/>
               </a:ext>
             </a:extLst>
           </p:cNvPr>
@@ -13391,7 +15611,7 @@
           <p:cNvPr id="35" name="文本框 2">
             <a:extLst>
               <a:ext uri="{FF2B5EF4-FFF2-40B4-BE49-F238E27FC236}">
-                <a16:creationId xmlns:a16="http://schemas.microsoft.com/office/drawing/2014/main" id="{2B76B6E6-AD2E-4CE6-AF7F-C805CCE58B4C}"/>
+                <a16:creationId xmlns:a16="http://schemas.microsoft.com/office/drawing/2014/main" xmlns="" id="{2B76B6E6-AD2E-4CE6-AF7F-C805CCE58B4C}"/>
               </a:ext>
             </a:extLst>
           </p:cNvPr>
@@ -13467,7 +15687,7 @@
 </p:sld>
 </file>
 
-<file path=ppt/slides/slide13.xml><?xml version="1.0" encoding="utf-8"?>
+<file path=ppt/slides/slide19.xml><?xml version="1.0" encoding="utf-8"?>
 <p:sld xmlns:a="http://schemas.openxmlformats.org/drawingml/2006/main" xmlns:r="http://schemas.openxmlformats.org/officeDocument/2006/relationships" xmlns:p="http://schemas.openxmlformats.org/presentationml/2006/main">
   <p:cSld>
     <p:bg>
@@ -13497,10 +15717,10 @@
           <p:cNvPr id="10" name="Freeform: Shape 9">
             <a:extLst>
               <a:ext uri="{FF2B5EF4-FFF2-40B4-BE49-F238E27FC236}">
-                <a16:creationId xmlns:a16="http://schemas.microsoft.com/office/drawing/2014/main" id="{42285737-90EE-47DC-AC80-8AE156B11969}"/>
+                <a16:creationId xmlns:a16="http://schemas.microsoft.com/office/drawing/2014/main" xmlns="" id="{42285737-90EE-47DC-AC80-8AE156B11969}"/>
               </a:ext>
               <a:ext uri="{C183D7F6-B498-43B3-948B-1728B52AA6E4}">
-                <adec:decorative xmlns:adec="http://schemas.microsoft.com/office/drawing/2017/decorative" val="1"/>
+                <adec:decorative xmlns:adec="http://schemas.microsoft.com/office/drawing/2017/decorative" xmlns="" val="1"/>
               </a:ext>
             </a:extLst>
           </p:cNvPr>
@@ -13677,10 +15897,10 @@
           <p:cNvPr id="12" name="Group 11">
             <a:extLst>
               <a:ext uri="{FF2B5EF4-FFF2-40B4-BE49-F238E27FC236}">
-                <a16:creationId xmlns:a16="http://schemas.microsoft.com/office/drawing/2014/main" id="{B57BDC17-F1B3-455F-BBF1-680AA1F25C06}"/>
+                <a16:creationId xmlns:a16="http://schemas.microsoft.com/office/drawing/2014/main" xmlns="" id="{B57BDC17-F1B3-455F-BBF1-680AA1F25C06}"/>
               </a:ext>
               <a:ext uri="{C183D7F6-B498-43B3-948B-1728B52AA6E4}">
-                <adec:decorative xmlns:adec="http://schemas.microsoft.com/office/drawing/2017/decorative" val="1"/>
+                <adec:decorative xmlns:adec="http://schemas.microsoft.com/office/drawing/2017/decorative" xmlns="" val="1"/>
               </a:ext>
             </a:extLst>
           </p:cNvPr>
@@ -13708,10 +15928,10 @@
             <p:cNvPr id="13" name="Freeform 6">
               <a:extLst>
                 <a:ext uri="{FF2B5EF4-FFF2-40B4-BE49-F238E27FC236}">
-                  <a16:creationId xmlns:a16="http://schemas.microsoft.com/office/drawing/2014/main" id="{64E2FA9A-FEF7-4501-B0EB-5E45EDD2177A}"/>
+                  <a16:creationId xmlns:a16="http://schemas.microsoft.com/office/drawing/2014/main" xmlns="" id="{64E2FA9A-FEF7-4501-B0EB-5E45EDD2177A}"/>
                 </a:ext>
                 <a:ext uri="{C183D7F6-B498-43B3-948B-1728B52AA6E4}">
-                  <adec:decorative xmlns:adec="http://schemas.microsoft.com/office/drawing/2017/decorative" val="1"/>
+                  <adec:decorative xmlns:adec="http://schemas.microsoft.com/office/drawing/2017/decorative" xmlns="" val="1"/>
                 </a:ext>
               </a:extLst>
             </p:cNvPr>
@@ -13769,10 +15989,10 @@
             <p:cNvPr id="14" name="Freeform 7">
               <a:extLst>
                 <a:ext uri="{FF2B5EF4-FFF2-40B4-BE49-F238E27FC236}">
-                  <a16:creationId xmlns:a16="http://schemas.microsoft.com/office/drawing/2014/main" id="{BC38192B-B4CB-47D4-A3B1-10010247F158}"/>
+                  <a16:creationId xmlns:a16="http://schemas.microsoft.com/office/drawing/2014/main" xmlns="" id="{BC38192B-B4CB-47D4-A3B1-10010247F158}"/>
                 </a:ext>
                 <a:ext uri="{C183D7F6-B498-43B3-948B-1728B52AA6E4}">
-                  <adec:decorative xmlns:adec="http://schemas.microsoft.com/office/drawing/2017/decorative" val="1"/>
+                  <adec:decorative xmlns:adec="http://schemas.microsoft.com/office/drawing/2017/decorative" xmlns="" val="1"/>
                 </a:ext>
               </a:extLst>
             </p:cNvPr>
@@ -13830,10 +16050,10 @@
             <p:cNvPr id="15" name="Freeform 8">
               <a:extLst>
                 <a:ext uri="{FF2B5EF4-FFF2-40B4-BE49-F238E27FC236}">
-                  <a16:creationId xmlns:a16="http://schemas.microsoft.com/office/drawing/2014/main" id="{96330E33-E171-4B0F-82B5-AF7230399B5C}"/>
+                  <a16:creationId xmlns:a16="http://schemas.microsoft.com/office/drawing/2014/main" xmlns="" id="{96330E33-E171-4B0F-82B5-AF7230399B5C}"/>
                 </a:ext>
                 <a:ext uri="{C183D7F6-B498-43B3-948B-1728B52AA6E4}">
-                  <adec:decorative xmlns:adec="http://schemas.microsoft.com/office/drawing/2017/decorative" val="1"/>
+                  <adec:decorative xmlns:adec="http://schemas.microsoft.com/office/drawing/2017/decorative" xmlns="" val="1"/>
                 </a:ext>
               </a:extLst>
             </p:cNvPr>
@@ -13888,10 +16108,10 @@
             <p:cNvPr id="16" name="Freeform 9">
               <a:extLst>
                 <a:ext uri="{FF2B5EF4-FFF2-40B4-BE49-F238E27FC236}">
-                  <a16:creationId xmlns:a16="http://schemas.microsoft.com/office/drawing/2014/main" id="{332B1723-69BF-42D7-B757-0FA059E15256}"/>
+                  <a16:creationId xmlns:a16="http://schemas.microsoft.com/office/drawing/2014/main" xmlns="" id="{332B1723-69BF-42D7-B757-0FA059E15256}"/>
                 </a:ext>
                 <a:ext uri="{C183D7F6-B498-43B3-948B-1728B52AA6E4}">
-                  <adec:decorative xmlns:adec="http://schemas.microsoft.com/office/drawing/2017/decorative" val="1"/>
+                  <adec:decorative xmlns:adec="http://schemas.microsoft.com/office/drawing/2017/decorative" xmlns="" val="1"/>
                 </a:ext>
               </a:extLst>
             </p:cNvPr>
@@ -13948,10 +16168,10 @@
             <p:cNvPr id="17" name="Freeform 10">
               <a:extLst>
                 <a:ext uri="{FF2B5EF4-FFF2-40B4-BE49-F238E27FC236}">
-                  <a16:creationId xmlns:a16="http://schemas.microsoft.com/office/drawing/2014/main" id="{F115D62D-1E96-48D1-A78D-D370A0BFB9B5}"/>
+                  <a16:creationId xmlns:a16="http://schemas.microsoft.com/office/drawing/2014/main" xmlns="" id="{F115D62D-1E96-48D1-A78D-D370A0BFB9B5}"/>
                 </a:ext>
                 <a:ext uri="{C183D7F6-B498-43B3-948B-1728B52AA6E4}">
-                  <adec:decorative xmlns:adec="http://schemas.microsoft.com/office/drawing/2017/decorative" val="1"/>
+                  <adec:decorative xmlns:adec="http://schemas.microsoft.com/office/drawing/2017/decorative" xmlns="" val="1"/>
                 </a:ext>
               </a:extLst>
             </p:cNvPr>
@@ -14014,10 +16234,10 @@
             <p:cNvPr id="18" name="Freeform 11">
               <a:extLst>
                 <a:ext uri="{FF2B5EF4-FFF2-40B4-BE49-F238E27FC236}">
-                  <a16:creationId xmlns:a16="http://schemas.microsoft.com/office/drawing/2014/main" id="{91C2876A-169D-4822-A766-C00578C88B4B}"/>
+                  <a16:creationId xmlns:a16="http://schemas.microsoft.com/office/drawing/2014/main" xmlns="" id="{91C2876A-169D-4822-A766-C00578C88B4B}"/>
                 </a:ext>
                 <a:ext uri="{C183D7F6-B498-43B3-948B-1728B52AA6E4}">
-                  <adec:decorative xmlns:adec="http://schemas.microsoft.com/office/drawing/2017/decorative" val="1"/>
+                  <adec:decorative xmlns:adec="http://schemas.microsoft.com/office/drawing/2017/decorative" xmlns="" val="1"/>
                 </a:ext>
               </a:extLst>
             </p:cNvPr>
@@ -14091,7 +16311,7 @@
           <p:cNvPr id="2" name="标题 1">
             <a:extLst>
               <a:ext uri="{FF2B5EF4-FFF2-40B4-BE49-F238E27FC236}">
-                <a16:creationId xmlns:a16="http://schemas.microsoft.com/office/drawing/2014/main" id="{F6273AB9-728E-4AFC-A6FB-5080CEDF6800}"/>
+                <a16:creationId xmlns:a16="http://schemas.microsoft.com/office/drawing/2014/main" xmlns="" id="{F6273AB9-728E-4AFC-A6FB-5080CEDF6800}"/>
               </a:ext>
             </a:extLst>
           </p:cNvPr>
@@ -14135,7 +16355,7 @@
           <p:cNvPr id="5" name="内容占位符 2">
             <a:extLst>
               <a:ext uri="{FF2B5EF4-FFF2-40B4-BE49-F238E27FC236}">
-                <a16:creationId xmlns:a16="http://schemas.microsoft.com/office/drawing/2014/main" id="{FFF0274C-3BB3-41E9-9B5A-1F9CAF11F37D}"/>
+                <a16:creationId xmlns:a16="http://schemas.microsoft.com/office/drawing/2014/main" xmlns="" id="{FFF0274C-3BB3-41E9-9B5A-1F9CAF11F37D}"/>
               </a:ext>
             </a:extLst>
           </p:cNvPr>
@@ -14177,1284 +16397,6 @@
 <file path=ppt/slides/slide2.xml><?xml version="1.0" encoding="utf-8"?>
 <p:sld xmlns:a="http://schemas.openxmlformats.org/drawingml/2006/main" xmlns:r="http://schemas.openxmlformats.org/officeDocument/2006/relationships" xmlns:p="http://schemas.openxmlformats.org/presentationml/2006/main">
   <p:cSld>
-    <p:spTree>
-      <p:nvGrpSpPr>
-        <p:cNvPr id="1" name=""/>
-        <p:cNvGrpSpPr/>
-        <p:nvPr/>
-      </p:nvGrpSpPr>
-      <p:grpSpPr>
-        <a:xfrm>
-          <a:off x="0" y="0"/>
-          <a:ext cx="0" cy="0"/>
-          <a:chOff x="0" y="0"/>
-          <a:chExt cx="0" cy="0"/>
-        </a:xfrm>
-      </p:grpSpPr>
-      <p:sp>
-        <p:nvSpPr>
-          <p:cNvPr id="2" name="Title 1">
-            <a:extLst>
-              <a:ext uri="{FF2B5EF4-FFF2-40B4-BE49-F238E27FC236}">
-                <a16:creationId xmlns:a16="http://schemas.microsoft.com/office/drawing/2014/main" id="{590D5C6B-75CD-0845-B759-3C689DD6CB26}"/>
-              </a:ext>
-            </a:extLst>
-          </p:cNvPr>
-          <p:cNvSpPr>
-            <a:spLocks noGrp="1"/>
-          </p:cNvSpPr>
-          <p:nvPr>
-            <p:ph type="title"/>
-          </p:nvPr>
-        </p:nvSpPr>
-        <p:spPr>
-          <a:xfrm>
-            <a:off x="838200" y="365125"/>
-            <a:ext cx="10515600" cy="1325563"/>
-          </a:xfrm>
-        </p:spPr>
-        <p:txBody>
-          <a:bodyPr/>
-          <a:lstStyle/>
-          <a:p>
-            <a:r>
-              <a:rPr lang="en-US" b="1" dirty="0">
-                <a:latin typeface="Helvetica Neue" panose="02000503000000020004" pitchFamily="2" charset="0"/>
-                <a:ea typeface="Helvetica Neue" panose="02000503000000020004" pitchFamily="2" charset="0"/>
-                <a:cs typeface="Helvetica Neue" panose="02000503000000020004" pitchFamily="2" charset="0"/>
-              </a:rPr>
-              <a:t>2.1	Raw Data</a:t>
-            </a:r>
-          </a:p>
-        </p:txBody>
-      </p:sp>
-      <p:pic>
-        <p:nvPicPr>
-          <p:cNvPr id="4" name="Content Placeholder 3">
-            <a:extLst>
-              <a:ext uri="{FF2B5EF4-FFF2-40B4-BE49-F238E27FC236}">
-                <a16:creationId xmlns:a16="http://schemas.microsoft.com/office/drawing/2014/main" id="{EBDE50FA-51BE-6A4C-8EEB-72EA6F12B77E}"/>
-              </a:ext>
-            </a:extLst>
-          </p:cNvPr>
-          <p:cNvPicPr>
-            <a:picLocks noGrp="1" noChangeAspect="1"/>
-          </p:cNvPicPr>
-          <p:nvPr>
-            <p:ph idx="1"/>
-          </p:nvPr>
-        </p:nvPicPr>
-        <p:blipFill>
-          <a:blip r:embed="rId2"/>
-          <a:stretch>
-            <a:fillRect/>
-          </a:stretch>
-        </p:blipFill>
-        <p:spPr>
-          <a:xfrm>
-            <a:off x="6339261" y="1690688"/>
-            <a:ext cx="4233754" cy="3783355"/>
-          </a:xfrm>
-          <a:prstGeom prst="rect">
-            <a:avLst/>
-          </a:prstGeom>
-        </p:spPr>
-      </p:pic>
-      <p:sp>
-        <p:nvSpPr>
-          <p:cNvPr id="8" name="TextBox 7">
-            <a:extLst>
-              <a:ext uri="{FF2B5EF4-FFF2-40B4-BE49-F238E27FC236}">
-                <a16:creationId xmlns:a16="http://schemas.microsoft.com/office/drawing/2014/main" id="{F10C63F9-D33B-814C-BF3D-52022FDE63A9}"/>
-              </a:ext>
-            </a:extLst>
-          </p:cNvPr>
-          <p:cNvSpPr txBox="1"/>
-          <p:nvPr/>
-        </p:nvSpPr>
-        <p:spPr>
-          <a:xfrm>
-            <a:off x="838200" y="1693315"/>
-            <a:ext cx="4252784" cy="3785652"/>
-          </a:xfrm>
-          <a:prstGeom prst="rect">
-            <a:avLst/>
-          </a:prstGeom>
-          <a:noFill/>
-        </p:spPr>
-        <p:txBody>
-          <a:bodyPr wrap="square" rtlCol="0">
-            <a:spAutoFit/>
-          </a:bodyPr>
-          <a:lstStyle/>
-          <a:p>
-            <a:pPr marL="285750" indent="-285750">
-              <a:buFont typeface="Arial" panose="020B0604020202020204" pitchFamily="34" charset="0"/>
-              <a:buChar char="•"/>
-            </a:pPr>
-            <a:r>
-              <a:rPr lang="en-US" sz="2000" dirty="0">
-                <a:latin typeface="Helvetica Neue" panose="02000503000000020004" pitchFamily="2" charset="0"/>
-                <a:ea typeface="Helvetica Neue" panose="02000503000000020004" pitchFamily="2" charset="0"/>
-                <a:cs typeface="Helvetica Neue" panose="02000503000000020004" pitchFamily="2" charset="0"/>
-              </a:rPr>
-              <a:t>6 RSSI requests from each sample Points</a:t>
-            </a:r>
-          </a:p>
-          <a:p>
-            <a:pPr marL="285750" indent="-285750">
-              <a:buFont typeface="Arial" panose="020B0604020202020204" pitchFamily="34" charset="0"/>
-              <a:buChar char="•"/>
-            </a:pPr>
-            <a:endParaRPr lang="en-US" sz="2000" dirty="0">
-              <a:latin typeface="Helvetica Neue" panose="02000503000000020004" pitchFamily="2" charset="0"/>
-              <a:ea typeface="Helvetica Neue" panose="02000503000000020004" pitchFamily="2" charset="0"/>
-              <a:cs typeface="Helvetica Neue" panose="02000503000000020004" pitchFamily="2" charset="0"/>
-            </a:endParaRPr>
-          </a:p>
-          <a:p>
-            <a:pPr marL="285750" indent="-285750">
-              <a:buFont typeface="Arial" panose="020B0604020202020204" pitchFamily="34" charset="0"/>
-              <a:buChar char="•"/>
-            </a:pPr>
-            <a:r>
-              <a:rPr lang="en-US" sz="2000" dirty="0">
-                <a:latin typeface="Helvetica Neue" panose="02000503000000020004" pitchFamily="2" charset="0"/>
-                <a:ea typeface="Helvetica Neue" panose="02000503000000020004" pitchFamily="2" charset="0"/>
-                <a:cs typeface="Helvetica Neue" panose="02000503000000020004" pitchFamily="2" charset="0"/>
-              </a:rPr>
-              <a:t>End of Group is one Sample points Collection</a:t>
-            </a:r>
-          </a:p>
-          <a:p>
-            <a:pPr marL="285750" indent="-285750">
-              <a:buFont typeface="Arial" panose="020B0604020202020204" pitchFamily="34" charset="0"/>
-              <a:buChar char="•"/>
-            </a:pPr>
-            <a:endParaRPr lang="en-US" sz="2000" dirty="0">
-              <a:latin typeface="Helvetica Neue" panose="02000503000000020004" pitchFamily="2" charset="0"/>
-              <a:ea typeface="Helvetica Neue" panose="02000503000000020004" pitchFamily="2" charset="0"/>
-              <a:cs typeface="Helvetica Neue" panose="02000503000000020004" pitchFamily="2" charset="0"/>
-            </a:endParaRPr>
-          </a:p>
-          <a:p>
-            <a:pPr marL="285750" indent="-285750">
-              <a:buFont typeface="Arial" panose="020B0604020202020204" pitchFamily="34" charset="0"/>
-              <a:buChar char="•"/>
-            </a:pPr>
-            <a:r>
-              <a:rPr lang="en-US" sz="2000" dirty="0">
-                <a:latin typeface="Helvetica Neue" panose="02000503000000020004" pitchFamily="2" charset="0"/>
-                <a:ea typeface="Helvetica Neue" panose="02000503000000020004" pitchFamily="2" charset="0"/>
-                <a:cs typeface="Helvetica Neue" panose="02000503000000020004" pitchFamily="2" charset="0"/>
-              </a:rPr>
-              <a:t>Need to aggregate into one vector of reading from each base station</a:t>
-            </a:r>
-          </a:p>
-          <a:p>
-            <a:endParaRPr lang="en-US" sz="2000" dirty="0">
-              <a:latin typeface="Helvetica Neue" panose="02000503000000020004" pitchFamily="2" charset="0"/>
-              <a:ea typeface="Helvetica Neue" panose="02000503000000020004" pitchFamily="2" charset="0"/>
-              <a:cs typeface="Helvetica Neue" panose="02000503000000020004" pitchFamily="2" charset="0"/>
-            </a:endParaRPr>
-          </a:p>
-          <a:p>
-            <a:pPr marL="285750" indent="-285750">
-              <a:buFont typeface="Arial" panose="020B0604020202020204" pitchFamily="34" charset="0"/>
-              <a:buChar char="•"/>
-            </a:pPr>
-            <a:r>
-              <a:rPr lang="en-US" sz="2000" dirty="0">
-                <a:latin typeface="Helvetica Neue" panose="02000503000000020004" pitchFamily="2" charset="0"/>
-                <a:ea typeface="Helvetica Neue" panose="02000503000000020004" pitchFamily="2" charset="0"/>
-                <a:cs typeface="Helvetica Neue" panose="02000503000000020004" pitchFamily="2" charset="0"/>
-              </a:rPr>
-              <a:t>Deal with stations with failed request</a:t>
-            </a:r>
-          </a:p>
-        </p:txBody>
-      </p:sp>
-    </p:spTree>
-    <p:extLst>
-      <p:ext uri="{BB962C8B-B14F-4D97-AF65-F5344CB8AC3E}">
-        <p14:creationId xmlns:p14="http://schemas.microsoft.com/office/powerpoint/2010/main" val="483546700"/>
-      </p:ext>
-    </p:extLst>
-  </p:cSld>
-  <p:clrMapOvr>
-    <a:masterClrMapping/>
-  </p:clrMapOvr>
-</p:sld>
-</file>
-
-<file path=ppt/slides/slide3.xml><?xml version="1.0" encoding="utf-8"?>
-<p:sld xmlns:a="http://schemas.openxmlformats.org/drawingml/2006/main" xmlns:r="http://schemas.openxmlformats.org/officeDocument/2006/relationships" xmlns:p="http://schemas.openxmlformats.org/presentationml/2006/main">
-  <p:cSld>
-    <p:spTree>
-      <p:nvGrpSpPr>
-        <p:cNvPr id="1" name=""/>
-        <p:cNvGrpSpPr/>
-        <p:nvPr/>
-      </p:nvGrpSpPr>
-      <p:grpSpPr>
-        <a:xfrm>
-          <a:off x="0" y="0"/>
-          <a:ext cx="0" cy="0"/>
-          <a:chOff x="0" y="0"/>
-          <a:chExt cx="0" cy="0"/>
-        </a:xfrm>
-      </p:grpSpPr>
-      <p:sp>
-        <p:nvSpPr>
-          <p:cNvPr id="2" name="Title 1">
-            <a:extLst>
-              <a:ext uri="{FF2B5EF4-FFF2-40B4-BE49-F238E27FC236}">
-                <a16:creationId xmlns:a16="http://schemas.microsoft.com/office/drawing/2014/main" id="{CC296259-EE03-7D4E-8B63-9613F9AEAB06}"/>
-              </a:ext>
-            </a:extLst>
-          </p:cNvPr>
-          <p:cNvSpPr>
-            <a:spLocks noGrp="1"/>
-          </p:cNvSpPr>
-          <p:nvPr>
-            <p:ph type="title"/>
-          </p:nvPr>
-        </p:nvSpPr>
-        <p:spPr/>
-        <p:txBody>
-          <a:bodyPr/>
-          <a:lstStyle/>
-          <a:p>
-            <a:r>
-              <a:rPr lang="en-AU" b="1" dirty="0">
-                <a:latin typeface="Helvetica Neue" panose="02000503000000020004" pitchFamily="2" charset="0"/>
-                <a:ea typeface="Helvetica Neue" panose="02000503000000020004" pitchFamily="2" charset="0"/>
-                <a:cs typeface="Helvetica Neue" panose="02000503000000020004" pitchFamily="2" charset="0"/>
-              </a:rPr>
-              <a:t>2.2	Data Cleaning</a:t>
-            </a:r>
-            <a:r>
-              <a:rPr lang="en-AU" dirty="0">
-                <a:latin typeface="Helvetica Neue" panose="02000503000000020004" pitchFamily="2" charset="0"/>
-                <a:ea typeface="Helvetica Neue" panose="02000503000000020004" pitchFamily="2" charset="0"/>
-                <a:cs typeface="Helvetica Neue" panose="02000503000000020004" pitchFamily="2" charset="0"/>
-              </a:rPr>
-              <a:t> </a:t>
-            </a:r>
-            <a:endParaRPr lang="en-US" dirty="0">
-              <a:latin typeface="Helvetica Neue" panose="02000503000000020004" pitchFamily="2" charset="0"/>
-              <a:ea typeface="Helvetica Neue" panose="02000503000000020004" pitchFamily="2" charset="0"/>
-              <a:cs typeface="Helvetica Neue" panose="02000503000000020004" pitchFamily="2" charset="0"/>
-            </a:endParaRPr>
-          </a:p>
-        </p:txBody>
-      </p:sp>
-      <p:pic>
-        <p:nvPicPr>
-          <p:cNvPr id="4" name="Content Placeholder 3">
-            <a:extLst>
-              <a:ext uri="{FF2B5EF4-FFF2-40B4-BE49-F238E27FC236}">
-                <a16:creationId xmlns:a16="http://schemas.microsoft.com/office/drawing/2014/main" id="{85674701-A94F-5D4D-BD65-F276E5117184}"/>
-              </a:ext>
-            </a:extLst>
-          </p:cNvPr>
-          <p:cNvPicPr>
-            <a:picLocks noGrp="1" noChangeAspect="1"/>
-          </p:cNvPicPr>
-          <p:nvPr>
-            <p:ph idx="1"/>
-          </p:nvPr>
-        </p:nvPicPr>
-        <p:blipFill>
-          <a:blip r:embed="rId2"/>
-          <a:stretch>
-            <a:fillRect/>
-          </a:stretch>
-        </p:blipFill>
-        <p:spPr>
-          <a:xfrm>
-            <a:off x="838200" y="2294002"/>
-            <a:ext cx="8456057" cy="3946160"/>
-          </a:xfrm>
-          <a:prstGeom prst="rect">
-            <a:avLst/>
-          </a:prstGeom>
-        </p:spPr>
-      </p:pic>
-      <p:sp>
-        <p:nvSpPr>
-          <p:cNvPr id="5" name="TextBox 4">
-            <a:extLst>
-              <a:ext uri="{FF2B5EF4-FFF2-40B4-BE49-F238E27FC236}">
-                <a16:creationId xmlns:a16="http://schemas.microsoft.com/office/drawing/2014/main" id="{153F35BB-45FF-944D-B91E-D69EAF8BBE29}"/>
-              </a:ext>
-            </a:extLst>
-          </p:cNvPr>
-          <p:cNvSpPr txBox="1"/>
-          <p:nvPr/>
-        </p:nvSpPr>
-        <p:spPr>
-          <a:xfrm>
-            <a:off x="838200" y="1567120"/>
-            <a:ext cx="7179275" cy="400110"/>
-          </a:xfrm>
-          <a:prstGeom prst="rect">
-            <a:avLst/>
-          </a:prstGeom>
-          <a:noFill/>
-        </p:spPr>
-        <p:txBody>
-          <a:bodyPr wrap="square" rtlCol="0">
-            <a:spAutoFit/>
-          </a:bodyPr>
-          <a:lstStyle/>
-          <a:p>
-            <a:r>
-              <a:rPr lang="en-AU" sz="2000" dirty="0">
-                <a:latin typeface="Helvetica Neue" panose="02000503000000020004" pitchFamily="2" charset="0"/>
-                <a:ea typeface="Helvetica Neue" panose="02000503000000020004" pitchFamily="2" charset="0"/>
-                <a:cs typeface="Helvetica Neue" panose="02000503000000020004" pitchFamily="2" charset="0"/>
-              </a:rPr>
-              <a:t>s1, s2, s3, s4, s5, x, y, w1, w2, w3, w4, w5</a:t>
-            </a:r>
-          </a:p>
-        </p:txBody>
-      </p:sp>
-    </p:spTree>
-    <p:extLst>
-      <p:ext uri="{BB962C8B-B14F-4D97-AF65-F5344CB8AC3E}">
-        <p14:creationId xmlns:p14="http://schemas.microsoft.com/office/powerpoint/2010/main" val="2603788709"/>
-      </p:ext>
-    </p:extLst>
-  </p:cSld>
-  <p:clrMapOvr>
-    <a:masterClrMapping/>
-  </p:clrMapOvr>
-</p:sld>
-</file>
-
-<file path=ppt/slides/slide4.xml><?xml version="1.0" encoding="utf-8"?>
-<p:sld xmlns:a="http://schemas.openxmlformats.org/drawingml/2006/main" xmlns:r="http://schemas.openxmlformats.org/officeDocument/2006/relationships" xmlns:p="http://schemas.openxmlformats.org/presentationml/2006/main">
-  <p:cSld>
-    <p:spTree>
-      <p:nvGrpSpPr>
-        <p:cNvPr id="1" name=""/>
-        <p:cNvGrpSpPr/>
-        <p:nvPr/>
-      </p:nvGrpSpPr>
-      <p:grpSpPr>
-        <a:xfrm>
-          <a:off x="0" y="0"/>
-          <a:ext cx="0" cy="0"/>
-          <a:chOff x="0" y="0"/>
-          <a:chExt cx="0" cy="0"/>
-        </a:xfrm>
-      </p:grpSpPr>
-      <p:sp>
-        <p:nvSpPr>
-          <p:cNvPr id="2" name="Title 1">
-            <a:extLst>
-              <a:ext uri="{FF2B5EF4-FFF2-40B4-BE49-F238E27FC236}">
-                <a16:creationId xmlns:a16="http://schemas.microsoft.com/office/drawing/2014/main" id="{07798674-E301-554E-9BA6-4119F55B3BAA}"/>
-              </a:ext>
-            </a:extLst>
-          </p:cNvPr>
-          <p:cNvSpPr>
-            <a:spLocks noGrp="1"/>
-          </p:cNvSpPr>
-          <p:nvPr>
-            <p:ph type="title"/>
-          </p:nvPr>
-        </p:nvSpPr>
-        <p:spPr/>
-        <p:txBody>
-          <a:bodyPr>
-            <a:normAutofit/>
-          </a:bodyPr>
-          <a:lstStyle/>
-          <a:p>
-            <a:r>
-              <a:rPr lang="en-AU" b="1" dirty="0">
-                <a:latin typeface="Helvetica Neue" panose="02000503000000020004" pitchFamily="2" charset="0"/>
-                <a:ea typeface="Helvetica Neue" panose="02000503000000020004" pitchFamily="2" charset="0"/>
-                <a:cs typeface="Helvetica Neue" panose="02000503000000020004" pitchFamily="2" charset="0"/>
-              </a:rPr>
-              <a:t>2.3	K-nearest Neighbour Prediction</a:t>
-            </a:r>
-            <a:endParaRPr lang="en-US" dirty="0">
-              <a:latin typeface="Helvetica Neue" panose="02000503000000020004" pitchFamily="2" charset="0"/>
-              <a:ea typeface="Helvetica Neue" panose="02000503000000020004" pitchFamily="2" charset="0"/>
-              <a:cs typeface="Helvetica Neue" panose="02000503000000020004" pitchFamily="2" charset="0"/>
-            </a:endParaRPr>
-          </a:p>
-        </p:txBody>
-      </p:sp>
-      <p:sp>
-        <p:nvSpPr>
-          <p:cNvPr id="3" name="Content Placeholder 2">
-            <a:extLst>
-              <a:ext uri="{FF2B5EF4-FFF2-40B4-BE49-F238E27FC236}">
-                <a16:creationId xmlns:a16="http://schemas.microsoft.com/office/drawing/2014/main" id="{43E4FCF2-53F1-4C4F-A846-72FC3C457F62}"/>
-              </a:ext>
-            </a:extLst>
-          </p:cNvPr>
-          <p:cNvSpPr>
-            <a:spLocks noGrp="1"/>
-          </p:cNvSpPr>
-          <p:nvPr>
-            <p:ph idx="1"/>
-          </p:nvPr>
-        </p:nvSpPr>
-        <p:spPr/>
-        <p:txBody>
-          <a:bodyPr/>
-          <a:lstStyle/>
-          <a:p>
-            <a:r>
-              <a:rPr lang="en-US" dirty="0">
-                <a:latin typeface="Helvetica Neue" panose="02000503000000020004" pitchFamily="2" charset="0"/>
-                <a:ea typeface="Helvetica Neue" panose="02000503000000020004" pitchFamily="2" charset="0"/>
-                <a:cs typeface="Helvetica Neue" panose="02000503000000020004" pitchFamily="2" charset="0"/>
-              </a:rPr>
-              <a:t>For each test points base station reading compare with the sample points readings</a:t>
-            </a:r>
-          </a:p>
-          <a:p>
-            <a:pPr marL="0" indent="0">
-              <a:buNone/>
-            </a:pPr>
-            <a:endParaRPr lang="en-US" dirty="0">
-              <a:latin typeface="Helvetica Neue" panose="02000503000000020004" pitchFamily="2" charset="0"/>
-              <a:ea typeface="Helvetica Neue" panose="02000503000000020004" pitchFamily="2" charset="0"/>
-              <a:cs typeface="Helvetica Neue" panose="02000503000000020004" pitchFamily="2" charset="0"/>
-            </a:endParaRPr>
-          </a:p>
-          <a:p>
-            <a:r>
-              <a:rPr lang="en-US" dirty="0">
-                <a:latin typeface="Helvetica Neue" panose="02000503000000020004" pitchFamily="2" charset="0"/>
-                <a:ea typeface="Helvetica Neue" panose="02000503000000020004" pitchFamily="2" charset="0"/>
-                <a:cs typeface="Helvetica Neue" panose="02000503000000020004" pitchFamily="2" charset="0"/>
-              </a:rPr>
-              <a:t>Compute the Euclidian Distance applying the weight with each sample points</a:t>
-            </a:r>
-          </a:p>
-          <a:p>
-            <a:pPr marL="0" indent="0">
-              <a:buNone/>
-            </a:pPr>
-            <a:endParaRPr lang="en-US" dirty="0">
-              <a:latin typeface="Helvetica Neue" panose="02000503000000020004" pitchFamily="2" charset="0"/>
-              <a:ea typeface="Helvetica Neue" panose="02000503000000020004" pitchFamily="2" charset="0"/>
-              <a:cs typeface="Helvetica Neue" panose="02000503000000020004" pitchFamily="2" charset="0"/>
-            </a:endParaRPr>
-          </a:p>
-          <a:p>
-            <a:r>
-              <a:rPr lang="en-US" dirty="0">
-                <a:latin typeface="Helvetica Neue" panose="02000503000000020004" pitchFamily="2" charset="0"/>
-                <a:ea typeface="Helvetica Neue" panose="02000503000000020004" pitchFamily="2" charset="0"/>
-                <a:cs typeface="Helvetica Neue" panose="02000503000000020004" pitchFamily="2" charset="0"/>
-              </a:rPr>
-              <a:t>Find the k sample points with the least distance</a:t>
-            </a:r>
-          </a:p>
-          <a:p>
-            <a:pPr marL="0" indent="0">
-              <a:buNone/>
-            </a:pPr>
-            <a:endParaRPr lang="en-US" dirty="0">
-              <a:latin typeface="Helvetica Neue" panose="02000503000000020004" pitchFamily="2" charset="0"/>
-              <a:ea typeface="Helvetica Neue" panose="02000503000000020004" pitchFamily="2" charset="0"/>
-              <a:cs typeface="Helvetica Neue" panose="02000503000000020004" pitchFamily="2" charset="0"/>
-            </a:endParaRPr>
-          </a:p>
-          <a:p>
-            <a:r>
-              <a:rPr lang="en-US" dirty="0">
-                <a:latin typeface="Helvetica Neue" panose="02000503000000020004" pitchFamily="2" charset="0"/>
-                <a:ea typeface="Helvetica Neue" panose="02000503000000020004" pitchFamily="2" charset="0"/>
-                <a:cs typeface="Helvetica Neue" panose="02000503000000020004" pitchFamily="2" charset="0"/>
-              </a:rPr>
-              <a:t>Find the center of the k sample points</a:t>
-            </a:r>
-          </a:p>
-        </p:txBody>
-      </p:sp>
-    </p:spTree>
-    <p:extLst>
-      <p:ext uri="{BB962C8B-B14F-4D97-AF65-F5344CB8AC3E}">
-        <p14:creationId xmlns:p14="http://schemas.microsoft.com/office/powerpoint/2010/main" val="2038368973"/>
-      </p:ext>
-    </p:extLst>
-  </p:cSld>
-  <p:clrMapOvr>
-    <a:masterClrMapping/>
-  </p:clrMapOvr>
-</p:sld>
-</file>
-
-<file path=ppt/slides/slide5.xml><?xml version="1.0" encoding="utf-8"?>
-<p:sld xmlns:a="http://schemas.openxmlformats.org/drawingml/2006/main" xmlns:r="http://schemas.openxmlformats.org/officeDocument/2006/relationships" xmlns:p="http://schemas.openxmlformats.org/presentationml/2006/main">
-  <p:cSld>
-    <p:spTree>
-      <p:nvGrpSpPr>
-        <p:cNvPr id="1" name=""/>
-        <p:cNvGrpSpPr/>
-        <p:nvPr/>
-      </p:nvGrpSpPr>
-      <p:grpSpPr>
-        <a:xfrm>
-          <a:off x="0" y="0"/>
-          <a:ext cx="0" cy="0"/>
-          <a:chOff x="0" y="0"/>
-          <a:chExt cx="0" cy="0"/>
-        </a:xfrm>
-      </p:grpSpPr>
-      <p:sp>
-        <p:nvSpPr>
-          <p:cNvPr id="2" name="Title 1">
-            <a:extLst>
-              <a:ext uri="{FF2B5EF4-FFF2-40B4-BE49-F238E27FC236}">
-                <a16:creationId xmlns:a16="http://schemas.microsoft.com/office/drawing/2014/main" id="{F668BCFA-92F5-E24D-BA3C-F8E85A091FBF}"/>
-              </a:ext>
-            </a:extLst>
-          </p:cNvPr>
-          <p:cNvSpPr>
-            <a:spLocks noGrp="1"/>
-          </p:cNvSpPr>
-          <p:nvPr>
-            <p:ph type="title"/>
-          </p:nvPr>
-        </p:nvSpPr>
-        <p:spPr/>
-        <p:txBody>
-          <a:bodyPr/>
-          <a:lstStyle/>
-          <a:p>
-            <a:r>
-              <a:rPr lang="en-AU" b="1" dirty="0">
-                <a:latin typeface="Helvetica Neue" panose="02000503000000020004" pitchFamily="2" charset="0"/>
-                <a:ea typeface="Helvetica Neue" panose="02000503000000020004" pitchFamily="2" charset="0"/>
-                <a:cs typeface="Helvetica Neue" panose="02000503000000020004" pitchFamily="2" charset="0"/>
-              </a:rPr>
-              <a:t>2.3	How to choose K?</a:t>
-            </a:r>
-            <a:endParaRPr lang="en-US" dirty="0"/>
-          </a:p>
-        </p:txBody>
-      </p:sp>
-      <p:pic>
-        <p:nvPicPr>
-          <p:cNvPr id="4" name="Content Placeholder 3">
-            <a:extLst>
-              <a:ext uri="{FF2B5EF4-FFF2-40B4-BE49-F238E27FC236}">
-                <a16:creationId xmlns:a16="http://schemas.microsoft.com/office/drawing/2014/main" id="{59C5DA00-E148-2343-95FC-60D868345577}"/>
-              </a:ext>
-            </a:extLst>
-          </p:cNvPr>
-          <p:cNvPicPr>
-            <a:picLocks noGrp="1" noChangeAspect="1"/>
-          </p:cNvPicPr>
-          <p:nvPr>
-            <p:ph idx="1"/>
-          </p:nvPr>
-        </p:nvPicPr>
-        <p:blipFill>
-          <a:blip r:embed="rId2"/>
-          <a:stretch>
-            <a:fillRect/>
-          </a:stretch>
-        </p:blipFill>
-        <p:spPr>
-          <a:xfrm>
-            <a:off x="5807675" y="1569308"/>
-            <a:ext cx="6212755" cy="3909149"/>
-          </a:xfrm>
-          <a:prstGeom prst="rect">
-            <a:avLst/>
-          </a:prstGeom>
-        </p:spPr>
-      </p:pic>
-      <p:sp>
-        <p:nvSpPr>
-          <p:cNvPr id="5" name="TextBox 4">
-            <a:extLst>
-              <a:ext uri="{FF2B5EF4-FFF2-40B4-BE49-F238E27FC236}">
-                <a16:creationId xmlns:a16="http://schemas.microsoft.com/office/drawing/2014/main" id="{5A77450D-EE40-5A40-8F97-9AB6B40FDD34}"/>
-              </a:ext>
-            </a:extLst>
-          </p:cNvPr>
-          <p:cNvSpPr txBox="1"/>
-          <p:nvPr/>
-        </p:nvSpPr>
-        <p:spPr>
-          <a:xfrm>
-            <a:off x="704335" y="1690688"/>
-            <a:ext cx="4287794" cy="2862322"/>
-          </a:xfrm>
-          <a:prstGeom prst="rect">
-            <a:avLst/>
-          </a:prstGeom>
-          <a:noFill/>
-        </p:spPr>
-        <p:txBody>
-          <a:bodyPr wrap="square" rtlCol="0">
-            <a:spAutoFit/>
-          </a:bodyPr>
-          <a:lstStyle/>
-          <a:p>
-            <a:pPr marL="342900" indent="-342900">
-              <a:buFont typeface="Arial" panose="020B0604020202020204" pitchFamily="34" charset="0"/>
-              <a:buChar char="•"/>
-            </a:pPr>
-            <a:r>
-              <a:rPr lang="en-US" sz="2000" dirty="0">
-                <a:latin typeface="Helvetica Neue" panose="02000503000000020004" pitchFamily="2" charset="0"/>
-                <a:ea typeface="Helvetica Neue" panose="02000503000000020004" pitchFamily="2" charset="0"/>
-                <a:cs typeface="Helvetica Neue" panose="02000503000000020004" pitchFamily="2" charset="0"/>
-              </a:rPr>
-              <a:t>By Using the weight we mentioned before the error distance decrease from 6.14 to 5.54 meters</a:t>
-            </a:r>
-          </a:p>
-          <a:p>
-            <a:endParaRPr lang="en-US" sz="2000" dirty="0">
-              <a:latin typeface="Helvetica Neue" panose="02000503000000020004" pitchFamily="2" charset="0"/>
-              <a:ea typeface="Helvetica Neue" panose="02000503000000020004" pitchFamily="2" charset="0"/>
-              <a:cs typeface="Helvetica Neue" panose="02000503000000020004" pitchFamily="2" charset="0"/>
-            </a:endParaRPr>
-          </a:p>
-          <a:p>
-            <a:pPr marL="342900" indent="-342900">
-              <a:buFont typeface="Arial" panose="020B0604020202020204" pitchFamily="34" charset="0"/>
-              <a:buChar char="•"/>
-            </a:pPr>
-            <a:r>
-              <a:rPr lang="en-US" sz="2000" dirty="0">
-                <a:latin typeface="Helvetica Neue" panose="02000503000000020004" pitchFamily="2" charset="0"/>
-                <a:ea typeface="Helvetica Neue" panose="02000503000000020004" pitchFamily="2" charset="0"/>
-                <a:cs typeface="Helvetica Neue" panose="02000503000000020004" pitchFamily="2" charset="0"/>
-              </a:rPr>
-              <a:t>By far applying the weight as well as chose k = 4 seems returns the best outcome </a:t>
-            </a:r>
-          </a:p>
-          <a:p>
-            <a:endParaRPr lang="en-US" sz="2000" dirty="0">
-              <a:latin typeface="Helvetica Neue" panose="02000503000000020004" pitchFamily="2" charset="0"/>
-              <a:ea typeface="Helvetica Neue" panose="02000503000000020004" pitchFamily="2" charset="0"/>
-              <a:cs typeface="Helvetica Neue" panose="02000503000000020004" pitchFamily="2" charset="0"/>
-            </a:endParaRPr>
-          </a:p>
-        </p:txBody>
-      </p:sp>
-    </p:spTree>
-    <p:extLst>
-      <p:ext uri="{BB962C8B-B14F-4D97-AF65-F5344CB8AC3E}">
-        <p14:creationId xmlns:p14="http://schemas.microsoft.com/office/powerpoint/2010/main" val="3203538212"/>
-      </p:ext>
-    </p:extLst>
-  </p:cSld>
-  <p:clrMapOvr>
-    <a:masterClrMapping/>
-  </p:clrMapOvr>
-</p:sld>
-</file>
-
-<file path=ppt/slides/slide6.xml><?xml version="1.0" encoding="utf-8"?>
-<p:sld xmlns:a="http://schemas.openxmlformats.org/drawingml/2006/main" xmlns:r="http://schemas.openxmlformats.org/officeDocument/2006/relationships" xmlns:p="http://schemas.openxmlformats.org/presentationml/2006/main">
-  <p:cSld>
-    <p:spTree>
-      <p:nvGrpSpPr>
-        <p:cNvPr id="1" name=""/>
-        <p:cNvGrpSpPr/>
-        <p:nvPr/>
-      </p:nvGrpSpPr>
-      <p:grpSpPr>
-        <a:xfrm>
-          <a:off x="0" y="0"/>
-          <a:ext cx="0" cy="0"/>
-          <a:chOff x="0" y="0"/>
-          <a:chExt cx="0" cy="0"/>
-        </a:xfrm>
-      </p:grpSpPr>
-      <p:sp>
-        <p:nvSpPr>
-          <p:cNvPr id="2" name="Title 1">
-            <a:extLst>
-              <a:ext uri="{FF2B5EF4-FFF2-40B4-BE49-F238E27FC236}">
-                <a16:creationId xmlns:a16="http://schemas.microsoft.com/office/drawing/2014/main" id="{9261DB7E-44C4-084F-9D57-29E04A3B36CD}"/>
-              </a:ext>
-            </a:extLst>
-          </p:cNvPr>
-          <p:cNvSpPr>
-            <a:spLocks noGrp="1"/>
-          </p:cNvSpPr>
-          <p:nvPr>
-            <p:ph type="title"/>
-          </p:nvPr>
-        </p:nvSpPr>
-        <p:spPr/>
-        <p:txBody>
-          <a:bodyPr/>
-          <a:lstStyle/>
-          <a:p>
-            <a:r>
-              <a:rPr lang="en-AU" b="1" dirty="0">
-                <a:latin typeface="Helvetica Neue" panose="02000503000000020004" pitchFamily="2" charset="0"/>
-                <a:ea typeface="Helvetica Neue" panose="02000503000000020004" pitchFamily="2" charset="0"/>
-                <a:cs typeface="Helvetica Neue" panose="02000503000000020004" pitchFamily="2" charset="0"/>
-              </a:rPr>
-              <a:t>2.4	Discussion for the Error</a:t>
-            </a:r>
-            <a:r>
-              <a:rPr lang="en-AU" dirty="0">
-                <a:latin typeface="Helvetica Neue" panose="02000503000000020004" pitchFamily="2" charset="0"/>
-                <a:ea typeface="Helvetica Neue" panose="02000503000000020004" pitchFamily="2" charset="0"/>
-                <a:cs typeface="Helvetica Neue" panose="02000503000000020004" pitchFamily="2" charset="0"/>
-              </a:rPr>
-              <a:t> (Hardware)</a:t>
-            </a:r>
-            <a:endParaRPr lang="en-US" dirty="0">
-              <a:latin typeface="Helvetica Neue" panose="02000503000000020004" pitchFamily="2" charset="0"/>
-              <a:ea typeface="Helvetica Neue" panose="02000503000000020004" pitchFamily="2" charset="0"/>
-              <a:cs typeface="Helvetica Neue" panose="02000503000000020004" pitchFamily="2" charset="0"/>
-            </a:endParaRPr>
-          </a:p>
-        </p:txBody>
-      </p:sp>
-      <p:sp>
-        <p:nvSpPr>
-          <p:cNvPr id="3" name="Content Placeholder 2">
-            <a:extLst>
-              <a:ext uri="{FF2B5EF4-FFF2-40B4-BE49-F238E27FC236}">
-                <a16:creationId xmlns:a16="http://schemas.microsoft.com/office/drawing/2014/main" id="{1010BBE1-8861-F94D-B6F0-777229F73116}"/>
-              </a:ext>
-            </a:extLst>
-          </p:cNvPr>
-          <p:cNvSpPr>
-            <a:spLocks noGrp="1"/>
-          </p:cNvSpPr>
-          <p:nvPr>
-            <p:ph idx="1"/>
-          </p:nvPr>
-        </p:nvSpPr>
-        <p:spPr>
-          <a:xfrm>
-            <a:off x="838200" y="2369326"/>
-            <a:ext cx="5150708" cy="4351338"/>
-          </a:xfrm>
-        </p:spPr>
-        <p:txBody>
-          <a:bodyPr/>
-          <a:lstStyle/>
-          <a:p>
-            <a:r>
-              <a:rPr lang="en-US" b="1" dirty="0">
-                <a:latin typeface="Helvetica Neue" panose="02000503000000020004" pitchFamily="2" charset="0"/>
-                <a:ea typeface="Helvetica Neue" panose="02000503000000020004" pitchFamily="2" charset="0"/>
-                <a:cs typeface="Helvetica Neue" panose="02000503000000020004" pitchFamily="2" charset="0"/>
-              </a:rPr>
-              <a:t>Sensor Tag</a:t>
-            </a:r>
-          </a:p>
-          <a:p>
-            <a:pPr>
-              <a:buFont typeface="Wingdings" pitchFamily="2" charset="2"/>
-              <a:buChar char="q"/>
-            </a:pPr>
-            <a:r>
-              <a:rPr lang="en-US" dirty="0">
-                <a:latin typeface="Helvetica Neue" panose="02000503000000020004" pitchFamily="2" charset="0"/>
-                <a:ea typeface="Helvetica Neue" panose="02000503000000020004" pitchFamily="2" charset="0"/>
-                <a:cs typeface="Helvetica Neue" panose="02000503000000020004" pitchFamily="2" charset="0"/>
-              </a:rPr>
-              <a:t>Less Signal Strength</a:t>
-            </a:r>
-          </a:p>
-          <a:p>
-            <a:pPr>
-              <a:buFont typeface="Wingdings" pitchFamily="2" charset="2"/>
-              <a:buChar char="q"/>
-            </a:pPr>
-            <a:r>
-              <a:rPr lang="en-US" dirty="0">
-                <a:latin typeface="Helvetica Neue" panose="02000503000000020004" pitchFamily="2" charset="0"/>
-                <a:ea typeface="Helvetica Neue" panose="02000503000000020004" pitchFamily="2" charset="0"/>
-                <a:cs typeface="Helvetica Neue" panose="02000503000000020004" pitchFamily="2" charset="0"/>
-              </a:rPr>
-              <a:t>Less Signal Penetration</a:t>
-            </a:r>
-          </a:p>
-          <a:p>
-            <a:pPr>
-              <a:buFont typeface="Wingdings" pitchFamily="2" charset="2"/>
-              <a:buChar char="q"/>
-            </a:pPr>
-            <a:r>
-              <a:rPr lang="en-US" dirty="0">
-                <a:latin typeface="Helvetica Neue" panose="02000503000000020004" pitchFamily="2" charset="0"/>
-                <a:ea typeface="Helvetica Neue" panose="02000503000000020004" pitchFamily="2" charset="0"/>
-                <a:cs typeface="Helvetica Neue" panose="02000503000000020004" pitchFamily="2" charset="0"/>
-              </a:rPr>
-              <a:t>Less Power Supply</a:t>
-            </a:r>
-          </a:p>
-          <a:p>
-            <a:pPr>
-              <a:buFont typeface="Wingdings" pitchFamily="2" charset="2"/>
-              <a:buChar char="q"/>
-            </a:pPr>
-            <a:r>
-              <a:rPr lang="en-US" dirty="0">
-                <a:latin typeface="Helvetica Neue" panose="02000503000000020004" pitchFamily="2" charset="0"/>
-                <a:ea typeface="Helvetica Neue" panose="02000503000000020004" pitchFamily="2" charset="0"/>
-                <a:cs typeface="Helvetica Neue" panose="02000503000000020004" pitchFamily="2" charset="0"/>
-              </a:rPr>
-              <a:t>Less Resistant to Noise</a:t>
-            </a:r>
-          </a:p>
-          <a:p>
-            <a:pPr marL="0" indent="0">
-              <a:buNone/>
-            </a:pPr>
-            <a:endParaRPr lang="en-US" dirty="0">
-              <a:latin typeface="Helvetica Neue" panose="02000503000000020004" pitchFamily="2" charset="0"/>
-              <a:ea typeface="Helvetica Neue" panose="02000503000000020004" pitchFamily="2" charset="0"/>
-              <a:cs typeface="Helvetica Neue" panose="02000503000000020004" pitchFamily="2" charset="0"/>
-            </a:endParaRPr>
-          </a:p>
-        </p:txBody>
-      </p:sp>
-      <p:sp>
-        <p:nvSpPr>
-          <p:cNvPr id="4" name="Content Placeholder 2">
-            <a:extLst>
-              <a:ext uri="{FF2B5EF4-FFF2-40B4-BE49-F238E27FC236}">
-                <a16:creationId xmlns:a16="http://schemas.microsoft.com/office/drawing/2014/main" id="{5B697BF6-5492-574B-947C-E6EE38A5BDD9}"/>
-              </a:ext>
-            </a:extLst>
-          </p:cNvPr>
-          <p:cNvSpPr txBox="1">
-            <a:spLocks/>
-          </p:cNvSpPr>
-          <p:nvPr/>
-        </p:nvSpPr>
-        <p:spPr>
-          <a:xfrm>
-            <a:off x="6439930" y="2369326"/>
-            <a:ext cx="5150708" cy="4351338"/>
-          </a:xfrm>
-          <a:prstGeom prst="rect">
-            <a:avLst/>
-          </a:prstGeom>
-        </p:spPr>
-        <p:txBody>
-          <a:bodyPr vert="horz" lIns="91440" tIns="45720" rIns="91440" bIns="45720" rtlCol="0">
-            <a:normAutofit/>
-          </a:bodyPr>
-          <a:lstStyle>
-            <a:lvl1pPr marL="228600" indent="-228600" algn="l" defTabSz="914400" rtl="0" eaLnBrk="1" latinLnBrk="0" hangingPunct="1">
-              <a:lnSpc>
-                <a:spcPct val="90000"/>
-              </a:lnSpc>
-              <a:spcBef>
-                <a:spcPts val="1000"/>
-              </a:spcBef>
-              <a:buFont typeface="Arial" panose="020B0604020202020204" pitchFamily="34" charset="0"/>
-              <a:buChar char="•"/>
-              <a:defRPr sz="2800" kern="1200">
-                <a:solidFill>
-                  <a:schemeClr val="tx1"/>
-                </a:solidFill>
-                <a:latin typeface="+mn-lt"/>
-                <a:ea typeface="+mn-ea"/>
-                <a:cs typeface="+mn-cs"/>
-              </a:defRPr>
-            </a:lvl1pPr>
-            <a:lvl2pPr marL="685800" indent="-228600" algn="l" defTabSz="914400" rtl="0" eaLnBrk="1" latinLnBrk="0" hangingPunct="1">
-              <a:lnSpc>
-                <a:spcPct val="90000"/>
-              </a:lnSpc>
-              <a:spcBef>
-                <a:spcPts val="500"/>
-              </a:spcBef>
-              <a:buFont typeface="Arial" panose="020B0604020202020204" pitchFamily="34" charset="0"/>
-              <a:buChar char="•"/>
-              <a:defRPr sz="2400" kern="1200">
-                <a:solidFill>
-                  <a:schemeClr val="tx1"/>
-                </a:solidFill>
-                <a:latin typeface="+mn-lt"/>
-                <a:ea typeface="+mn-ea"/>
-                <a:cs typeface="+mn-cs"/>
-              </a:defRPr>
-            </a:lvl2pPr>
-            <a:lvl3pPr marL="1143000" indent="-228600" algn="l" defTabSz="914400" rtl="0" eaLnBrk="1" latinLnBrk="0" hangingPunct="1">
-              <a:lnSpc>
-                <a:spcPct val="90000"/>
-              </a:lnSpc>
-              <a:spcBef>
-                <a:spcPts val="500"/>
-              </a:spcBef>
-              <a:buFont typeface="Arial" panose="020B0604020202020204" pitchFamily="34" charset="0"/>
-              <a:buChar char="•"/>
-              <a:defRPr sz="2000" kern="1200">
-                <a:solidFill>
-                  <a:schemeClr val="tx1"/>
-                </a:solidFill>
-                <a:latin typeface="+mn-lt"/>
-                <a:ea typeface="+mn-ea"/>
-                <a:cs typeface="+mn-cs"/>
-              </a:defRPr>
-            </a:lvl3pPr>
-            <a:lvl4pPr marL="1600200" indent="-228600" algn="l" defTabSz="914400" rtl="0" eaLnBrk="1" latinLnBrk="0" hangingPunct="1">
-              <a:lnSpc>
-                <a:spcPct val="90000"/>
-              </a:lnSpc>
-              <a:spcBef>
-                <a:spcPts val="500"/>
-              </a:spcBef>
-              <a:buFont typeface="Arial" panose="020B0604020202020204" pitchFamily="34" charset="0"/>
-              <a:buChar char="•"/>
-              <a:defRPr sz="1800" kern="1200">
-                <a:solidFill>
-                  <a:schemeClr val="tx1"/>
-                </a:solidFill>
-                <a:latin typeface="+mn-lt"/>
-                <a:ea typeface="+mn-ea"/>
-                <a:cs typeface="+mn-cs"/>
-              </a:defRPr>
-            </a:lvl4pPr>
-            <a:lvl5pPr marL="2057400" indent="-228600" algn="l" defTabSz="914400" rtl="0" eaLnBrk="1" latinLnBrk="0" hangingPunct="1">
-              <a:lnSpc>
-                <a:spcPct val="90000"/>
-              </a:lnSpc>
-              <a:spcBef>
-                <a:spcPts val="500"/>
-              </a:spcBef>
-              <a:buFont typeface="Arial" panose="020B0604020202020204" pitchFamily="34" charset="0"/>
-              <a:buChar char="•"/>
-              <a:defRPr sz="1800" kern="1200">
-                <a:solidFill>
-                  <a:schemeClr val="tx1"/>
-                </a:solidFill>
-                <a:latin typeface="+mn-lt"/>
-                <a:ea typeface="+mn-ea"/>
-                <a:cs typeface="+mn-cs"/>
-              </a:defRPr>
-            </a:lvl5pPr>
-            <a:lvl6pPr marL="2514600" indent="-228600" algn="l" defTabSz="914400" rtl="0" eaLnBrk="1" latinLnBrk="0" hangingPunct="1">
-              <a:lnSpc>
-                <a:spcPct val="90000"/>
-              </a:lnSpc>
-              <a:spcBef>
-                <a:spcPts val="500"/>
-              </a:spcBef>
-              <a:buFont typeface="Arial" panose="020B0604020202020204" pitchFamily="34" charset="0"/>
-              <a:buChar char="•"/>
-              <a:defRPr sz="1800" kern="1200">
-                <a:solidFill>
-                  <a:schemeClr val="tx1"/>
-                </a:solidFill>
-                <a:latin typeface="+mn-lt"/>
-                <a:ea typeface="+mn-ea"/>
-                <a:cs typeface="+mn-cs"/>
-              </a:defRPr>
-            </a:lvl6pPr>
-            <a:lvl7pPr marL="2971800" indent="-228600" algn="l" defTabSz="914400" rtl="0" eaLnBrk="1" latinLnBrk="0" hangingPunct="1">
-              <a:lnSpc>
-                <a:spcPct val="90000"/>
-              </a:lnSpc>
-              <a:spcBef>
-                <a:spcPts val="500"/>
-              </a:spcBef>
-              <a:buFont typeface="Arial" panose="020B0604020202020204" pitchFamily="34" charset="0"/>
-              <a:buChar char="•"/>
-              <a:defRPr sz="1800" kern="1200">
-                <a:solidFill>
-                  <a:schemeClr val="tx1"/>
-                </a:solidFill>
-                <a:latin typeface="+mn-lt"/>
-                <a:ea typeface="+mn-ea"/>
-                <a:cs typeface="+mn-cs"/>
-              </a:defRPr>
-            </a:lvl7pPr>
-            <a:lvl8pPr marL="3429000" indent="-228600" algn="l" defTabSz="914400" rtl="0" eaLnBrk="1" latinLnBrk="0" hangingPunct="1">
-              <a:lnSpc>
-                <a:spcPct val="90000"/>
-              </a:lnSpc>
-              <a:spcBef>
-                <a:spcPts val="500"/>
-              </a:spcBef>
-              <a:buFont typeface="Arial" panose="020B0604020202020204" pitchFamily="34" charset="0"/>
-              <a:buChar char="•"/>
-              <a:defRPr sz="1800" kern="1200">
-                <a:solidFill>
-                  <a:schemeClr val="tx1"/>
-                </a:solidFill>
-                <a:latin typeface="+mn-lt"/>
-                <a:ea typeface="+mn-ea"/>
-                <a:cs typeface="+mn-cs"/>
-              </a:defRPr>
-            </a:lvl8pPr>
-            <a:lvl9pPr marL="3886200" indent="-228600" algn="l" defTabSz="914400" rtl="0" eaLnBrk="1" latinLnBrk="0" hangingPunct="1">
-              <a:lnSpc>
-                <a:spcPct val="90000"/>
-              </a:lnSpc>
-              <a:spcBef>
-                <a:spcPts val="500"/>
-              </a:spcBef>
-              <a:buFont typeface="Arial" panose="020B0604020202020204" pitchFamily="34" charset="0"/>
-              <a:buChar char="•"/>
-              <a:defRPr sz="1800" kern="1200">
-                <a:solidFill>
-                  <a:schemeClr val="tx1"/>
-                </a:solidFill>
-                <a:latin typeface="+mn-lt"/>
-                <a:ea typeface="+mn-ea"/>
-                <a:cs typeface="+mn-cs"/>
-              </a:defRPr>
-            </a:lvl9pPr>
-          </a:lstStyle>
-          <a:p>
-            <a:r>
-              <a:rPr lang="en-US" b="1" dirty="0">
-                <a:latin typeface="Helvetica Neue" panose="02000503000000020004" pitchFamily="2" charset="0"/>
-                <a:ea typeface="Helvetica Neue" panose="02000503000000020004" pitchFamily="2" charset="0"/>
-                <a:cs typeface="Helvetica Neue" panose="02000503000000020004" pitchFamily="2" charset="0"/>
-              </a:rPr>
-              <a:t>PC with WIFI network Card</a:t>
-            </a:r>
-          </a:p>
-          <a:p>
-            <a:pPr>
-              <a:buFont typeface="Wingdings" pitchFamily="2" charset="2"/>
-              <a:buChar char="q"/>
-            </a:pPr>
-            <a:r>
-              <a:rPr lang="en-US" dirty="0">
-                <a:latin typeface="Helvetica Neue" panose="02000503000000020004" pitchFamily="2" charset="0"/>
-                <a:ea typeface="Helvetica Neue" panose="02000503000000020004" pitchFamily="2" charset="0"/>
-                <a:cs typeface="Helvetica Neue" panose="02000503000000020004" pitchFamily="2" charset="0"/>
-              </a:rPr>
-              <a:t>Stronger WIFI Signal</a:t>
-            </a:r>
-          </a:p>
-          <a:p>
-            <a:pPr>
-              <a:buFont typeface="Wingdings" pitchFamily="2" charset="2"/>
-              <a:buChar char="q"/>
-            </a:pPr>
-            <a:r>
-              <a:rPr lang="en-US" dirty="0">
-                <a:latin typeface="Helvetica Neue" panose="02000503000000020004" pitchFamily="2" charset="0"/>
-                <a:ea typeface="Helvetica Neue" panose="02000503000000020004" pitchFamily="2" charset="0"/>
-                <a:cs typeface="Helvetica Neue" panose="02000503000000020004" pitchFamily="2" charset="0"/>
-              </a:rPr>
-              <a:t>Better Signal Prorogation</a:t>
-            </a:r>
-          </a:p>
-          <a:p>
-            <a:pPr>
-              <a:buFont typeface="Wingdings" pitchFamily="2" charset="2"/>
-              <a:buChar char="q"/>
-            </a:pPr>
-            <a:r>
-              <a:rPr lang="en-US" dirty="0">
-                <a:latin typeface="Helvetica Neue" panose="02000503000000020004" pitchFamily="2" charset="0"/>
-                <a:ea typeface="Helvetica Neue" panose="02000503000000020004" pitchFamily="2" charset="0"/>
-                <a:cs typeface="Helvetica Neue" panose="02000503000000020004" pitchFamily="2" charset="0"/>
-              </a:rPr>
-              <a:t>Stale and Sufficient Power </a:t>
-            </a:r>
-          </a:p>
-          <a:p>
-            <a:pPr>
-              <a:buFont typeface="Wingdings" pitchFamily="2" charset="2"/>
-              <a:buChar char="q"/>
-            </a:pPr>
-            <a:r>
-              <a:rPr lang="en-US" dirty="0">
-                <a:latin typeface="Helvetica Neue" panose="02000503000000020004" pitchFamily="2" charset="0"/>
-                <a:ea typeface="Helvetica Neue" panose="02000503000000020004" pitchFamily="2" charset="0"/>
-                <a:cs typeface="Helvetica Neue" panose="02000503000000020004" pitchFamily="2" charset="0"/>
-              </a:rPr>
-              <a:t>More Adaptive to Noise</a:t>
-            </a:r>
-          </a:p>
-        </p:txBody>
-      </p:sp>
-    </p:spTree>
-    <p:extLst>
-      <p:ext uri="{BB962C8B-B14F-4D97-AF65-F5344CB8AC3E}">
-        <p14:creationId xmlns:p14="http://schemas.microsoft.com/office/powerpoint/2010/main" val="3300740142"/>
-      </p:ext>
-    </p:extLst>
-  </p:cSld>
-  <p:clrMapOvr>
-    <a:masterClrMapping/>
-  </p:clrMapOvr>
-</p:sld>
-</file>
-
-<file path=ppt/slides/slide7.xml><?xml version="1.0" encoding="utf-8"?>
-<p:sld xmlns:a="http://schemas.openxmlformats.org/drawingml/2006/main" xmlns:r="http://schemas.openxmlformats.org/officeDocument/2006/relationships" xmlns:p="http://schemas.openxmlformats.org/presentationml/2006/main">
-  <p:cSld>
-    <p:spTree>
-      <p:nvGrpSpPr>
-        <p:cNvPr id="1" name=""/>
-        <p:cNvGrpSpPr/>
-        <p:nvPr/>
-      </p:nvGrpSpPr>
-      <p:grpSpPr>
-        <a:xfrm>
-          <a:off x="0" y="0"/>
-          <a:ext cx="0" cy="0"/>
-          <a:chOff x="0" y="0"/>
-          <a:chExt cx="0" cy="0"/>
-        </a:xfrm>
-      </p:grpSpPr>
-      <p:sp>
-        <p:nvSpPr>
-          <p:cNvPr id="2" name="Title 1">
-            <a:extLst>
-              <a:ext uri="{FF2B5EF4-FFF2-40B4-BE49-F238E27FC236}">
-                <a16:creationId xmlns:a16="http://schemas.microsoft.com/office/drawing/2014/main" id="{B80129F1-3283-2649-B262-872A93970315}"/>
-              </a:ext>
-            </a:extLst>
-          </p:cNvPr>
-          <p:cNvSpPr>
-            <a:spLocks noGrp="1"/>
-          </p:cNvSpPr>
-          <p:nvPr>
-            <p:ph type="title"/>
-          </p:nvPr>
-        </p:nvSpPr>
-        <p:spPr/>
-        <p:txBody>
-          <a:bodyPr/>
-          <a:lstStyle/>
-          <a:p>
-            <a:r>
-              <a:rPr lang="en-AU" b="1" dirty="0">
-                <a:latin typeface="Helvetica Neue" panose="02000503000000020004" pitchFamily="2" charset="0"/>
-                <a:ea typeface="Helvetica Neue" panose="02000503000000020004" pitchFamily="2" charset="0"/>
-                <a:cs typeface="Helvetica Neue" panose="02000503000000020004" pitchFamily="2" charset="0"/>
-              </a:rPr>
-              <a:t>2.4	Discussion for the Error</a:t>
-            </a:r>
-            <a:r>
-              <a:rPr lang="en-AU" dirty="0">
-                <a:latin typeface="Helvetica Neue" panose="02000503000000020004" pitchFamily="2" charset="0"/>
-                <a:ea typeface="Helvetica Neue" panose="02000503000000020004" pitchFamily="2" charset="0"/>
-                <a:cs typeface="Helvetica Neue" panose="02000503000000020004" pitchFamily="2" charset="0"/>
-              </a:rPr>
-              <a:t> (Algorithm)</a:t>
-            </a:r>
-            <a:endParaRPr lang="en-US" dirty="0"/>
-          </a:p>
-        </p:txBody>
-      </p:sp>
-      <p:sp>
-        <p:nvSpPr>
-          <p:cNvPr id="3" name="Content Placeholder 2">
-            <a:extLst>
-              <a:ext uri="{FF2B5EF4-FFF2-40B4-BE49-F238E27FC236}">
-                <a16:creationId xmlns:a16="http://schemas.microsoft.com/office/drawing/2014/main" id="{A969F0D0-CFDD-0B43-8E67-812D48ADA02A}"/>
-              </a:ext>
-            </a:extLst>
-          </p:cNvPr>
-          <p:cNvSpPr>
-            <a:spLocks noGrp="1"/>
-          </p:cNvSpPr>
-          <p:nvPr>
-            <p:ph idx="1"/>
-          </p:nvPr>
-        </p:nvSpPr>
-        <p:spPr/>
-        <p:txBody>
-          <a:bodyPr/>
-          <a:lstStyle/>
-          <a:p>
-            <a:r>
-              <a:rPr lang="en-US" dirty="0">
-                <a:latin typeface="Helvetica Neue" panose="02000503000000020004" pitchFamily="2" charset="0"/>
-                <a:ea typeface="Helvetica Neue" panose="02000503000000020004" pitchFamily="2" charset="0"/>
-                <a:cs typeface="Helvetica Neue" panose="02000503000000020004" pitchFamily="2" charset="0"/>
-              </a:rPr>
-              <a:t>Minimum Implementation of the Algorithm, more emphasis on experiment implementation(quick and dirty)</a:t>
-            </a:r>
-          </a:p>
-          <a:p>
-            <a:r>
-              <a:rPr lang="en-AU" dirty="0">
-                <a:latin typeface="Helvetica Neue" panose="02000503000000020004" pitchFamily="2" charset="0"/>
-                <a:ea typeface="Helvetica Neue" panose="02000503000000020004" pitchFamily="2" charset="0"/>
-                <a:cs typeface="Helvetica Neue" panose="02000503000000020004" pitchFamily="2" charset="0"/>
-              </a:rPr>
-              <a:t>Further tweak on the weight when calculation the Euclidian Distance</a:t>
-            </a:r>
-          </a:p>
-          <a:p>
-            <a:r>
-              <a:rPr lang="en-AU" dirty="0">
-                <a:latin typeface="Helvetica Neue" panose="02000503000000020004" pitchFamily="2" charset="0"/>
-                <a:ea typeface="Helvetica Neue" panose="02000503000000020004" pitchFamily="2" charset="0"/>
-                <a:cs typeface="Helvetica Neue" panose="02000503000000020004" pitchFamily="2" charset="0"/>
-              </a:rPr>
-              <a:t>Use Kalman Filtering to Further improve the data aggregation</a:t>
-            </a:r>
-          </a:p>
-          <a:p>
-            <a:r>
-              <a:rPr lang="en-AU" dirty="0">
-                <a:latin typeface="Helvetica Neue" panose="02000503000000020004" pitchFamily="2" charset="0"/>
-                <a:ea typeface="Helvetica Neue" panose="02000503000000020004" pitchFamily="2" charset="0"/>
-                <a:cs typeface="Helvetica Neue" panose="02000503000000020004" pitchFamily="2" charset="0"/>
-              </a:rPr>
-              <a:t>Using Least Square Fit ,know base station coordinates and RSSI to predict the location by Trilateral localisation. </a:t>
-            </a:r>
-          </a:p>
-          <a:p>
-            <a:r>
-              <a:rPr lang="en-AU" dirty="0">
-                <a:latin typeface="Helvetica Neue" panose="02000503000000020004" pitchFamily="2" charset="0"/>
-                <a:ea typeface="Helvetica Neue" panose="02000503000000020004" pitchFamily="2" charset="0"/>
-                <a:cs typeface="Helvetica Neue" panose="02000503000000020004" pitchFamily="2" charset="0"/>
-              </a:rPr>
-              <a:t>Possible leverage of Trilateral localisation and K-nearest Neighbours by taking a weighted average </a:t>
-            </a:r>
-            <a:endParaRPr lang="en-US" dirty="0">
-              <a:latin typeface="Helvetica Neue" panose="02000503000000020004" pitchFamily="2" charset="0"/>
-              <a:ea typeface="Helvetica Neue" panose="02000503000000020004" pitchFamily="2" charset="0"/>
-              <a:cs typeface="Helvetica Neue" panose="02000503000000020004" pitchFamily="2" charset="0"/>
-            </a:endParaRPr>
-          </a:p>
-          <a:p>
-            <a:endParaRPr lang="en-US" dirty="0">
-              <a:latin typeface="Helvetica Neue" panose="02000503000000020004" pitchFamily="2" charset="0"/>
-              <a:ea typeface="Helvetica Neue" panose="02000503000000020004" pitchFamily="2" charset="0"/>
-              <a:cs typeface="Helvetica Neue" panose="02000503000000020004" pitchFamily="2" charset="0"/>
-            </a:endParaRPr>
-          </a:p>
-        </p:txBody>
-      </p:sp>
-    </p:spTree>
-    <p:extLst>
-      <p:ext uri="{BB962C8B-B14F-4D97-AF65-F5344CB8AC3E}">
-        <p14:creationId xmlns:p14="http://schemas.microsoft.com/office/powerpoint/2010/main" val="2965007256"/>
-      </p:ext>
-    </p:extLst>
-  </p:cSld>
-  <p:clrMapOvr>
-    <a:masterClrMapping/>
-  </p:clrMapOvr>
-</p:sld>
-</file>
-
-<file path=ppt/slides/slide8.xml><?xml version="1.0" encoding="utf-8"?>
-<p:sld xmlns:a="http://schemas.openxmlformats.org/drawingml/2006/main" xmlns:r="http://schemas.openxmlformats.org/officeDocument/2006/relationships" xmlns:p="http://schemas.openxmlformats.org/presentationml/2006/main">
-  <p:cSld>
     <p:bg>
       <p:bgPr>
         <a:solidFill>
@@ -15482,10 +16424,10 @@
           <p:cNvPr id="11" name="Rectangle 10">
             <a:extLst>
               <a:ext uri="{FF2B5EF4-FFF2-40B4-BE49-F238E27FC236}">
-                <a16:creationId xmlns:a16="http://schemas.microsoft.com/office/drawing/2014/main" id="{559AE206-7EBA-4D33-8BC9-9D8158553F0E}"/>
+                <a16:creationId xmlns:a16="http://schemas.microsoft.com/office/drawing/2014/main" xmlns="" id="{559AE206-7EBA-4D33-8BC9-9D8158553F0E}"/>
               </a:ext>
               <a:ext uri="{C183D7F6-B498-43B3-948B-1728B52AA6E4}">
-                <adec:decorative xmlns:adec="http://schemas.microsoft.com/office/drawing/2017/decorative" val="1"/>
+                <adec:decorative xmlns:adec="http://schemas.microsoft.com/office/drawing/2017/decorative" xmlns="" val="1"/>
               </a:ext>
             </a:extLst>
           </p:cNvPr>
@@ -15568,72 +16510,13 @@
       </p:sp>
       <p:sp>
         <p:nvSpPr>
-          <p:cNvPr id="2" name="Title 1">
-            <a:extLst>
-              <a:ext uri="{FF2B5EF4-FFF2-40B4-BE49-F238E27FC236}">
-                <a16:creationId xmlns:a16="http://schemas.microsoft.com/office/drawing/2014/main" id="{DD775157-5AA1-384D-B45C-859A191D6F1D}"/>
-              </a:ext>
-            </a:extLst>
-          </p:cNvPr>
-          <p:cNvSpPr>
-            <a:spLocks noGrp="1"/>
-          </p:cNvSpPr>
-          <p:nvPr>
-            <p:ph type="title"/>
-          </p:nvPr>
-        </p:nvSpPr>
-        <p:spPr>
-          <a:xfrm>
-            <a:off x="838199" y="4525347"/>
-            <a:ext cx="6801321" cy="1737360"/>
-          </a:xfrm>
-        </p:spPr>
-        <p:txBody>
-          <a:bodyPr vert="horz" lIns="91440" tIns="45720" rIns="91440" bIns="45720" rtlCol="0" anchor="ctr">
-            <a:normAutofit/>
-          </a:bodyPr>
-          <a:lstStyle/>
-          <a:p>
-            <a:pPr algn="r"/>
-            <a:r>
-              <a:rPr lang="en-US" altLang="zh-CN" sz="6000" b="1" dirty="0"/>
-              <a:t>3</a:t>
-            </a:r>
-            <a:r>
-              <a:rPr lang="en-US" sz="6000" b="1" kern="1200" dirty="0">
-                <a:solidFill>
-                  <a:schemeClr val="tx1"/>
-                </a:solidFill>
-                <a:latin typeface="+mj-lt"/>
-                <a:ea typeface="+mj-ea"/>
-                <a:cs typeface="+mj-cs"/>
-              </a:rPr>
-              <a:t>.0	</a:t>
-            </a:r>
-            <a:r>
-              <a:rPr lang="en-US" sz="6000" b="1" dirty="0"/>
-              <a:t>Review on project progress</a:t>
-            </a:r>
-            <a:endParaRPr lang="en-US" sz="6000" b="1" kern="1200" dirty="0">
-              <a:solidFill>
-                <a:schemeClr val="tx1"/>
-              </a:solidFill>
-              <a:latin typeface="+mj-lt"/>
-              <a:ea typeface="+mj-ea"/>
-              <a:cs typeface="+mj-cs"/>
-            </a:endParaRPr>
-          </a:p>
-        </p:txBody>
-      </p:sp>
-      <p:sp>
-        <p:nvSpPr>
           <p:cNvPr id="13" name="Oval 12">
             <a:extLst>
               <a:ext uri="{FF2B5EF4-FFF2-40B4-BE49-F238E27FC236}">
-                <a16:creationId xmlns:a16="http://schemas.microsoft.com/office/drawing/2014/main" id="{6437D937-A7F1-4011-92B4-328E5BE1B166}"/>
+                <a16:creationId xmlns:a16="http://schemas.microsoft.com/office/drawing/2014/main" xmlns="" id="{6437D937-A7F1-4011-92B4-328E5BE1B166}"/>
               </a:ext>
               <a:ext uri="{C183D7F6-B498-43B3-948B-1728B52AA6E4}">
-                <adec:decorative xmlns:adec="http://schemas.microsoft.com/office/drawing/2017/decorative" val="1"/>
+                <adec:decorative xmlns:adec="http://schemas.microsoft.com/office/drawing/2017/decorative" xmlns="" val="1"/>
               </a:ext>
             </a:extLst>
           </p:cNvPr>
@@ -15722,10 +16605,10 @@
           <p:cNvPr id="15" name="Oval 14">
             <a:extLst>
               <a:ext uri="{FF2B5EF4-FFF2-40B4-BE49-F238E27FC236}">
-                <a16:creationId xmlns:a16="http://schemas.microsoft.com/office/drawing/2014/main" id="{B672F332-AF08-46C6-94F0-77684310D7B7}"/>
+                <a16:creationId xmlns:a16="http://schemas.microsoft.com/office/drawing/2014/main" xmlns="" id="{B672F332-AF08-46C6-94F0-77684310D7B7}"/>
               </a:ext>
               <a:ext uri="{C183D7F6-B498-43B3-948B-1728B52AA6E4}">
-                <adec:decorative xmlns:adec="http://schemas.microsoft.com/office/drawing/2017/decorative" val="1"/>
+                <adec:decorative xmlns:adec="http://schemas.microsoft.com/office/drawing/2017/decorative" xmlns="" val="1"/>
               </a:ext>
             </a:extLst>
           </p:cNvPr>
@@ -15814,10 +16697,10 @@
           <p:cNvPr id="17" name="Oval 16">
             <a:extLst>
               <a:ext uri="{FF2B5EF4-FFF2-40B4-BE49-F238E27FC236}">
-                <a16:creationId xmlns:a16="http://schemas.microsoft.com/office/drawing/2014/main" id="{34244EF8-D73A-40E1-BE73-D46E6B4B04ED}"/>
+                <a16:creationId xmlns:a16="http://schemas.microsoft.com/office/drawing/2014/main" xmlns="" id="{34244EF8-D73A-40E1-BE73-D46E6B4B04ED}"/>
               </a:ext>
               <a:ext uri="{C183D7F6-B498-43B3-948B-1728B52AA6E4}">
-                <adec:decorative xmlns:adec="http://schemas.microsoft.com/office/drawing/2017/decorative" val="1"/>
+                <adec:decorative xmlns:adec="http://schemas.microsoft.com/office/drawing/2017/decorative" xmlns="" val="1"/>
               </a:ext>
             </a:extLst>
           </p:cNvPr>
@@ -15906,10 +16789,10 @@
           <p:cNvPr id="19" name="Freeform: Shape 18">
             <a:extLst>
               <a:ext uri="{FF2B5EF4-FFF2-40B4-BE49-F238E27FC236}">
-                <a16:creationId xmlns:a16="http://schemas.microsoft.com/office/drawing/2014/main" id="{AB84D7E8-4ECB-42D7-ADBF-01689B0F24AE}"/>
+                <a16:creationId xmlns:a16="http://schemas.microsoft.com/office/drawing/2014/main" xmlns="" id="{AB84D7E8-4ECB-42D7-ADBF-01689B0F24AE}"/>
               </a:ext>
               <a:ext uri="{C183D7F6-B498-43B3-948B-1728B52AA6E4}">
-                <adec:decorative xmlns:adec="http://schemas.microsoft.com/office/drawing/2017/decorative" val="1"/>
+                <adec:decorative xmlns:adec="http://schemas.microsoft.com/office/drawing/2017/decorative" xmlns="" val="1"/>
               </a:ext>
             </a:extLst>
           </p:cNvPr>
@@ -16061,10 +16944,10 @@
           <p:cNvPr id="21" name="Straight Connector 20">
             <a:extLst>
               <a:ext uri="{FF2B5EF4-FFF2-40B4-BE49-F238E27FC236}">
-                <a16:creationId xmlns:a16="http://schemas.microsoft.com/office/drawing/2014/main" id="{9E8E38ED-369A-44C2-B635-0BED0E48A6E8}"/>
+                <a16:creationId xmlns:a16="http://schemas.microsoft.com/office/drawing/2014/main" xmlns="" id="{9E8E38ED-369A-44C2-B635-0BED0E48A6E8}"/>
               </a:ext>
               <a:ext uri="{C183D7F6-B498-43B3-948B-1728B52AA6E4}">
-                <adec:decorative xmlns:adec="http://schemas.microsoft.com/office/drawing/2017/decorative" val="1"/>
+                <adec:decorative xmlns:adec="http://schemas.microsoft.com/office/drawing/2017/decorative" xmlns="" val="1"/>
               </a:ext>
             </a:extLst>
           </p:cNvPr>
@@ -16113,7 +16996,7 @@
           <p:cNvPr id="6" name="TextBox 5">
             <a:extLst>
               <a:ext uri="{FF2B5EF4-FFF2-40B4-BE49-F238E27FC236}">
-                <a16:creationId xmlns:a16="http://schemas.microsoft.com/office/drawing/2014/main" id="{22B54AF2-355A-C640-94BB-354252E5DA20}"/>
+                <a16:creationId xmlns:a16="http://schemas.microsoft.com/office/drawing/2014/main" xmlns="" id="{22B54AF2-355A-C640-94BB-354252E5DA20}"/>
               </a:ext>
             </a:extLst>
           </p:cNvPr>
@@ -16151,7 +17034,7 @@
                 <a:hlinkClick r:id="rId2" tooltip="http://umaprofessoramaluquinha.com.br/?attachment_id=1237">
                   <a:extLst>
                     <a:ext uri="{A12FA001-AC4F-418D-AE19-62706E023703}">
-                      <ahyp:hlinkClr xmlns:ahyp="http://schemas.microsoft.com/office/drawing/2018/hyperlinkcolor" val="tx"/>
+                      <ahyp:hlinkClr xmlns:ahyp="http://schemas.microsoft.com/office/drawing/2018/hyperlinkcolor" xmlns="" val="tx"/>
                     </a:ext>
                   </a:extLst>
                 </a:hlinkClick>
@@ -16174,7 +17057,7 @@
                 <a:hlinkClick r:id="rId3" tooltip="https://creativecommons.org/licenses/by/3.0/">
                   <a:extLst>
                     <a:ext uri="{A12FA001-AC4F-418D-AE19-62706E023703}">
-                      <ahyp:hlinkClr xmlns:ahyp="http://schemas.microsoft.com/office/drawing/2018/hyperlinkcolor" val="tx"/>
+                      <ahyp:hlinkClr xmlns:ahyp="http://schemas.microsoft.com/office/drawing/2018/hyperlinkcolor" xmlns="" val="tx"/>
                     </a:ext>
                   </a:extLst>
                 </a:hlinkClick>
@@ -16189,10 +17072,154 @@
           </a:p>
         </p:txBody>
       </p:sp>
+      <p:sp>
+        <p:nvSpPr>
+          <p:cNvPr id="10" name="Title 1">
+            <a:extLst>
+              <a:ext uri="{FF2B5EF4-FFF2-40B4-BE49-F238E27FC236}">
+                <a16:creationId xmlns="" xmlns:a16="http://schemas.microsoft.com/office/drawing/2014/main" id="{DD775157-5AA1-384D-B45C-859A191D6F1D}"/>
+              </a:ext>
+            </a:extLst>
+          </p:cNvPr>
+          <p:cNvSpPr txBox="1">
+            <a:spLocks/>
+          </p:cNvSpPr>
+          <p:nvPr/>
+        </p:nvSpPr>
+        <p:spPr>
+          <a:xfrm>
+            <a:off x="600381" y="4554936"/>
+            <a:ext cx="7194631" cy="1737360"/>
+          </a:xfrm>
+          <a:prstGeom prst="rect">
+            <a:avLst/>
+          </a:prstGeom>
+        </p:spPr>
+        <p:txBody>
+          <a:bodyPr vert="horz" lIns="91440" tIns="45720" rIns="91440" bIns="45720" rtlCol="0" anchor="ctr">
+            <a:normAutofit fontScale="90000"/>
+          </a:bodyPr>
+          <a:lstStyle>
+            <a:lvl1pPr algn="l" defTabSz="914400" rtl="0" eaLnBrk="1" latinLnBrk="0" hangingPunct="1">
+              <a:lnSpc>
+                <a:spcPct val="90000"/>
+              </a:lnSpc>
+              <a:spcBef>
+                <a:spcPct val="0"/>
+              </a:spcBef>
+              <a:buNone/>
+              <a:defRPr sz="4400" kern="1200">
+                <a:solidFill>
+                  <a:schemeClr val="tx1"/>
+                </a:solidFill>
+                <a:latin typeface="+mj-lt"/>
+                <a:ea typeface="+mj-ea"/>
+                <a:cs typeface="+mj-cs"/>
+              </a:defRPr>
+            </a:lvl1pPr>
+          </a:lstStyle>
+          <a:p>
+            <a:pPr algn="r"/>
+            <a:r>
+              <a:rPr lang="en-US" altLang="zh-CN" sz="6000" b="1" dirty="0" smtClean="0">
+                <a:latin typeface="Helvetica Neue" panose="02000503000000020004" pitchFamily="2" charset="0"/>
+                <a:ea typeface="Helvetica Neue" panose="02000503000000020004" pitchFamily="2" charset="0"/>
+                <a:cs typeface="Helvetica Neue" panose="02000503000000020004" pitchFamily="2" charset="0"/>
+              </a:rPr>
+              <a:t>1</a:t>
+            </a:r>
+            <a:r>
+              <a:rPr lang="en-US" sz="6000" b="1" dirty="0" smtClean="0">
+                <a:latin typeface="Helvetica Neue" panose="02000503000000020004" pitchFamily="2" charset="0"/>
+                <a:ea typeface="Helvetica Neue" panose="02000503000000020004" pitchFamily="2" charset="0"/>
+                <a:cs typeface="Helvetica Neue" panose="02000503000000020004" pitchFamily="2" charset="0"/>
+              </a:rPr>
+              <a:t>.0	</a:t>
+            </a:r>
+            <a:r>
+              <a:rPr lang="en-US" altLang="zh-CN" sz="6000" b="1" dirty="0" smtClean="0">
+                <a:latin typeface="Helvetica Neue" panose="02000503000000020004" pitchFamily="2" charset="0"/>
+                <a:ea typeface="Helvetica Neue" panose="02000503000000020004" pitchFamily="2" charset="0"/>
+                <a:cs typeface="Helvetica Neue" panose="02000503000000020004" pitchFamily="2" charset="0"/>
+              </a:rPr>
+              <a:t>Data</a:t>
+            </a:r>
+            <a:r>
+              <a:rPr lang="zh-CN" altLang="en-US" sz="6000" b="1" dirty="0" smtClean="0">
+                <a:latin typeface="Helvetica Neue" panose="02000503000000020004" pitchFamily="2" charset="0"/>
+                <a:ea typeface="Helvetica Neue" panose="02000503000000020004" pitchFamily="2" charset="0"/>
+                <a:cs typeface="Helvetica Neue" panose="02000503000000020004" pitchFamily="2" charset="0"/>
+              </a:rPr>
+              <a:t> </a:t>
+            </a:r>
+            <a:r>
+              <a:rPr lang="en-US" altLang="zh-CN" sz="6000" b="1" dirty="0" smtClean="0">
+                <a:latin typeface="Helvetica Neue" panose="02000503000000020004" pitchFamily="2" charset="0"/>
+                <a:ea typeface="Helvetica Neue" panose="02000503000000020004" pitchFamily="2" charset="0"/>
+                <a:cs typeface="Helvetica Neue" panose="02000503000000020004" pitchFamily="2" charset="0"/>
+              </a:rPr>
+              <a:t>Collection</a:t>
+            </a:r>
+            <a:r>
+              <a:rPr lang="zh-CN" altLang="en-US" sz="6000" b="1" dirty="0" smtClean="0">
+                <a:latin typeface="Helvetica Neue" panose="02000503000000020004" pitchFamily="2" charset="0"/>
+                <a:ea typeface="Helvetica Neue" panose="02000503000000020004" pitchFamily="2" charset="0"/>
+                <a:cs typeface="Helvetica Neue" panose="02000503000000020004" pitchFamily="2" charset="0"/>
+              </a:rPr>
+              <a:t> </a:t>
+            </a:r>
+            <a:r>
+              <a:rPr lang="en-US" altLang="zh-CN" sz="6000" b="1" dirty="0" smtClean="0">
+                <a:latin typeface="Helvetica Neue" panose="02000503000000020004" pitchFamily="2" charset="0"/>
+                <a:ea typeface="Helvetica Neue" panose="02000503000000020004" pitchFamily="2" charset="0"/>
+                <a:cs typeface="Helvetica Neue" panose="02000503000000020004" pitchFamily="2" charset="0"/>
+              </a:rPr>
+              <a:t>and</a:t>
+            </a:r>
+            <a:r>
+              <a:rPr lang="zh-CN" altLang="en-US" sz="6000" b="1" dirty="0" smtClean="0">
+                <a:latin typeface="Helvetica Neue" panose="02000503000000020004" pitchFamily="2" charset="0"/>
+                <a:ea typeface="Helvetica Neue" panose="02000503000000020004" pitchFamily="2" charset="0"/>
+                <a:cs typeface="Helvetica Neue" panose="02000503000000020004" pitchFamily="2" charset="0"/>
+              </a:rPr>
+              <a:t> </a:t>
+            </a:r>
+            <a:r>
+              <a:rPr lang="en-US" altLang="zh-CN" sz="6000" b="1" dirty="0" smtClean="0">
+                <a:latin typeface="Helvetica Neue" panose="02000503000000020004" pitchFamily="2" charset="0"/>
+                <a:ea typeface="Helvetica Neue" panose="02000503000000020004" pitchFamily="2" charset="0"/>
+                <a:cs typeface="Helvetica Neue" panose="02000503000000020004" pitchFamily="2" charset="0"/>
+              </a:rPr>
+              <a:t>Set</a:t>
+            </a:r>
+            <a:r>
+              <a:rPr lang="zh-CN" altLang="en-US" sz="6000" b="1" dirty="0" smtClean="0">
+                <a:latin typeface="Helvetica Neue" panose="02000503000000020004" pitchFamily="2" charset="0"/>
+                <a:ea typeface="Helvetica Neue" panose="02000503000000020004" pitchFamily="2" charset="0"/>
+                <a:cs typeface="Helvetica Neue" panose="02000503000000020004" pitchFamily="2" charset="0"/>
+              </a:rPr>
+              <a:t> </a:t>
+            </a:r>
+            <a:r>
+              <a:rPr lang="en-US" altLang="zh-CN" sz="6000" b="1" dirty="0" smtClean="0">
+                <a:latin typeface="Helvetica Neue" panose="02000503000000020004" pitchFamily="2" charset="0"/>
+                <a:ea typeface="Helvetica Neue" panose="02000503000000020004" pitchFamily="2" charset="0"/>
+                <a:cs typeface="Helvetica Neue" panose="02000503000000020004" pitchFamily="2" charset="0"/>
+              </a:rPr>
+              <a:t>Up</a:t>
+            </a:r>
+            <a:endParaRPr lang="en-US" sz="6000" b="1" dirty="0">
+              <a:latin typeface="Helvetica Neue" panose="02000503000000020004" pitchFamily="2" charset="0"/>
+              <a:ea typeface="Helvetica Neue" panose="02000503000000020004" pitchFamily="2" charset="0"/>
+              <a:cs typeface="Helvetica Neue" panose="02000503000000020004" pitchFamily="2" charset="0"/>
+            </a:endParaRPr>
+          </a:p>
+        </p:txBody>
+      </p:sp>
     </p:spTree>
     <p:extLst>
       <p:ext uri="{BB962C8B-B14F-4D97-AF65-F5344CB8AC3E}">
-        <p14:creationId xmlns:p14="http://schemas.microsoft.com/office/powerpoint/2010/main" val="2204131623"/>
+        <p14:creationId xmlns:p14="http://schemas.microsoft.com/office/powerpoint/2010/main" val="511855570"/>
       </p:ext>
     </p:extLst>
   </p:cSld>
@@ -16202,7 +17229,2504 @@
 </p:sld>
 </file>
 
-<file path=ppt/slides/slide9.xml><?xml version="1.0" encoding="utf-8"?>
+<file path=ppt/slides/slide3.xml><?xml version="1.0" encoding="utf-8"?>
+<p:sld xmlns:a="http://schemas.openxmlformats.org/drawingml/2006/main" xmlns:r="http://schemas.openxmlformats.org/officeDocument/2006/relationships" xmlns:p="http://schemas.openxmlformats.org/presentationml/2006/main">
+  <p:cSld>
+    <p:spTree>
+      <p:nvGrpSpPr>
+        <p:cNvPr id="1" name=""/>
+        <p:cNvGrpSpPr/>
+        <p:nvPr/>
+      </p:nvGrpSpPr>
+      <p:grpSpPr>
+        <a:xfrm>
+          <a:off x="0" y="0"/>
+          <a:ext cx="0" cy="0"/>
+          <a:chOff x="0" y="0"/>
+          <a:chExt cx="0" cy="0"/>
+        </a:xfrm>
+      </p:grpSpPr>
+      <p:sp>
+        <p:nvSpPr>
+          <p:cNvPr id="2" name="Title 1">
+            <a:extLst>
+              <a:ext uri="{FF2B5EF4-FFF2-40B4-BE49-F238E27FC236}">
+                <a16:creationId xmlns="" xmlns:a16="http://schemas.microsoft.com/office/drawing/2014/main" id="{590D5C6B-75CD-0845-B759-3C689DD6CB26}"/>
+              </a:ext>
+            </a:extLst>
+          </p:cNvPr>
+          <p:cNvSpPr>
+            <a:spLocks noGrp="1"/>
+          </p:cNvSpPr>
+          <p:nvPr>
+            <p:ph type="title"/>
+          </p:nvPr>
+        </p:nvSpPr>
+        <p:spPr>
+          <a:xfrm>
+            <a:off x="838200" y="365125"/>
+            <a:ext cx="10515600" cy="1325563"/>
+          </a:xfrm>
+        </p:spPr>
+        <p:txBody>
+          <a:bodyPr/>
+          <a:lstStyle/>
+          <a:p>
+            <a:r>
+              <a:rPr lang="en-US" altLang="zh-CN" b="1" dirty="0">
+                <a:latin typeface="Helvetica Neue" panose="02000503000000020004" pitchFamily="2" charset="0"/>
+                <a:ea typeface="Helvetica Neue" panose="02000503000000020004" pitchFamily="2" charset="0"/>
+                <a:cs typeface="Helvetica Neue" panose="02000503000000020004" pitchFamily="2" charset="0"/>
+              </a:rPr>
+              <a:t>1</a:t>
+            </a:r>
+            <a:r>
+              <a:rPr lang="en-US" b="1" dirty="0" smtClean="0">
+                <a:latin typeface="Helvetica Neue" panose="02000503000000020004" pitchFamily="2" charset="0"/>
+                <a:ea typeface="Helvetica Neue" panose="02000503000000020004" pitchFamily="2" charset="0"/>
+                <a:cs typeface="Helvetica Neue" panose="02000503000000020004" pitchFamily="2" charset="0"/>
+              </a:rPr>
+              <a:t>.1</a:t>
+            </a:r>
+            <a:r>
+              <a:rPr lang="en-US" b="1" dirty="0">
+                <a:latin typeface="Helvetica Neue" panose="02000503000000020004" pitchFamily="2" charset="0"/>
+                <a:ea typeface="Helvetica Neue" panose="02000503000000020004" pitchFamily="2" charset="0"/>
+                <a:cs typeface="Helvetica Neue" panose="02000503000000020004" pitchFamily="2" charset="0"/>
+              </a:rPr>
+              <a:t>	</a:t>
+            </a:r>
+            <a:r>
+              <a:rPr lang="en-US" altLang="zh-CN" b="1" dirty="0" smtClean="0">
+                <a:latin typeface="Helvetica Neue" panose="02000503000000020004" pitchFamily="2" charset="0"/>
+                <a:ea typeface="Helvetica Neue" panose="02000503000000020004" pitchFamily="2" charset="0"/>
+                <a:cs typeface="Helvetica Neue" panose="02000503000000020004" pitchFamily="2" charset="0"/>
+              </a:rPr>
+              <a:t>Hardware</a:t>
+            </a:r>
+            <a:r>
+              <a:rPr lang="zh-CN" altLang="en-US" b="1" dirty="0" smtClean="0">
+                <a:latin typeface="Helvetica Neue" panose="02000503000000020004" pitchFamily="2" charset="0"/>
+                <a:ea typeface="Helvetica Neue" panose="02000503000000020004" pitchFamily="2" charset="0"/>
+                <a:cs typeface="Helvetica Neue" panose="02000503000000020004" pitchFamily="2" charset="0"/>
+              </a:rPr>
+              <a:t>  </a:t>
+            </a:r>
+            <a:r>
+              <a:rPr lang="en-US" altLang="zh-CN" b="1" dirty="0" smtClean="0">
+                <a:latin typeface="Helvetica Neue" panose="02000503000000020004" pitchFamily="2" charset="0"/>
+                <a:ea typeface="Helvetica Neue" panose="02000503000000020004" pitchFamily="2" charset="0"/>
+                <a:cs typeface="Helvetica Neue" panose="02000503000000020004" pitchFamily="2" charset="0"/>
+              </a:rPr>
+              <a:t>&amp;</a:t>
+            </a:r>
+            <a:r>
+              <a:rPr lang="zh-CN" altLang="en-US" b="1" dirty="0" smtClean="0">
+                <a:latin typeface="Helvetica Neue" panose="02000503000000020004" pitchFamily="2" charset="0"/>
+                <a:ea typeface="Helvetica Neue" panose="02000503000000020004" pitchFamily="2" charset="0"/>
+                <a:cs typeface="Helvetica Neue" panose="02000503000000020004" pitchFamily="2" charset="0"/>
+              </a:rPr>
+              <a:t> </a:t>
+            </a:r>
+            <a:r>
+              <a:rPr lang="en-US" altLang="zh-CN" b="1" dirty="0">
+                <a:latin typeface="Helvetica Neue" panose="02000503000000020004" pitchFamily="2" charset="0"/>
+                <a:ea typeface="Helvetica Neue" panose="02000503000000020004" pitchFamily="2" charset="0"/>
+                <a:cs typeface="Helvetica Neue" panose="02000503000000020004" pitchFamily="2" charset="0"/>
+              </a:rPr>
+              <a:t>Software</a:t>
+            </a:r>
+            <a:r>
+              <a:rPr lang="zh-CN" altLang="en-US" b="1" dirty="0">
+                <a:latin typeface="Helvetica Neue" panose="02000503000000020004" pitchFamily="2" charset="0"/>
+                <a:ea typeface="Helvetica Neue" panose="02000503000000020004" pitchFamily="2" charset="0"/>
+                <a:cs typeface="Helvetica Neue" panose="02000503000000020004" pitchFamily="2" charset="0"/>
+              </a:rPr>
+              <a:t> </a:t>
+            </a:r>
+            <a:endParaRPr lang="en-US" b="1" dirty="0">
+              <a:latin typeface="Helvetica Neue" panose="02000503000000020004" pitchFamily="2" charset="0"/>
+              <a:ea typeface="Helvetica Neue" panose="02000503000000020004" pitchFamily="2" charset="0"/>
+              <a:cs typeface="Helvetica Neue" panose="02000503000000020004" pitchFamily="2" charset="0"/>
+            </a:endParaRPr>
+          </a:p>
+        </p:txBody>
+      </p:sp>
+      <p:grpSp>
+        <p:nvGrpSpPr>
+          <p:cNvPr id="7" name="组 6"/>
+          <p:cNvGrpSpPr/>
+          <p:nvPr/>
+        </p:nvGrpSpPr>
+        <p:grpSpPr>
+          <a:xfrm>
+            <a:off x="559042" y="3013230"/>
+            <a:ext cx="2935438" cy="2278899"/>
+            <a:chOff x="1103776" y="1841661"/>
+            <a:chExt cx="2935438" cy="2278899"/>
+          </a:xfrm>
+        </p:grpSpPr>
+        <p:pic>
+          <p:nvPicPr>
+            <p:cNvPr id="5" name="图片 4"/>
+            <p:cNvPicPr>
+              <a:picLocks noChangeAspect="1"/>
+            </p:cNvPicPr>
+            <p:nvPr/>
+          </p:nvPicPr>
+          <p:blipFill>
+            <a:blip r:embed="rId2">
+              <a:extLst>
+                <a:ext uri="{28A0092B-C50C-407E-A947-70E740481C1C}">
+                  <a14:useLocalDpi xmlns:a14="http://schemas.microsoft.com/office/drawing/2010/main" val="0"/>
+                </a:ext>
+              </a:extLst>
+            </a:blip>
+            <a:stretch>
+              <a:fillRect/>
+            </a:stretch>
+          </p:blipFill>
+          <p:spPr>
+            <a:xfrm>
+              <a:off x="1103776" y="1841661"/>
+              <a:ext cx="2935438" cy="1943260"/>
+            </a:xfrm>
+            <a:prstGeom prst="rect">
+              <a:avLst/>
+            </a:prstGeom>
+          </p:spPr>
+        </p:pic>
+        <p:sp>
+          <p:nvSpPr>
+            <p:cNvPr id="6" name="文本框 5"/>
+            <p:cNvSpPr txBox="1"/>
+            <p:nvPr/>
+          </p:nvSpPr>
+          <p:spPr>
+            <a:xfrm>
+              <a:off x="1975399" y="3751228"/>
+              <a:ext cx="1192192" cy="369332"/>
+            </a:xfrm>
+            <a:prstGeom prst="rect">
+              <a:avLst/>
+            </a:prstGeom>
+            <a:noFill/>
+          </p:spPr>
+          <p:txBody>
+            <a:bodyPr wrap="square" rtlCol="0">
+              <a:spAutoFit/>
+            </a:bodyPr>
+            <a:lstStyle/>
+            <a:p>
+              <a:r>
+                <a:rPr kumimoji="1" lang="en-US" altLang="zh-CN" smtClean="0"/>
+                <a:t>SensorTag</a:t>
+              </a:r>
+              <a:endParaRPr kumimoji="1" lang="zh-CN" altLang="en-US" dirty="0"/>
+            </a:p>
+          </p:txBody>
+        </p:sp>
+      </p:grpSp>
+      <p:grpSp>
+        <p:nvGrpSpPr>
+          <p:cNvPr id="11" name="组 10"/>
+          <p:cNvGrpSpPr/>
+          <p:nvPr/>
+        </p:nvGrpSpPr>
+        <p:grpSpPr>
+          <a:xfrm>
+            <a:off x="3730962" y="2588240"/>
+            <a:ext cx="2540000" cy="2612047"/>
+            <a:chOff x="4768082" y="2353519"/>
+            <a:chExt cx="2540000" cy="2612047"/>
+          </a:xfrm>
+        </p:grpSpPr>
+        <p:pic>
+          <p:nvPicPr>
+            <p:cNvPr id="9" name="图片 8"/>
+            <p:cNvPicPr>
+              <a:picLocks noChangeAspect="1"/>
+            </p:cNvPicPr>
+            <p:nvPr/>
+          </p:nvPicPr>
+          <p:blipFill>
+            <a:blip r:embed="rId3">
+              <a:extLst>
+                <a:ext uri="{28A0092B-C50C-407E-A947-70E740481C1C}">
+                  <a14:useLocalDpi xmlns:a14="http://schemas.microsoft.com/office/drawing/2010/main" val="0"/>
+                </a:ext>
+              </a:extLst>
+            </a:blip>
+            <a:stretch>
+              <a:fillRect/>
+            </a:stretch>
+          </p:blipFill>
+          <p:spPr>
+            <a:xfrm>
+              <a:off x="4768082" y="2353519"/>
+              <a:ext cx="2540000" cy="2540000"/>
+            </a:xfrm>
+            <a:prstGeom prst="rect">
+              <a:avLst/>
+            </a:prstGeom>
+          </p:spPr>
+        </p:pic>
+        <p:sp>
+          <p:nvSpPr>
+            <p:cNvPr id="10" name="文本框 9"/>
+            <p:cNvSpPr txBox="1"/>
+            <p:nvPr/>
+          </p:nvSpPr>
+          <p:spPr>
+            <a:xfrm>
+              <a:off x="5673524" y="4595149"/>
+              <a:ext cx="844952" cy="370417"/>
+            </a:xfrm>
+            <a:prstGeom prst="rect">
+              <a:avLst/>
+            </a:prstGeom>
+            <a:noFill/>
+          </p:spPr>
+          <p:txBody>
+            <a:bodyPr wrap="square" rtlCol="0">
+              <a:spAutoFit/>
+            </a:bodyPr>
+            <a:lstStyle/>
+            <a:p>
+              <a:r>
+                <a:rPr kumimoji="1" lang="en-US" altLang="zh-CN" smtClean="0"/>
+                <a:t>python</a:t>
+              </a:r>
+              <a:endParaRPr kumimoji="1" lang="zh-CN" altLang="en-US" dirty="0"/>
+            </a:p>
+          </p:txBody>
+        </p:sp>
+      </p:grpSp>
+      <p:grpSp>
+        <p:nvGrpSpPr>
+          <p:cNvPr id="14" name="组 13"/>
+          <p:cNvGrpSpPr/>
+          <p:nvPr/>
+        </p:nvGrpSpPr>
+        <p:grpSpPr>
+          <a:xfrm>
+            <a:off x="6507444" y="2656289"/>
+            <a:ext cx="2140016" cy="2510433"/>
+            <a:chOff x="7590828" y="2419109"/>
+            <a:chExt cx="2140016" cy="2510433"/>
+          </a:xfrm>
+        </p:grpSpPr>
+        <p:pic>
+          <p:nvPicPr>
+            <p:cNvPr id="12" name="图片 11"/>
+            <p:cNvPicPr>
+              <a:picLocks noChangeAspect="1"/>
+            </p:cNvPicPr>
+            <p:nvPr/>
+          </p:nvPicPr>
+          <p:blipFill>
+            <a:blip r:embed="rId4">
+              <a:extLst>
+                <a:ext uri="{28A0092B-C50C-407E-A947-70E740481C1C}">
+                  <a14:useLocalDpi xmlns:a14="http://schemas.microsoft.com/office/drawing/2010/main" val="0"/>
+                </a:ext>
+              </a:extLst>
+            </a:blip>
+            <a:stretch>
+              <a:fillRect/>
+            </a:stretch>
+          </p:blipFill>
+          <p:spPr>
+            <a:xfrm>
+              <a:off x="7590828" y="2419109"/>
+              <a:ext cx="2140016" cy="2140016"/>
+            </a:xfrm>
+            <a:prstGeom prst="rect">
+              <a:avLst/>
+            </a:prstGeom>
+          </p:spPr>
+        </p:pic>
+        <p:sp>
+          <p:nvSpPr>
+            <p:cNvPr id="13" name="文本框 12"/>
+            <p:cNvSpPr txBox="1"/>
+            <p:nvPr/>
+          </p:nvSpPr>
+          <p:spPr>
+            <a:xfrm>
+              <a:off x="8097777" y="4559125"/>
+              <a:ext cx="1231418" cy="370417"/>
+            </a:xfrm>
+            <a:prstGeom prst="rect">
+              <a:avLst/>
+            </a:prstGeom>
+            <a:noFill/>
+          </p:spPr>
+          <p:txBody>
+            <a:bodyPr wrap="square" rtlCol="0">
+              <a:spAutoFit/>
+            </a:bodyPr>
+            <a:lstStyle/>
+            <a:p>
+              <a:r>
+                <a:rPr kumimoji="1" lang="en-US" altLang="zh-CN" dirty="0" smtClean="0"/>
+                <a:t>C</a:t>
+              </a:r>
+              <a:r>
+                <a:rPr kumimoji="1" lang="zh-CN" altLang="en-US" dirty="0" smtClean="0"/>
+                <a:t> </a:t>
+              </a:r>
+              <a:r>
+                <a:rPr kumimoji="1" lang="en-US" altLang="zh-CN" dirty="0" smtClean="0"/>
+                <a:t>language</a:t>
+              </a:r>
+              <a:endParaRPr kumimoji="1" lang="zh-CN" altLang="en-US" dirty="0"/>
+            </a:p>
+          </p:txBody>
+        </p:sp>
+      </p:grpSp>
+      <p:grpSp>
+        <p:nvGrpSpPr>
+          <p:cNvPr id="17" name="组 16"/>
+          <p:cNvGrpSpPr/>
+          <p:nvPr/>
+        </p:nvGrpSpPr>
+        <p:grpSpPr>
+          <a:xfrm>
+            <a:off x="8883942" y="2619166"/>
+            <a:ext cx="2294896" cy="2581121"/>
+            <a:chOff x="8883942" y="2619166"/>
+            <a:chExt cx="2294896" cy="2581121"/>
+          </a:xfrm>
+        </p:grpSpPr>
+        <p:pic>
+          <p:nvPicPr>
+            <p:cNvPr id="15" name="图片 14"/>
+            <p:cNvPicPr>
+              <a:picLocks noChangeAspect="1"/>
+            </p:cNvPicPr>
+            <p:nvPr/>
+          </p:nvPicPr>
+          <p:blipFill>
+            <a:blip r:embed="rId5">
+              <a:extLst>
+                <a:ext uri="{28A0092B-C50C-407E-A947-70E740481C1C}">
+                  <a14:useLocalDpi xmlns:a14="http://schemas.microsoft.com/office/drawing/2010/main" val="0"/>
+                </a:ext>
+              </a:extLst>
+            </a:blip>
+            <a:stretch>
+              <a:fillRect/>
+            </a:stretch>
+          </p:blipFill>
+          <p:spPr>
+            <a:xfrm>
+              <a:off x="8883942" y="2619166"/>
+              <a:ext cx="2294896" cy="2294896"/>
+            </a:xfrm>
+            <a:prstGeom prst="rect">
+              <a:avLst/>
+            </a:prstGeom>
+          </p:spPr>
+        </p:pic>
+        <p:sp>
+          <p:nvSpPr>
+            <p:cNvPr id="16" name="文本框 15"/>
+            <p:cNvSpPr txBox="1"/>
+            <p:nvPr/>
+          </p:nvSpPr>
+          <p:spPr>
+            <a:xfrm>
+              <a:off x="9585764" y="4830955"/>
+              <a:ext cx="891251" cy="369332"/>
+            </a:xfrm>
+            <a:prstGeom prst="rect">
+              <a:avLst/>
+            </a:prstGeom>
+            <a:noFill/>
+          </p:spPr>
+          <p:txBody>
+            <a:bodyPr wrap="square" rtlCol="0">
+              <a:spAutoFit/>
+            </a:bodyPr>
+            <a:lstStyle/>
+            <a:p>
+              <a:r>
+                <a:rPr kumimoji="1" lang="en-US" altLang="zh-CN" smtClean="0"/>
+                <a:t>Github</a:t>
+              </a:r>
+              <a:endParaRPr kumimoji="1" lang="zh-CN" altLang="en-US" dirty="0"/>
+            </a:p>
+          </p:txBody>
+        </p:sp>
+      </p:grpSp>
+    </p:spTree>
+    <p:extLst>
+      <p:ext uri="{BB962C8B-B14F-4D97-AF65-F5344CB8AC3E}">
+        <p14:creationId xmlns:p14="http://schemas.microsoft.com/office/powerpoint/2010/main" val="313892767"/>
+      </p:ext>
+    </p:extLst>
+  </p:cSld>
+  <p:clrMapOvr>
+    <a:masterClrMapping/>
+  </p:clrMapOvr>
+</p:sld>
+</file>
+
+<file path=ppt/slides/slide4.xml><?xml version="1.0" encoding="utf-8"?>
+<p:sld xmlns:a="http://schemas.openxmlformats.org/drawingml/2006/main" xmlns:r="http://schemas.openxmlformats.org/officeDocument/2006/relationships" xmlns:p="http://schemas.openxmlformats.org/presentationml/2006/main">
+  <p:cSld>
+    <p:spTree>
+      <p:nvGrpSpPr>
+        <p:cNvPr id="1" name=""/>
+        <p:cNvGrpSpPr/>
+        <p:nvPr/>
+      </p:nvGrpSpPr>
+      <p:grpSpPr>
+        <a:xfrm>
+          <a:off x="0" y="0"/>
+          <a:ext cx="0" cy="0"/>
+          <a:chOff x="0" y="0"/>
+          <a:chExt cx="0" cy="0"/>
+        </a:xfrm>
+      </p:grpSpPr>
+      <p:sp>
+        <p:nvSpPr>
+          <p:cNvPr id="2" name="Title 1">
+            <a:extLst>
+              <a:ext uri="{FF2B5EF4-FFF2-40B4-BE49-F238E27FC236}">
+                <a16:creationId xmlns="" xmlns:a16="http://schemas.microsoft.com/office/drawing/2014/main" id="{590D5C6B-75CD-0845-B759-3C689DD6CB26}"/>
+              </a:ext>
+            </a:extLst>
+          </p:cNvPr>
+          <p:cNvSpPr>
+            <a:spLocks noGrp="1"/>
+          </p:cNvSpPr>
+          <p:nvPr>
+            <p:ph type="title"/>
+          </p:nvPr>
+        </p:nvSpPr>
+        <p:spPr>
+          <a:xfrm>
+            <a:off x="838200" y="365125"/>
+            <a:ext cx="10515600" cy="1325563"/>
+          </a:xfrm>
+        </p:spPr>
+        <p:txBody>
+          <a:bodyPr/>
+          <a:lstStyle/>
+          <a:p>
+            <a:r>
+              <a:rPr lang="en-US" altLang="zh-CN" b="1" dirty="0" smtClean="0">
+                <a:latin typeface="Helvetica Neue" panose="02000503000000020004" pitchFamily="2" charset="0"/>
+                <a:ea typeface="Helvetica Neue" panose="02000503000000020004" pitchFamily="2" charset="0"/>
+                <a:cs typeface="Helvetica Neue" panose="02000503000000020004" pitchFamily="2" charset="0"/>
+              </a:rPr>
+              <a:t>1</a:t>
+            </a:r>
+            <a:r>
+              <a:rPr lang="en-US" b="1" dirty="0" smtClean="0">
+                <a:latin typeface="Helvetica Neue" panose="02000503000000020004" pitchFamily="2" charset="0"/>
+                <a:ea typeface="Helvetica Neue" panose="02000503000000020004" pitchFamily="2" charset="0"/>
+                <a:cs typeface="Helvetica Neue" panose="02000503000000020004" pitchFamily="2" charset="0"/>
+              </a:rPr>
+              <a:t>.</a:t>
+            </a:r>
+            <a:r>
+              <a:rPr lang="en-US" altLang="zh-CN" b="1" dirty="0" smtClean="0">
+                <a:latin typeface="Helvetica Neue" panose="02000503000000020004" pitchFamily="2" charset="0"/>
+                <a:ea typeface="Helvetica Neue" panose="02000503000000020004" pitchFamily="2" charset="0"/>
+                <a:cs typeface="Helvetica Neue" panose="02000503000000020004" pitchFamily="2" charset="0"/>
+              </a:rPr>
+              <a:t>2</a:t>
+            </a:r>
+            <a:r>
+              <a:rPr lang="en-US" b="1" dirty="0">
+                <a:latin typeface="Helvetica Neue" panose="02000503000000020004" pitchFamily="2" charset="0"/>
+                <a:ea typeface="Helvetica Neue" panose="02000503000000020004" pitchFamily="2" charset="0"/>
+                <a:cs typeface="Helvetica Neue" panose="02000503000000020004" pitchFamily="2" charset="0"/>
+              </a:rPr>
+              <a:t>	</a:t>
+            </a:r>
+            <a:r>
+              <a:rPr lang="en-US" altLang="zh-CN" b="1" dirty="0" smtClean="0">
+                <a:latin typeface="Helvetica Neue" panose="02000503000000020004" pitchFamily="2" charset="0"/>
+                <a:ea typeface="Helvetica Neue" panose="02000503000000020004" pitchFamily="2" charset="0"/>
+                <a:cs typeface="Helvetica Neue" panose="02000503000000020004" pitchFamily="2" charset="0"/>
+              </a:rPr>
+              <a:t>Arrangement</a:t>
+            </a:r>
+            <a:endParaRPr lang="en-US" b="1" dirty="0">
+              <a:latin typeface="Helvetica Neue" panose="02000503000000020004" pitchFamily="2" charset="0"/>
+              <a:ea typeface="Helvetica Neue" panose="02000503000000020004" pitchFamily="2" charset="0"/>
+              <a:cs typeface="Helvetica Neue" panose="02000503000000020004" pitchFamily="2" charset="0"/>
+            </a:endParaRPr>
+          </a:p>
+        </p:txBody>
+      </p:sp>
+      <p:grpSp>
+        <p:nvGrpSpPr>
+          <p:cNvPr id="9" name="组 8"/>
+          <p:cNvGrpSpPr/>
+          <p:nvPr/>
+        </p:nvGrpSpPr>
+        <p:grpSpPr>
+          <a:xfrm>
+            <a:off x="459129" y="2686111"/>
+            <a:ext cx="11273742" cy="1914825"/>
+            <a:chOff x="590309" y="2581939"/>
+            <a:chExt cx="11273742" cy="1914825"/>
+          </a:xfrm>
+        </p:grpSpPr>
+        <p:pic>
+          <p:nvPicPr>
+            <p:cNvPr id="3" name="图片 2"/>
+            <p:cNvPicPr>
+              <a:picLocks noChangeAspect="1"/>
+            </p:cNvPicPr>
+            <p:nvPr/>
+          </p:nvPicPr>
+          <p:blipFill rotWithShape="1">
+            <a:blip r:embed="rId2">
+              <a:extLst>
+                <a:ext uri="{28A0092B-C50C-407E-A947-70E740481C1C}">
+                  <a14:useLocalDpi xmlns:a14="http://schemas.microsoft.com/office/drawing/2010/main" val="0"/>
+                </a:ext>
+              </a:extLst>
+            </a:blip>
+            <a:srcRect l="867" r="2898" b="61144"/>
+            <a:stretch/>
+          </p:blipFill>
+          <p:spPr>
+            <a:xfrm>
+              <a:off x="590309" y="2581939"/>
+              <a:ext cx="11273742" cy="1874315"/>
+            </a:xfrm>
+            <a:prstGeom prst="rect">
+              <a:avLst/>
+            </a:prstGeom>
+          </p:spPr>
+        </p:pic>
+        <p:sp>
+          <p:nvSpPr>
+            <p:cNvPr id="4" name="椭圆 3"/>
+            <p:cNvSpPr/>
+            <p:nvPr/>
+          </p:nvSpPr>
+          <p:spPr>
+            <a:xfrm>
+              <a:off x="1713053" y="3854369"/>
+              <a:ext cx="370390" cy="370390"/>
+            </a:xfrm>
+            <a:prstGeom prst="ellipse">
+              <a:avLst/>
+            </a:prstGeom>
+            <a:solidFill>
+              <a:srgbClr val="FF0000"/>
+            </a:solidFill>
+            <a:ln>
+              <a:solidFill>
+                <a:srgbClr val="FF0000"/>
+              </a:solidFill>
+            </a:ln>
+          </p:spPr>
+          <p:style>
+            <a:lnRef idx="2">
+              <a:schemeClr val="accent1">
+                <a:shade val="50000"/>
+              </a:schemeClr>
+            </a:lnRef>
+            <a:fillRef idx="1">
+              <a:schemeClr val="accent1"/>
+            </a:fillRef>
+            <a:effectRef idx="0">
+              <a:schemeClr val="accent1"/>
+            </a:effectRef>
+            <a:fontRef idx="minor">
+              <a:schemeClr val="lt1"/>
+            </a:fontRef>
+          </p:style>
+          <p:txBody>
+            <a:bodyPr rtlCol="0" anchor="ctr"/>
+            <a:lstStyle/>
+            <a:p>
+              <a:pPr algn="ctr"/>
+              <a:r>
+                <a:rPr kumimoji="1" lang="en-US" altLang="zh-CN" b="1">
+                  <a:solidFill>
+                    <a:schemeClr val="bg1"/>
+                  </a:solidFill>
+                </a:rPr>
+                <a:t>1</a:t>
+              </a:r>
+              <a:endParaRPr kumimoji="1" lang="zh-CN" altLang="en-US" b="1" dirty="0">
+                <a:solidFill>
+                  <a:schemeClr val="bg1"/>
+                </a:solidFill>
+              </a:endParaRPr>
+            </a:p>
+          </p:txBody>
+        </p:sp>
+        <p:sp>
+          <p:nvSpPr>
+            <p:cNvPr id="5" name="椭圆 4"/>
+            <p:cNvSpPr/>
+            <p:nvPr/>
+          </p:nvSpPr>
+          <p:spPr>
+            <a:xfrm>
+              <a:off x="3254415" y="2988197"/>
+              <a:ext cx="370390" cy="370390"/>
+            </a:xfrm>
+            <a:prstGeom prst="ellipse">
+              <a:avLst/>
+            </a:prstGeom>
+            <a:solidFill>
+              <a:srgbClr val="FF0000"/>
+            </a:solidFill>
+            <a:ln>
+              <a:solidFill>
+                <a:srgbClr val="FF0000"/>
+              </a:solidFill>
+            </a:ln>
+          </p:spPr>
+          <p:style>
+            <a:lnRef idx="2">
+              <a:schemeClr val="accent1">
+                <a:shade val="50000"/>
+              </a:schemeClr>
+            </a:lnRef>
+            <a:fillRef idx="1">
+              <a:schemeClr val="accent1"/>
+            </a:fillRef>
+            <a:effectRef idx="0">
+              <a:schemeClr val="accent1"/>
+            </a:effectRef>
+            <a:fontRef idx="minor">
+              <a:schemeClr val="lt1"/>
+            </a:fontRef>
+          </p:style>
+          <p:txBody>
+            <a:bodyPr rtlCol="0" anchor="ctr"/>
+            <a:lstStyle/>
+            <a:p>
+              <a:pPr algn="ctr"/>
+              <a:r>
+                <a:rPr kumimoji="1" lang="en-US" altLang="zh-CN" b="1" dirty="0" smtClean="0">
+                  <a:solidFill>
+                    <a:schemeClr val="bg1"/>
+                  </a:solidFill>
+                </a:rPr>
+                <a:t>2</a:t>
+              </a:r>
+              <a:endParaRPr kumimoji="1" lang="zh-CN" altLang="en-US" b="1" dirty="0">
+                <a:solidFill>
+                  <a:schemeClr val="bg1"/>
+                </a:solidFill>
+              </a:endParaRPr>
+            </a:p>
+          </p:txBody>
+        </p:sp>
+        <p:sp>
+          <p:nvSpPr>
+            <p:cNvPr id="6" name="椭圆 5"/>
+            <p:cNvSpPr/>
+            <p:nvPr/>
+          </p:nvSpPr>
+          <p:spPr>
+            <a:xfrm>
+              <a:off x="4581646" y="3828327"/>
+              <a:ext cx="370390" cy="370390"/>
+            </a:xfrm>
+            <a:prstGeom prst="ellipse">
+              <a:avLst/>
+            </a:prstGeom>
+            <a:solidFill>
+              <a:srgbClr val="FF0000"/>
+            </a:solidFill>
+            <a:ln>
+              <a:solidFill>
+                <a:srgbClr val="FF0000"/>
+              </a:solidFill>
+            </a:ln>
+          </p:spPr>
+          <p:style>
+            <a:lnRef idx="2">
+              <a:schemeClr val="accent1">
+                <a:shade val="50000"/>
+              </a:schemeClr>
+            </a:lnRef>
+            <a:fillRef idx="1">
+              <a:schemeClr val="accent1"/>
+            </a:fillRef>
+            <a:effectRef idx="0">
+              <a:schemeClr val="accent1"/>
+            </a:effectRef>
+            <a:fontRef idx="minor">
+              <a:schemeClr val="lt1"/>
+            </a:fontRef>
+          </p:style>
+          <p:txBody>
+            <a:bodyPr rtlCol="0" anchor="ctr"/>
+            <a:lstStyle/>
+            <a:p>
+              <a:pPr algn="ctr"/>
+              <a:r>
+                <a:rPr kumimoji="1" lang="en-US" altLang="zh-CN" b="1" dirty="0" smtClean="0">
+                  <a:solidFill>
+                    <a:schemeClr val="bg1"/>
+                  </a:solidFill>
+                </a:rPr>
+                <a:t>3</a:t>
+              </a:r>
+              <a:endParaRPr kumimoji="1" lang="zh-CN" altLang="en-US" b="1" dirty="0">
+                <a:solidFill>
+                  <a:schemeClr val="bg1"/>
+                </a:solidFill>
+              </a:endParaRPr>
+            </a:p>
+          </p:txBody>
+        </p:sp>
+        <p:sp>
+          <p:nvSpPr>
+            <p:cNvPr id="7" name="椭圆 6"/>
+            <p:cNvSpPr/>
+            <p:nvPr/>
+          </p:nvSpPr>
+          <p:spPr>
+            <a:xfrm>
+              <a:off x="6603357" y="3636379"/>
+              <a:ext cx="370390" cy="370390"/>
+            </a:xfrm>
+            <a:prstGeom prst="ellipse">
+              <a:avLst/>
+            </a:prstGeom>
+            <a:solidFill>
+              <a:srgbClr val="FF0000"/>
+            </a:solidFill>
+            <a:ln>
+              <a:solidFill>
+                <a:srgbClr val="FF0000"/>
+              </a:solidFill>
+            </a:ln>
+          </p:spPr>
+          <p:style>
+            <a:lnRef idx="2">
+              <a:schemeClr val="accent1">
+                <a:shade val="50000"/>
+              </a:schemeClr>
+            </a:lnRef>
+            <a:fillRef idx="1">
+              <a:schemeClr val="accent1"/>
+            </a:fillRef>
+            <a:effectRef idx="0">
+              <a:schemeClr val="accent1"/>
+            </a:effectRef>
+            <a:fontRef idx="minor">
+              <a:schemeClr val="lt1"/>
+            </a:fontRef>
+          </p:style>
+          <p:txBody>
+            <a:bodyPr rtlCol="0" anchor="ctr"/>
+            <a:lstStyle/>
+            <a:p>
+              <a:pPr algn="ctr"/>
+              <a:r>
+                <a:rPr kumimoji="1" lang="en-US" altLang="zh-CN" b="1" dirty="0" smtClean="0">
+                  <a:solidFill>
+                    <a:schemeClr val="bg1"/>
+                  </a:solidFill>
+                </a:rPr>
+                <a:t>4</a:t>
+              </a:r>
+              <a:endParaRPr kumimoji="1" lang="zh-CN" altLang="en-US" b="1" dirty="0">
+                <a:solidFill>
+                  <a:schemeClr val="bg1"/>
+                </a:solidFill>
+              </a:endParaRPr>
+            </a:p>
+          </p:txBody>
+        </p:sp>
+        <p:sp>
+          <p:nvSpPr>
+            <p:cNvPr id="8" name="椭圆 7"/>
+            <p:cNvSpPr/>
+            <p:nvPr/>
+          </p:nvSpPr>
+          <p:spPr>
+            <a:xfrm>
+              <a:off x="8943372" y="4126374"/>
+              <a:ext cx="370390" cy="370390"/>
+            </a:xfrm>
+            <a:prstGeom prst="ellipse">
+              <a:avLst/>
+            </a:prstGeom>
+            <a:solidFill>
+              <a:srgbClr val="FF0000"/>
+            </a:solidFill>
+            <a:ln>
+              <a:solidFill>
+                <a:srgbClr val="FF0000"/>
+              </a:solidFill>
+            </a:ln>
+          </p:spPr>
+          <p:style>
+            <a:lnRef idx="2">
+              <a:schemeClr val="accent1">
+                <a:shade val="50000"/>
+              </a:schemeClr>
+            </a:lnRef>
+            <a:fillRef idx="1">
+              <a:schemeClr val="accent1"/>
+            </a:fillRef>
+            <a:effectRef idx="0">
+              <a:schemeClr val="accent1"/>
+            </a:effectRef>
+            <a:fontRef idx="minor">
+              <a:schemeClr val="lt1"/>
+            </a:fontRef>
+          </p:style>
+          <p:txBody>
+            <a:bodyPr rtlCol="0" anchor="ctr"/>
+            <a:lstStyle/>
+            <a:p>
+              <a:pPr algn="ctr"/>
+              <a:r>
+                <a:rPr kumimoji="1" lang="en-US" altLang="zh-CN" b="1" dirty="0" smtClean="0">
+                  <a:solidFill>
+                    <a:schemeClr val="bg1"/>
+                  </a:solidFill>
+                </a:rPr>
+                <a:t>5</a:t>
+              </a:r>
+              <a:endParaRPr kumimoji="1" lang="zh-CN" altLang="en-US" b="1" dirty="0">
+                <a:solidFill>
+                  <a:schemeClr val="bg1"/>
+                </a:solidFill>
+              </a:endParaRPr>
+            </a:p>
+          </p:txBody>
+        </p:sp>
+      </p:grpSp>
+    </p:spTree>
+    <p:extLst>
+      <p:ext uri="{BB962C8B-B14F-4D97-AF65-F5344CB8AC3E}">
+        <p14:creationId xmlns:p14="http://schemas.microsoft.com/office/powerpoint/2010/main" val="1375897937"/>
+      </p:ext>
+    </p:extLst>
+  </p:cSld>
+  <p:clrMapOvr>
+    <a:masterClrMapping/>
+  </p:clrMapOvr>
+</p:sld>
+</file>
+
+<file path=ppt/slides/slide5.xml><?xml version="1.0" encoding="utf-8"?>
+<p:sld xmlns:a="http://schemas.openxmlformats.org/drawingml/2006/main" xmlns:r="http://schemas.openxmlformats.org/officeDocument/2006/relationships" xmlns:p="http://schemas.openxmlformats.org/presentationml/2006/main">
+  <p:cSld>
+    <p:spTree>
+      <p:nvGrpSpPr>
+        <p:cNvPr id="1" name=""/>
+        <p:cNvGrpSpPr/>
+        <p:nvPr/>
+      </p:nvGrpSpPr>
+      <p:grpSpPr>
+        <a:xfrm>
+          <a:off x="0" y="0"/>
+          <a:ext cx="0" cy="0"/>
+          <a:chOff x="0" y="0"/>
+          <a:chExt cx="0" cy="0"/>
+        </a:xfrm>
+      </p:grpSpPr>
+      <p:sp>
+        <p:nvSpPr>
+          <p:cNvPr id="2" name="Title 1">
+            <a:extLst>
+              <a:ext uri="{FF2B5EF4-FFF2-40B4-BE49-F238E27FC236}">
+                <a16:creationId xmlns="" xmlns:a16="http://schemas.microsoft.com/office/drawing/2014/main" id="{590D5C6B-75CD-0845-B759-3C689DD6CB26}"/>
+              </a:ext>
+            </a:extLst>
+          </p:cNvPr>
+          <p:cNvSpPr>
+            <a:spLocks noGrp="1"/>
+          </p:cNvSpPr>
+          <p:nvPr>
+            <p:ph type="title"/>
+          </p:nvPr>
+        </p:nvSpPr>
+        <p:spPr>
+          <a:xfrm>
+            <a:off x="838200" y="365125"/>
+            <a:ext cx="10515600" cy="1325563"/>
+          </a:xfrm>
+        </p:spPr>
+        <p:txBody>
+          <a:bodyPr/>
+          <a:lstStyle/>
+          <a:p>
+            <a:r>
+              <a:rPr lang="en-US" altLang="zh-CN" b="1" dirty="0" smtClean="0">
+                <a:latin typeface="Helvetica Neue" panose="02000503000000020004" pitchFamily="2" charset="0"/>
+                <a:ea typeface="Helvetica Neue" panose="02000503000000020004" pitchFamily="2" charset="0"/>
+                <a:cs typeface="Helvetica Neue" panose="02000503000000020004" pitchFamily="2" charset="0"/>
+              </a:rPr>
+              <a:t>1</a:t>
+            </a:r>
+            <a:r>
+              <a:rPr lang="en-US" b="1" dirty="0" smtClean="0">
+                <a:latin typeface="Helvetica Neue" panose="02000503000000020004" pitchFamily="2" charset="0"/>
+                <a:ea typeface="Helvetica Neue" panose="02000503000000020004" pitchFamily="2" charset="0"/>
+                <a:cs typeface="Helvetica Neue" panose="02000503000000020004" pitchFamily="2" charset="0"/>
+              </a:rPr>
+              <a:t>.</a:t>
+            </a:r>
+            <a:r>
+              <a:rPr lang="en-US" altLang="zh-CN" b="1" dirty="0">
+                <a:latin typeface="Helvetica Neue" panose="02000503000000020004" pitchFamily="2" charset="0"/>
+                <a:ea typeface="Helvetica Neue" panose="02000503000000020004" pitchFamily="2" charset="0"/>
+                <a:cs typeface="Helvetica Neue" panose="02000503000000020004" pitchFamily="2" charset="0"/>
+              </a:rPr>
+              <a:t>3</a:t>
+            </a:r>
+            <a:r>
+              <a:rPr lang="en-US" b="1" dirty="0">
+                <a:latin typeface="Helvetica Neue" panose="02000503000000020004" pitchFamily="2" charset="0"/>
+                <a:ea typeface="Helvetica Neue" panose="02000503000000020004" pitchFamily="2" charset="0"/>
+                <a:cs typeface="Helvetica Neue" panose="02000503000000020004" pitchFamily="2" charset="0"/>
+              </a:rPr>
+              <a:t>	</a:t>
+            </a:r>
+            <a:r>
+              <a:rPr lang="en-US" altLang="zh-CN" b="1" dirty="0" smtClean="0">
+                <a:latin typeface="Helvetica Neue" panose="02000503000000020004" pitchFamily="2" charset="0"/>
+                <a:ea typeface="Helvetica Neue" panose="02000503000000020004" pitchFamily="2" charset="0"/>
+                <a:cs typeface="Helvetica Neue" panose="02000503000000020004" pitchFamily="2" charset="0"/>
+              </a:rPr>
+              <a:t>Data</a:t>
+            </a:r>
+            <a:r>
+              <a:rPr lang="zh-CN" altLang="en-US" b="1" dirty="0" smtClean="0">
+                <a:latin typeface="Helvetica Neue" panose="02000503000000020004" pitchFamily="2" charset="0"/>
+                <a:ea typeface="Helvetica Neue" panose="02000503000000020004" pitchFamily="2" charset="0"/>
+                <a:cs typeface="Helvetica Neue" panose="02000503000000020004" pitchFamily="2" charset="0"/>
+              </a:rPr>
+              <a:t> </a:t>
+            </a:r>
+            <a:r>
+              <a:rPr lang="en-US" altLang="zh-CN" b="1" dirty="0" smtClean="0">
+                <a:latin typeface="Helvetica Neue" panose="02000503000000020004" pitchFamily="2" charset="0"/>
+                <a:ea typeface="Helvetica Neue" panose="02000503000000020004" pitchFamily="2" charset="0"/>
+                <a:cs typeface="Helvetica Neue" panose="02000503000000020004" pitchFamily="2" charset="0"/>
+              </a:rPr>
+              <a:t>Collection</a:t>
+            </a:r>
+            <a:endParaRPr lang="en-US" b="1" dirty="0">
+              <a:latin typeface="Helvetica Neue" panose="02000503000000020004" pitchFamily="2" charset="0"/>
+              <a:ea typeface="Helvetica Neue" panose="02000503000000020004" pitchFamily="2" charset="0"/>
+              <a:cs typeface="Helvetica Neue" panose="02000503000000020004" pitchFamily="2" charset="0"/>
+            </a:endParaRPr>
+          </a:p>
+        </p:txBody>
+      </p:sp>
+      <p:sp>
+        <p:nvSpPr>
+          <p:cNvPr id="3" name="文本框 2"/>
+          <p:cNvSpPr txBox="1"/>
+          <p:nvPr/>
+        </p:nvSpPr>
+        <p:spPr>
+          <a:xfrm>
+            <a:off x="1180618" y="4284201"/>
+            <a:ext cx="4097439" cy="1938992"/>
+          </a:xfrm>
+          <a:prstGeom prst="rect">
+            <a:avLst/>
+          </a:prstGeom>
+          <a:noFill/>
+        </p:spPr>
+        <p:txBody>
+          <a:bodyPr wrap="square" rtlCol="0">
+            <a:spAutoFit/>
+          </a:bodyPr>
+          <a:lstStyle/>
+          <a:p>
+            <a:r>
+              <a:rPr kumimoji="1" lang="en-US" altLang="zh-CN" sz="2000" b="1" dirty="0" smtClean="0"/>
+              <a:t>Data</a:t>
+            </a:r>
+            <a:r>
+              <a:rPr kumimoji="1" lang="zh-CN" altLang="en-US" sz="2000" b="1" dirty="0" smtClean="0"/>
+              <a:t> </a:t>
+            </a:r>
+            <a:r>
+              <a:rPr kumimoji="1" lang="en-US" altLang="zh-CN" sz="2000" b="1" dirty="0" smtClean="0"/>
+              <a:t>Set</a:t>
+            </a:r>
+            <a:r>
+              <a:rPr kumimoji="1" lang="zh-CN" altLang="en-US" sz="2000" b="1" dirty="0" smtClean="0"/>
+              <a:t> </a:t>
+            </a:r>
+            <a:r>
+              <a:rPr kumimoji="1" lang="en-US" altLang="zh-CN" sz="2000" b="1" dirty="0" smtClean="0"/>
+              <a:t>1:</a:t>
+            </a:r>
+          </a:p>
+          <a:p>
+            <a:pPr marL="342900" indent="-342900">
+              <a:buFont typeface="Arial" charset="0"/>
+              <a:buChar char="•"/>
+            </a:pPr>
+            <a:r>
+              <a:rPr kumimoji="1" lang="en-US" altLang="zh-CN" sz="2000" dirty="0" smtClean="0"/>
+              <a:t>Number</a:t>
+            </a:r>
+            <a:r>
+              <a:rPr kumimoji="1" lang="zh-CN" altLang="en-US" sz="2000" dirty="0" smtClean="0"/>
+              <a:t> </a:t>
+            </a:r>
+            <a:r>
+              <a:rPr kumimoji="1" lang="en-US" altLang="zh-CN" sz="2000" dirty="0" smtClean="0"/>
+              <a:t>of</a:t>
+            </a:r>
+            <a:r>
+              <a:rPr kumimoji="1" lang="zh-CN" altLang="en-US" sz="2000" dirty="0" smtClean="0"/>
+              <a:t> </a:t>
+            </a:r>
+            <a:r>
+              <a:rPr kumimoji="1" lang="en-US" altLang="zh-CN" sz="2000" dirty="0" smtClean="0"/>
+              <a:t>sensor</a:t>
+            </a:r>
+            <a:r>
+              <a:rPr kumimoji="1" lang="zh-CN" altLang="en-US" sz="2000" dirty="0" smtClean="0"/>
+              <a:t> </a:t>
+            </a:r>
+            <a:r>
+              <a:rPr kumimoji="1" lang="en-US" altLang="zh-CN" sz="2000" dirty="0" smtClean="0"/>
+              <a:t>tag</a:t>
+            </a:r>
+            <a:r>
+              <a:rPr kumimoji="1" lang="zh-CN" altLang="en-US" sz="2000" dirty="0" smtClean="0"/>
+              <a:t> </a:t>
+            </a:r>
+            <a:r>
+              <a:rPr kumimoji="1" lang="en-US" altLang="zh-CN" sz="2000" dirty="0" smtClean="0"/>
+              <a:t>:</a:t>
+            </a:r>
+            <a:r>
+              <a:rPr kumimoji="1" lang="zh-CN" altLang="en-US" sz="2000" dirty="0" smtClean="0"/>
+              <a:t> </a:t>
+            </a:r>
+            <a:r>
+              <a:rPr kumimoji="1" lang="en-US" altLang="zh-CN" sz="2000" dirty="0" smtClean="0"/>
+              <a:t>5</a:t>
+            </a:r>
+          </a:p>
+          <a:p>
+            <a:pPr marL="342900" indent="-342900">
+              <a:buFont typeface="Arial" charset="0"/>
+              <a:buChar char="•"/>
+            </a:pPr>
+            <a:r>
+              <a:rPr kumimoji="1" lang="en-US" altLang="zh-CN" sz="2000" dirty="0" smtClean="0"/>
+              <a:t>Number</a:t>
+            </a:r>
+            <a:r>
+              <a:rPr kumimoji="1" lang="zh-CN" altLang="en-US" sz="2000" dirty="0" smtClean="0"/>
+              <a:t> </a:t>
+            </a:r>
+            <a:r>
+              <a:rPr kumimoji="1" lang="en-US" altLang="zh-CN" sz="2000" dirty="0" smtClean="0"/>
+              <a:t>of</a:t>
+            </a:r>
+            <a:r>
+              <a:rPr kumimoji="1" lang="zh-CN" altLang="en-US" sz="2000" dirty="0" smtClean="0"/>
+              <a:t> </a:t>
+            </a:r>
+            <a:r>
+              <a:rPr kumimoji="1" lang="en-US" altLang="zh-CN" sz="2000" dirty="0" smtClean="0"/>
+              <a:t>Sample</a:t>
+            </a:r>
+            <a:r>
+              <a:rPr kumimoji="1" lang="zh-CN" altLang="en-US" sz="2000" dirty="0" smtClean="0"/>
+              <a:t> </a:t>
+            </a:r>
+            <a:r>
+              <a:rPr kumimoji="1" lang="en-US" altLang="zh-CN" sz="2000" dirty="0" smtClean="0"/>
+              <a:t>:</a:t>
+            </a:r>
+            <a:r>
+              <a:rPr kumimoji="1" lang="zh-CN" altLang="en-US" sz="2000" dirty="0" smtClean="0"/>
+              <a:t> </a:t>
+            </a:r>
+            <a:r>
+              <a:rPr kumimoji="1" lang="en-US" altLang="zh-CN" sz="2000" dirty="0" smtClean="0"/>
+              <a:t>25</a:t>
+            </a:r>
+          </a:p>
+          <a:p>
+            <a:pPr marL="342900" indent="-342900">
+              <a:buFont typeface="Arial" charset="0"/>
+              <a:buChar char="•"/>
+            </a:pPr>
+            <a:r>
+              <a:rPr kumimoji="1" lang="en-US" altLang="zh-CN" sz="2000" dirty="0" smtClean="0"/>
+              <a:t>Period:</a:t>
+            </a:r>
+            <a:r>
+              <a:rPr kumimoji="1" lang="zh-CN" altLang="en-US" sz="2000" dirty="0" smtClean="0"/>
+              <a:t> </a:t>
+            </a:r>
+            <a:r>
+              <a:rPr kumimoji="1" lang="en-US" altLang="zh-CN" sz="2000" dirty="0" smtClean="0"/>
+              <a:t>1pm-5pm</a:t>
+            </a:r>
+            <a:r>
+              <a:rPr kumimoji="1" lang="zh-CN" altLang="en-US" sz="2000" dirty="0" smtClean="0"/>
+              <a:t> </a:t>
+            </a:r>
+            <a:r>
+              <a:rPr kumimoji="1" lang="en-US" altLang="zh-CN" sz="2000" dirty="0" smtClean="0"/>
+              <a:t>Wednesday</a:t>
+            </a:r>
+          </a:p>
+          <a:p>
+            <a:pPr marL="342900" indent="-342900">
+              <a:buFont typeface="Arial" charset="0"/>
+              <a:buChar char="•"/>
+            </a:pPr>
+            <a:r>
+              <a:rPr kumimoji="1" lang="en-US" altLang="zh-CN" sz="2000" dirty="0" smtClean="0"/>
+              <a:t>Number</a:t>
+            </a:r>
+            <a:r>
+              <a:rPr kumimoji="1" lang="zh-CN" altLang="en-US" sz="2000" dirty="0" smtClean="0"/>
+              <a:t> </a:t>
+            </a:r>
+            <a:r>
+              <a:rPr kumimoji="1" lang="en-US" altLang="zh-CN" sz="2000" dirty="0" smtClean="0"/>
+              <a:t>of</a:t>
+            </a:r>
+            <a:r>
+              <a:rPr kumimoji="1" lang="zh-CN" altLang="en-US" sz="2000" dirty="0" smtClean="0"/>
+              <a:t> </a:t>
+            </a:r>
+            <a:r>
+              <a:rPr kumimoji="1" lang="en-US" altLang="zh-CN" sz="2000" dirty="0" smtClean="0"/>
+              <a:t>Test</a:t>
+            </a:r>
+            <a:r>
+              <a:rPr kumimoji="1" lang="zh-CN" altLang="en-US" sz="2000" dirty="0" smtClean="0"/>
+              <a:t> </a:t>
+            </a:r>
+            <a:r>
+              <a:rPr kumimoji="1" lang="en-US" altLang="zh-CN" sz="2000" dirty="0" smtClean="0"/>
+              <a:t>Point:</a:t>
+            </a:r>
+            <a:r>
+              <a:rPr kumimoji="1" lang="zh-CN" altLang="en-US" sz="2000" dirty="0" smtClean="0"/>
+              <a:t> </a:t>
+            </a:r>
+            <a:r>
+              <a:rPr kumimoji="1" lang="en-US" altLang="zh-CN" sz="2000" dirty="0" smtClean="0"/>
+              <a:t>5</a:t>
+            </a:r>
+          </a:p>
+          <a:p>
+            <a:endParaRPr kumimoji="1" lang="zh-CN" altLang="en-US" sz="2000" dirty="0"/>
+          </a:p>
+        </p:txBody>
+      </p:sp>
+      <p:sp>
+        <p:nvSpPr>
+          <p:cNvPr id="5" name="文本框 4"/>
+          <p:cNvSpPr txBox="1"/>
+          <p:nvPr/>
+        </p:nvSpPr>
+        <p:spPr>
+          <a:xfrm>
+            <a:off x="6483750" y="4284201"/>
+            <a:ext cx="4097439" cy="1938992"/>
+          </a:xfrm>
+          <a:prstGeom prst="rect">
+            <a:avLst/>
+          </a:prstGeom>
+          <a:noFill/>
+        </p:spPr>
+        <p:txBody>
+          <a:bodyPr wrap="square" rtlCol="0">
+            <a:spAutoFit/>
+          </a:bodyPr>
+          <a:lstStyle/>
+          <a:p>
+            <a:r>
+              <a:rPr kumimoji="1" lang="en-US" altLang="zh-CN" sz="2000" b="1" dirty="0" smtClean="0"/>
+              <a:t>Data</a:t>
+            </a:r>
+            <a:r>
+              <a:rPr kumimoji="1" lang="zh-CN" altLang="en-US" sz="2000" b="1" dirty="0" smtClean="0"/>
+              <a:t> </a:t>
+            </a:r>
+            <a:r>
+              <a:rPr kumimoji="1" lang="en-US" altLang="zh-CN" sz="2000" b="1" dirty="0" smtClean="0"/>
+              <a:t>Set</a:t>
+            </a:r>
+            <a:r>
+              <a:rPr kumimoji="1" lang="zh-CN" altLang="en-US" sz="2000" b="1" dirty="0" smtClean="0"/>
+              <a:t> </a:t>
+            </a:r>
+            <a:r>
+              <a:rPr kumimoji="1" lang="en-US" altLang="zh-CN" sz="2000" b="1" dirty="0"/>
+              <a:t>2</a:t>
+            </a:r>
+            <a:r>
+              <a:rPr kumimoji="1" lang="en-US" altLang="zh-CN" sz="2000" b="1" dirty="0" smtClean="0"/>
+              <a:t>:</a:t>
+            </a:r>
+          </a:p>
+          <a:p>
+            <a:pPr marL="342900" indent="-342900">
+              <a:buFont typeface="Arial" charset="0"/>
+              <a:buChar char="•"/>
+            </a:pPr>
+            <a:r>
+              <a:rPr kumimoji="1" lang="en-US" altLang="zh-CN" sz="2000" dirty="0" smtClean="0"/>
+              <a:t>Number</a:t>
+            </a:r>
+            <a:r>
+              <a:rPr kumimoji="1" lang="zh-CN" altLang="en-US" sz="2000" dirty="0" smtClean="0"/>
+              <a:t> </a:t>
+            </a:r>
+            <a:r>
+              <a:rPr kumimoji="1" lang="en-US" altLang="zh-CN" sz="2000" dirty="0" smtClean="0"/>
+              <a:t>of</a:t>
+            </a:r>
+            <a:r>
+              <a:rPr kumimoji="1" lang="zh-CN" altLang="en-US" sz="2000" dirty="0" smtClean="0"/>
+              <a:t> </a:t>
+            </a:r>
+            <a:r>
+              <a:rPr kumimoji="1" lang="en-US" altLang="zh-CN" sz="2000" dirty="0" smtClean="0"/>
+              <a:t>sensor</a:t>
+            </a:r>
+            <a:r>
+              <a:rPr kumimoji="1" lang="zh-CN" altLang="en-US" sz="2000" dirty="0" smtClean="0"/>
+              <a:t> </a:t>
+            </a:r>
+            <a:r>
+              <a:rPr kumimoji="1" lang="en-US" altLang="zh-CN" sz="2000" dirty="0" smtClean="0"/>
+              <a:t>tag</a:t>
+            </a:r>
+            <a:r>
+              <a:rPr kumimoji="1" lang="zh-CN" altLang="en-US" sz="2000" dirty="0" smtClean="0"/>
+              <a:t> </a:t>
+            </a:r>
+            <a:r>
+              <a:rPr kumimoji="1" lang="en-US" altLang="zh-CN" sz="2000" dirty="0" smtClean="0"/>
+              <a:t>:</a:t>
+            </a:r>
+            <a:r>
+              <a:rPr kumimoji="1" lang="zh-CN" altLang="en-US" sz="2000" dirty="0" smtClean="0"/>
+              <a:t> </a:t>
+            </a:r>
+            <a:r>
+              <a:rPr kumimoji="1" lang="en-US" altLang="zh-CN" sz="2000" dirty="0" smtClean="0"/>
+              <a:t>5</a:t>
+            </a:r>
+          </a:p>
+          <a:p>
+            <a:pPr marL="342900" indent="-342900">
+              <a:buFont typeface="Arial" charset="0"/>
+              <a:buChar char="•"/>
+            </a:pPr>
+            <a:r>
+              <a:rPr kumimoji="1" lang="en-US" altLang="zh-CN" sz="2000" dirty="0" smtClean="0"/>
+              <a:t>Number</a:t>
+            </a:r>
+            <a:r>
+              <a:rPr kumimoji="1" lang="zh-CN" altLang="en-US" sz="2000" dirty="0" smtClean="0"/>
+              <a:t> </a:t>
+            </a:r>
+            <a:r>
+              <a:rPr kumimoji="1" lang="en-US" altLang="zh-CN" sz="2000" dirty="0" smtClean="0"/>
+              <a:t>of</a:t>
+            </a:r>
+            <a:r>
+              <a:rPr kumimoji="1" lang="zh-CN" altLang="en-US" sz="2000" dirty="0" smtClean="0"/>
+              <a:t> </a:t>
+            </a:r>
+            <a:r>
+              <a:rPr kumimoji="1" lang="en-US" altLang="zh-CN" sz="2000" dirty="0" smtClean="0"/>
+              <a:t>Sample</a:t>
+            </a:r>
+            <a:r>
+              <a:rPr kumimoji="1" lang="zh-CN" altLang="en-US" sz="2000" dirty="0" smtClean="0"/>
+              <a:t> </a:t>
+            </a:r>
+            <a:r>
+              <a:rPr kumimoji="1" lang="en-US" altLang="zh-CN" sz="2000" dirty="0" smtClean="0"/>
+              <a:t>:</a:t>
+            </a:r>
+            <a:r>
+              <a:rPr kumimoji="1" lang="zh-CN" altLang="en-US" sz="2000" dirty="0" smtClean="0"/>
+              <a:t> </a:t>
+            </a:r>
+            <a:r>
+              <a:rPr kumimoji="1" lang="en-US" altLang="zh-CN" sz="2000" dirty="0"/>
+              <a:t>1</a:t>
+            </a:r>
+            <a:r>
+              <a:rPr kumimoji="1" lang="en-US" altLang="zh-CN" sz="2000" dirty="0" smtClean="0"/>
+              <a:t>5</a:t>
+            </a:r>
+          </a:p>
+          <a:p>
+            <a:pPr marL="342900" indent="-342900">
+              <a:buFont typeface="Arial" charset="0"/>
+              <a:buChar char="•"/>
+            </a:pPr>
+            <a:r>
+              <a:rPr kumimoji="1" lang="en-US" altLang="zh-CN" sz="2000" dirty="0" smtClean="0"/>
+              <a:t>Period:</a:t>
+            </a:r>
+            <a:r>
+              <a:rPr kumimoji="1" lang="zh-CN" altLang="en-US" sz="2000" dirty="0" smtClean="0"/>
+              <a:t> </a:t>
+            </a:r>
+            <a:r>
+              <a:rPr kumimoji="1" lang="en-US" altLang="zh-CN" sz="2000" dirty="0" smtClean="0"/>
+              <a:t>12pm-5pm</a:t>
+            </a:r>
+            <a:r>
+              <a:rPr kumimoji="1" lang="zh-CN" altLang="en-US" sz="2000" dirty="0" smtClean="0"/>
+              <a:t> </a:t>
+            </a:r>
+            <a:r>
+              <a:rPr kumimoji="1" lang="en-US" altLang="zh-CN" sz="2000" dirty="0" smtClean="0"/>
+              <a:t>Sunday</a:t>
+            </a:r>
+          </a:p>
+          <a:p>
+            <a:pPr marL="342900" indent="-342900">
+              <a:buFont typeface="Arial" charset="0"/>
+              <a:buChar char="•"/>
+            </a:pPr>
+            <a:r>
+              <a:rPr kumimoji="1" lang="en-US" altLang="zh-CN" sz="2000" dirty="0" smtClean="0"/>
+              <a:t>Number</a:t>
+            </a:r>
+            <a:r>
+              <a:rPr kumimoji="1" lang="zh-CN" altLang="en-US" sz="2000" dirty="0" smtClean="0"/>
+              <a:t> </a:t>
+            </a:r>
+            <a:r>
+              <a:rPr kumimoji="1" lang="en-US" altLang="zh-CN" sz="2000" dirty="0" smtClean="0"/>
+              <a:t>of</a:t>
+            </a:r>
+            <a:r>
+              <a:rPr kumimoji="1" lang="zh-CN" altLang="en-US" sz="2000" dirty="0" smtClean="0"/>
+              <a:t> </a:t>
+            </a:r>
+            <a:r>
+              <a:rPr kumimoji="1" lang="en-US" altLang="zh-CN" sz="2000" dirty="0"/>
+              <a:t>T</a:t>
+            </a:r>
+            <a:r>
+              <a:rPr kumimoji="1" lang="en-US" altLang="zh-CN" sz="2000" dirty="0" smtClean="0"/>
+              <a:t>est</a:t>
+            </a:r>
+            <a:r>
+              <a:rPr kumimoji="1" lang="zh-CN" altLang="en-US" sz="2000" dirty="0" smtClean="0"/>
+              <a:t> </a:t>
+            </a:r>
+            <a:r>
+              <a:rPr kumimoji="1" lang="en-US" altLang="zh-CN" sz="2000" dirty="0" smtClean="0"/>
+              <a:t>Point:</a:t>
+            </a:r>
+            <a:r>
+              <a:rPr kumimoji="1" lang="zh-CN" altLang="en-US" sz="2000" dirty="0" smtClean="0"/>
+              <a:t> </a:t>
+            </a:r>
+            <a:r>
+              <a:rPr kumimoji="1" lang="en-US" altLang="zh-CN" sz="2000" dirty="0" smtClean="0"/>
+              <a:t>8</a:t>
+            </a:r>
+          </a:p>
+          <a:p>
+            <a:endParaRPr kumimoji="1" lang="zh-CN" altLang="en-US" sz="2000" dirty="0"/>
+          </a:p>
+        </p:txBody>
+      </p:sp>
+      <p:sp>
+        <p:nvSpPr>
+          <p:cNvPr id="6" name="文本框 5"/>
+          <p:cNvSpPr txBox="1"/>
+          <p:nvPr/>
+        </p:nvSpPr>
+        <p:spPr>
+          <a:xfrm>
+            <a:off x="1180618" y="2037144"/>
+            <a:ext cx="9051402" cy="1631216"/>
+          </a:xfrm>
+          <a:prstGeom prst="rect">
+            <a:avLst/>
+          </a:prstGeom>
+          <a:noFill/>
+        </p:spPr>
+        <p:txBody>
+          <a:bodyPr wrap="square" rtlCol="0">
+            <a:spAutoFit/>
+          </a:bodyPr>
+          <a:lstStyle/>
+          <a:p>
+            <a:r>
+              <a:rPr kumimoji="1" lang="en-US" altLang="zh-CN" sz="2000" b="1" dirty="0" smtClean="0"/>
+              <a:t>Collection</a:t>
+            </a:r>
+            <a:r>
+              <a:rPr kumimoji="1" lang="zh-CN" altLang="en-US" sz="2000" b="1" dirty="0" smtClean="0"/>
+              <a:t> </a:t>
+            </a:r>
+            <a:r>
+              <a:rPr kumimoji="1" lang="en-US" altLang="zh-CN" sz="2000" b="1" dirty="0" smtClean="0"/>
+              <a:t>Method:</a:t>
+            </a:r>
+          </a:p>
+          <a:p>
+            <a:pPr marL="285750" indent="-285750">
+              <a:buFont typeface="Wingdings" charset="2"/>
+              <a:buChar char="ü"/>
+            </a:pPr>
+            <a:r>
+              <a:rPr kumimoji="1" lang="en-US" altLang="zh-CN" sz="2000" dirty="0" smtClean="0"/>
+              <a:t>collects</a:t>
+            </a:r>
+            <a:r>
+              <a:rPr kumimoji="1" lang="zh-CN" altLang="en-US" sz="2000" dirty="0" smtClean="0"/>
+              <a:t> </a:t>
+            </a:r>
+            <a:r>
+              <a:rPr kumimoji="1" lang="en-US" altLang="zh-CN" sz="2000" dirty="0" smtClean="0"/>
+              <a:t>data</a:t>
+            </a:r>
+            <a:r>
+              <a:rPr kumimoji="1" lang="zh-CN" altLang="en-US" sz="2000" dirty="0" smtClean="0"/>
+              <a:t> </a:t>
+            </a:r>
+            <a:r>
+              <a:rPr kumimoji="1" lang="en-US" altLang="zh-CN" sz="2000" dirty="0" smtClean="0"/>
+              <a:t>from</a:t>
+            </a:r>
+            <a:r>
+              <a:rPr kumimoji="1" lang="zh-CN" altLang="en-US" sz="2000" dirty="0" smtClean="0"/>
+              <a:t> </a:t>
+            </a:r>
+            <a:r>
+              <a:rPr kumimoji="1" lang="en-US" altLang="zh-CN" sz="2000" dirty="0" smtClean="0"/>
+              <a:t>5</a:t>
+            </a:r>
+            <a:r>
+              <a:rPr kumimoji="1" lang="zh-CN" altLang="en-US" sz="2000" dirty="0" smtClean="0"/>
+              <a:t> </a:t>
+            </a:r>
+            <a:r>
+              <a:rPr kumimoji="1" lang="en-US" altLang="zh-CN" sz="2000" dirty="0" smtClean="0"/>
+              <a:t>sensor</a:t>
+            </a:r>
+            <a:r>
+              <a:rPr kumimoji="1" lang="zh-CN" altLang="en-US" sz="2000" dirty="0" smtClean="0"/>
+              <a:t> </a:t>
+            </a:r>
+            <a:r>
+              <a:rPr kumimoji="1" lang="en-US" altLang="zh-CN" sz="2000" dirty="0" smtClean="0"/>
+              <a:t>tags</a:t>
+            </a:r>
+          </a:p>
+          <a:p>
+            <a:pPr marL="285750" indent="-285750">
+              <a:buFont typeface="Wingdings" charset="2"/>
+              <a:buChar char="ü"/>
+            </a:pPr>
+            <a:r>
+              <a:rPr kumimoji="1" lang="en-US" altLang="zh-CN" sz="2000" dirty="0" smtClean="0"/>
+              <a:t>Each</a:t>
+            </a:r>
+            <a:r>
+              <a:rPr kumimoji="1" lang="zh-CN" altLang="en-US" sz="2000" dirty="0" smtClean="0"/>
+              <a:t> </a:t>
+            </a:r>
+            <a:r>
+              <a:rPr kumimoji="1" lang="en-US" altLang="zh-CN" sz="2000" dirty="0" smtClean="0"/>
+              <a:t>group</a:t>
+            </a:r>
+            <a:r>
+              <a:rPr kumimoji="1" lang="zh-CN" altLang="en-US" sz="2000" dirty="0" smtClean="0"/>
+              <a:t> </a:t>
+            </a:r>
+            <a:r>
+              <a:rPr kumimoji="1" lang="en-US" altLang="zh-CN" sz="2000" dirty="0" smtClean="0"/>
+              <a:t>collects</a:t>
+            </a:r>
+            <a:r>
+              <a:rPr kumimoji="1" lang="zh-CN" altLang="en-US" sz="2000" dirty="0" smtClean="0"/>
+              <a:t> </a:t>
+            </a:r>
+            <a:r>
+              <a:rPr kumimoji="1" lang="en-US" altLang="zh-CN" sz="2000" dirty="0" smtClean="0"/>
+              <a:t>3</a:t>
+            </a:r>
+            <a:r>
+              <a:rPr kumimoji="1" lang="zh-CN" altLang="en-US" sz="2000" dirty="0" smtClean="0"/>
+              <a:t> </a:t>
+            </a:r>
+            <a:r>
+              <a:rPr kumimoji="1" lang="en-US" altLang="zh-CN" sz="2000" dirty="0" smtClean="0"/>
+              <a:t>times</a:t>
+            </a:r>
+          </a:p>
+          <a:p>
+            <a:pPr marL="285750" indent="-285750">
+              <a:buFont typeface="Wingdings" charset="2"/>
+              <a:buChar char="ü"/>
+            </a:pPr>
+            <a:r>
+              <a:rPr kumimoji="1" lang="en-US" altLang="zh-CN" sz="2000" dirty="0" smtClean="0"/>
+              <a:t>Time</a:t>
+            </a:r>
+            <a:r>
+              <a:rPr kumimoji="1" lang="zh-CN" altLang="en-US" sz="2000" dirty="0" smtClean="0"/>
+              <a:t> </a:t>
+            </a:r>
+            <a:r>
+              <a:rPr kumimoji="1" lang="en-US" altLang="zh-CN" sz="2000" dirty="0" smtClean="0"/>
+              <a:t>interval</a:t>
+            </a:r>
+            <a:r>
+              <a:rPr kumimoji="1" lang="zh-CN" altLang="en-US" sz="2000" dirty="0" smtClean="0"/>
+              <a:t> </a:t>
+            </a:r>
+            <a:r>
+              <a:rPr kumimoji="1" lang="en-US" altLang="zh-CN" sz="2000" dirty="0" smtClean="0"/>
+              <a:t>between</a:t>
+            </a:r>
+            <a:r>
+              <a:rPr kumimoji="1" lang="zh-CN" altLang="en-US" sz="2000" dirty="0" smtClean="0"/>
+              <a:t> </a:t>
+            </a:r>
+            <a:r>
+              <a:rPr kumimoji="1" lang="en-US" altLang="zh-CN" sz="2000" dirty="0" smtClean="0"/>
+              <a:t>each</a:t>
+            </a:r>
+            <a:r>
+              <a:rPr kumimoji="1" lang="zh-CN" altLang="en-US" sz="2000" dirty="0" smtClean="0"/>
+              <a:t> </a:t>
+            </a:r>
+            <a:r>
+              <a:rPr kumimoji="1" lang="en-US" altLang="zh-CN" sz="2000" dirty="0" smtClean="0"/>
+              <a:t>group</a:t>
+            </a:r>
+            <a:r>
+              <a:rPr kumimoji="1" lang="zh-CN" altLang="en-US" sz="2000" dirty="0" smtClean="0"/>
+              <a:t> </a:t>
+            </a:r>
+            <a:r>
+              <a:rPr kumimoji="1" lang="en-US" altLang="zh-CN" sz="2000" dirty="0" smtClean="0"/>
+              <a:t>is</a:t>
+            </a:r>
+            <a:r>
+              <a:rPr kumimoji="1" lang="zh-CN" altLang="en-US" sz="2000" dirty="0" smtClean="0"/>
+              <a:t> </a:t>
+            </a:r>
+            <a:r>
+              <a:rPr kumimoji="1" lang="en-US" altLang="zh-CN" sz="2000" dirty="0" smtClean="0"/>
+              <a:t>1</a:t>
+            </a:r>
+            <a:r>
+              <a:rPr kumimoji="1" lang="zh-CN" altLang="en-US" sz="2000" dirty="0" smtClean="0"/>
+              <a:t> </a:t>
+            </a:r>
+            <a:r>
+              <a:rPr kumimoji="1" lang="en-US" altLang="zh-CN" sz="2000" dirty="0" smtClean="0"/>
+              <a:t>sec</a:t>
+            </a:r>
+          </a:p>
+          <a:p>
+            <a:pPr marL="285750" indent="-285750">
+              <a:buFont typeface="Wingdings" charset="2"/>
+              <a:buChar char="ü"/>
+            </a:pPr>
+            <a:r>
+              <a:rPr kumimoji="1" lang="en-US" altLang="zh-CN" sz="2000" dirty="0" smtClean="0"/>
+              <a:t>Save</a:t>
+            </a:r>
+            <a:r>
+              <a:rPr kumimoji="1" lang="zh-CN" altLang="en-US" sz="2000" dirty="0" smtClean="0"/>
+              <a:t> </a:t>
+            </a:r>
+            <a:r>
+              <a:rPr kumimoji="1" lang="en-US" altLang="zh-CN" sz="2000" dirty="0" smtClean="0"/>
+              <a:t>all</a:t>
+            </a:r>
+            <a:r>
+              <a:rPr kumimoji="1" lang="zh-CN" altLang="en-US" sz="2000" dirty="0" smtClean="0"/>
+              <a:t> </a:t>
+            </a:r>
+            <a:r>
+              <a:rPr kumimoji="1" lang="en-US" altLang="zh-CN" sz="2000" dirty="0" smtClean="0"/>
+              <a:t>data</a:t>
+            </a:r>
+            <a:r>
+              <a:rPr kumimoji="1" lang="zh-CN" altLang="en-US" sz="2000" dirty="0" smtClean="0"/>
+              <a:t> </a:t>
+            </a:r>
+            <a:r>
+              <a:rPr kumimoji="1" lang="en-US" altLang="zh-CN" sz="2000" dirty="0" smtClean="0"/>
+              <a:t>in</a:t>
+            </a:r>
+            <a:r>
+              <a:rPr kumimoji="1" lang="zh-CN" altLang="en-US" sz="2000" dirty="0" smtClean="0"/>
+              <a:t> </a:t>
+            </a:r>
+            <a:r>
+              <a:rPr kumimoji="1" lang="en-US" altLang="zh-CN" sz="2000" dirty="0" smtClean="0"/>
+              <a:t>a</a:t>
+            </a:r>
+            <a:r>
+              <a:rPr kumimoji="1" lang="zh-CN" altLang="en-US" sz="2000" dirty="0" smtClean="0"/>
+              <a:t> </a:t>
+            </a:r>
+            <a:r>
+              <a:rPr kumimoji="1" lang="en-US" altLang="zh-CN" sz="2000" dirty="0" smtClean="0"/>
+              <a:t>txt</a:t>
+            </a:r>
+            <a:r>
+              <a:rPr kumimoji="1" lang="zh-CN" altLang="en-US" sz="2000" dirty="0" smtClean="0"/>
+              <a:t> </a:t>
+            </a:r>
+            <a:r>
+              <a:rPr kumimoji="1" lang="en-US" altLang="zh-CN" sz="2000" dirty="0" smtClean="0"/>
+              <a:t>file</a:t>
+            </a:r>
+          </a:p>
+        </p:txBody>
+      </p:sp>
+    </p:spTree>
+    <p:extLst>
+      <p:ext uri="{BB962C8B-B14F-4D97-AF65-F5344CB8AC3E}">
+        <p14:creationId xmlns:p14="http://schemas.microsoft.com/office/powerpoint/2010/main" val="612716263"/>
+      </p:ext>
+    </p:extLst>
+  </p:cSld>
+  <p:clrMapOvr>
+    <a:masterClrMapping/>
+  </p:clrMapOvr>
+</p:sld>
+</file>
+
+<file path=ppt/slides/slide6.xml><?xml version="1.0" encoding="utf-8"?>
+<p:sld xmlns:a="http://schemas.openxmlformats.org/drawingml/2006/main" xmlns:r="http://schemas.openxmlformats.org/officeDocument/2006/relationships" xmlns:p="http://schemas.openxmlformats.org/presentationml/2006/main">
+  <p:cSld>
+    <p:spTree>
+      <p:nvGrpSpPr>
+        <p:cNvPr id="1" name=""/>
+        <p:cNvGrpSpPr/>
+        <p:nvPr/>
+      </p:nvGrpSpPr>
+      <p:grpSpPr>
+        <a:xfrm>
+          <a:off x="0" y="0"/>
+          <a:ext cx="0" cy="0"/>
+          <a:chOff x="0" y="0"/>
+          <a:chExt cx="0" cy="0"/>
+        </a:xfrm>
+      </p:grpSpPr>
+      <p:sp>
+        <p:nvSpPr>
+          <p:cNvPr id="2" name="Title 1">
+            <a:extLst>
+              <a:ext uri="{FF2B5EF4-FFF2-40B4-BE49-F238E27FC236}">
+                <a16:creationId xmlns="" xmlns:a16="http://schemas.microsoft.com/office/drawing/2014/main" id="{590D5C6B-75CD-0845-B759-3C689DD6CB26}"/>
+              </a:ext>
+            </a:extLst>
+          </p:cNvPr>
+          <p:cNvSpPr>
+            <a:spLocks noGrp="1"/>
+          </p:cNvSpPr>
+          <p:nvPr>
+            <p:ph type="title"/>
+          </p:nvPr>
+        </p:nvSpPr>
+        <p:spPr>
+          <a:xfrm>
+            <a:off x="838200" y="365125"/>
+            <a:ext cx="10515600" cy="1325563"/>
+          </a:xfrm>
+        </p:spPr>
+        <p:txBody>
+          <a:bodyPr/>
+          <a:lstStyle/>
+          <a:p>
+            <a:r>
+              <a:rPr lang="en-US" altLang="zh-CN" b="1" dirty="0" smtClean="0">
+                <a:latin typeface="Helvetica Neue" panose="02000503000000020004" pitchFamily="2" charset="0"/>
+                <a:ea typeface="Helvetica Neue" panose="02000503000000020004" pitchFamily="2" charset="0"/>
+                <a:cs typeface="Helvetica Neue" panose="02000503000000020004" pitchFamily="2" charset="0"/>
+              </a:rPr>
+              <a:t>1</a:t>
+            </a:r>
+            <a:r>
+              <a:rPr lang="en-US" b="1" dirty="0" smtClean="0">
+                <a:latin typeface="Helvetica Neue" panose="02000503000000020004" pitchFamily="2" charset="0"/>
+                <a:ea typeface="Helvetica Neue" panose="02000503000000020004" pitchFamily="2" charset="0"/>
+                <a:cs typeface="Helvetica Neue" panose="02000503000000020004" pitchFamily="2" charset="0"/>
+              </a:rPr>
+              <a:t>.</a:t>
+            </a:r>
+            <a:r>
+              <a:rPr lang="en-US" altLang="zh-CN" b="1" dirty="0">
+                <a:latin typeface="Helvetica Neue" panose="02000503000000020004" pitchFamily="2" charset="0"/>
+                <a:ea typeface="Helvetica Neue" panose="02000503000000020004" pitchFamily="2" charset="0"/>
+                <a:cs typeface="Helvetica Neue" panose="02000503000000020004" pitchFamily="2" charset="0"/>
+              </a:rPr>
+              <a:t>4</a:t>
+            </a:r>
+            <a:r>
+              <a:rPr lang="en-US" b="1" dirty="0">
+                <a:latin typeface="Helvetica Neue" panose="02000503000000020004" pitchFamily="2" charset="0"/>
+                <a:ea typeface="Helvetica Neue" panose="02000503000000020004" pitchFamily="2" charset="0"/>
+                <a:cs typeface="Helvetica Neue" panose="02000503000000020004" pitchFamily="2" charset="0"/>
+              </a:rPr>
+              <a:t>	</a:t>
+            </a:r>
+            <a:r>
+              <a:rPr lang="en-US" altLang="zh-CN" b="1" dirty="0" smtClean="0">
+                <a:latin typeface="Helvetica Neue" panose="02000503000000020004" pitchFamily="2" charset="0"/>
+                <a:ea typeface="Helvetica Neue" panose="02000503000000020004" pitchFamily="2" charset="0"/>
+                <a:cs typeface="Helvetica Neue" panose="02000503000000020004" pitchFamily="2" charset="0"/>
+              </a:rPr>
+              <a:t>Analysis</a:t>
+            </a:r>
+            <a:r>
+              <a:rPr lang="zh-CN" altLang="en-US" b="1" dirty="0" smtClean="0">
+                <a:latin typeface="Helvetica Neue" panose="02000503000000020004" pitchFamily="2" charset="0"/>
+                <a:ea typeface="Helvetica Neue" panose="02000503000000020004" pitchFamily="2" charset="0"/>
+                <a:cs typeface="Helvetica Neue" panose="02000503000000020004" pitchFamily="2" charset="0"/>
+              </a:rPr>
+              <a:t> </a:t>
+            </a:r>
+            <a:r>
+              <a:rPr lang="en-US" altLang="zh-CN" b="1" dirty="0" smtClean="0">
+                <a:latin typeface="Helvetica Neue" panose="02000503000000020004" pitchFamily="2" charset="0"/>
+                <a:ea typeface="Helvetica Neue" panose="02000503000000020004" pitchFamily="2" charset="0"/>
+                <a:cs typeface="Helvetica Neue" panose="02000503000000020004" pitchFamily="2" charset="0"/>
+              </a:rPr>
+              <a:t>Collected</a:t>
+            </a:r>
+            <a:r>
+              <a:rPr lang="zh-CN" altLang="en-US" b="1" dirty="0" smtClean="0">
+                <a:latin typeface="Helvetica Neue" panose="02000503000000020004" pitchFamily="2" charset="0"/>
+                <a:ea typeface="Helvetica Neue" panose="02000503000000020004" pitchFamily="2" charset="0"/>
+                <a:cs typeface="Helvetica Neue" panose="02000503000000020004" pitchFamily="2" charset="0"/>
+              </a:rPr>
+              <a:t> </a:t>
+            </a:r>
+            <a:r>
+              <a:rPr lang="en-US" altLang="zh-CN" b="1" dirty="0" smtClean="0">
+                <a:latin typeface="Helvetica Neue" panose="02000503000000020004" pitchFamily="2" charset="0"/>
+                <a:ea typeface="Helvetica Neue" panose="02000503000000020004" pitchFamily="2" charset="0"/>
+                <a:cs typeface="Helvetica Neue" panose="02000503000000020004" pitchFamily="2" charset="0"/>
+              </a:rPr>
+              <a:t>Data</a:t>
+            </a:r>
+            <a:endParaRPr lang="en-US" b="1" dirty="0">
+              <a:latin typeface="Helvetica Neue" panose="02000503000000020004" pitchFamily="2" charset="0"/>
+              <a:ea typeface="Helvetica Neue" panose="02000503000000020004" pitchFamily="2" charset="0"/>
+              <a:cs typeface="Helvetica Neue" panose="02000503000000020004" pitchFamily="2" charset="0"/>
+            </a:endParaRPr>
+          </a:p>
+        </p:txBody>
+      </p:sp>
+      <p:sp>
+        <p:nvSpPr>
+          <p:cNvPr id="3" name="文本框 2"/>
+          <p:cNvSpPr txBox="1"/>
+          <p:nvPr/>
+        </p:nvSpPr>
+        <p:spPr>
+          <a:xfrm>
+            <a:off x="1307939" y="1690688"/>
+            <a:ext cx="7986532" cy="2800767"/>
+          </a:xfrm>
+          <a:prstGeom prst="rect">
+            <a:avLst/>
+          </a:prstGeom>
+          <a:noFill/>
+        </p:spPr>
+        <p:txBody>
+          <a:bodyPr wrap="square" rtlCol="0">
+            <a:spAutoFit/>
+          </a:bodyPr>
+          <a:lstStyle/>
+          <a:p>
+            <a:r>
+              <a:rPr kumimoji="1" lang="en-US" altLang="zh-CN" sz="2000" dirty="0" smtClean="0"/>
+              <a:t>Data</a:t>
+            </a:r>
+            <a:r>
+              <a:rPr kumimoji="1" lang="zh-CN" altLang="en-US" sz="2000" dirty="0" smtClean="0"/>
+              <a:t> </a:t>
+            </a:r>
+            <a:r>
+              <a:rPr kumimoji="1" lang="en-US" altLang="zh-CN" sz="2000" dirty="0" smtClean="0"/>
+              <a:t>Set</a:t>
+            </a:r>
+            <a:r>
+              <a:rPr kumimoji="1" lang="zh-CN" altLang="en-US" sz="2000" dirty="0" smtClean="0"/>
+              <a:t> </a:t>
+            </a:r>
+            <a:r>
+              <a:rPr kumimoji="1" lang="en-US" altLang="zh-CN" sz="2000" dirty="0" smtClean="0"/>
+              <a:t>1</a:t>
+            </a:r>
+            <a:r>
+              <a:rPr kumimoji="1" lang="zh-CN" altLang="en-US" sz="2000" dirty="0" smtClean="0"/>
+              <a:t> </a:t>
+            </a:r>
+            <a:r>
+              <a:rPr kumimoji="1" lang="en-US" altLang="zh-CN" sz="2000" dirty="0" smtClean="0"/>
+              <a:t>is</a:t>
+            </a:r>
+            <a:r>
+              <a:rPr kumimoji="1" lang="zh-CN" altLang="en-US" sz="2000" dirty="0" smtClean="0"/>
+              <a:t> </a:t>
+            </a:r>
+            <a:r>
+              <a:rPr kumimoji="1" lang="en-US" altLang="zh-CN" sz="2000" dirty="0" smtClean="0"/>
+              <a:t>not</a:t>
+            </a:r>
+            <a:r>
+              <a:rPr kumimoji="1" lang="zh-CN" altLang="en-US" sz="2000" dirty="0" smtClean="0"/>
+              <a:t> </a:t>
+            </a:r>
+            <a:r>
+              <a:rPr kumimoji="1" lang="en-US" altLang="zh-CN" sz="2000" dirty="0" smtClean="0"/>
+              <a:t>an</a:t>
+            </a:r>
+            <a:r>
+              <a:rPr kumimoji="1" lang="zh-CN" altLang="en-US" sz="2000" dirty="0" smtClean="0"/>
+              <a:t> </a:t>
+            </a:r>
+            <a:r>
+              <a:rPr kumimoji="1" lang="en-US" altLang="zh-CN" sz="2000" dirty="0" smtClean="0"/>
+              <a:t>appropriate</a:t>
+            </a:r>
+            <a:r>
+              <a:rPr kumimoji="1" lang="zh-CN" altLang="en-US" sz="2000" dirty="0" smtClean="0"/>
+              <a:t> </a:t>
+            </a:r>
+            <a:r>
+              <a:rPr kumimoji="1" lang="en-US" altLang="zh-CN" sz="2000" dirty="0" smtClean="0"/>
+              <a:t>data.</a:t>
+            </a:r>
+            <a:r>
+              <a:rPr kumimoji="1" lang="zh-CN" altLang="en-US" sz="2000" dirty="0" smtClean="0"/>
+              <a:t> </a:t>
+            </a:r>
+            <a:endParaRPr kumimoji="1" lang="en-US" altLang="zh-CN" sz="2000" dirty="0" smtClean="0"/>
+          </a:p>
+          <a:p>
+            <a:pPr marL="342900" indent="-342900">
+              <a:buFont typeface="Arial" charset="0"/>
+              <a:buChar char="•"/>
+            </a:pPr>
+            <a:r>
+              <a:rPr kumimoji="1" lang="en-US" altLang="zh-CN" sz="2000" dirty="0" smtClean="0"/>
+              <a:t>Some</a:t>
+            </a:r>
+            <a:r>
+              <a:rPr kumimoji="1" lang="zh-CN" altLang="en-US" sz="2000" dirty="0" smtClean="0"/>
+              <a:t> </a:t>
+            </a:r>
+            <a:r>
+              <a:rPr kumimoji="1" lang="en-US" altLang="zh-CN" sz="2000" dirty="0" smtClean="0"/>
+              <a:t>different</a:t>
+            </a:r>
+            <a:r>
+              <a:rPr kumimoji="1" lang="zh-CN" altLang="en-US" sz="2000" dirty="0" smtClean="0"/>
+              <a:t> </a:t>
+            </a:r>
+            <a:r>
+              <a:rPr kumimoji="1" lang="en-US" altLang="zh-CN" sz="2000" dirty="0" smtClean="0"/>
+              <a:t>points</a:t>
+            </a:r>
+            <a:r>
+              <a:rPr kumimoji="1" lang="zh-CN" altLang="en-US" sz="2000" dirty="0" smtClean="0"/>
+              <a:t> </a:t>
+            </a:r>
+            <a:r>
+              <a:rPr kumimoji="1" lang="en-US" altLang="zh-CN" sz="2000" dirty="0" smtClean="0"/>
+              <a:t>have</a:t>
+            </a:r>
+            <a:r>
+              <a:rPr kumimoji="1" lang="zh-CN" altLang="en-US" sz="2000" dirty="0" smtClean="0"/>
+              <a:t> </a:t>
+            </a:r>
+            <a:r>
+              <a:rPr kumimoji="1" lang="en-US" altLang="zh-CN" sz="2000" dirty="0" smtClean="0"/>
+              <a:t>the</a:t>
+            </a:r>
+            <a:r>
+              <a:rPr kumimoji="1" lang="zh-CN" altLang="en-US" sz="2000" dirty="0" smtClean="0"/>
+              <a:t> </a:t>
+            </a:r>
+            <a:r>
+              <a:rPr kumimoji="1" lang="en-US" altLang="zh-CN" sz="2000" dirty="0" smtClean="0"/>
+              <a:t>same</a:t>
+            </a:r>
+            <a:r>
+              <a:rPr kumimoji="1" lang="zh-CN" altLang="en-US" sz="2000" dirty="0" smtClean="0"/>
+              <a:t> </a:t>
+            </a:r>
+            <a:r>
+              <a:rPr kumimoji="1" lang="en-US" altLang="zh-CN" sz="2000" dirty="0" smtClean="0"/>
+              <a:t>signal</a:t>
+            </a:r>
+            <a:r>
+              <a:rPr kumimoji="1" lang="zh-CN" altLang="en-US" sz="2000" dirty="0" smtClean="0"/>
+              <a:t> </a:t>
+            </a:r>
+            <a:r>
+              <a:rPr kumimoji="1" lang="en-US" altLang="zh-CN" sz="2000" dirty="0" smtClean="0"/>
+              <a:t>strength.</a:t>
+            </a:r>
+          </a:p>
+          <a:p>
+            <a:pPr marL="342900" indent="-342900">
+              <a:buFont typeface="Arial" charset="0"/>
+              <a:buChar char="•"/>
+            </a:pPr>
+            <a:r>
+              <a:rPr kumimoji="1" lang="en-US" altLang="zh-CN" sz="2000" dirty="0" smtClean="0"/>
+              <a:t>Some</a:t>
+            </a:r>
+            <a:r>
+              <a:rPr kumimoji="1" lang="zh-CN" altLang="en-US" sz="2000" dirty="0" smtClean="0"/>
+              <a:t> </a:t>
+            </a:r>
+            <a:r>
+              <a:rPr kumimoji="1" lang="en-US" altLang="zh-CN" sz="2000" dirty="0" smtClean="0"/>
+              <a:t>points</a:t>
+            </a:r>
+            <a:r>
+              <a:rPr kumimoji="1" lang="zh-CN" altLang="en-US" sz="2000" dirty="0" smtClean="0"/>
+              <a:t> </a:t>
+            </a:r>
+            <a:r>
+              <a:rPr kumimoji="1" lang="en-US" altLang="zh-CN" sz="2000" dirty="0" smtClean="0"/>
+              <a:t>have</a:t>
+            </a:r>
+            <a:r>
+              <a:rPr kumimoji="1" lang="zh-CN" altLang="en-US" sz="2000" dirty="0" smtClean="0"/>
+              <a:t> </a:t>
+            </a:r>
+            <a:r>
+              <a:rPr kumimoji="1" lang="en-US" altLang="zh-CN" sz="2000" dirty="0" smtClean="0"/>
+              <a:t>significant</a:t>
+            </a:r>
+            <a:r>
+              <a:rPr kumimoji="1" lang="zh-CN" altLang="en-US" sz="2000" dirty="0" smtClean="0"/>
+              <a:t> </a:t>
+            </a:r>
+            <a:r>
+              <a:rPr kumimoji="1" lang="en-US" altLang="zh-CN" sz="2000" dirty="0" smtClean="0"/>
+              <a:t>drift</a:t>
+            </a:r>
+            <a:r>
+              <a:rPr kumimoji="1" lang="zh-CN" altLang="en-US" sz="2000" dirty="0" smtClean="0"/>
+              <a:t> </a:t>
+            </a:r>
+            <a:r>
+              <a:rPr kumimoji="1" lang="en-US" altLang="zh-CN" sz="2000" dirty="0" smtClean="0"/>
+              <a:t>at</a:t>
+            </a:r>
+            <a:r>
+              <a:rPr kumimoji="1" lang="zh-CN" altLang="en-US" sz="2000" dirty="0" smtClean="0"/>
+              <a:t> </a:t>
+            </a:r>
+            <a:r>
+              <a:rPr kumimoji="1" lang="en-US" altLang="zh-CN" sz="2000" dirty="0" smtClean="0"/>
+              <a:t>different</a:t>
+            </a:r>
+            <a:r>
+              <a:rPr kumimoji="1" lang="zh-CN" altLang="en-US" sz="2000" dirty="0" smtClean="0"/>
+              <a:t> </a:t>
+            </a:r>
+            <a:r>
+              <a:rPr kumimoji="1" lang="en-US" altLang="zh-CN" sz="2000" dirty="0" smtClean="0"/>
+              <a:t>time.</a:t>
+            </a:r>
+          </a:p>
+          <a:p>
+            <a:endParaRPr kumimoji="1" lang="en-US" altLang="zh-CN" sz="2000" dirty="0" smtClean="0"/>
+          </a:p>
+          <a:p>
+            <a:r>
+              <a:rPr kumimoji="1" lang="en-US" altLang="zh-CN" sz="2000" dirty="0" smtClean="0"/>
+              <a:t>Reason</a:t>
+            </a:r>
+            <a:r>
+              <a:rPr kumimoji="1" lang="zh-CN" altLang="en-US" sz="2000" dirty="0" smtClean="0"/>
+              <a:t> </a:t>
+            </a:r>
+            <a:r>
+              <a:rPr kumimoji="1" lang="en-US" altLang="zh-CN" sz="2000" dirty="0" smtClean="0"/>
+              <a:t>:</a:t>
+            </a:r>
+          </a:p>
+          <a:p>
+            <a:r>
+              <a:rPr kumimoji="1" lang="en-US" altLang="zh-CN" sz="2000" dirty="0" smtClean="0"/>
+              <a:t>Significant</a:t>
+            </a:r>
+            <a:r>
+              <a:rPr kumimoji="1" lang="zh-CN" altLang="en-US" sz="2000" dirty="0" smtClean="0"/>
+              <a:t> </a:t>
+            </a:r>
+            <a:r>
+              <a:rPr kumimoji="1" lang="en-US" altLang="zh-CN" sz="2000" dirty="0" smtClean="0"/>
+              <a:t>Signal</a:t>
+            </a:r>
+            <a:r>
+              <a:rPr kumimoji="1" lang="zh-CN" altLang="en-US" sz="2000" dirty="0" smtClean="0"/>
+              <a:t> </a:t>
+            </a:r>
+            <a:r>
+              <a:rPr kumimoji="1" lang="en-US" altLang="zh-CN" sz="2000" dirty="0" smtClean="0"/>
+              <a:t>Inference</a:t>
+            </a:r>
+          </a:p>
+          <a:p>
+            <a:r>
+              <a:rPr kumimoji="1" lang="en-US" altLang="zh-CN" sz="2000" dirty="0" smtClean="0"/>
+              <a:t>There</a:t>
+            </a:r>
+            <a:r>
+              <a:rPr kumimoji="1" lang="zh-CN" altLang="en-US" sz="2000" dirty="0" smtClean="0"/>
+              <a:t> </a:t>
+            </a:r>
+            <a:r>
+              <a:rPr kumimoji="1" lang="en-US" altLang="zh-CN" sz="2000" dirty="0" smtClean="0"/>
+              <a:t>are</a:t>
+            </a:r>
+            <a:r>
+              <a:rPr kumimoji="1" lang="zh-CN" altLang="en-US" sz="2000" dirty="0" smtClean="0"/>
+              <a:t> </a:t>
+            </a:r>
+            <a:r>
+              <a:rPr kumimoji="1" lang="en-US" altLang="zh-CN" sz="2000" dirty="0" smtClean="0"/>
+              <a:t>hundreds</a:t>
+            </a:r>
+            <a:r>
+              <a:rPr kumimoji="1" lang="zh-CN" altLang="en-US" sz="2000" dirty="0" smtClean="0"/>
+              <a:t> </a:t>
+            </a:r>
+            <a:r>
+              <a:rPr kumimoji="1" lang="en-US" altLang="zh-CN" sz="2000" dirty="0" smtClean="0"/>
+              <a:t>of</a:t>
+            </a:r>
+            <a:r>
+              <a:rPr kumimoji="1" lang="zh-CN" altLang="en-US" sz="2000" dirty="0" smtClean="0"/>
+              <a:t> </a:t>
+            </a:r>
+            <a:r>
+              <a:rPr kumimoji="1" lang="en-US" altLang="zh-CN" sz="2000" dirty="0" smtClean="0"/>
+              <a:t>electronic</a:t>
+            </a:r>
+            <a:r>
+              <a:rPr kumimoji="1" lang="zh-CN" altLang="en-US" sz="2000" dirty="0" smtClean="0"/>
+              <a:t> </a:t>
+            </a:r>
+            <a:r>
+              <a:rPr kumimoji="1" lang="en-US" altLang="zh-CN" sz="2000" dirty="0" smtClean="0"/>
+              <a:t>devices</a:t>
+            </a:r>
+            <a:r>
+              <a:rPr kumimoji="1" lang="zh-CN" altLang="en-US" sz="2000" dirty="0" smtClean="0"/>
+              <a:t> </a:t>
+            </a:r>
+            <a:r>
+              <a:rPr kumimoji="1" lang="en-US" altLang="zh-CN" sz="2000" dirty="0" smtClean="0"/>
+              <a:t>in</a:t>
+            </a:r>
+            <a:r>
+              <a:rPr kumimoji="1" lang="zh-CN" altLang="en-US" sz="2000" dirty="0" smtClean="0"/>
+              <a:t> </a:t>
+            </a:r>
+            <a:r>
+              <a:rPr kumimoji="1" lang="en-US" altLang="zh-CN" sz="2000" dirty="0" smtClean="0"/>
+              <a:t>the</a:t>
+            </a:r>
+            <a:r>
+              <a:rPr kumimoji="1" lang="zh-CN" altLang="en-US" sz="2000" dirty="0" smtClean="0"/>
+              <a:t> </a:t>
+            </a:r>
+            <a:r>
+              <a:rPr kumimoji="1" lang="en-US" altLang="zh-CN" sz="2000" dirty="0" smtClean="0"/>
+              <a:t>experiment</a:t>
+            </a:r>
+            <a:r>
+              <a:rPr kumimoji="1" lang="zh-CN" altLang="en-US" sz="2000" dirty="0" smtClean="0"/>
+              <a:t> </a:t>
+            </a:r>
+            <a:r>
+              <a:rPr kumimoji="1" lang="en-US" altLang="zh-CN" sz="2000" dirty="0" smtClean="0"/>
+              <a:t>environment.</a:t>
+            </a:r>
+          </a:p>
+          <a:p>
+            <a:endParaRPr kumimoji="1" lang="en-US" altLang="zh-CN" dirty="0" smtClean="0"/>
+          </a:p>
+          <a:p>
+            <a:endParaRPr kumimoji="1" lang="zh-CN" altLang="en-US" dirty="0"/>
+          </a:p>
+        </p:txBody>
+      </p:sp>
+      <p:sp>
+        <p:nvSpPr>
+          <p:cNvPr id="7" name="文本框 6"/>
+          <p:cNvSpPr txBox="1"/>
+          <p:nvPr/>
+        </p:nvSpPr>
+        <p:spPr>
+          <a:xfrm>
+            <a:off x="1292506" y="4158025"/>
+            <a:ext cx="7986532" cy="1508105"/>
+          </a:xfrm>
+          <a:prstGeom prst="rect">
+            <a:avLst/>
+          </a:prstGeom>
+          <a:noFill/>
+        </p:spPr>
+        <p:txBody>
+          <a:bodyPr wrap="square" rtlCol="0">
+            <a:spAutoFit/>
+          </a:bodyPr>
+          <a:lstStyle/>
+          <a:p>
+            <a:r>
+              <a:rPr kumimoji="1" lang="en-US" altLang="zh-CN" sz="2000" dirty="0" smtClean="0"/>
+              <a:t>Data</a:t>
+            </a:r>
+            <a:r>
+              <a:rPr kumimoji="1" lang="zh-CN" altLang="en-US" sz="2000" dirty="0" smtClean="0"/>
+              <a:t> </a:t>
+            </a:r>
+            <a:r>
+              <a:rPr kumimoji="1" lang="en-US" altLang="zh-CN" sz="2000" dirty="0" smtClean="0"/>
+              <a:t>Set</a:t>
+            </a:r>
+            <a:r>
+              <a:rPr kumimoji="1" lang="zh-CN" altLang="en-US" sz="2000" dirty="0" smtClean="0"/>
+              <a:t> </a:t>
+            </a:r>
+            <a:r>
+              <a:rPr kumimoji="1" lang="en-US" altLang="zh-CN" sz="2000" dirty="0" smtClean="0"/>
+              <a:t>2</a:t>
+            </a:r>
+            <a:r>
+              <a:rPr kumimoji="1" lang="zh-CN" altLang="en-US" sz="2000" dirty="0" smtClean="0"/>
+              <a:t> </a:t>
+            </a:r>
+            <a:r>
+              <a:rPr kumimoji="1" lang="en-US" altLang="zh-CN" sz="2000" dirty="0" smtClean="0"/>
+              <a:t>is</a:t>
+            </a:r>
+            <a:r>
+              <a:rPr kumimoji="1" lang="zh-CN" altLang="en-US" sz="2000" dirty="0" smtClean="0"/>
+              <a:t> </a:t>
+            </a:r>
+            <a:r>
+              <a:rPr kumimoji="1" lang="en-US" altLang="zh-CN" sz="2000" dirty="0" smtClean="0"/>
+              <a:t>an</a:t>
+            </a:r>
+            <a:r>
+              <a:rPr kumimoji="1" lang="zh-CN" altLang="en-US" sz="2000" dirty="0" smtClean="0"/>
+              <a:t> </a:t>
+            </a:r>
+            <a:r>
+              <a:rPr kumimoji="1" lang="en-US" altLang="zh-CN" sz="2000" dirty="0" smtClean="0"/>
+              <a:t>appropriate</a:t>
+            </a:r>
+            <a:r>
+              <a:rPr kumimoji="1" lang="zh-CN" altLang="en-US" sz="2000" dirty="0" smtClean="0"/>
+              <a:t> </a:t>
+            </a:r>
+            <a:r>
+              <a:rPr kumimoji="1" lang="en-US" altLang="zh-CN" sz="2000" dirty="0" smtClean="0"/>
+              <a:t>data.</a:t>
+            </a:r>
+            <a:r>
+              <a:rPr kumimoji="1" lang="zh-CN" altLang="en-US" sz="2000" dirty="0" smtClean="0"/>
+              <a:t> </a:t>
+            </a:r>
+            <a:endParaRPr kumimoji="1" lang="en-US" altLang="zh-CN" sz="2000" dirty="0" smtClean="0"/>
+          </a:p>
+          <a:p>
+            <a:r>
+              <a:rPr kumimoji="1" lang="en-US" altLang="zh-CN" dirty="0" smtClean="0"/>
+              <a:t>There</a:t>
+            </a:r>
+            <a:r>
+              <a:rPr kumimoji="1" lang="zh-CN" altLang="en-US" dirty="0" smtClean="0"/>
+              <a:t> </a:t>
+            </a:r>
+            <a:r>
+              <a:rPr kumimoji="1" lang="en-US" altLang="zh-CN" dirty="0" smtClean="0"/>
+              <a:t>is</a:t>
+            </a:r>
+            <a:r>
+              <a:rPr kumimoji="1" lang="zh-CN" altLang="en-US" dirty="0" smtClean="0"/>
+              <a:t> </a:t>
+            </a:r>
+            <a:r>
+              <a:rPr kumimoji="1" lang="en-US" altLang="zh-CN" dirty="0" smtClean="0"/>
+              <a:t>less</a:t>
+            </a:r>
+            <a:r>
+              <a:rPr kumimoji="1" lang="zh-CN" altLang="en-US" dirty="0" smtClean="0"/>
+              <a:t> </a:t>
+            </a:r>
+            <a:r>
+              <a:rPr kumimoji="1" lang="en-US" altLang="zh-CN" dirty="0" smtClean="0"/>
+              <a:t>inference</a:t>
+            </a:r>
+            <a:r>
+              <a:rPr kumimoji="1" lang="zh-CN" altLang="en-US" dirty="0" smtClean="0"/>
+              <a:t> </a:t>
+            </a:r>
+            <a:r>
+              <a:rPr kumimoji="1" lang="en-US" altLang="zh-CN" dirty="0" smtClean="0"/>
+              <a:t>during</a:t>
+            </a:r>
+            <a:r>
+              <a:rPr kumimoji="1" lang="zh-CN" altLang="en-US" dirty="0" smtClean="0"/>
+              <a:t> </a:t>
+            </a:r>
+            <a:r>
+              <a:rPr kumimoji="1" lang="en-US" altLang="zh-CN" dirty="0" smtClean="0"/>
+              <a:t>collecting</a:t>
+            </a:r>
+            <a:r>
+              <a:rPr kumimoji="1" lang="zh-CN" altLang="en-US" dirty="0" smtClean="0"/>
+              <a:t> </a:t>
+            </a:r>
+            <a:r>
+              <a:rPr kumimoji="1" lang="en-US" altLang="zh-CN" dirty="0" smtClean="0"/>
+              <a:t>data</a:t>
+            </a:r>
+            <a:r>
+              <a:rPr kumimoji="1" lang="zh-CN" altLang="en-US" dirty="0" smtClean="0"/>
+              <a:t> </a:t>
+            </a:r>
+            <a:r>
+              <a:rPr kumimoji="1" lang="en-US" altLang="zh-CN" dirty="0" smtClean="0"/>
+              <a:t>set</a:t>
+            </a:r>
+            <a:r>
+              <a:rPr kumimoji="1" lang="zh-CN" altLang="en-US" dirty="0" smtClean="0"/>
+              <a:t> </a:t>
+            </a:r>
+            <a:r>
+              <a:rPr kumimoji="1" lang="en-US" altLang="zh-CN" dirty="0" smtClean="0"/>
+              <a:t>2.</a:t>
+            </a:r>
+          </a:p>
+          <a:p>
+            <a:r>
+              <a:rPr kumimoji="1" lang="en-US" altLang="zh-CN" dirty="0" smtClean="0"/>
+              <a:t>Each</a:t>
+            </a:r>
+            <a:r>
+              <a:rPr kumimoji="1" lang="zh-CN" altLang="en-US" dirty="0" smtClean="0"/>
+              <a:t> </a:t>
+            </a:r>
+            <a:r>
+              <a:rPr kumimoji="1" lang="en-US" altLang="zh-CN" dirty="0" smtClean="0"/>
+              <a:t>sample</a:t>
+            </a:r>
+            <a:r>
+              <a:rPr kumimoji="1" lang="zh-CN" altLang="en-US" dirty="0" smtClean="0"/>
+              <a:t> </a:t>
+            </a:r>
+            <a:r>
+              <a:rPr kumimoji="1" lang="en-US" altLang="zh-CN" dirty="0" smtClean="0"/>
+              <a:t>point</a:t>
+            </a:r>
+            <a:r>
+              <a:rPr kumimoji="1" lang="zh-CN" altLang="en-US" dirty="0" smtClean="0"/>
+              <a:t> </a:t>
+            </a:r>
+            <a:r>
+              <a:rPr kumimoji="1" lang="en-US" altLang="zh-CN" dirty="0" smtClean="0"/>
+              <a:t>got</a:t>
+            </a:r>
+            <a:r>
+              <a:rPr kumimoji="1" lang="zh-CN" altLang="en-US" dirty="0" smtClean="0"/>
+              <a:t> </a:t>
+            </a:r>
+            <a:r>
+              <a:rPr kumimoji="1" lang="en-US" altLang="zh-CN" dirty="0" smtClean="0"/>
+              <a:t>the</a:t>
+            </a:r>
+            <a:r>
+              <a:rPr kumimoji="1" lang="zh-CN" altLang="en-US" dirty="0" smtClean="0"/>
+              <a:t> </a:t>
+            </a:r>
+            <a:r>
+              <a:rPr kumimoji="1" lang="en-US" altLang="zh-CN" dirty="0" smtClean="0"/>
+              <a:t>relative</a:t>
+            </a:r>
+            <a:r>
+              <a:rPr kumimoji="1" lang="zh-CN" altLang="en-US" dirty="0" smtClean="0"/>
+              <a:t> </a:t>
+            </a:r>
+            <a:r>
+              <a:rPr kumimoji="1" lang="en-US" altLang="zh-CN" dirty="0" smtClean="0"/>
+              <a:t>correct</a:t>
+            </a:r>
+            <a:r>
+              <a:rPr kumimoji="1" lang="zh-CN" altLang="en-US" dirty="0" smtClean="0"/>
+              <a:t> </a:t>
+            </a:r>
+            <a:r>
+              <a:rPr kumimoji="1" lang="en-US" altLang="zh-CN" dirty="0" smtClean="0"/>
+              <a:t>value.</a:t>
+            </a:r>
+          </a:p>
+          <a:p>
+            <a:r>
+              <a:rPr kumimoji="1" lang="en-US" altLang="zh-CN" dirty="0"/>
+              <a:t>A</a:t>
+            </a:r>
+            <a:r>
+              <a:rPr kumimoji="1" lang="en-US" altLang="zh-CN" dirty="0" smtClean="0"/>
+              <a:t>verage</a:t>
+            </a:r>
+            <a:r>
+              <a:rPr kumimoji="1" lang="zh-CN" altLang="en-US" dirty="0" smtClean="0"/>
+              <a:t> </a:t>
+            </a:r>
+            <a:r>
+              <a:rPr kumimoji="1" lang="en-US" altLang="zh-CN" dirty="0" smtClean="0"/>
+              <a:t>all</a:t>
+            </a:r>
+            <a:r>
+              <a:rPr kumimoji="1" lang="zh-CN" altLang="en-US" dirty="0" smtClean="0"/>
+              <a:t> </a:t>
+            </a:r>
+            <a:r>
+              <a:rPr kumimoji="1" lang="en-US" altLang="zh-CN" dirty="0" smtClean="0"/>
+              <a:t>values</a:t>
+            </a:r>
+            <a:r>
+              <a:rPr kumimoji="1" lang="zh-CN" altLang="en-US" dirty="0" smtClean="0"/>
+              <a:t> </a:t>
+            </a:r>
+            <a:r>
+              <a:rPr kumimoji="1" lang="en-US" altLang="zh-CN" dirty="0" smtClean="0"/>
+              <a:t>for</a:t>
+            </a:r>
+            <a:r>
+              <a:rPr kumimoji="1" lang="zh-CN" altLang="en-US" dirty="0" smtClean="0"/>
+              <a:t> </a:t>
+            </a:r>
+            <a:r>
+              <a:rPr kumimoji="1" lang="en-US" altLang="zh-CN" dirty="0" smtClean="0"/>
+              <a:t>each</a:t>
+            </a:r>
+            <a:r>
+              <a:rPr kumimoji="1" lang="zh-CN" altLang="en-US" dirty="0" smtClean="0"/>
+              <a:t> </a:t>
+            </a:r>
+            <a:r>
+              <a:rPr kumimoji="1" lang="en-US" altLang="zh-CN" dirty="0" smtClean="0"/>
+              <a:t>point</a:t>
+            </a:r>
+            <a:r>
+              <a:rPr kumimoji="1" lang="zh-CN" altLang="en-US" dirty="0" smtClean="0"/>
+              <a:t> </a:t>
+            </a:r>
+            <a:r>
+              <a:rPr kumimoji="1" lang="en-US" altLang="zh-CN" dirty="0" smtClean="0"/>
+              <a:t>in</a:t>
+            </a:r>
+            <a:r>
+              <a:rPr kumimoji="1" lang="zh-CN" altLang="en-US" dirty="0" smtClean="0"/>
+              <a:t> </a:t>
+            </a:r>
+            <a:r>
+              <a:rPr kumimoji="1" lang="en-US" altLang="zh-CN" dirty="0" smtClean="0"/>
+              <a:t>each</a:t>
+            </a:r>
+            <a:r>
+              <a:rPr kumimoji="1" lang="zh-CN" altLang="en-US" dirty="0" smtClean="0"/>
+              <a:t> </a:t>
+            </a:r>
+            <a:r>
+              <a:rPr kumimoji="1" lang="en-US" altLang="zh-CN" dirty="0" smtClean="0"/>
+              <a:t>group</a:t>
+            </a:r>
+            <a:r>
+              <a:rPr kumimoji="1" lang="zh-CN" altLang="en-US" dirty="0" smtClean="0"/>
+              <a:t> </a:t>
+            </a:r>
+            <a:r>
+              <a:rPr kumimoji="1" lang="en-US" altLang="zh-CN" dirty="0" smtClean="0"/>
+              <a:t>to</a:t>
+            </a:r>
+            <a:r>
+              <a:rPr kumimoji="1" lang="zh-CN" altLang="en-US" dirty="0" smtClean="0"/>
+              <a:t> </a:t>
+            </a:r>
+            <a:r>
+              <a:rPr kumimoji="1" lang="en-US" altLang="zh-CN" dirty="0" smtClean="0"/>
+              <a:t>reduce</a:t>
+            </a:r>
+            <a:r>
+              <a:rPr kumimoji="1" lang="zh-CN" altLang="en-US" dirty="0" smtClean="0"/>
+              <a:t> </a:t>
+            </a:r>
+            <a:r>
+              <a:rPr kumimoji="1" lang="en-US" altLang="zh-CN" dirty="0" smtClean="0"/>
+              <a:t>the</a:t>
+            </a:r>
+            <a:r>
+              <a:rPr kumimoji="1" lang="zh-CN" altLang="en-US" dirty="0" smtClean="0"/>
+              <a:t> </a:t>
+            </a:r>
+            <a:r>
+              <a:rPr kumimoji="1" lang="en-US" altLang="zh-CN" dirty="0" smtClean="0"/>
+              <a:t>error.</a:t>
+            </a:r>
+          </a:p>
+          <a:p>
+            <a:endParaRPr kumimoji="1" lang="zh-CN" altLang="en-US" dirty="0"/>
+          </a:p>
+        </p:txBody>
+      </p:sp>
+    </p:spTree>
+    <p:extLst>
+      <p:ext uri="{BB962C8B-B14F-4D97-AF65-F5344CB8AC3E}">
+        <p14:creationId xmlns:p14="http://schemas.microsoft.com/office/powerpoint/2010/main" val="738144876"/>
+      </p:ext>
+    </p:extLst>
+  </p:cSld>
+  <p:clrMapOvr>
+    <a:masterClrMapping/>
+  </p:clrMapOvr>
+</p:sld>
+</file>
+
+<file path=ppt/slides/slide7.xml><?xml version="1.0" encoding="utf-8"?>
 <p:sld xmlns:a="http://schemas.openxmlformats.org/drawingml/2006/main" xmlns:r="http://schemas.openxmlformats.org/officeDocument/2006/relationships" xmlns:p="http://schemas.openxmlformats.org/presentationml/2006/main">
   <p:cSld>
     <p:bg>
@@ -16227,15 +19751,15 @@
           <a:chExt cx="0" cy="0"/>
         </a:xfrm>
       </p:grpSpPr>
-      <p:sp>
+      <p:sp useBgFill="1">
         <p:nvSpPr>
-          <p:cNvPr id="9" name="Freeform: Shape 8">
+          <p:cNvPr id="11" name="Rectangle 10">
             <a:extLst>
               <a:ext uri="{FF2B5EF4-FFF2-40B4-BE49-F238E27FC236}">
-                <a16:creationId xmlns:a16="http://schemas.microsoft.com/office/drawing/2014/main" id="{DB66F6E8-4D4A-4907-940A-774703A2D0FE}"/>
+                <a16:creationId xmlns:a16="http://schemas.microsoft.com/office/drawing/2014/main" xmlns="" id="{559AE206-7EBA-4D33-8BC9-9D8158553F0E}"/>
               </a:ext>
               <a:ext uri="{C183D7F6-B498-43B3-948B-1728B52AA6E4}">
-                <adec:decorative xmlns:adec="http://schemas.microsoft.com/office/drawing/2017/decorative" val="1"/>
+                <adec:decorative xmlns:adec="http://schemas.microsoft.com/office/drawing/2017/decorative" xmlns="" val="1"/>
               </a:ext>
             </a:extLst>
           </p:cNvPr>
@@ -16251,60 +19775,147 @@
           </p:nvPr>
         </p:nvSpPr>
         <p:spPr>
-          <a:xfrm rot="10800000">
-            <a:off x="9016005" y="5367908"/>
-            <a:ext cx="3175996" cy="1490093"/>
+          <a:xfrm>
+            <a:off x="0" y="0"/>
+            <a:ext cx="12192000" cy="6858000"/>
           </a:xfrm>
-          <a:custGeom>
+          <a:prstGeom prst="rect">
             <a:avLst/>
-            <a:gdLst>
-              <a:gd name="connsiteX0" fmla="*/ 2485888 w 3175996"/>
-              <a:gd name="connsiteY0" fmla="*/ 1490093 h 1490093"/>
-              <a:gd name="connsiteX1" fmla="*/ 0 w 3175996"/>
-              <a:gd name="connsiteY1" fmla="*/ 1490093 h 1490093"/>
-              <a:gd name="connsiteX2" fmla="*/ 0 w 3175996"/>
-              <a:gd name="connsiteY2" fmla="*/ 0 h 1490093"/>
-              <a:gd name="connsiteX3" fmla="*/ 3175996 w 3175996"/>
-              <a:gd name="connsiteY3" fmla="*/ 0 h 1490093"/>
-            </a:gdLst>
-            <a:ahLst/>
-            <a:cxnLst>
-              <a:cxn ang="0">
-                <a:pos x="connsiteX0" y="connsiteY0"/>
-              </a:cxn>
-              <a:cxn ang="0">
-                <a:pos x="connsiteX1" y="connsiteY1"/>
-              </a:cxn>
-              <a:cxn ang="0">
-                <a:pos x="connsiteX2" y="connsiteY2"/>
-              </a:cxn>
-              <a:cxn ang="0">
-                <a:pos x="connsiteX3" y="connsiteY3"/>
-              </a:cxn>
-            </a:cxnLst>
-            <a:rect l="l" t="t" r="r" b="b"/>
-            <a:pathLst>
-              <a:path w="3175996" h="1490093">
-                <a:moveTo>
-                  <a:pt x="2485888" y="1490093"/>
-                </a:moveTo>
-                <a:lnTo>
-                  <a:pt x="0" y="1490093"/>
-                </a:lnTo>
-                <a:lnTo>
-                  <a:pt x="0" y="0"/>
-                </a:lnTo>
-                <a:lnTo>
-                  <a:pt x="3175996" y="0"/>
-                </a:lnTo>
-                <a:close/>
-              </a:path>
-            </a:pathLst>
-          </a:custGeom>
+          </a:prstGeom>
+          <a:ln>
+            <a:noFill/>
+          </a:ln>
+        </p:spPr>
+        <p:style>
+          <a:lnRef idx="2">
+            <a:schemeClr val="accent1">
+              <a:shade val="50000"/>
+            </a:schemeClr>
+          </a:lnRef>
+          <a:fillRef idx="1">
+            <a:schemeClr val="accent1"/>
+          </a:fillRef>
+          <a:effectRef idx="0">
+            <a:schemeClr val="accent1"/>
+          </a:effectRef>
+          <a:fontRef idx="minor">
+            <a:schemeClr val="lt1"/>
+          </a:fontRef>
+        </p:style>
+        <p:txBody>
+          <a:bodyPr rtlCol="0" anchor="ctr"/>
+          <a:lstStyle/>
+          <a:p>
+            <a:pPr marL="0" marR="0" lvl="0" indent="0" algn="ctr" defTabSz="914400" rtl="0" eaLnBrk="1" fontAlgn="auto" latinLnBrk="0" hangingPunct="1">
+              <a:lnSpc>
+                <a:spcPct val="100000"/>
+              </a:lnSpc>
+              <a:spcBef>
+                <a:spcPts val="0"/>
+              </a:spcBef>
+              <a:spcAft>
+                <a:spcPts val="0"/>
+              </a:spcAft>
+              <a:buClrTx/>
+              <a:buSzTx/>
+              <a:buFontTx/>
+              <a:buNone/>
+              <a:tabLst/>
+              <a:defRPr/>
+            </a:pPr>
+            <a:endParaRPr kumimoji="0" lang="en-US" sz="1800" b="0" i="0" u="none" strike="noStrike" kern="1200" cap="none" spc="0" normalizeH="0" baseline="0" noProof="0">
+              <a:ln>
+                <a:noFill/>
+              </a:ln>
+              <a:solidFill>
+                <a:prstClr val="white"/>
+              </a:solidFill>
+              <a:effectLst/>
+              <a:uLnTx/>
+              <a:uFillTx/>
+              <a:latin typeface="Calibri" panose="020F0502020204030204"/>
+              <a:ea typeface="+mn-ea"/>
+              <a:cs typeface="+mn-cs"/>
+            </a:endParaRPr>
+          </a:p>
+        </p:txBody>
+      </p:sp>
+      <p:sp>
+        <p:nvSpPr>
+          <p:cNvPr id="2" name="Title 1">
+            <a:extLst>
+              <a:ext uri="{FF2B5EF4-FFF2-40B4-BE49-F238E27FC236}">
+                <a16:creationId xmlns:a16="http://schemas.microsoft.com/office/drawing/2014/main" xmlns="" id="{DD775157-5AA1-384D-B45C-859A191D6F1D}"/>
+              </a:ext>
+            </a:extLst>
+          </p:cNvPr>
+          <p:cNvSpPr>
+            <a:spLocks noGrp="1"/>
+          </p:cNvSpPr>
+          <p:nvPr>
+            <p:ph type="title"/>
+          </p:nvPr>
+        </p:nvSpPr>
+        <p:spPr>
+          <a:xfrm>
+            <a:off x="838199" y="4525347"/>
+            <a:ext cx="6801321" cy="1737360"/>
+          </a:xfrm>
+        </p:spPr>
+        <p:txBody>
+          <a:bodyPr vert="horz" lIns="91440" tIns="45720" rIns="91440" bIns="45720" rtlCol="0" anchor="ctr">
+            <a:normAutofit/>
+          </a:bodyPr>
+          <a:lstStyle/>
+          <a:p>
+            <a:pPr algn="r"/>
+            <a:r>
+              <a:rPr lang="en-US" sz="6000" b="1" kern="1200" dirty="0">
+                <a:solidFill>
+                  <a:schemeClr val="tx1"/>
+                </a:solidFill>
+                <a:latin typeface="Helvetica Neue" panose="02000503000000020004" pitchFamily="2" charset="0"/>
+                <a:ea typeface="Helvetica Neue" panose="02000503000000020004" pitchFamily="2" charset="0"/>
+                <a:cs typeface="Helvetica Neue" panose="02000503000000020004" pitchFamily="2" charset="0"/>
+              </a:rPr>
+              <a:t>2.0	Algorithm</a:t>
+            </a:r>
+          </a:p>
+        </p:txBody>
+      </p:sp>
+      <p:sp>
+        <p:nvSpPr>
+          <p:cNvPr id="13" name="Oval 12">
+            <a:extLst>
+              <a:ext uri="{FF2B5EF4-FFF2-40B4-BE49-F238E27FC236}">
+                <a16:creationId xmlns:a16="http://schemas.microsoft.com/office/drawing/2014/main" xmlns="" id="{6437D937-A7F1-4011-92B4-328E5BE1B166}"/>
+              </a:ext>
+              <a:ext uri="{C183D7F6-B498-43B3-948B-1728B52AA6E4}">
+                <adec:decorative xmlns:adec="http://schemas.microsoft.com/office/drawing/2017/decorative" xmlns="" val="1"/>
+              </a:ext>
+            </a:extLst>
+          </p:cNvPr>
+          <p:cNvSpPr>
+            <a:spLocks noGrp="1" noRot="1" noChangeAspect="1" noMove="1" noResize="1" noEditPoints="1" noAdjustHandles="1" noChangeArrowheads="1" noChangeShapeType="1" noTextEdit="1"/>
+          </p:cNvSpPr>
+          <p:nvPr>
+            <p:extLst>
+              <p:ext uri="{386F3935-93C4-4BCD-93E2-E3B085C9AB24}">
+                <p16:designElem xmlns:p16="http://schemas.microsoft.com/office/powerpoint/2015/main" val="1"/>
+              </p:ext>
+            </p:extLst>
+          </p:nvPr>
+        </p:nvSpPr>
+        <p:spPr>
+          <a:xfrm>
+            <a:off x="588567" y="620480"/>
+            <a:ext cx="2243800" cy="2243796"/>
+          </a:xfrm>
+          <a:prstGeom prst="ellipse">
+            <a:avLst/>
+          </a:prstGeom>
           <a:solidFill>
-            <a:schemeClr val="bg1">
-              <a:lumMod val="95000"/>
-            </a:schemeClr>
+            <a:schemeClr val="accent5"/>
           </a:solidFill>
           <a:ln>
             <a:noFill/>
@@ -16327,28 +19938,52 @@
           </a:fontRef>
         </p:style>
         <p:txBody>
-          <a:bodyPr rot="0" spcFirstLastPara="0" vertOverflow="overflow" horzOverflow="overflow" vert="horz" wrap="square" lIns="91440" tIns="45720" rIns="91440" bIns="45720" numCol="1" spcCol="0" rtlCol="0" fromWordArt="0" anchor="ctr" anchorCtr="0" forceAA="0" compatLnSpc="1">
-            <a:prstTxWarp prst="textNoShape">
-              <a:avLst/>
-            </a:prstTxWarp>
-            <a:noAutofit/>
-          </a:bodyPr>
+          <a:bodyPr rtlCol="0" anchor="ctr"/>
           <a:lstStyle/>
           <a:p>
-            <a:pPr algn="ctr"/>
-            <a:endParaRPr lang="en-US"/>
+            <a:pPr marL="0" marR="0" lvl="0" indent="0" algn="ctr" defTabSz="914400" rtl="0" eaLnBrk="1" fontAlgn="auto" latinLnBrk="0" hangingPunct="1">
+              <a:lnSpc>
+                <a:spcPct val="100000"/>
+              </a:lnSpc>
+              <a:spcBef>
+                <a:spcPts val="0"/>
+              </a:spcBef>
+              <a:spcAft>
+                <a:spcPts val="0"/>
+              </a:spcAft>
+              <a:buClrTx/>
+              <a:buSzTx/>
+              <a:buFontTx/>
+              <a:buNone/>
+              <a:tabLst/>
+              <a:defRPr/>
+            </a:pPr>
+            <a:endParaRPr kumimoji="0" lang="en-US" sz="1800" b="0" i="0" u="none" strike="noStrike" kern="1200" cap="none" spc="0" normalizeH="0" baseline="0" noProof="0">
+              <a:ln>
+                <a:noFill/>
+              </a:ln>
+              <a:solidFill>
+                <a:prstClr val="white"/>
+              </a:solidFill>
+              <a:effectLst/>
+              <a:uLnTx/>
+              <a:uFillTx/>
+              <a:latin typeface="Calibri" panose="020F0502020204030204"/>
+              <a:ea typeface="+mn-ea"/>
+              <a:cs typeface="+mn-cs"/>
+            </a:endParaRPr>
           </a:p>
         </p:txBody>
       </p:sp>
       <p:sp>
         <p:nvSpPr>
-          <p:cNvPr id="11" name="Freeform: Shape 10">
+          <p:cNvPr id="15" name="Oval 14">
             <a:extLst>
               <a:ext uri="{FF2B5EF4-FFF2-40B4-BE49-F238E27FC236}">
-                <a16:creationId xmlns:a16="http://schemas.microsoft.com/office/drawing/2014/main" id="{8F1F5A56-E82B-4FD5-9025-B72896FFBB6D}"/>
+                <a16:creationId xmlns:a16="http://schemas.microsoft.com/office/drawing/2014/main" xmlns="" id="{B672F332-AF08-46C6-94F0-77684310D7B7}"/>
               </a:ext>
               <a:ext uri="{C183D7F6-B498-43B3-948B-1728B52AA6E4}">
-                <adec:decorative xmlns:adec="http://schemas.microsoft.com/office/drawing/2017/decorative" val="1"/>
+                <adec:decorative xmlns:adec="http://schemas.microsoft.com/office/drawing/2017/decorative" xmlns="" val="1"/>
               </a:ext>
             </a:extLst>
           </p:cNvPr>
@@ -16365,117 +20000,14 @@
         </p:nvSpPr>
         <p:spPr>
           <a:xfrm>
-            <a:off x="0" y="5367908"/>
-            <a:ext cx="9566296" cy="1490093"/>
+            <a:off x="3395001" y="2466604"/>
+            <a:ext cx="962395" cy="962395"/>
           </a:xfrm>
-          <a:custGeom>
+          <a:prstGeom prst="ellipse">
             <a:avLst/>
-            <a:gdLst>
-              <a:gd name="connsiteX0" fmla="*/ 0 w 9566296"/>
-              <a:gd name="connsiteY0" fmla="*/ 0 h 1490093"/>
-              <a:gd name="connsiteX1" fmla="*/ 405267 w 9566296"/>
-              <a:gd name="connsiteY1" fmla="*/ 0 h 1490093"/>
-              <a:gd name="connsiteX2" fmla="*/ 631857 w 9566296"/>
-              <a:gd name="connsiteY2" fmla="*/ 0 h 1490093"/>
-              <a:gd name="connsiteX3" fmla="*/ 2451761 w 9566296"/>
-              <a:gd name="connsiteY3" fmla="*/ 0 h 1490093"/>
-              <a:gd name="connsiteX4" fmla="*/ 2901880 w 9566296"/>
-              <a:gd name="connsiteY4" fmla="*/ 0 h 1490093"/>
-              <a:gd name="connsiteX5" fmla="*/ 3641106 w 9566296"/>
-              <a:gd name="connsiteY5" fmla="*/ 0 h 1490093"/>
-              <a:gd name="connsiteX6" fmla="*/ 9566296 w 9566296"/>
-              <a:gd name="connsiteY6" fmla="*/ 0 h 1490093"/>
-              <a:gd name="connsiteX7" fmla="*/ 8876188 w 9566296"/>
-              <a:gd name="connsiteY7" fmla="*/ 1490093 h 1490093"/>
-              <a:gd name="connsiteX8" fmla="*/ 631857 w 9566296"/>
-              <a:gd name="connsiteY8" fmla="*/ 1490093 h 1490093"/>
-              <a:gd name="connsiteX9" fmla="*/ 405267 w 9566296"/>
-              <a:gd name="connsiteY9" fmla="*/ 1490093 h 1490093"/>
-              <a:gd name="connsiteX10" fmla="*/ 0 w 9566296"/>
-              <a:gd name="connsiteY10" fmla="*/ 1490093 h 1490093"/>
-            </a:gdLst>
-            <a:ahLst/>
-            <a:cxnLst>
-              <a:cxn ang="0">
-                <a:pos x="connsiteX0" y="connsiteY0"/>
-              </a:cxn>
-              <a:cxn ang="0">
-                <a:pos x="connsiteX1" y="connsiteY1"/>
-              </a:cxn>
-              <a:cxn ang="0">
-                <a:pos x="connsiteX2" y="connsiteY2"/>
-              </a:cxn>
-              <a:cxn ang="0">
-                <a:pos x="connsiteX3" y="connsiteY3"/>
-              </a:cxn>
-              <a:cxn ang="0">
-                <a:pos x="connsiteX4" y="connsiteY4"/>
-              </a:cxn>
-              <a:cxn ang="0">
-                <a:pos x="connsiteX5" y="connsiteY5"/>
-              </a:cxn>
-              <a:cxn ang="0">
-                <a:pos x="connsiteX6" y="connsiteY6"/>
-              </a:cxn>
-              <a:cxn ang="0">
-                <a:pos x="connsiteX7" y="connsiteY7"/>
-              </a:cxn>
-              <a:cxn ang="0">
-                <a:pos x="connsiteX8" y="connsiteY8"/>
-              </a:cxn>
-              <a:cxn ang="0">
-                <a:pos x="connsiteX9" y="connsiteY9"/>
-              </a:cxn>
-              <a:cxn ang="0">
-                <a:pos x="connsiteX10" y="connsiteY10"/>
-              </a:cxn>
-            </a:cxnLst>
-            <a:rect l="l" t="t" r="r" b="b"/>
-            <a:pathLst>
-              <a:path w="9566296" h="1490093">
-                <a:moveTo>
-                  <a:pt x="0" y="0"/>
-                </a:moveTo>
-                <a:lnTo>
-                  <a:pt x="405267" y="0"/>
-                </a:lnTo>
-                <a:lnTo>
-                  <a:pt x="631857" y="0"/>
-                </a:lnTo>
-                <a:lnTo>
-                  <a:pt x="2451761" y="0"/>
-                </a:lnTo>
-                <a:lnTo>
-                  <a:pt x="2901880" y="0"/>
-                </a:lnTo>
-                <a:lnTo>
-                  <a:pt x="3641106" y="0"/>
-                </a:lnTo>
-                <a:lnTo>
-                  <a:pt x="9566296" y="0"/>
-                </a:lnTo>
-                <a:lnTo>
-                  <a:pt x="8876188" y="1490093"/>
-                </a:lnTo>
-                <a:lnTo>
-                  <a:pt x="631857" y="1490093"/>
-                </a:lnTo>
-                <a:lnTo>
-                  <a:pt x="405267" y="1490093"/>
-                </a:lnTo>
-                <a:lnTo>
-                  <a:pt x="0" y="1490093"/>
-                </a:lnTo>
-                <a:close/>
-              </a:path>
-            </a:pathLst>
-          </a:custGeom>
+          </a:prstGeom>
           <a:solidFill>
-            <a:schemeClr val="tx1">
-              <a:lumMod val="65000"/>
-              <a:lumOff val="35000"/>
-              <a:alpha val="40000"/>
-            </a:schemeClr>
+            <a:schemeClr val="accent4"/>
           </a:solidFill>
           <a:ln>
             <a:noFill/>
@@ -16498,88 +20030,336 @@
           </a:fontRef>
         </p:style>
         <p:txBody>
-          <a:bodyPr rot="0" spcFirstLastPara="0" vertOverflow="overflow" horzOverflow="overflow" vert="horz" wrap="square" lIns="91440" tIns="45720" rIns="91440" bIns="45720" numCol="1" spcCol="0" rtlCol="0" fromWordArt="0" anchor="ctr" anchorCtr="0" forceAA="0" compatLnSpc="1">
-            <a:prstTxWarp prst="textNoShape">
-              <a:avLst/>
-            </a:prstTxWarp>
-            <a:noAutofit/>
-          </a:bodyPr>
+          <a:bodyPr rtlCol="0" anchor="ctr"/>
           <a:lstStyle/>
           <a:p>
-            <a:pPr algn="ctr"/>
-            <a:endParaRPr lang="en-US"/>
+            <a:pPr marL="0" marR="0" lvl="0" indent="0" algn="ctr" defTabSz="914400" rtl="0" eaLnBrk="1" fontAlgn="auto" latinLnBrk="0" hangingPunct="1">
+              <a:lnSpc>
+                <a:spcPct val="100000"/>
+              </a:lnSpc>
+              <a:spcBef>
+                <a:spcPts val="0"/>
+              </a:spcBef>
+              <a:spcAft>
+                <a:spcPts val="0"/>
+              </a:spcAft>
+              <a:buClrTx/>
+              <a:buSzTx/>
+              <a:buFontTx/>
+              <a:buNone/>
+              <a:tabLst/>
+              <a:defRPr/>
+            </a:pPr>
+            <a:endParaRPr kumimoji="0" lang="en-US" sz="1800" b="0" i="0" u="none" strike="noStrike" kern="1200" cap="none" spc="0" normalizeH="0" baseline="0" noProof="0">
+              <a:ln>
+                <a:noFill/>
+              </a:ln>
+              <a:solidFill>
+                <a:prstClr val="white"/>
+              </a:solidFill>
+              <a:effectLst/>
+              <a:uLnTx/>
+              <a:uFillTx/>
+              <a:latin typeface="Calibri" panose="020F0502020204030204"/>
+              <a:ea typeface="+mn-ea"/>
+              <a:cs typeface="+mn-cs"/>
+            </a:endParaRPr>
           </a:p>
         </p:txBody>
       </p:sp>
-      <p:graphicFrame>
-        <p:nvGraphicFramePr>
-          <p:cNvPr id="4" name="内容占位符 3">
+      <p:sp>
+        <p:nvSpPr>
+          <p:cNvPr id="17" name="Oval 16">
             <a:extLst>
               <a:ext uri="{FF2B5EF4-FFF2-40B4-BE49-F238E27FC236}">
-                <a16:creationId xmlns:a16="http://schemas.microsoft.com/office/drawing/2014/main" id="{00000000-0008-0000-0000-000002000000}"/>
+                <a16:creationId xmlns:a16="http://schemas.microsoft.com/office/drawing/2014/main" xmlns="" id="{34244EF8-D73A-40E1-BE73-D46E6B4B04ED}"/>
+              </a:ext>
+              <a:ext uri="{C183D7F6-B498-43B3-948B-1728B52AA6E4}">
+                <adec:decorative xmlns:adec="http://schemas.microsoft.com/office/drawing/2017/decorative" xmlns="" val="1"/>
               </a:ext>
             </a:extLst>
           </p:cNvPr>
-          <p:cNvGraphicFramePr>
-            <a:graphicFrameLocks noGrp="1"/>
-          </p:cNvGraphicFramePr>
+          <p:cNvSpPr>
+            <a:spLocks noGrp="1" noRot="1" noChangeAspect="1" noMove="1" noResize="1" noEditPoints="1" noAdjustHandles="1" noChangeArrowheads="1" noChangeShapeType="1" noTextEdit="1"/>
+          </p:cNvSpPr>
           <p:nvPr>
-            <p:ph idx="1"/>
             <p:extLst>
-              <p:ext uri="{D42A27DB-BD31-4B8C-83A1-F6EECF244321}">
-                <p14:modId xmlns:p14="http://schemas.microsoft.com/office/powerpoint/2010/main" val="2815907449"/>
+              <p:ext uri="{386F3935-93C4-4BCD-93E2-E3B085C9AB24}">
+                <p16:designElem xmlns:p16="http://schemas.microsoft.com/office/powerpoint/2015/main" val="1"/>
               </p:ext>
             </p:extLst>
           </p:nvPr>
-        </p:nvGraphicFramePr>
-        <p:xfrm>
-          <a:off x="838200" y="643467"/>
-          <a:ext cx="10515600" cy="4080974"/>
-        </p:xfrm>
-        <a:graphic>
-          <a:graphicData uri="http://schemas.openxmlformats.org/drawingml/2006/chart">
-            <c:chart xmlns:c="http://schemas.openxmlformats.org/drawingml/2006/chart" xmlns:r="http://schemas.openxmlformats.org/officeDocument/2006/relationships" r:id="rId2"/>
-          </a:graphicData>
-        </a:graphic>
-      </p:graphicFrame>
+        </p:nvSpPr>
+        <p:spPr>
+          <a:xfrm>
+            <a:off x="5125829" y="2327988"/>
+            <a:ext cx="293695" cy="293695"/>
+          </a:xfrm>
+          <a:prstGeom prst="ellipse">
+            <a:avLst/>
+          </a:prstGeom>
+          <a:solidFill>
+            <a:schemeClr val="accent3"/>
+          </a:solidFill>
+          <a:ln>
+            <a:noFill/>
+          </a:ln>
+        </p:spPr>
+        <p:style>
+          <a:lnRef idx="2">
+            <a:schemeClr val="accent1">
+              <a:shade val="50000"/>
+            </a:schemeClr>
+          </a:lnRef>
+          <a:fillRef idx="1">
+            <a:schemeClr val="accent1"/>
+          </a:fillRef>
+          <a:effectRef idx="0">
+            <a:schemeClr val="accent1"/>
+          </a:effectRef>
+          <a:fontRef idx="minor">
+            <a:schemeClr val="lt1"/>
+          </a:fontRef>
+        </p:style>
+        <p:txBody>
+          <a:bodyPr rtlCol="0" anchor="ctr"/>
+          <a:lstStyle/>
+          <a:p>
+            <a:pPr marL="0" marR="0" lvl="0" indent="0" algn="ctr" defTabSz="914400" rtl="0" eaLnBrk="1" fontAlgn="auto" latinLnBrk="0" hangingPunct="1">
+              <a:lnSpc>
+                <a:spcPct val="100000"/>
+              </a:lnSpc>
+              <a:spcBef>
+                <a:spcPts val="0"/>
+              </a:spcBef>
+              <a:spcAft>
+                <a:spcPts val="0"/>
+              </a:spcAft>
+              <a:buClrTx/>
+              <a:buSzTx/>
+              <a:buFontTx/>
+              <a:buNone/>
+              <a:tabLst/>
+              <a:defRPr/>
+            </a:pPr>
+            <a:endParaRPr kumimoji="0" lang="en-US" sz="1800" b="0" i="0" u="none" strike="noStrike" kern="1200" cap="none" spc="0" normalizeH="0" baseline="0" noProof="0">
+              <a:ln>
+                <a:noFill/>
+              </a:ln>
+              <a:solidFill>
+                <a:prstClr val="white"/>
+              </a:solidFill>
+              <a:effectLst/>
+              <a:uLnTx/>
+              <a:uFillTx/>
+              <a:latin typeface="Calibri" panose="020F0502020204030204"/>
+              <a:ea typeface="+mn-ea"/>
+              <a:cs typeface="+mn-cs"/>
+            </a:endParaRPr>
+          </a:p>
+        </p:txBody>
+      </p:sp>
+      <p:sp>
+        <p:nvSpPr>
+          <p:cNvPr id="19" name="Freeform: Shape 18">
+            <a:extLst>
+              <a:ext uri="{FF2B5EF4-FFF2-40B4-BE49-F238E27FC236}">
+                <a16:creationId xmlns:a16="http://schemas.microsoft.com/office/drawing/2014/main" xmlns="" id="{AB84D7E8-4ECB-42D7-ADBF-01689B0F24AE}"/>
+              </a:ext>
+              <a:ext uri="{C183D7F6-B498-43B3-948B-1728B52AA6E4}">
+                <adec:decorative xmlns:adec="http://schemas.microsoft.com/office/drawing/2017/decorative" xmlns="" val="1"/>
+              </a:ext>
+            </a:extLst>
+          </p:cNvPr>
+          <p:cNvSpPr>
+            <a:spLocks noGrp="1" noRot="1" noChangeAspect="1" noMove="1" noResize="1" noEditPoints="1" noAdjustHandles="1" noChangeArrowheads="1" noChangeShapeType="1" noTextEdit="1"/>
+          </p:cNvSpPr>
+          <p:nvPr>
+            <p:extLst>
+              <p:ext uri="{386F3935-93C4-4BCD-93E2-E3B085C9AB24}">
+                <p16:designElem xmlns:p16="http://schemas.microsoft.com/office/powerpoint/2015/main" val="1"/>
+              </p:ext>
+            </p:extLst>
+          </p:nvPr>
+        </p:nvSpPr>
+        <p:spPr>
+          <a:xfrm>
+            <a:off x="6492113" y="0"/>
+            <a:ext cx="5699887" cy="4059244"/>
+          </a:xfrm>
+          <a:custGeom>
+            <a:avLst/>
+            <a:gdLst>
+              <a:gd name="connsiteX0" fmla="*/ 0 w 5699887"/>
+              <a:gd name="connsiteY0" fmla="*/ 0 h 4059244"/>
+              <a:gd name="connsiteX1" fmla="*/ 5699887 w 5699887"/>
+              <a:gd name="connsiteY1" fmla="*/ 0 h 4059244"/>
+              <a:gd name="connsiteX2" fmla="*/ 5699887 w 5699887"/>
+              <a:gd name="connsiteY2" fmla="*/ 3944096 h 4059244"/>
+              <a:gd name="connsiteX3" fmla="*/ 5525775 w 5699887"/>
+              <a:gd name="connsiteY3" fmla="*/ 3980429 h 4059244"/>
+              <a:gd name="connsiteX4" fmla="*/ 4663256 w 5699887"/>
+              <a:gd name="connsiteY4" fmla="*/ 4059244 h 4059244"/>
+              <a:gd name="connsiteX5" fmla="*/ 8566 w 5699887"/>
+              <a:gd name="connsiteY5" fmla="*/ 67422 h 4059244"/>
+            </a:gdLst>
+            <a:ahLst/>
+            <a:cxnLst>
+              <a:cxn ang="0">
+                <a:pos x="connsiteX0" y="connsiteY0"/>
+              </a:cxn>
+              <a:cxn ang="0">
+                <a:pos x="connsiteX1" y="connsiteY1"/>
+              </a:cxn>
+              <a:cxn ang="0">
+                <a:pos x="connsiteX2" y="connsiteY2"/>
+              </a:cxn>
+              <a:cxn ang="0">
+                <a:pos x="connsiteX3" y="connsiteY3"/>
+              </a:cxn>
+              <a:cxn ang="0">
+                <a:pos x="connsiteX4" y="connsiteY4"/>
+              </a:cxn>
+              <a:cxn ang="0">
+                <a:pos x="connsiteX5" y="connsiteY5"/>
+              </a:cxn>
+            </a:cxnLst>
+            <a:rect l="l" t="t" r="r" b="b"/>
+            <a:pathLst>
+              <a:path w="5699887" h="4059244">
+                <a:moveTo>
+                  <a:pt x="0" y="0"/>
+                </a:moveTo>
+                <a:lnTo>
+                  <a:pt x="5699887" y="0"/>
+                </a:lnTo>
+                <a:lnTo>
+                  <a:pt x="5699887" y="3944096"/>
+                </a:lnTo>
+                <a:lnTo>
+                  <a:pt x="5525775" y="3980429"/>
+                </a:lnTo>
+                <a:cubicBezTo>
+                  <a:pt x="5246154" y="4032190"/>
+                  <a:pt x="4957865" y="4059244"/>
+                  <a:pt x="4663256" y="4059244"/>
+                </a:cubicBezTo>
+                <a:cubicBezTo>
+                  <a:pt x="2306390" y="4059244"/>
+                  <a:pt x="353936" y="2327747"/>
+                  <a:pt x="8566" y="67422"/>
+                </a:cubicBezTo>
+                <a:close/>
+              </a:path>
+            </a:pathLst>
+          </a:custGeom>
+          <a:solidFill>
+            <a:srgbClr val="595959"/>
+          </a:solidFill>
+          <a:ln>
+            <a:noFill/>
+          </a:ln>
+        </p:spPr>
+        <p:style>
+          <a:lnRef idx="2">
+            <a:schemeClr val="accent1">
+              <a:shade val="50000"/>
+            </a:schemeClr>
+          </a:lnRef>
+          <a:fillRef idx="1">
+            <a:schemeClr val="accent1"/>
+          </a:fillRef>
+          <a:effectRef idx="0">
+            <a:schemeClr val="accent1"/>
+          </a:effectRef>
+          <a:fontRef idx="minor">
+            <a:schemeClr val="lt1"/>
+          </a:fontRef>
+        </p:style>
+        <p:txBody>
+          <a:bodyPr rtlCol="0" anchor="ctr"/>
+          <a:lstStyle/>
+          <a:p>
+            <a:pPr marL="0" marR="0" lvl="0" indent="0" algn="ctr" defTabSz="914400" rtl="0" eaLnBrk="1" fontAlgn="auto" latinLnBrk="0" hangingPunct="1">
+              <a:lnSpc>
+                <a:spcPct val="100000"/>
+              </a:lnSpc>
+              <a:spcBef>
+                <a:spcPts val="0"/>
+              </a:spcBef>
+              <a:spcAft>
+                <a:spcPts val="0"/>
+              </a:spcAft>
+              <a:buClrTx/>
+              <a:buSzTx/>
+              <a:buFontTx/>
+              <a:buNone/>
+              <a:tabLst/>
+              <a:defRPr/>
+            </a:pPr>
+            <a:endParaRPr kumimoji="0" lang="en-US" sz="1800" b="0" i="0" u="none" strike="noStrike" kern="1200" cap="none" spc="0" normalizeH="0" baseline="0" noProof="0">
+              <a:ln>
+                <a:noFill/>
+              </a:ln>
+              <a:solidFill>
+                <a:prstClr val="white"/>
+              </a:solidFill>
+              <a:effectLst/>
+              <a:uLnTx/>
+              <a:uFillTx/>
+              <a:latin typeface="Calibri" panose="020F0502020204030204"/>
+              <a:ea typeface="+mn-ea"/>
+              <a:cs typeface="+mn-cs"/>
+            </a:endParaRPr>
+          </a:p>
+        </p:txBody>
+      </p:sp>
       <p:cxnSp>
         <p:nvCxnSpPr>
-          <p:cNvPr id="7" name="直接连接符 6">
+          <p:cNvPr id="21" name="Straight Connector 20">
             <a:extLst>
               <a:ext uri="{FF2B5EF4-FFF2-40B4-BE49-F238E27FC236}">
-                <a16:creationId xmlns:a16="http://schemas.microsoft.com/office/drawing/2014/main" id="{AB0C4CE4-42B0-41E0-BBB1-658E840D0B8A}"/>
+                <a16:creationId xmlns:a16="http://schemas.microsoft.com/office/drawing/2014/main" xmlns="" id="{9E8E38ED-369A-44C2-B635-0BED0E48A6E8}"/>
+              </a:ext>
+              <a:ext uri="{C183D7F6-B498-43B3-948B-1728B52AA6E4}">
+                <adec:decorative xmlns:adec="http://schemas.microsoft.com/office/drawing/2017/decorative" xmlns="" val="1"/>
               </a:ext>
             </a:extLst>
           </p:cNvPr>
           <p:cNvCxnSpPr>
-            <a:cxnSpLocks/>
+            <a:cxnSpLocks noGrp="1" noRot="1" noChangeAspect="1" noMove="1" noResize="1" noEditPoints="1" noAdjustHandles="1" noChangeArrowheads="1" noChangeShapeType="1"/>
           </p:cNvCxnSpPr>
-          <p:nvPr/>
+          <p:nvPr>
+            <p:extLst>
+              <p:ext uri="{386F3935-93C4-4BCD-93E2-E3B085C9AB24}">
+                <p16:designElem xmlns:p16="http://schemas.microsoft.com/office/powerpoint/2015/main" val="1"/>
+              </p:ext>
+            </p:extLst>
+          </p:nvPr>
         </p:nvCxnSpPr>
         <p:spPr>
           <a:xfrm>
-            <a:off x="6997084" y="1399592"/>
-            <a:ext cx="0" cy="2932560"/>
+            <a:off x="7800392" y="4525347"/>
+            <a:ext cx="0" cy="1737360"/>
           </a:xfrm>
           <a:prstGeom prst="line">
             <a:avLst/>
           </a:prstGeom>
-          <a:ln w="28575">
+          <a:ln w="19050" cap="sq">
             <a:solidFill>
-              <a:srgbClr val="FF0000"/>
+              <a:schemeClr val="tx1"/>
             </a:solidFill>
-            <a:prstDash val="sysDot"/>
           </a:ln>
         </p:spPr>
         <p:style>
-          <a:lnRef idx="3">
-            <a:schemeClr val="accent2"/>
+          <a:lnRef idx="1">
+            <a:schemeClr val="accent1"/>
           </a:lnRef>
           <a:fillRef idx="0">
-            <a:schemeClr val="accent2"/>
+            <a:schemeClr val="accent1"/>
           </a:fillRef>
-          <a:effectRef idx="2">
-            <a:schemeClr val="accent2"/>
+          <a:effectRef idx="0">
+            <a:schemeClr val="accent1"/>
           </a:effectRef>
           <a:fontRef idx="minor">
             <a:schemeClr val="tx1"/>
@@ -16588,70 +20368,448 @@
       </p:cxnSp>
       <p:sp>
         <p:nvSpPr>
-          <p:cNvPr id="8" name="文本框 2">
+          <p:cNvPr id="6" name="TextBox 5">
             <a:extLst>
               <a:ext uri="{FF2B5EF4-FFF2-40B4-BE49-F238E27FC236}">
-                <a16:creationId xmlns:a16="http://schemas.microsoft.com/office/drawing/2014/main" id="{87BFA67E-CCCA-48D4-8C88-A63CF6C3CD66}"/>
+                <a16:creationId xmlns:a16="http://schemas.microsoft.com/office/drawing/2014/main" xmlns="" id="{22B54AF2-355A-C640-94BB-354252E5DA20}"/>
               </a:ext>
             </a:extLst>
           </p:cNvPr>
-          <p:cNvSpPr txBox="1">
-            <a:spLocks noChangeArrowheads="1"/>
-          </p:cNvSpPr>
+          <p:cNvSpPr txBox="1"/>
           <p:nvPr/>
         </p:nvSpPr>
-        <p:spPr bwMode="auto">
+        <p:spPr>
           <a:xfrm>
-            <a:off x="6282709" y="4388667"/>
-            <a:ext cx="1362075" cy="298450"/>
+            <a:off x="10005184" y="6870700"/>
+            <a:ext cx="2186816" cy="200055"/>
+          </a:xfrm>
+          <a:prstGeom prst="rect">
+            <a:avLst/>
+          </a:prstGeom>
+          <a:solidFill>
+            <a:srgbClr val="000000"/>
+          </a:solidFill>
+        </p:spPr>
+        <p:txBody>
+          <a:bodyPr wrap="none" rtlCol="0">
+            <a:spAutoFit/>
+          </a:bodyPr>
+          <a:lstStyle/>
+          <a:p>
+            <a:pPr algn="r">
+              <a:spcAft>
+                <a:spcPts val="600"/>
+              </a:spcAft>
+            </a:pPr>
+            <a:r>
+              <a:rPr lang="en-US" sz="700">
+                <a:solidFill>
+                  <a:srgbClr val="FFFFFF"/>
+                </a:solidFill>
+                <a:hlinkClick r:id="rId2" tooltip="http://umaprofessoramaluquinha.com.br/?attachment_id=1237">
+                  <a:extLst>
+                    <a:ext uri="{A12FA001-AC4F-418D-AE19-62706E023703}">
+                      <ahyp:hlinkClr xmlns:ahyp="http://schemas.microsoft.com/office/drawing/2018/hyperlinkcolor" xmlns="" val="tx"/>
+                    </a:ext>
+                  </a:extLst>
+                </a:hlinkClick>
+              </a:rPr>
+              <a:t>This Photo</a:t>
+            </a:r>
+            <a:r>
+              <a:rPr lang="en-US" sz="700">
+                <a:solidFill>
+                  <a:srgbClr val="FFFFFF"/>
+                </a:solidFill>
+              </a:rPr>
+              <a:t> by Unknown Author is licensed under </a:t>
+            </a:r>
+            <a:r>
+              <a:rPr lang="en-US" sz="700">
+                <a:solidFill>
+                  <a:srgbClr val="FFFFFF"/>
+                </a:solidFill>
+                <a:hlinkClick r:id="rId3" tooltip="https://creativecommons.org/licenses/by/3.0/">
+                  <a:extLst>
+                    <a:ext uri="{A12FA001-AC4F-418D-AE19-62706E023703}">
+                      <ahyp:hlinkClr xmlns:ahyp="http://schemas.microsoft.com/office/drawing/2018/hyperlinkcolor" xmlns="" val="tx"/>
+                    </a:ext>
+                  </a:extLst>
+                </a:hlinkClick>
+              </a:rPr>
+              <a:t>CC BY</a:t>
+            </a:r>
+            <a:endParaRPr lang="en-US" sz="700">
+              <a:solidFill>
+                <a:srgbClr val="FFFFFF"/>
+              </a:solidFill>
+            </a:endParaRPr>
+          </a:p>
+        </p:txBody>
+      </p:sp>
+    </p:spTree>
+    <p:extLst>
+      <p:ext uri="{BB962C8B-B14F-4D97-AF65-F5344CB8AC3E}">
+        <p14:creationId xmlns:p14="http://schemas.microsoft.com/office/powerpoint/2010/main" val="2135385860"/>
+      </p:ext>
+    </p:extLst>
+  </p:cSld>
+  <p:clrMapOvr>
+    <a:masterClrMapping/>
+  </p:clrMapOvr>
+</p:sld>
+</file>
+
+<file path=ppt/slides/slide8.xml><?xml version="1.0" encoding="utf-8"?>
+<p:sld xmlns:a="http://schemas.openxmlformats.org/drawingml/2006/main" xmlns:r="http://schemas.openxmlformats.org/officeDocument/2006/relationships" xmlns:p="http://schemas.openxmlformats.org/presentationml/2006/main">
+  <p:cSld>
+    <p:spTree>
+      <p:nvGrpSpPr>
+        <p:cNvPr id="1" name=""/>
+        <p:cNvGrpSpPr/>
+        <p:nvPr/>
+      </p:nvGrpSpPr>
+      <p:grpSpPr>
+        <a:xfrm>
+          <a:off x="0" y="0"/>
+          <a:ext cx="0" cy="0"/>
+          <a:chOff x="0" y="0"/>
+          <a:chExt cx="0" cy="0"/>
+        </a:xfrm>
+      </p:grpSpPr>
+      <p:sp>
+        <p:nvSpPr>
+          <p:cNvPr id="2" name="Title 1">
+            <a:extLst>
+              <a:ext uri="{FF2B5EF4-FFF2-40B4-BE49-F238E27FC236}">
+                <a16:creationId xmlns:a16="http://schemas.microsoft.com/office/drawing/2014/main" xmlns="" id="{590D5C6B-75CD-0845-B759-3C689DD6CB26}"/>
+              </a:ext>
+            </a:extLst>
+          </p:cNvPr>
+          <p:cNvSpPr>
+            <a:spLocks noGrp="1"/>
+          </p:cNvSpPr>
+          <p:nvPr>
+            <p:ph type="title"/>
+          </p:nvPr>
+        </p:nvSpPr>
+        <p:spPr>
+          <a:xfrm>
+            <a:off x="838200" y="365125"/>
+            <a:ext cx="10515600" cy="1325563"/>
+          </a:xfrm>
+        </p:spPr>
+        <p:txBody>
+          <a:bodyPr/>
+          <a:lstStyle/>
+          <a:p>
+            <a:r>
+              <a:rPr lang="en-US" b="1" dirty="0">
+                <a:latin typeface="Helvetica Neue" panose="02000503000000020004" pitchFamily="2" charset="0"/>
+                <a:ea typeface="Helvetica Neue" panose="02000503000000020004" pitchFamily="2" charset="0"/>
+                <a:cs typeface="Helvetica Neue" panose="02000503000000020004" pitchFamily="2" charset="0"/>
+              </a:rPr>
+              <a:t>2.1	Raw Data</a:t>
+            </a:r>
+          </a:p>
+        </p:txBody>
+      </p:sp>
+      <p:pic>
+        <p:nvPicPr>
+          <p:cNvPr id="4" name="Content Placeholder 3">
+            <a:extLst>
+              <a:ext uri="{FF2B5EF4-FFF2-40B4-BE49-F238E27FC236}">
+                <a16:creationId xmlns:a16="http://schemas.microsoft.com/office/drawing/2014/main" xmlns="" id="{EBDE50FA-51BE-6A4C-8EEB-72EA6F12B77E}"/>
+              </a:ext>
+            </a:extLst>
+          </p:cNvPr>
+          <p:cNvPicPr>
+            <a:picLocks noGrp="1" noChangeAspect="1"/>
+          </p:cNvPicPr>
+          <p:nvPr>
+            <p:ph idx="1"/>
+          </p:nvPr>
+        </p:nvPicPr>
+        <p:blipFill>
+          <a:blip r:embed="rId2"/>
+          <a:stretch>
+            <a:fillRect/>
+          </a:stretch>
+        </p:blipFill>
+        <p:spPr>
+          <a:xfrm>
+            <a:off x="6339261" y="1690688"/>
+            <a:ext cx="4233754" cy="3783355"/>
+          </a:xfrm>
+          <a:prstGeom prst="rect">
+            <a:avLst/>
+          </a:prstGeom>
+        </p:spPr>
+      </p:pic>
+      <p:sp>
+        <p:nvSpPr>
+          <p:cNvPr id="8" name="TextBox 7">
+            <a:extLst>
+              <a:ext uri="{FF2B5EF4-FFF2-40B4-BE49-F238E27FC236}">
+                <a16:creationId xmlns:a16="http://schemas.microsoft.com/office/drawing/2014/main" xmlns="" id="{F10C63F9-D33B-814C-BF3D-52022FDE63A9}"/>
+              </a:ext>
+            </a:extLst>
+          </p:cNvPr>
+          <p:cNvSpPr txBox="1"/>
+          <p:nvPr/>
+        </p:nvSpPr>
+        <p:spPr>
+          <a:xfrm>
+            <a:off x="838200" y="1693315"/>
+            <a:ext cx="4252784" cy="3785652"/>
           </a:xfrm>
           <a:prstGeom prst="rect">
             <a:avLst/>
           </a:prstGeom>
           <a:noFill/>
-          <a:ln w="9525">
-            <a:noFill/>
-            <a:miter lim="800000"/>
-            <a:headEnd/>
-            <a:tailEnd/>
-          </a:ln>
         </p:spPr>
         <p:txBody>
-          <a:bodyPr rot="0" vert="horz" wrap="square" lIns="91440" tIns="45720" rIns="91440" bIns="45720" anchor="t" anchorCtr="0">
+          <a:bodyPr wrap="square" rtlCol="0">
             <a:spAutoFit/>
           </a:bodyPr>
           <a:lstStyle/>
           <a:p>
-            <a:pPr algn="just">
-              <a:spcAft>
-                <a:spcPts val="0"/>
-              </a:spcAft>
+            <a:pPr marL="285750" indent="-285750">
+              <a:buFont typeface="Arial" panose="020B0604020202020204" pitchFamily="34" charset="0"/>
+              <a:buChar char="•"/>
             </a:pPr>
             <a:r>
-              <a:rPr lang="en-US" sz="1050" kern="100">
-                <a:solidFill>
-                  <a:srgbClr val="595959"/>
-                </a:solidFill>
-                <a:effectLst/>
-                <a:latin typeface="DengXian" panose="02010600030101010101" pitchFamily="2" charset="-122"/>
-                <a:ea typeface="DengXian" panose="02010600030101010101" pitchFamily="2" charset="-122"/>
-                <a:cs typeface="Times New Roman" panose="02020603050405020304" pitchFamily="18" charset="0"/>
+              <a:rPr lang="en-US" sz="2000" dirty="0">
+                <a:latin typeface="Helvetica Neue" panose="02000503000000020004" pitchFamily="2" charset="0"/>
+                <a:ea typeface="Helvetica Neue" panose="02000503000000020004" pitchFamily="2" charset="0"/>
+                <a:cs typeface="Helvetica Neue" panose="02000503000000020004" pitchFamily="2" charset="0"/>
               </a:rPr>
-              <a:t>Intermediate Report</a:t>
-            </a:r>
-            <a:endParaRPr lang="zh-CN" sz="1050" kern="100">
-              <a:effectLst/>
-              <a:latin typeface="DengXian" panose="02010600030101010101" pitchFamily="2" charset="-122"/>
-              <a:ea typeface="DengXian" panose="02010600030101010101" pitchFamily="2" charset="-122"/>
-              <a:cs typeface="Times New Roman" panose="02020603050405020304" pitchFamily="18" charset="0"/>
+              <a:t>6 RSSI requests from each sample Points</a:t>
+            </a:r>
+          </a:p>
+          <a:p>
+            <a:pPr marL="285750" indent="-285750">
+              <a:buFont typeface="Arial" panose="020B0604020202020204" pitchFamily="34" charset="0"/>
+              <a:buChar char="•"/>
+            </a:pPr>
+            <a:endParaRPr lang="en-US" sz="2000" dirty="0">
+              <a:latin typeface="Helvetica Neue" panose="02000503000000020004" pitchFamily="2" charset="0"/>
+              <a:ea typeface="Helvetica Neue" panose="02000503000000020004" pitchFamily="2" charset="0"/>
+              <a:cs typeface="Helvetica Neue" panose="02000503000000020004" pitchFamily="2" charset="0"/>
             </a:endParaRPr>
+          </a:p>
+          <a:p>
+            <a:pPr marL="285750" indent="-285750">
+              <a:buFont typeface="Arial" panose="020B0604020202020204" pitchFamily="34" charset="0"/>
+              <a:buChar char="•"/>
+            </a:pPr>
+            <a:r>
+              <a:rPr lang="en-US" sz="2000" dirty="0">
+                <a:latin typeface="Helvetica Neue" panose="02000503000000020004" pitchFamily="2" charset="0"/>
+                <a:ea typeface="Helvetica Neue" panose="02000503000000020004" pitchFamily="2" charset="0"/>
+                <a:cs typeface="Helvetica Neue" panose="02000503000000020004" pitchFamily="2" charset="0"/>
+              </a:rPr>
+              <a:t>End of Group is one Sample points Collection</a:t>
+            </a:r>
+          </a:p>
+          <a:p>
+            <a:pPr marL="285750" indent="-285750">
+              <a:buFont typeface="Arial" panose="020B0604020202020204" pitchFamily="34" charset="0"/>
+              <a:buChar char="•"/>
+            </a:pPr>
+            <a:endParaRPr lang="en-US" sz="2000" dirty="0">
+              <a:latin typeface="Helvetica Neue" panose="02000503000000020004" pitchFamily="2" charset="0"/>
+              <a:ea typeface="Helvetica Neue" panose="02000503000000020004" pitchFamily="2" charset="0"/>
+              <a:cs typeface="Helvetica Neue" panose="02000503000000020004" pitchFamily="2" charset="0"/>
+            </a:endParaRPr>
+          </a:p>
+          <a:p>
+            <a:pPr marL="285750" indent="-285750">
+              <a:buFont typeface="Arial" panose="020B0604020202020204" pitchFamily="34" charset="0"/>
+              <a:buChar char="•"/>
+            </a:pPr>
+            <a:r>
+              <a:rPr lang="en-US" sz="2000" dirty="0">
+                <a:latin typeface="Helvetica Neue" panose="02000503000000020004" pitchFamily="2" charset="0"/>
+                <a:ea typeface="Helvetica Neue" panose="02000503000000020004" pitchFamily="2" charset="0"/>
+                <a:cs typeface="Helvetica Neue" panose="02000503000000020004" pitchFamily="2" charset="0"/>
+              </a:rPr>
+              <a:t>Need to aggregate into one vector of reading from each base station</a:t>
+            </a:r>
+          </a:p>
+          <a:p>
+            <a:endParaRPr lang="en-US" sz="2000" dirty="0">
+              <a:latin typeface="Helvetica Neue" panose="02000503000000020004" pitchFamily="2" charset="0"/>
+              <a:ea typeface="Helvetica Neue" panose="02000503000000020004" pitchFamily="2" charset="0"/>
+              <a:cs typeface="Helvetica Neue" panose="02000503000000020004" pitchFamily="2" charset="0"/>
+            </a:endParaRPr>
+          </a:p>
+          <a:p>
+            <a:pPr marL="285750" indent="-285750">
+              <a:buFont typeface="Arial" panose="020B0604020202020204" pitchFamily="34" charset="0"/>
+              <a:buChar char="•"/>
+            </a:pPr>
+            <a:r>
+              <a:rPr lang="en-US" sz="2000" dirty="0">
+                <a:latin typeface="Helvetica Neue" panose="02000503000000020004" pitchFamily="2" charset="0"/>
+                <a:ea typeface="Helvetica Neue" panose="02000503000000020004" pitchFamily="2" charset="0"/>
+                <a:cs typeface="Helvetica Neue" panose="02000503000000020004" pitchFamily="2" charset="0"/>
+              </a:rPr>
+              <a:t>Deal with stations with failed request</a:t>
+            </a:r>
           </a:p>
         </p:txBody>
       </p:sp>
     </p:spTree>
     <p:extLst>
       <p:ext uri="{BB962C8B-B14F-4D97-AF65-F5344CB8AC3E}">
-        <p14:creationId xmlns:p14="http://schemas.microsoft.com/office/powerpoint/2010/main" val="285955523"/>
+        <p14:creationId xmlns:p14="http://schemas.microsoft.com/office/powerpoint/2010/main" val="483546700"/>
+      </p:ext>
+    </p:extLst>
+  </p:cSld>
+  <p:clrMapOvr>
+    <a:masterClrMapping/>
+  </p:clrMapOvr>
+</p:sld>
+</file>
+
+<file path=ppt/slides/slide9.xml><?xml version="1.0" encoding="utf-8"?>
+<p:sld xmlns:a="http://schemas.openxmlformats.org/drawingml/2006/main" xmlns:r="http://schemas.openxmlformats.org/officeDocument/2006/relationships" xmlns:p="http://schemas.openxmlformats.org/presentationml/2006/main">
+  <p:cSld>
+    <p:spTree>
+      <p:nvGrpSpPr>
+        <p:cNvPr id="1" name=""/>
+        <p:cNvGrpSpPr/>
+        <p:nvPr/>
+      </p:nvGrpSpPr>
+      <p:grpSpPr>
+        <a:xfrm>
+          <a:off x="0" y="0"/>
+          <a:ext cx="0" cy="0"/>
+          <a:chOff x="0" y="0"/>
+          <a:chExt cx="0" cy="0"/>
+        </a:xfrm>
+      </p:grpSpPr>
+      <p:sp>
+        <p:nvSpPr>
+          <p:cNvPr id="2" name="Title 1">
+            <a:extLst>
+              <a:ext uri="{FF2B5EF4-FFF2-40B4-BE49-F238E27FC236}">
+                <a16:creationId xmlns:a16="http://schemas.microsoft.com/office/drawing/2014/main" xmlns="" id="{CC296259-EE03-7D4E-8B63-9613F9AEAB06}"/>
+              </a:ext>
+            </a:extLst>
+          </p:cNvPr>
+          <p:cNvSpPr>
+            <a:spLocks noGrp="1"/>
+          </p:cNvSpPr>
+          <p:nvPr>
+            <p:ph type="title"/>
+          </p:nvPr>
+        </p:nvSpPr>
+        <p:spPr/>
+        <p:txBody>
+          <a:bodyPr/>
+          <a:lstStyle/>
+          <a:p>
+            <a:r>
+              <a:rPr lang="en-AU" b="1" dirty="0">
+                <a:latin typeface="Helvetica Neue" panose="02000503000000020004" pitchFamily="2" charset="0"/>
+                <a:ea typeface="Helvetica Neue" panose="02000503000000020004" pitchFamily="2" charset="0"/>
+                <a:cs typeface="Helvetica Neue" panose="02000503000000020004" pitchFamily="2" charset="0"/>
+              </a:rPr>
+              <a:t>2.2	Data Cleaning</a:t>
+            </a:r>
+            <a:r>
+              <a:rPr lang="en-AU" dirty="0">
+                <a:latin typeface="Helvetica Neue" panose="02000503000000020004" pitchFamily="2" charset="0"/>
+                <a:ea typeface="Helvetica Neue" panose="02000503000000020004" pitchFamily="2" charset="0"/>
+                <a:cs typeface="Helvetica Neue" panose="02000503000000020004" pitchFamily="2" charset="0"/>
+              </a:rPr>
+              <a:t> </a:t>
+            </a:r>
+            <a:endParaRPr lang="en-US" dirty="0">
+              <a:latin typeface="Helvetica Neue" panose="02000503000000020004" pitchFamily="2" charset="0"/>
+              <a:ea typeface="Helvetica Neue" panose="02000503000000020004" pitchFamily="2" charset="0"/>
+              <a:cs typeface="Helvetica Neue" panose="02000503000000020004" pitchFamily="2" charset="0"/>
+            </a:endParaRPr>
+          </a:p>
+        </p:txBody>
+      </p:sp>
+      <p:pic>
+        <p:nvPicPr>
+          <p:cNvPr id="4" name="Content Placeholder 3">
+            <a:extLst>
+              <a:ext uri="{FF2B5EF4-FFF2-40B4-BE49-F238E27FC236}">
+                <a16:creationId xmlns:a16="http://schemas.microsoft.com/office/drawing/2014/main" xmlns="" id="{85674701-A94F-5D4D-BD65-F276E5117184}"/>
+              </a:ext>
+            </a:extLst>
+          </p:cNvPr>
+          <p:cNvPicPr>
+            <a:picLocks noGrp="1" noChangeAspect="1"/>
+          </p:cNvPicPr>
+          <p:nvPr>
+            <p:ph idx="1"/>
+          </p:nvPr>
+        </p:nvPicPr>
+        <p:blipFill>
+          <a:blip r:embed="rId2"/>
+          <a:stretch>
+            <a:fillRect/>
+          </a:stretch>
+        </p:blipFill>
+        <p:spPr>
+          <a:xfrm>
+            <a:off x="838200" y="2294002"/>
+            <a:ext cx="8456057" cy="3946160"/>
+          </a:xfrm>
+          <a:prstGeom prst="rect">
+            <a:avLst/>
+          </a:prstGeom>
+        </p:spPr>
+      </p:pic>
+      <p:sp>
+        <p:nvSpPr>
+          <p:cNvPr id="5" name="TextBox 4">
+            <a:extLst>
+              <a:ext uri="{FF2B5EF4-FFF2-40B4-BE49-F238E27FC236}">
+                <a16:creationId xmlns:a16="http://schemas.microsoft.com/office/drawing/2014/main" xmlns="" id="{153F35BB-45FF-944D-B91E-D69EAF8BBE29}"/>
+              </a:ext>
+            </a:extLst>
+          </p:cNvPr>
+          <p:cNvSpPr txBox="1"/>
+          <p:nvPr/>
+        </p:nvSpPr>
+        <p:spPr>
+          <a:xfrm>
+            <a:off x="838200" y="1567120"/>
+            <a:ext cx="7179275" cy="400110"/>
+          </a:xfrm>
+          <a:prstGeom prst="rect">
+            <a:avLst/>
+          </a:prstGeom>
+          <a:noFill/>
+        </p:spPr>
+        <p:txBody>
+          <a:bodyPr wrap="square" rtlCol="0">
+            <a:spAutoFit/>
+          </a:bodyPr>
+          <a:lstStyle/>
+          <a:p>
+            <a:r>
+              <a:rPr lang="en-AU" sz="2000" dirty="0">
+                <a:latin typeface="Helvetica Neue" panose="02000503000000020004" pitchFamily="2" charset="0"/>
+                <a:ea typeface="Helvetica Neue" panose="02000503000000020004" pitchFamily="2" charset="0"/>
+                <a:cs typeface="Helvetica Neue" panose="02000503000000020004" pitchFamily="2" charset="0"/>
+              </a:rPr>
+              <a:t>s1, s2, s3, s4, s5, x, y, w1, w2, w3, w4, w5</a:t>
+            </a:r>
+          </a:p>
+        </p:txBody>
+      </p:sp>
+    </p:spTree>
+    <p:extLst>
+      <p:ext uri="{BB962C8B-B14F-4D97-AF65-F5344CB8AC3E}">
+        <p14:creationId xmlns:p14="http://schemas.microsoft.com/office/powerpoint/2010/main" val="2603788709"/>
       </p:ext>
     </p:extLst>
   </p:cSld>

--- a/report/iot_presentation2.pptx
+++ b/report/iot_presentation2.pptx
@@ -134,9 +134,9 @@
 </file>
 
 <file path=ppt/charts/chart1.xml><?xml version="1.0" encoding="utf-8"?>
-<c:chartSpace xmlns:c="http://schemas.openxmlformats.org/drawingml/2006/chart" xmlns:a="http://schemas.openxmlformats.org/drawingml/2006/main" xmlns:r="http://schemas.openxmlformats.org/officeDocument/2006/relationships">
+<c:chartSpace xmlns:c="http://schemas.openxmlformats.org/drawingml/2006/chart" xmlns:a="http://schemas.openxmlformats.org/drawingml/2006/main" xmlns:r="http://schemas.openxmlformats.org/officeDocument/2006/relationships" xmlns:c16r2="http://schemas.microsoft.com/office/drawing/2015/06/chart">
   <c:date1904 val="0"/>
-  <c:lang val="zh-CN"/>
+  <c:lang val="en-US"/>
   <c:roundedCorners val="0"/>
   <mc:AlternateContent xmlns:mc="http://schemas.openxmlformats.org/markup-compatibility/2006">
     <mc:Choice xmlns:c14="http://schemas.microsoft.com/office/drawing/2007/8/2/chart" Requires="c14">
@@ -173,7 +173,6 @@
           </a:p>
         </c:rich>
       </c:tx>
-      <c:layout/>
       <c:overlay val="0"/>
       <c:spPr>
         <a:noFill/>
@@ -199,7 +198,7 @@
               <a:cs typeface="+mn-cs"/>
             </a:defRPr>
           </a:pPr>
-          <a:endParaRPr lang="zh-CN"/>
+          <a:endParaRPr lang="en-US"/>
         </a:p>
       </c:txPr>
     </c:title>
@@ -274,36 +273,36 @@
                 <c:formatCode>m/d/yyyy</c:formatCode>
                 <c:ptCount val="9"/>
                 <c:pt idx="0">
-                  <c:v>43353.0</c:v>
+                  <c:v>43353</c:v>
                 </c:pt>
                 <c:pt idx="1">
-                  <c:v>43355.0</c:v>
+                  <c:v>43355</c:v>
                 </c:pt>
                 <c:pt idx="2">
-                  <c:v>43360.0</c:v>
+                  <c:v>43360</c:v>
                 </c:pt>
                 <c:pt idx="3">
-                  <c:v>43364.0</c:v>
+                  <c:v>43364</c:v>
                 </c:pt>
                 <c:pt idx="4">
-                  <c:v>43377.0</c:v>
+                  <c:v>43377</c:v>
                 </c:pt>
                 <c:pt idx="5">
-                  <c:v>43396.0</c:v>
+                  <c:v>43396</c:v>
                 </c:pt>
                 <c:pt idx="6">
-                  <c:v>43404.0</c:v>
+                  <c:v>43404</c:v>
                 </c:pt>
                 <c:pt idx="7">
-                  <c:v>43414.0</c:v>
+                  <c:v>43414</c:v>
                 </c:pt>
                 <c:pt idx="8">
-                  <c:v>43422.0</c:v>
+                  <c:v>43422</c:v>
                 </c:pt>
               </c:numCache>
             </c:numRef>
           </c:val>
-          <c:extLst xmlns:c16r2="http://schemas.microsoft.com/office/drawing/2015/06/chart">
+          <c:extLst>
             <c:ext xmlns:c16="http://schemas.microsoft.com/office/drawing/2014/chart" uri="{C3380CC4-5D6E-409C-BE32-E72D297353CC}">
               <c16:uniqueId val="{00000000-2C69-4F77-895A-40417B6DD582}"/>
             </c:ext>
@@ -375,36 +374,36 @@
                 <c:formatCode>General</c:formatCode>
                 <c:ptCount val="9"/>
                 <c:pt idx="0">
-                  <c:v>2.0</c:v>
+                  <c:v>2</c:v>
                 </c:pt>
                 <c:pt idx="1">
-                  <c:v>5.0</c:v>
+                  <c:v>5</c:v>
                 </c:pt>
                 <c:pt idx="2">
-                  <c:v>7.0</c:v>
+                  <c:v>7</c:v>
                 </c:pt>
                 <c:pt idx="3">
-                  <c:v>15.0</c:v>
+                  <c:v>15</c:v>
                 </c:pt>
                 <c:pt idx="4">
-                  <c:v>19.0</c:v>
+                  <c:v>19</c:v>
                 </c:pt>
                 <c:pt idx="5">
-                  <c:v>0.0</c:v>
+                  <c:v>0</c:v>
                 </c:pt>
                 <c:pt idx="6">
-                  <c:v>0.0</c:v>
+                  <c:v>0</c:v>
                 </c:pt>
                 <c:pt idx="7">
-                  <c:v>0.0</c:v>
+                  <c:v>0</c:v>
                 </c:pt>
                 <c:pt idx="8">
-                  <c:v>0.0</c:v>
+                  <c:v>0</c:v>
                 </c:pt>
               </c:numCache>
             </c:numRef>
           </c:val>
-          <c:extLst xmlns:c16r2="http://schemas.microsoft.com/office/drawing/2015/06/chart">
+          <c:extLst>
             <c:ext xmlns:c16="http://schemas.microsoft.com/office/drawing/2014/chart" uri="{C3380CC4-5D6E-409C-BE32-E72D297353CC}">
               <c16:uniqueId val="{00000001-2C69-4F77-895A-40417B6DD582}"/>
             </c:ext>
@@ -478,36 +477,36 @@
                 <c:formatCode>General</c:formatCode>
                 <c:ptCount val="9"/>
                 <c:pt idx="0">
-                  <c:v>0.0</c:v>
+                  <c:v>0</c:v>
                 </c:pt>
                 <c:pt idx="1">
-                  <c:v>0.0</c:v>
+                  <c:v>0</c:v>
                 </c:pt>
                 <c:pt idx="2">
-                  <c:v>0.0</c:v>
+                  <c:v>0</c:v>
                 </c:pt>
                 <c:pt idx="3">
-                  <c:v>0.0</c:v>
+                  <c:v>0</c:v>
                 </c:pt>
                 <c:pt idx="4">
-                  <c:v>1.0</c:v>
+                  <c:v>1</c:v>
                 </c:pt>
                 <c:pt idx="5">
-                  <c:v>9.0</c:v>
+                  <c:v>9</c:v>
                 </c:pt>
                 <c:pt idx="6">
-                  <c:v>10.0</c:v>
+                  <c:v>10</c:v>
                 </c:pt>
                 <c:pt idx="7">
-                  <c:v>8.0</c:v>
+                  <c:v>8</c:v>
                 </c:pt>
                 <c:pt idx="8">
-                  <c:v>4.0</c:v>
+                  <c:v>4</c:v>
                 </c:pt>
               </c:numCache>
             </c:numRef>
           </c:val>
-          <c:extLst xmlns:c16r2="http://schemas.microsoft.com/office/drawing/2015/06/chart">
+          <c:extLst>
             <c:ext xmlns:c16="http://schemas.microsoft.com/office/drawing/2014/chart" uri="{C3380CC4-5D6E-409C-BE32-E72D297353CC}">
               <c16:uniqueId val="{00000002-2C69-4F77-895A-40417B6DD582}"/>
             </c:ext>
@@ -567,7 +566,7 @@
                 <a:cs typeface="+mn-cs"/>
               </a:defRPr>
             </a:pPr>
-            <a:endParaRPr lang="zh-CN"/>
+            <a:endParaRPr lang="en-US"/>
           </a:p>
         </c:txPr>
         <c:crossAx val="-1239942992"/>
@@ -581,8 +580,8 @@
         <c:axId val="-1239942992"/>
         <c:scaling>
           <c:orientation val="minMax"/>
-          <c:max val="43428.0"/>
-          <c:min val="43353.0"/>
+          <c:max val="43428"/>
+          <c:min val="43353"/>
         </c:scaling>
         <c:delete val="0"/>
         <c:axPos val="t"/>
@@ -628,7 +627,7 @@
                 <a:cs typeface="+mn-cs"/>
               </a:defRPr>
             </a:pPr>
-            <a:endParaRPr lang="zh-CN"/>
+            <a:endParaRPr lang="en-US"/>
           </a:p>
         </c:txPr>
         <c:crossAx val="-1239930528"/>
@@ -650,9 +649,9 @@
           <c:xMode val="edge"/>
           <c:yMode val="edge"/>
           <c:x val="0.115440608146893"/>
-          <c:y val="0.929239630582337"/>
-          <c:w val="0.343681159066284"/>
-          <c:h val="0.0508102447293839"/>
+          <c:y val="0.92923963058233705"/>
+          <c:w val="0.34368115906628399"/>
+          <c:h val="5.0810244729383898E-2"/>
         </c:manualLayout>
       </c:layout>
       <c:overlay val="0"/>
@@ -680,7 +679,7 @@
               <a:cs typeface="+mn-cs"/>
             </a:defRPr>
           </a:pPr>
-          <a:endParaRPr lang="zh-CN"/>
+          <a:endParaRPr lang="en-US"/>
         </a:p>
       </c:txPr>
     </c:legend>
@@ -710,7 +709,7 @@
       <a:pPr>
         <a:defRPr/>
       </a:pPr>
-      <a:endParaRPr lang="zh-CN"/>
+      <a:endParaRPr lang="en-US"/>
     </a:p>
   </c:txPr>
   <c:externalData r:id="rId3">
@@ -3211,13 +3210,6 @@
         </dgm:presLayoutVars>
       </dgm:prSet>
       <dgm:spPr/>
-      <dgm:t>
-        <a:bodyPr/>
-        <a:lstStyle/>
-        <a:p>
-          <a:endParaRPr lang="zh-CN" altLang="en-US"/>
-        </a:p>
-      </dgm:t>
     </dgm:pt>
     <dgm:pt modelId="{D5751625-6C7D-4DFE-AAAB-491D78AAD51F}" type="pres">
       <dgm:prSet presAssocID="{14DB1DBD-99BF-4C0A-B718-DED539BFD06B}" presName="parentLin" presStyleCnt="0"/>
@@ -3226,13 +3218,6 @@
     <dgm:pt modelId="{A16645CD-28BA-4F38-9467-BD0E6AE54023}" type="pres">
       <dgm:prSet presAssocID="{14DB1DBD-99BF-4C0A-B718-DED539BFD06B}" presName="parentLeftMargin" presStyleLbl="node1" presStyleIdx="0" presStyleCnt="2"/>
       <dgm:spPr/>
-      <dgm:t>
-        <a:bodyPr/>
-        <a:lstStyle/>
-        <a:p>
-          <a:endParaRPr lang="zh-CN" altLang="en-US"/>
-        </a:p>
-      </dgm:t>
     </dgm:pt>
     <dgm:pt modelId="{A3A28B3C-C054-4101-B5A9-7F2D5EF0ADB0}" type="pres">
       <dgm:prSet presAssocID="{14DB1DBD-99BF-4C0A-B718-DED539BFD06B}" presName="parentText" presStyleLbl="node1" presStyleIdx="0" presStyleCnt="2">
@@ -3242,13 +3227,6 @@
         </dgm:presLayoutVars>
       </dgm:prSet>
       <dgm:spPr/>
-      <dgm:t>
-        <a:bodyPr/>
-        <a:lstStyle/>
-        <a:p>
-          <a:endParaRPr lang="zh-CN" altLang="en-US"/>
-        </a:p>
-      </dgm:t>
     </dgm:pt>
     <dgm:pt modelId="{C4D1FE99-67BB-4352-9197-33612E13D694}" type="pres">
       <dgm:prSet presAssocID="{14DB1DBD-99BF-4C0A-B718-DED539BFD06B}" presName="negativeSpace" presStyleCnt="0"/>
@@ -3261,13 +3239,6 @@
         </dgm:presLayoutVars>
       </dgm:prSet>
       <dgm:spPr/>
-      <dgm:t>
-        <a:bodyPr/>
-        <a:lstStyle/>
-        <a:p>
-          <a:endParaRPr lang="zh-CN" altLang="en-US"/>
-        </a:p>
-      </dgm:t>
     </dgm:pt>
     <dgm:pt modelId="{E7E9AD13-B70B-450F-889C-D2CAB8A096DC}" type="pres">
       <dgm:prSet presAssocID="{7E7D10E2-7336-46C6-8BDF-8DA7EC5480EC}" presName="spaceBetweenRectangles" presStyleCnt="0"/>
@@ -3280,13 +3251,6 @@
     <dgm:pt modelId="{19E3C654-7942-42CD-89B6-3E4B807FEF71}" type="pres">
       <dgm:prSet presAssocID="{2DA97FD1-BBB3-4064-A1EB-F44E48656E36}" presName="parentLeftMargin" presStyleLbl="node1" presStyleIdx="0" presStyleCnt="2"/>
       <dgm:spPr/>
-      <dgm:t>
-        <a:bodyPr/>
-        <a:lstStyle/>
-        <a:p>
-          <a:endParaRPr lang="zh-CN" altLang="en-US"/>
-        </a:p>
-      </dgm:t>
     </dgm:pt>
     <dgm:pt modelId="{5839DD8F-35E0-4AA8-AB18-C7A19C74ABCD}" type="pres">
       <dgm:prSet presAssocID="{2DA97FD1-BBB3-4064-A1EB-F44E48656E36}" presName="parentText" presStyleLbl="node1" presStyleIdx="1" presStyleCnt="2">
@@ -3296,13 +3260,6 @@
         </dgm:presLayoutVars>
       </dgm:prSet>
       <dgm:spPr/>
-      <dgm:t>
-        <a:bodyPr/>
-        <a:lstStyle/>
-        <a:p>
-          <a:endParaRPr lang="zh-CN" altLang="en-US"/>
-        </a:p>
-      </dgm:t>
     </dgm:pt>
     <dgm:pt modelId="{E65B2CAC-3D23-4E31-BBC2-0311DEC8B171}" type="pres">
       <dgm:prSet presAssocID="{2DA97FD1-BBB3-4064-A1EB-F44E48656E36}" presName="negativeSpace" presStyleCnt="0"/>
@@ -3315,31 +3272,24 @@
         </dgm:presLayoutVars>
       </dgm:prSet>
       <dgm:spPr/>
-      <dgm:t>
-        <a:bodyPr/>
-        <a:lstStyle/>
-        <a:p>
-          <a:endParaRPr lang="zh-CN" altLang="en-US"/>
-        </a:p>
-      </dgm:t>
     </dgm:pt>
   </dgm:ptLst>
   <dgm:cxnLst>
+    <dgm:cxn modelId="{484C3013-5B07-4C18-B949-6B2D59EE7631}" type="presOf" srcId="{03D25477-C2BF-4DCF-BBF0-E63B155D8D9F}" destId="{6C44FC15-BF77-4C83-9686-7158D2639C38}" srcOrd="0" destOrd="0" presId="urn:microsoft.com/office/officeart/2005/8/layout/list1"/>
+    <dgm:cxn modelId="{C9E3D724-DBAE-416D-9CD0-1DD2E34F4127}" srcId="{A8817308-8045-4284-9ED0-FA6A7280B37B}" destId="{76196532-FFF1-47AB-9928-8607D558FCB7}" srcOrd="1" destOrd="0" parTransId="{AC956ACF-B090-4354-B1FB-6B872A4FBCF9}" sibTransId="{965FB1C3-545A-4A82-B4BF-2B3000AA8849}"/>
+    <dgm:cxn modelId="{71716D25-E06B-41F5-AF7E-F41412630174}" type="presOf" srcId="{E0BAEF83-2C71-4107-81E1-926DCD286086}" destId="{2DB9F3C7-F783-45EF-B98A-6CF68ACAC559}" srcOrd="0" destOrd="1" presId="urn:microsoft.com/office/officeart/2005/8/layout/list1"/>
+    <dgm:cxn modelId="{8409EC6B-D513-4AF5-A28F-8CCCBFB33ED1}" type="presOf" srcId="{14DB1DBD-99BF-4C0A-B718-DED539BFD06B}" destId="{A16645CD-28BA-4F38-9467-BD0E6AE54023}" srcOrd="0" destOrd="0" presId="urn:microsoft.com/office/officeart/2005/8/layout/list1"/>
     <dgm:cxn modelId="{211E9B6E-C40D-43DC-B2FD-CEBA350EF6B0}" srcId="{C4708FD0-BDC9-4AC3-B46E-5F3134201944}" destId="{14DB1DBD-99BF-4C0A-B718-DED539BFD06B}" srcOrd="0" destOrd="0" parTransId="{8F136B61-E3EC-4381-B77B-1EEC4005988C}" sibTransId="{7E7D10E2-7336-46C6-8BDF-8DA7EC5480EC}"/>
+    <dgm:cxn modelId="{99D69674-0471-4DE5-A248-30890882583E}" srcId="{14DB1DBD-99BF-4C0A-B718-DED539BFD06B}" destId="{03D25477-C2BF-4DCF-BBF0-E63B155D8D9F}" srcOrd="0" destOrd="0" parTransId="{A423EDF3-5F71-4DFF-AD77-4931B7EAD278}" sibTransId="{AAF7F17F-3917-48F4-B4F7-42FBB00A2365}"/>
     <dgm:cxn modelId="{6B6F228C-1C14-4BA3-8A7A-C02424DBBFFA}" type="presOf" srcId="{55A711D8-0013-471A-A580-3DC3B91CD6C0}" destId="{2DB9F3C7-F783-45EF-B98A-6CF68ACAC559}" srcOrd="0" destOrd="3" presId="urn:microsoft.com/office/officeart/2005/8/layout/list1"/>
-    <dgm:cxn modelId="{99D69674-0471-4DE5-A248-30890882583E}" srcId="{14DB1DBD-99BF-4C0A-B718-DED539BFD06B}" destId="{03D25477-C2BF-4DCF-BBF0-E63B155D8D9F}" srcOrd="0" destOrd="0" parTransId="{A423EDF3-5F71-4DFF-AD77-4931B7EAD278}" sibTransId="{AAF7F17F-3917-48F4-B4F7-42FBB00A2365}"/>
+    <dgm:cxn modelId="{6F4C0F96-481A-448C-882B-3BCAB9B370D4}" type="presOf" srcId="{76196532-FFF1-47AB-9928-8607D558FCB7}" destId="{2DB9F3C7-F783-45EF-B98A-6CF68ACAC559}" srcOrd="0" destOrd="2" presId="urn:microsoft.com/office/officeart/2005/8/layout/list1"/>
+    <dgm:cxn modelId="{4645E8AE-47FC-4A57-AC17-FB2D400798E4}" type="presOf" srcId="{A8817308-8045-4284-9ED0-FA6A7280B37B}" destId="{2DB9F3C7-F783-45EF-B98A-6CF68ACAC559}" srcOrd="0" destOrd="0" presId="urn:microsoft.com/office/officeart/2005/8/layout/list1"/>
+    <dgm:cxn modelId="{1DA069AF-D256-4C49-84F2-70003C8727B9}" type="presOf" srcId="{C4708FD0-BDC9-4AC3-B46E-5F3134201944}" destId="{3AC68A53-0468-45EA-99D1-E9C1612C6CCC}" srcOrd="0" destOrd="0" presId="urn:microsoft.com/office/officeart/2005/8/layout/list1"/>
     <dgm:cxn modelId="{E1B015C9-429B-410A-B0C2-351B2C7CE223}" srcId="{2DA97FD1-BBB3-4064-A1EB-F44E48656E36}" destId="{A8817308-8045-4284-9ED0-FA6A7280B37B}" srcOrd="0" destOrd="0" parTransId="{B632295C-AE21-4C31-8A65-E8B29F487DE7}" sibTransId="{54329B70-CB29-4FF5-9C71-1E7819E4ECD8}"/>
-    <dgm:cxn modelId="{6F4C0F96-481A-448C-882B-3BCAB9B370D4}" type="presOf" srcId="{76196532-FFF1-47AB-9928-8607D558FCB7}" destId="{2DB9F3C7-F783-45EF-B98A-6CF68ACAC559}" srcOrd="0" destOrd="2" presId="urn:microsoft.com/office/officeart/2005/8/layout/list1"/>
+    <dgm:cxn modelId="{ABC15FCE-53A0-4A33-8AFA-8560CAE9346C}" type="presOf" srcId="{2DA97FD1-BBB3-4064-A1EB-F44E48656E36}" destId="{19E3C654-7942-42CD-89B6-3E4B807FEF71}" srcOrd="0" destOrd="0" presId="urn:microsoft.com/office/officeart/2005/8/layout/list1"/>
+    <dgm:cxn modelId="{2A0B32D3-AA13-44DF-BCED-7E6409C3D14A}" srcId="{A8817308-8045-4284-9ED0-FA6A7280B37B}" destId="{E0BAEF83-2C71-4107-81E1-926DCD286086}" srcOrd="0" destOrd="0" parTransId="{287AE2BE-57E7-445B-934E-E14C58888496}" sibTransId="{5CE02461-63AB-4E0A-93FB-48AAC7FE8550}"/>
     <dgm:cxn modelId="{FEE4D8E4-B530-40F2-ABE9-00206EB3AA81}" type="presOf" srcId="{2DA97FD1-BBB3-4064-A1EB-F44E48656E36}" destId="{5839DD8F-35E0-4AA8-AB18-C7A19C74ABCD}" srcOrd="1" destOrd="0" presId="urn:microsoft.com/office/officeart/2005/8/layout/list1"/>
     <dgm:cxn modelId="{64B384E7-18CC-4065-8130-B0004C0B6953}" srcId="{2DA97FD1-BBB3-4064-A1EB-F44E48656E36}" destId="{55A711D8-0013-471A-A580-3DC3B91CD6C0}" srcOrd="1" destOrd="0" parTransId="{A49BB6C9-CE8D-469C-8523-2B0C16561E88}" sibTransId="{2045927C-5B50-4003-B600-64C2A5ABE2DD}"/>
-    <dgm:cxn modelId="{71716D25-E06B-41F5-AF7E-F41412630174}" type="presOf" srcId="{E0BAEF83-2C71-4107-81E1-926DCD286086}" destId="{2DB9F3C7-F783-45EF-B98A-6CF68ACAC559}" srcOrd="0" destOrd="1" presId="urn:microsoft.com/office/officeart/2005/8/layout/list1"/>
-    <dgm:cxn modelId="{ABC15FCE-53A0-4A33-8AFA-8560CAE9346C}" type="presOf" srcId="{2DA97FD1-BBB3-4064-A1EB-F44E48656E36}" destId="{19E3C654-7942-42CD-89B6-3E4B807FEF71}" srcOrd="0" destOrd="0" presId="urn:microsoft.com/office/officeart/2005/8/layout/list1"/>
-    <dgm:cxn modelId="{C9E3D724-DBAE-416D-9CD0-1DD2E34F4127}" srcId="{A8817308-8045-4284-9ED0-FA6A7280B37B}" destId="{76196532-FFF1-47AB-9928-8607D558FCB7}" srcOrd="1" destOrd="0" parTransId="{AC956ACF-B090-4354-B1FB-6B872A4FBCF9}" sibTransId="{965FB1C3-545A-4A82-B4BF-2B3000AA8849}"/>
-    <dgm:cxn modelId="{4645E8AE-47FC-4A57-AC17-FB2D400798E4}" type="presOf" srcId="{A8817308-8045-4284-9ED0-FA6A7280B37B}" destId="{2DB9F3C7-F783-45EF-B98A-6CF68ACAC559}" srcOrd="0" destOrd="0" presId="urn:microsoft.com/office/officeart/2005/8/layout/list1"/>
-    <dgm:cxn modelId="{1DA069AF-D256-4C49-84F2-70003C8727B9}" type="presOf" srcId="{C4708FD0-BDC9-4AC3-B46E-5F3134201944}" destId="{3AC68A53-0468-45EA-99D1-E9C1612C6CCC}" srcOrd="0" destOrd="0" presId="urn:microsoft.com/office/officeart/2005/8/layout/list1"/>
-    <dgm:cxn modelId="{2A0B32D3-AA13-44DF-BCED-7E6409C3D14A}" srcId="{A8817308-8045-4284-9ED0-FA6A7280B37B}" destId="{E0BAEF83-2C71-4107-81E1-926DCD286086}" srcOrd="0" destOrd="0" parTransId="{287AE2BE-57E7-445B-934E-E14C58888496}" sibTransId="{5CE02461-63AB-4E0A-93FB-48AAC7FE8550}"/>
-    <dgm:cxn modelId="{8409EC6B-D513-4AF5-A28F-8CCCBFB33ED1}" type="presOf" srcId="{14DB1DBD-99BF-4C0A-B718-DED539BFD06B}" destId="{A16645CD-28BA-4F38-9467-BD0E6AE54023}" srcOrd="0" destOrd="0" presId="urn:microsoft.com/office/officeart/2005/8/layout/list1"/>
-    <dgm:cxn modelId="{484C3013-5B07-4C18-B949-6B2D59EE7631}" type="presOf" srcId="{03D25477-C2BF-4DCF-BBF0-E63B155D8D9F}" destId="{6C44FC15-BF77-4C83-9686-7158D2639C38}" srcOrd="0" destOrd="0" presId="urn:microsoft.com/office/officeart/2005/8/layout/list1"/>
     <dgm:cxn modelId="{C2EACBF5-CE20-4734-89FA-E5DF1BF2EDDC}" srcId="{C4708FD0-BDC9-4AC3-B46E-5F3134201944}" destId="{2DA97FD1-BBB3-4064-A1EB-F44E48656E36}" srcOrd="1" destOrd="0" parTransId="{A6EAA0AD-15B1-412A-B40E-2002B46C6584}" sibTransId="{D1F033EF-F22A-4B29-B9A9-12C9B9FA9C68}"/>
     <dgm:cxn modelId="{9A90A4FB-B7CE-4C3B-AAE4-0E0E6A64A81A}" type="presOf" srcId="{14DB1DBD-99BF-4C0A-B718-DED539BFD06B}" destId="{A3A28B3C-C054-4101-B5A9-7F2D5EF0ADB0}" srcOrd="1" destOrd="0" presId="urn:microsoft.com/office/officeart/2005/8/layout/list1"/>
     <dgm:cxn modelId="{58952BD1-2435-454A-8279-6AA8C0297E90}" type="presParOf" srcId="{3AC68A53-0468-45EA-99D1-E9C1612C6CCC}" destId="{D5751625-6C7D-4DFE-AAAB-491D78AAD51F}" srcOrd="0" destOrd="0" presId="urn:microsoft.com/office/officeart/2005/8/layout/list1"/>
@@ -3495,13 +3445,6 @@
         </dgm:presLayoutVars>
       </dgm:prSet>
       <dgm:spPr/>
-      <dgm:t>
-        <a:bodyPr/>
-        <a:lstStyle/>
-        <a:p>
-          <a:endParaRPr lang="zh-CN" altLang="en-US"/>
-        </a:p>
-      </dgm:t>
     </dgm:pt>
     <dgm:pt modelId="{158D2379-F9A1-44D3-84BA-9B3EA567E10D}" type="pres">
       <dgm:prSet presAssocID="{0701F870-EF8B-448B-A46E-26E0FDC95F69}" presName="thickLine" presStyleLbl="alignNode1" presStyleIdx="0" presStyleCnt="3"/>
@@ -3514,13 +3457,6 @@
     <dgm:pt modelId="{5F2A3C28-5E6F-4BF7-AF62-C90BDA017413}" type="pres">
       <dgm:prSet presAssocID="{0701F870-EF8B-448B-A46E-26E0FDC95F69}" presName="tx1" presStyleLbl="revTx" presStyleIdx="0" presStyleCnt="3"/>
       <dgm:spPr/>
-      <dgm:t>
-        <a:bodyPr/>
-        <a:lstStyle/>
-        <a:p>
-          <a:endParaRPr lang="zh-CN" altLang="en-US"/>
-        </a:p>
-      </dgm:t>
     </dgm:pt>
     <dgm:pt modelId="{E3537504-7668-4019-A1EC-34C03B9B1FCB}" type="pres">
       <dgm:prSet presAssocID="{0701F870-EF8B-448B-A46E-26E0FDC95F69}" presName="vert1" presStyleCnt="0"/>
@@ -3537,13 +3473,6 @@
     <dgm:pt modelId="{2E779070-8052-45F9-88F5-D77B4973B02F}" type="pres">
       <dgm:prSet presAssocID="{81BECF53-7B92-4DD3-AC45-6ABAC71E4D9C}" presName="tx1" presStyleLbl="revTx" presStyleIdx="1" presStyleCnt="3"/>
       <dgm:spPr/>
-      <dgm:t>
-        <a:bodyPr/>
-        <a:lstStyle/>
-        <a:p>
-          <a:endParaRPr lang="zh-CN" altLang="en-US"/>
-        </a:p>
-      </dgm:t>
     </dgm:pt>
     <dgm:pt modelId="{A27A731D-4934-4039-A8C5-C6E7CFFA9D21}" type="pres">
       <dgm:prSet presAssocID="{81BECF53-7B92-4DD3-AC45-6ABAC71E4D9C}" presName="vert1" presStyleCnt="0"/>
@@ -3560,13 +3489,6 @@
     <dgm:pt modelId="{43DEAD10-7DFB-48B9-830A-F0EDC4582525}" type="pres">
       <dgm:prSet presAssocID="{93633622-0F47-4EFC-891C-110222B70729}" presName="tx1" presStyleLbl="revTx" presStyleIdx="2" presStyleCnt="3"/>
       <dgm:spPr/>
-      <dgm:t>
-        <a:bodyPr/>
-        <a:lstStyle/>
-        <a:p>
-          <a:endParaRPr lang="zh-CN" altLang="en-US"/>
-        </a:p>
-      </dgm:t>
     </dgm:pt>
     <dgm:pt modelId="{C19DB744-ACAD-4104-B12F-3CC219514CAE}" type="pres">
       <dgm:prSet presAssocID="{93633622-0F47-4EFC-891C-110222B70729}" presName="vert1" presStyleCnt="0"/>
@@ -3574,12 +3496,12 @@
     </dgm:pt>
   </dgm:ptLst>
   <dgm:cxnLst>
+    <dgm:cxn modelId="{0F479427-A55C-4171-924D-6C0038C52403}" srcId="{AB0BCB92-4FC1-4C11-B512-ED92E737BBAA}" destId="{0701F870-EF8B-448B-A46E-26E0FDC95F69}" srcOrd="0" destOrd="0" parTransId="{B1D76282-738C-4B22-A12D-56AD08227AA6}" sibTransId="{6BFEE035-E7AA-47C6-BC41-13C3B8B6EFAF}"/>
+    <dgm:cxn modelId="{B727EE30-BAAE-46DB-9F45-C64BC555FE9B}" srcId="{AB0BCB92-4FC1-4C11-B512-ED92E737BBAA}" destId="{93633622-0F47-4EFC-891C-110222B70729}" srcOrd="2" destOrd="0" parTransId="{A010C79D-ABB0-46A8-8C3B-2540CB09A582}" sibTransId="{CC12B6EA-5104-41B0-8EDB-BF54002E30D6}"/>
     <dgm:cxn modelId="{3752D69E-64F5-4D9B-B39C-1658AF432B2E}" srcId="{AB0BCB92-4FC1-4C11-B512-ED92E737BBAA}" destId="{81BECF53-7B92-4DD3-AC45-6ABAC71E4D9C}" srcOrd="1" destOrd="0" parTransId="{BB63B001-21E3-4C51-B5CF-92C4C4F066E9}" sibTransId="{B6465842-C0E1-4179-B141-0F95060D02B3}"/>
+    <dgm:cxn modelId="{AAB91AB0-3800-4CBA-9A35-09335F009EA5}" type="presOf" srcId="{AB0BCB92-4FC1-4C11-B512-ED92E737BBAA}" destId="{CBEE759C-012E-4B3C-942B-1E0328641844}" srcOrd="0" destOrd="0" presId="urn:microsoft.com/office/officeart/2008/layout/LinedList"/>
     <dgm:cxn modelId="{DD34BCB9-D348-438A-BA9A-90DBC4E073E8}" type="presOf" srcId="{81BECF53-7B92-4DD3-AC45-6ABAC71E4D9C}" destId="{2E779070-8052-45F9-88F5-D77B4973B02F}" srcOrd="0" destOrd="0" presId="urn:microsoft.com/office/officeart/2008/layout/LinedList"/>
-    <dgm:cxn modelId="{AAB91AB0-3800-4CBA-9A35-09335F009EA5}" type="presOf" srcId="{AB0BCB92-4FC1-4C11-B512-ED92E737BBAA}" destId="{CBEE759C-012E-4B3C-942B-1E0328641844}" srcOrd="0" destOrd="0" presId="urn:microsoft.com/office/officeart/2008/layout/LinedList"/>
-    <dgm:cxn modelId="{B727EE30-BAAE-46DB-9F45-C64BC555FE9B}" srcId="{AB0BCB92-4FC1-4C11-B512-ED92E737BBAA}" destId="{93633622-0F47-4EFC-891C-110222B70729}" srcOrd="2" destOrd="0" parTransId="{A010C79D-ABB0-46A8-8C3B-2540CB09A582}" sibTransId="{CC12B6EA-5104-41B0-8EDB-BF54002E30D6}"/>
     <dgm:cxn modelId="{29FC24C7-0D4D-425B-A553-BADA8C8379B8}" type="presOf" srcId="{93633622-0F47-4EFC-891C-110222B70729}" destId="{43DEAD10-7DFB-48B9-830A-F0EDC4582525}" srcOrd="0" destOrd="0" presId="urn:microsoft.com/office/officeart/2008/layout/LinedList"/>
-    <dgm:cxn modelId="{0F479427-A55C-4171-924D-6C0038C52403}" srcId="{AB0BCB92-4FC1-4C11-B512-ED92E737BBAA}" destId="{0701F870-EF8B-448B-A46E-26E0FDC95F69}" srcOrd="0" destOrd="0" parTransId="{B1D76282-738C-4B22-A12D-56AD08227AA6}" sibTransId="{6BFEE035-E7AA-47C6-BC41-13C3B8B6EFAF}"/>
     <dgm:cxn modelId="{07D9DDE7-818A-4632-836E-1BE94EC4058F}" type="presOf" srcId="{0701F870-EF8B-448B-A46E-26E0FDC95F69}" destId="{5F2A3C28-5E6F-4BF7-AF62-C90BDA017413}" srcOrd="0" destOrd="0" presId="urn:microsoft.com/office/officeart/2008/layout/LinedList"/>
     <dgm:cxn modelId="{463D497D-BF5D-466A-A8A7-45C1EE903528}" type="presParOf" srcId="{CBEE759C-012E-4B3C-942B-1E0328641844}" destId="{158D2379-F9A1-44D3-84BA-9B3EA567E10D}" srcOrd="0" destOrd="0" presId="urn:microsoft.com/office/officeart/2008/layout/LinedList"/>
     <dgm:cxn modelId="{353C1AA6-8C55-429D-B68A-DDE56F0B57FD}" type="presParOf" srcId="{CBEE759C-012E-4B3C-942B-1E0328641844}" destId="{0D8D8CEA-D99E-4810-8B3A-5E76BAFEBEA9}" srcOrd="1" destOrd="0" presId="urn:microsoft.com/office/officeart/2008/layout/LinedList"/>
@@ -3765,7 +3687,7 @@
         </a:bodyPr>
         <a:lstStyle/>
         <a:p>
-          <a:pPr lvl="0" algn="l" defTabSz="1200150">
+          <a:pPr marL="0" lvl="0" indent="0" algn="l" defTabSz="1200150">
             <a:lnSpc>
               <a:spcPct val="90000"/>
             </a:lnSpc>
@@ -3775,6 +3697,7 @@
             <a:spcAft>
               <a:spcPct val="35000"/>
             </a:spcAft>
+            <a:buNone/>
           </a:pPr>
           <a:r>
             <a:rPr lang="en-US" sz="2700" kern="1200"/>
@@ -3994,7 +3917,7 @@
         </a:bodyPr>
         <a:lstStyle/>
         <a:p>
-          <a:pPr lvl="0" algn="l" defTabSz="1200150">
+          <a:pPr marL="0" lvl="0" indent="0" algn="l" defTabSz="1200150">
             <a:lnSpc>
               <a:spcPct val="90000"/>
             </a:lnSpc>
@@ -4004,6 +3927,7 @@
             <a:spcAft>
               <a:spcPct val="35000"/>
             </a:spcAft>
+            <a:buNone/>
           </a:pPr>
           <a:r>
             <a:rPr lang="en-US" sz="2700" kern="1200"/>
@@ -4115,7 +4039,7 @@
         </a:bodyPr>
         <a:lstStyle/>
         <a:p>
-          <a:pPr lvl="0" algn="l" defTabSz="2889250">
+          <a:pPr marL="0" lvl="0" indent="0" algn="l" defTabSz="2889250">
             <a:lnSpc>
               <a:spcPct val="90000"/>
             </a:lnSpc>
@@ -4125,6 +4049,7 @@
             <a:spcAft>
               <a:spcPct val="35000"/>
             </a:spcAft>
+            <a:buNone/>
           </a:pPr>
           <a:r>
             <a:rPr lang="en-US" sz="6500" kern="1200"/>
@@ -4224,7 +4149,7 @@
         </a:bodyPr>
         <a:lstStyle/>
         <a:p>
-          <a:pPr lvl="0" algn="l" defTabSz="2889250">
+          <a:pPr marL="0" lvl="0" indent="0" algn="l" defTabSz="2889250">
             <a:lnSpc>
               <a:spcPct val="90000"/>
             </a:lnSpc>
@@ -4234,6 +4159,7 @@
             <a:spcAft>
               <a:spcPct val="35000"/>
             </a:spcAft>
+            <a:buNone/>
           </a:pPr>
           <a:r>
             <a:rPr lang="en-US" sz="6500" kern="1200"/>
@@ -4333,7 +4259,7 @@
         </a:bodyPr>
         <a:lstStyle/>
         <a:p>
-          <a:pPr lvl="0" algn="l" defTabSz="2889250">
+          <a:pPr marL="0" lvl="0" indent="0" algn="l" defTabSz="2889250">
             <a:lnSpc>
               <a:spcPct val="90000"/>
             </a:lnSpc>
@@ -4343,6 +4269,7 @@
             <a:spcAft>
               <a:spcPct val="35000"/>
             </a:spcAft>
+            <a:buNone/>
           </a:pPr>
           <a:r>
             <a:rPr lang="en-US" sz="6500" kern="1200"/>
@@ -7200,7 +7127,7 @@
           <a:p>
             <a:fld id="{7F247836-444C-4F66-A0C1-05BB78B8302F}" type="datetimeFigureOut">
               <a:rPr lang="zh-CN" altLang="en-US" smtClean="0"/>
-              <a:t>2018/10/16</a:t>
+              <a:t>2018/11/19</a:t>
             </a:fld>
             <a:endParaRPr lang="zh-CN" altLang="en-US"/>
           </a:p>
@@ -7682,7 +7609,7 @@
           <a:p>
             <a:fld id="{C33CCA02-121E-A04D-BB8D-7A9B1E1BDCF5}" type="datetimeFigureOut">
               <a:rPr lang="en-US" smtClean="0"/>
-              <a:t>10/16/18</a:t>
+              <a:t>11/19/18</a:t>
             </a:fld>
             <a:endParaRPr lang="en-US"/>
           </a:p>
@@ -7852,7 +7779,7 @@
           <a:p>
             <a:fld id="{C33CCA02-121E-A04D-BB8D-7A9B1E1BDCF5}" type="datetimeFigureOut">
               <a:rPr lang="en-US" smtClean="0"/>
-              <a:t>10/16/18</a:t>
+              <a:t>11/19/18</a:t>
             </a:fld>
             <a:endParaRPr lang="en-US"/>
           </a:p>
@@ -8032,7 +7959,7 @@
           <a:p>
             <a:fld id="{C33CCA02-121E-A04D-BB8D-7A9B1E1BDCF5}" type="datetimeFigureOut">
               <a:rPr lang="en-US" smtClean="0"/>
-              <a:t>10/16/18</a:t>
+              <a:t>11/19/18</a:t>
             </a:fld>
             <a:endParaRPr lang="en-US"/>
           </a:p>
@@ -8202,7 +8129,7 @@
           <a:p>
             <a:fld id="{C33CCA02-121E-A04D-BB8D-7A9B1E1BDCF5}" type="datetimeFigureOut">
               <a:rPr lang="en-US" smtClean="0"/>
-              <a:t>10/16/18</a:t>
+              <a:t>11/19/18</a:t>
             </a:fld>
             <a:endParaRPr lang="en-US"/>
           </a:p>
@@ -8448,7 +8375,7 @@
           <a:p>
             <a:fld id="{C33CCA02-121E-A04D-BB8D-7A9B1E1BDCF5}" type="datetimeFigureOut">
               <a:rPr lang="en-US" smtClean="0"/>
-              <a:t>10/16/18</a:t>
+              <a:t>11/19/18</a:t>
             </a:fld>
             <a:endParaRPr lang="en-US"/>
           </a:p>
@@ -8680,7 +8607,7 @@
           <a:p>
             <a:fld id="{C33CCA02-121E-A04D-BB8D-7A9B1E1BDCF5}" type="datetimeFigureOut">
               <a:rPr lang="en-US" smtClean="0"/>
-              <a:t>10/16/18</a:t>
+              <a:t>11/19/18</a:t>
             </a:fld>
             <a:endParaRPr lang="en-US"/>
           </a:p>
@@ -9047,7 +8974,7 @@
           <a:p>
             <a:fld id="{C33CCA02-121E-A04D-BB8D-7A9B1E1BDCF5}" type="datetimeFigureOut">
               <a:rPr lang="en-US" smtClean="0"/>
-              <a:t>10/16/18</a:t>
+              <a:t>11/19/18</a:t>
             </a:fld>
             <a:endParaRPr lang="en-US"/>
           </a:p>
@@ -9165,7 +9092,7 @@
           <a:p>
             <a:fld id="{C33CCA02-121E-A04D-BB8D-7A9B1E1BDCF5}" type="datetimeFigureOut">
               <a:rPr lang="en-US" smtClean="0"/>
-              <a:t>10/16/18</a:t>
+              <a:t>11/19/18</a:t>
             </a:fld>
             <a:endParaRPr lang="en-US"/>
           </a:p>
@@ -9260,7 +9187,7 @@
           <a:p>
             <a:fld id="{C33CCA02-121E-A04D-BB8D-7A9B1E1BDCF5}" type="datetimeFigureOut">
               <a:rPr lang="en-US" smtClean="0"/>
-              <a:t>10/16/18</a:t>
+              <a:t>11/19/18</a:t>
             </a:fld>
             <a:endParaRPr lang="en-US"/>
           </a:p>
@@ -9537,7 +9464,7 @@
           <a:p>
             <a:fld id="{C33CCA02-121E-A04D-BB8D-7A9B1E1BDCF5}" type="datetimeFigureOut">
               <a:rPr lang="en-US" smtClean="0"/>
-              <a:t>10/16/18</a:t>
+              <a:t>11/19/18</a:t>
             </a:fld>
             <a:endParaRPr lang="en-US"/>
           </a:p>
@@ -9794,7 +9721,7 @@
           <a:p>
             <a:fld id="{C33CCA02-121E-A04D-BB8D-7A9B1E1BDCF5}" type="datetimeFigureOut">
               <a:rPr lang="en-US" smtClean="0"/>
-              <a:t>10/16/18</a:t>
+              <a:t>11/19/18</a:t>
             </a:fld>
             <a:endParaRPr lang="en-US"/>
           </a:p>
@@ -10007,7 +9934,7 @@
           <a:p>
             <a:fld id="{C33CCA02-121E-A04D-BB8D-7A9B1E1BDCF5}" type="datetimeFigureOut">
               <a:rPr lang="en-US" smtClean="0"/>
-              <a:t>10/16/18</a:t>
+              <a:t>11/19/18</a:t>
             </a:fld>
             <a:endParaRPr lang="en-US"/>
           </a:p>
@@ -10425,10 +10352,10 @@
           <p:cNvPr id="11" name="Rectangle 10">
             <a:extLst>
               <a:ext uri="{FF2B5EF4-FFF2-40B4-BE49-F238E27FC236}">
-                <a16:creationId xmlns:a16="http://schemas.microsoft.com/office/drawing/2014/main" xmlns="" id="{559AE206-7EBA-4D33-8BC9-9D8158553F0E}"/>
+                <a16:creationId xmlns:a16="http://schemas.microsoft.com/office/drawing/2014/main" id="{559AE206-7EBA-4D33-8BC9-9D8158553F0E}"/>
               </a:ext>
               <a:ext uri="{C183D7F6-B498-43B3-948B-1728B52AA6E4}">
-                <adec:decorative xmlns:adec="http://schemas.microsoft.com/office/drawing/2017/decorative" xmlns="" val="1"/>
+                <adec:decorative xmlns:adec="http://schemas.microsoft.com/office/drawing/2017/decorative" val="1"/>
               </a:ext>
             </a:extLst>
           </p:cNvPr>
@@ -10514,10 +10441,10 @@
           <p:cNvPr id="13" name="Oval 12">
             <a:extLst>
               <a:ext uri="{FF2B5EF4-FFF2-40B4-BE49-F238E27FC236}">
-                <a16:creationId xmlns:a16="http://schemas.microsoft.com/office/drawing/2014/main" xmlns="" id="{6437D937-A7F1-4011-92B4-328E5BE1B166}"/>
+                <a16:creationId xmlns:a16="http://schemas.microsoft.com/office/drawing/2014/main" id="{6437D937-A7F1-4011-92B4-328E5BE1B166}"/>
               </a:ext>
               <a:ext uri="{C183D7F6-B498-43B3-948B-1728B52AA6E4}">
-                <adec:decorative xmlns:adec="http://schemas.microsoft.com/office/drawing/2017/decorative" xmlns="" val="1"/>
+                <adec:decorative xmlns:adec="http://schemas.microsoft.com/office/drawing/2017/decorative" val="1"/>
               </a:ext>
             </a:extLst>
           </p:cNvPr>
@@ -10606,10 +10533,10 @@
           <p:cNvPr id="15" name="Oval 14">
             <a:extLst>
               <a:ext uri="{FF2B5EF4-FFF2-40B4-BE49-F238E27FC236}">
-                <a16:creationId xmlns:a16="http://schemas.microsoft.com/office/drawing/2014/main" xmlns="" id="{B672F332-AF08-46C6-94F0-77684310D7B7}"/>
+                <a16:creationId xmlns:a16="http://schemas.microsoft.com/office/drawing/2014/main" id="{B672F332-AF08-46C6-94F0-77684310D7B7}"/>
               </a:ext>
               <a:ext uri="{C183D7F6-B498-43B3-948B-1728B52AA6E4}">
-                <adec:decorative xmlns:adec="http://schemas.microsoft.com/office/drawing/2017/decorative" xmlns="" val="1"/>
+                <adec:decorative xmlns:adec="http://schemas.microsoft.com/office/drawing/2017/decorative" val="1"/>
               </a:ext>
             </a:extLst>
           </p:cNvPr>
@@ -10698,10 +10625,10 @@
           <p:cNvPr id="17" name="Oval 16">
             <a:extLst>
               <a:ext uri="{FF2B5EF4-FFF2-40B4-BE49-F238E27FC236}">
-                <a16:creationId xmlns:a16="http://schemas.microsoft.com/office/drawing/2014/main" xmlns="" id="{34244EF8-D73A-40E1-BE73-D46E6B4B04ED}"/>
+                <a16:creationId xmlns:a16="http://schemas.microsoft.com/office/drawing/2014/main" id="{34244EF8-D73A-40E1-BE73-D46E6B4B04ED}"/>
               </a:ext>
               <a:ext uri="{C183D7F6-B498-43B3-948B-1728B52AA6E4}">
-                <adec:decorative xmlns:adec="http://schemas.microsoft.com/office/drawing/2017/decorative" xmlns="" val="1"/>
+                <adec:decorative xmlns:adec="http://schemas.microsoft.com/office/drawing/2017/decorative" val="1"/>
               </a:ext>
             </a:extLst>
           </p:cNvPr>
@@ -10790,10 +10717,10 @@
           <p:cNvPr id="19" name="Freeform: Shape 18">
             <a:extLst>
               <a:ext uri="{FF2B5EF4-FFF2-40B4-BE49-F238E27FC236}">
-                <a16:creationId xmlns:a16="http://schemas.microsoft.com/office/drawing/2014/main" xmlns="" id="{AB84D7E8-4ECB-42D7-ADBF-01689B0F24AE}"/>
+                <a16:creationId xmlns:a16="http://schemas.microsoft.com/office/drawing/2014/main" id="{AB84D7E8-4ECB-42D7-ADBF-01689B0F24AE}"/>
               </a:ext>
               <a:ext uri="{C183D7F6-B498-43B3-948B-1728B52AA6E4}">
-                <adec:decorative xmlns:adec="http://schemas.microsoft.com/office/drawing/2017/decorative" xmlns="" val="1"/>
+                <adec:decorative xmlns:adec="http://schemas.microsoft.com/office/drawing/2017/decorative" val="1"/>
               </a:ext>
             </a:extLst>
           </p:cNvPr>
@@ -10945,10 +10872,10 @@
           <p:cNvPr id="21" name="Straight Connector 20">
             <a:extLst>
               <a:ext uri="{FF2B5EF4-FFF2-40B4-BE49-F238E27FC236}">
-                <a16:creationId xmlns:a16="http://schemas.microsoft.com/office/drawing/2014/main" xmlns="" id="{9E8E38ED-369A-44C2-B635-0BED0E48A6E8}"/>
+                <a16:creationId xmlns:a16="http://schemas.microsoft.com/office/drawing/2014/main" id="{9E8E38ED-369A-44C2-B635-0BED0E48A6E8}"/>
               </a:ext>
               <a:ext uri="{C183D7F6-B498-43B3-948B-1728B52AA6E4}">
-                <adec:decorative xmlns:adec="http://schemas.microsoft.com/office/drawing/2017/decorative" xmlns="" val="1"/>
+                <adec:decorative xmlns:adec="http://schemas.microsoft.com/office/drawing/2017/decorative" val="1"/>
               </a:ext>
             </a:extLst>
           </p:cNvPr>
@@ -10997,7 +10924,7 @@
           <p:cNvPr id="6" name="TextBox 5">
             <a:extLst>
               <a:ext uri="{FF2B5EF4-FFF2-40B4-BE49-F238E27FC236}">
-                <a16:creationId xmlns:a16="http://schemas.microsoft.com/office/drawing/2014/main" xmlns="" id="{22B54AF2-355A-C640-94BB-354252E5DA20}"/>
+                <a16:creationId xmlns:a16="http://schemas.microsoft.com/office/drawing/2014/main" id="{22B54AF2-355A-C640-94BB-354252E5DA20}"/>
               </a:ext>
             </a:extLst>
           </p:cNvPr>
@@ -11035,7 +10962,7 @@
                 <a:hlinkClick r:id="rId2" tooltip="http://umaprofessoramaluquinha.com.br/?attachment_id=1237">
                   <a:extLst>
                     <a:ext uri="{A12FA001-AC4F-418D-AE19-62706E023703}">
-                      <ahyp:hlinkClr xmlns:ahyp="http://schemas.microsoft.com/office/drawing/2018/hyperlinkcolor" xmlns="" val="tx"/>
+                      <ahyp:hlinkClr xmlns:ahyp="http://schemas.microsoft.com/office/drawing/2018/hyperlinkcolor" val="tx"/>
                     </a:ext>
                   </a:extLst>
                 </a:hlinkClick>
@@ -11058,7 +10985,7 @@
                 <a:hlinkClick r:id="rId3" tooltip="https://creativecommons.org/licenses/by/3.0/">
                   <a:extLst>
                     <a:ext uri="{A12FA001-AC4F-418D-AE19-62706E023703}">
-                      <ahyp:hlinkClr xmlns:ahyp="http://schemas.microsoft.com/office/drawing/2018/hyperlinkcolor" xmlns="" val="tx"/>
+                      <ahyp:hlinkClr xmlns:ahyp="http://schemas.microsoft.com/office/drawing/2018/hyperlinkcolor" val="tx"/>
                     </a:ext>
                   </a:extLst>
                 </a:hlinkClick>
@@ -11078,7 +11005,7 @@
           <p:cNvPr id="10" name="Title 1">
             <a:extLst>
               <a:ext uri="{FF2B5EF4-FFF2-40B4-BE49-F238E27FC236}">
-                <a16:creationId xmlns="" xmlns:a16="http://schemas.microsoft.com/office/drawing/2014/main" id="{DD775157-5AA1-384D-B45C-859A191D6F1D}"/>
+                <a16:creationId xmlns:a16="http://schemas.microsoft.com/office/drawing/2014/main" id="{DD775157-5AA1-384D-B45C-859A191D6F1D}"/>
               </a:ext>
             </a:extLst>
           </p:cNvPr>
@@ -11164,7 +11091,7 @@
           <p:cNvPr id="2" name="Title 1">
             <a:extLst>
               <a:ext uri="{FF2B5EF4-FFF2-40B4-BE49-F238E27FC236}">
-                <a16:creationId xmlns:a16="http://schemas.microsoft.com/office/drawing/2014/main" xmlns="" id="{07798674-E301-554E-9BA6-4119F55B3BAA}"/>
+                <a16:creationId xmlns:a16="http://schemas.microsoft.com/office/drawing/2014/main" id="{07798674-E301-554E-9BA6-4119F55B3BAA}"/>
               </a:ext>
             </a:extLst>
           </p:cNvPr>
@@ -11203,7 +11130,7 @@
           <p:cNvPr id="3" name="Content Placeholder 2">
             <a:extLst>
               <a:ext uri="{FF2B5EF4-FFF2-40B4-BE49-F238E27FC236}">
-                <a16:creationId xmlns:a16="http://schemas.microsoft.com/office/drawing/2014/main" xmlns="" id="{43E4FCF2-53F1-4C4F-A846-72FC3C457F62}"/>
+                <a16:creationId xmlns:a16="http://schemas.microsoft.com/office/drawing/2014/main" id="{43E4FCF2-53F1-4C4F-A846-72FC3C457F62}"/>
               </a:ext>
             </a:extLst>
           </p:cNvPr>
@@ -11325,7 +11252,7 @@
           <p:cNvPr id="2" name="Title 1">
             <a:extLst>
               <a:ext uri="{FF2B5EF4-FFF2-40B4-BE49-F238E27FC236}">
-                <a16:creationId xmlns:a16="http://schemas.microsoft.com/office/drawing/2014/main" xmlns="" id="{F668BCFA-92F5-E24D-BA3C-F8E85A091FBF}"/>
+                <a16:creationId xmlns:a16="http://schemas.microsoft.com/office/drawing/2014/main" id="{F668BCFA-92F5-E24D-BA3C-F8E85A091FBF}"/>
               </a:ext>
             </a:extLst>
           </p:cNvPr>
@@ -11358,7 +11285,7 @@
           <p:cNvPr id="4" name="Content Placeholder 3">
             <a:extLst>
               <a:ext uri="{FF2B5EF4-FFF2-40B4-BE49-F238E27FC236}">
-                <a16:creationId xmlns:a16="http://schemas.microsoft.com/office/drawing/2014/main" xmlns="" id="{59C5DA00-E148-2343-95FC-60D868345577}"/>
+                <a16:creationId xmlns:a16="http://schemas.microsoft.com/office/drawing/2014/main" id="{59C5DA00-E148-2343-95FC-60D868345577}"/>
               </a:ext>
             </a:extLst>
           </p:cNvPr>
@@ -11390,7 +11317,7 @@
           <p:cNvPr id="5" name="TextBox 4">
             <a:extLst>
               <a:ext uri="{FF2B5EF4-FFF2-40B4-BE49-F238E27FC236}">
-                <a16:creationId xmlns:a16="http://schemas.microsoft.com/office/drawing/2014/main" xmlns="" id="{5A77450D-EE40-5A40-8F97-9AB6B40FDD34}"/>
+                <a16:creationId xmlns:a16="http://schemas.microsoft.com/office/drawing/2014/main" id="{5A77450D-EE40-5A40-8F97-9AB6B40FDD34}"/>
               </a:ext>
             </a:extLst>
           </p:cNvPr>
@@ -11491,7 +11418,7 @@
           <p:cNvPr id="2" name="Title 1">
             <a:extLst>
               <a:ext uri="{FF2B5EF4-FFF2-40B4-BE49-F238E27FC236}">
-                <a16:creationId xmlns:a16="http://schemas.microsoft.com/office/drawing/2014/main" xmlns="" id="{9261DB7E-44C4-084F-9D57-29E04A3B36CD}"/>
+                <a16:creationId xmlns:a16="http://schemas.microsoft.com/office/drawing/2014/main" id="{9261DB7E-44C4-084F-9D57-29E04A3B36CD}"/>
               </a:ext>
             </a:extLst>
           </p:cNvPr>
@@ -11536,7 +11463,7 @@
           <p:cNvPr id="3" name="Content Placeholder 2">
             <a:extLst>
               <a:ext uri="{FF2B5EF4-FFF2-40B4-BE49-F238E27FC236}">
-                <a16:creationId xmlns:a16="http://schemas.microsoft.com/office/drawing/2014/main" xmlns="" id="{1010BBE1-8861-F94D-B6F0-777229F73116}"/>
+                <a16:creationId xmlns:a16="http://schemas.microsoft.com/office/drawing/2014/main" id="{1010BBE1-8861-F94D-B6F0-777229F73116}"/>
               </a:ext>
             </a:extLst>
           </p:cNvPr>
@@ -11639,7 +11566,7 @@
           <p:cNvPr id="4" name="Content Placeholder 2">
             <a:extLst>
               <a:ext uri="{FF2B5EF4-FFF2-40B4-BE49-F238E27FC236}">
-                <a16:creationId xmlns:a16="http://schemas.microsoft.com/office/drawing/2014/main" xmlns="" id="{5B697BF6-5492-574B-947C-E6EE38A5BDD9}"/>
+                <a16:creationId xmlns:a16="http://schemas.microsoft.com/office/drawing/2014/main" id="{5B697BF6-5492-574B-947C-E6EE38A5BDD9}"/>
               </a:ext>
             </a:extLst>
           </p:cNvPr>
@@ -11928,7 +11855,7 @@
           <p:cNvPr id="2" name="Title 1">
             <a:extLst>
               <a:ext uri="{FF2B5EF4-FFF2-40B4-BE49-F238E27FC236}">
-                <a16:creationId xmlns:a16="http://schemas.microsoft.com/office/drawing/2014/main" xmlns="" id="{B80129F1-3283-2649-B262-872A93970315}"/>
+                <a16:creationId xmlns:a16="http://schemas.microsoft.com/office/drawing/2014/main" id="{B80129F1-3283-2649-B262-872A93970315}"/>
               </a:ext>
             </a:extLst>
           </p:cNvPr>
@@ -11969,7 +11896,7 @@
           <p:cNvPr id="3" name="Content Placeholder 2">
             <a:extLst>
               <a:ext uri="{FF2B5EF4-FFF2-40B4-BE49-F238E27FC236}">
-                <a16:creationId xmlns:a16="http://schemas.microsoft.com/office/drawing/2014/main" xmlns="" id="{A969F0D0-CFDD-0B43-8E67-812D48ADA02A}"/>
+                <a16:creationId xmlns:a16="http://schemas.microsoft.com/office/drawing/2014/main" id="{A969F0D0-CFDD-0B43-8E67-812D48ADA02A}"/>
               </a:ext>
             </a:extLst>
           </p:cNvPr>
@@ -12091,10 +12018,10 @@
           <p:cNvPr id="11" name="Rectangle 10">
             <a:extLst>
               <a:ext uri="{FF2B5EF4-FFF2-40B4-BE49-F238E27FC236}">
-                <a16:creationId xmlns:a16="http://schemas.microsoft.com/office/drawing/2014/main" xmlns="" id="{559AE206-7EBA-4D33-8BC9-9D8158553F0E}"/>
+                <a16:creationId xmlns:a16="http://schemas.microsoft.com/office/drawing/2014/main" id="{559AE206-7EBA-4D33-8BC9-9D8158553F0E}"/>
               </a:ext>
               <a:ext uri="{C183D7F6-B498-43B3-948B-1728B52AA6E4}">
-                <adec:decorative xmlns:adec="http://schemas.microsoft.com/office/drawing/2017/decorative" xmlns="" val="1"/>
+                <adec:decorative xmlns:adec="http://schemas.microsoft.com/office/drawing/2017/decorative" val="1"/>
               </a:ext>
             </a:extLst>
           </p:cNvPr>
@@ -12180,7 +12107,7 @@
           <p:cNvPr id="2" name="Title 1">
             <a:extLst>
               <a:ext uri="{FF2B5EF4-FFF2-40B4-BE49-F238E27FC236}">
-                <a16:creationId xmlns:a16="http://schemas.microsoft.com/office/drawing/2014/main" xmlns="" id="{DD775157-5AA1-384D-B45C-859A191D6F1D}"/>
+                <a16:creationId xmlns:a16="http://schemas.microsoft.com/office/drawing/2014/main" id="{DD775157-5AA1-384D-B45C-859A191D6F1D}"/>
               </a:ext>
             </a:extLst>
           </p:cNvPr>
@@ -12239,10 +12166,10 @@
           <p:cNvPr id="13" name="Oval 12">
             <a:extLst>
               <a:ext uri="{FF2B5EF4-FFF2-40B4-BE49-F238E27FC236}">
-                <a16:creationId xmlns:a16="http://schemas.microsoft.com/office/drawing/2014/main" xmlns="" id="{6437D937-A7F1-4011-92B4-328E5BE1B166}"/>
+                <a16:creationId xmlns:a16="http://schemas.microsoft.com/office/drawing/2014/main" id="{6437D937-A7F1-4011-92B4-328E5BE1B166}"/>
               </a:ext>
               <a:ext uri="{C183D7F6-B498-43B3-948B-1728B52AA6E4}">
-                <adec:decorative xmlns:adec="http://schemas.microsoft.com/office/drawing/2017/decorative" xmlns="" val="1"/>
+                <adec:decorative xmlns:adec="http://schemas.microsoft.com/office/drawing/2017/decorative" val="1"/>
               </a:ext>
             </a:extLst>
           </p:cNvPr>
@@ -12331,10 +12258,10 @@
           <p:cNvPr id="15" name="Oval 14">
             <a:extLst>
               <a:ext uri="{FF2B5EF4-FFF2-40B4-BE49-F238E27FC236}">
-                <a16:creationId xmlns:a16="http://schemas.microsoft.com/office/drawing/2014/main" xmlns="" id="{B672F332-AF08-46C6-94F0-77684310D7B7}"/>
+                <a16:creationId xmlns:a16="http://schemas.microsoft.com/office/drawing/2014/main" id="{B672F332-AF08-46C6-94F0-77684310D7B7}"/>
               </a:ext>
               <a:ext uri="{C183D7F6-B498-43B3-948B-1728B52AA6E4}">
-                <adec:decorative xmlns:adec="http://schemas.microsoft.com/office/drawing/2017/decorative" xmlns="" val="1"/>
+                <adec:decorative xmlns:adec="http://schemas.microsoft.com/office/drawing/2017/decorative" val="1"/>
               </a:ext>
             </a:extLst>
           </p:cNvPr>
@@ -12423,10 +12350,10 @@
           <p:cNvPr id="17" name="Oval 16">
             <a:extLst>
               <a:ext uri="{FF2B5EF4-FFF2-40B4-BE49-F238E27FC236}">
-                <a16:creationId xmlns:a16="http://schemas.microsoft.com/office/drawing/2014/main" xmlns="" id="{34244EF8-D73A-40E1-BE73-D46E6B4B04ED}"/>
+                <a16:creationId xmlns:a16="http://schemas.microsoft.com/office/drawing/2014/main" id="{34244EF8-D73A-40E1-BE73-D46E6B4B04ED}"/>
               </a:ext>
               <a:ext uri="{C183D7F6-B498-43B3-948B-1728B52AA6E4}">
-                <adec:decorative xmlns:adec="http://schemas.microsoft.com/office/drawing/2017/decorative" xmlns="" val="1"/>
+                <adec:decorative xmlns:adec="http://schemas.microsoft.com/office/drawing/2017/decorative" val="1"/>
               </a:ext>
             </a:extLst>
           </p:cNvPr>
@@ -12515,10 +12442,10 @@
           <p:cNvPr id="19" name="Freeform: Shape 18">
             <a:extLst>
               <a:ext uri="{FF2B5EF4-FFF2-40B4-BE49-F238E27FC236}">
-                <a16:creationId xmlns:a16="http://schemas.microsoft.com/office/drawing/2014/main" xmlns="" id="{AB84D7E8-4ECB-42D7-ADBF-01689B0F24AE}"/>
+                <a16:creationId xmlns:a16="http://schemas.microsoft.com/office/drawing/2014/main" id="{AB84D7E8-4ECB-42D7-ADBF-01689B0F24AE}"/>
               </a:ext>
               <a:ext uri="{C183D7F6-B498-43B3-948B-1728B52AA6E4}">
-                <adec:decorative xmlns:adec="http://schemas.microsoft.com/office/drawing/2017/decorative" xmlns="" val="1"/>
+                <adec:decorative xmlns:adec="http://schemas.microsoft.com/office/drawing/2017/decorative" val="1"/>
               </a:ext>
             </a:extLst>
           </p:cNvPr>
@@ -12670,10 +12597,10 @@
           <p:cNvPr id="21" name="Straight Connector 20">
             <a:extLst>
               <a:ext uri="{FF2B5EF4-FFF2-40B4-BE49-F238E27FC236}">
-                <a16:creationId xmlns:a16="http://schemas.microsoft.com/office/drawing/2014/main" xmlns="" id="{9E8E38ED-369A-44C2-B635-0BED0E48A6E8}"/>
+                <a16:creationId xmlns:a16="http://schemas.microsoft.com/office/drawing/2014/main" id="{9E8E38ED-369A-44C2-B635-0BED0E48A6E8}"/>
               </a:ext>
               <a:ext uri="{C183D7F6-B498-43B3-948B-1728B52AA6E4}">
-                <adec:decorative xmlns:adec="http://schemas.microsoft.com/office/drawing/2017/decorative" xmlns="" val="1"/>
+                <adec:decorative xmlns:adec="http://schemas.microsoft.com/office/drawing/2017/decorative" val="1"/>
               </a:ext>
             </a:extLst>
           </p:cNvPr>
@@ -12722,7 +12649,7 @@
           <p:cNvPr id="6" name="TextBox 5">
             <a:extLst>
               <a:ext uri="{FF2B5EF4-FFF2-40B4-BE49-F238E27FC236}">
-                <a16:creationId xmlns:a16="http://schemas.microsoft.com/office/drawing/2014/main" xmlns="" id="{22B54AF2-355A-C640-94BB-354252E5DA20}"/>
+                <a16:creationId xmlns:a16="http://schemas.microsoft.com/office/drawing/2014/main" id="{22B54AF2-355A-C640-94BB-354252E5DA20}"/>
               </a:ext>
             </a:extLst>
           </p:cNvPr>
@@ -12760,7 +12687,7 @@
                 <a:hlinkClick r:id="rId2" tooltip="http://umaprofessoramaluquinha.com.br/?attachment_id=1237">
                   <a:extLst>
                     <a:ext uri="{A12FA001-AC4F-418D-AE19-62706E023703}">
-                      <ahyp:hlinkClr xmlns:ahyp="http://schemas.microsoft.com/office/drawing/2018/hyperlinkcolor" xmlns="" val="tx"/>
+                      <ahyp:hlinkClr xmlns:ahyp="http://schemas.microsoft.com/office/drawing/2018/hyperlinkcolor" val="tx"/>
                     </a:ext>
                   </a:extLst>
                 </a:hlinkClick>
@@ -12783,7 +12710,7 @@
                 <a:hlinkClick r:id="rId3" tooltip="https://creativecommons.org/licenses/by/3.0/">
                   <a:extLst>
                     <a:ext uri="{A12FA001-AC4F-418D-AE19-62706E023703}">
-                      <ahyp:hlinkClr xmlns:ahyp="http://schemas.microsoft.com/office/drawing/2018/hyperlinkcolor" xmlns="" val="tx"/>
+                      <ahyp:hlinkClr xmlns:ahyp="http://schemas.microsoft.com/office/drawing/2018/hyperlinkcolor" val="tx"/>
                     </a:ext>
                   </a:extLst>
                 </a:hlinkClick>
@@ -12841,10 +12768,10 @@
           <p:cNvPr id="9" name="Freeform: Shape 8">
             <a:extLst>
               <a:ext uri="{FF2B5EF4-FFF2-40B4-BE49-F238E27FC236}">
-                <a16:creationId xmlns:a16="http://schemas.microsoft.com/office/drawing/2014/main" xmlns="" id="{DB66F6E8-4D4A-4907-940A-774703A2D0FE}"/>
+                <a16:creationId xmlns:a16="http://schemas.microsoft.com/office/drawing/2014/main" id="{DB66F6E8-4D4A-4907-940A-774703A2D0FE}"/>
               </a:ext>
               <a:ext uri="{C183D7F6-B498-43B3-948B-1728B52AA6E4}">
-                <adec:decorative xmlns:adec="http://schemas.microsoft.com/office/drawing/2017/decorative" xmlns="" val="1"/>
+                <adec:decorative xmlns:adec="http://schemas.microsoft.com/office/drawing/2017/decorative" val="1"/>
               </a:ext>
             </a:extLst>
           </p:cNvPr>
@@ -12954,10 +12881,10 @@
           <p:cNvPr id="11" name="Freeform: Shape 10">
             <a:extLst>
               <a:ext uri="{FF2B5EF4-FFF2-40B4-BE49-F238E27FC236}">
-                <a16:creationId xmlns:a16="http://schemas.microsoft.com/office/drawing/2014/main" xmlns="" id="{8F1F5A56-E82B-4FD5-9025-B72896FFBB6D}"/>
+                <a16:creationId xmlns:a16="http://schemas.microsoft.com/office/drawing/2014/main" id="{8F1F5A56-E82B-4FD5-9025-B72896FFBB6D}"/>
               </a:ext>
               <a:ext uri="{C183D7F6-B498-43B3-948B-1728B52AA6E4}">
-                <adec:decorative xmlns:adec="http://schemas.microsoft.com/office/drawing/2017/decorative" xmlns="" val="1"/>
+                <adec:decorative xmlns:adec="http://schemas.microsoft.com/office/drawing/2017/decorative" val="1"/>
               </a:ext>
             </a:extLst>
           </p:cNvPr>
@@ -13125,7 +13052,7 @@
           <p:cNvPr id="4" name="内容占位符 3">
             <a:extLst>
               <a:ext uri="{FF2B5EF4-FFF2-40B4-BE49-F238E27FC236}">
-                <a16:creationId xmlns:a16="http://schemas.microsoft.com/office/drawing/2014/main" xmlns="" id="{00000000-0008-0000-0000-000002000000}"/>
+                <a16:creationId xmlns:a16="http://schemas.microsoft.com/office/drawing/2014/main" id="{00000000-0008-0000-0000-000002000000}"/>
               </a:ext>
             </a:extLst>
           </p:cNvPr>
@@ -13156,7 +13083,7 @@
           <p:cNvPr id="7" name="直接连接符 6">
             <a:extLst>
               <a:ext uri="{FF2B5EF4-FFF2-40B4-BE49-F238E27FC236}">
-                <a16:creationId xmlns:a16="http://schemas.microsoft.com/office/drawing/2014/main" xmlns="" id="{AB0C4CE4-42B0-41E0-BBB1-658E840D0B8A}"/>
+                <a16:creationId xmlns:a16="http://schemas.microsoft.com/office/drawing/2014/main" id="{AB0C4CE4-42B0-41E0-BBB1-658E840D0B8A}"/>
               </a:ext>
             </a:extLst>
           </p:cNvPr>
@@ -13200,7 +13127,7 @@
           <p:cNvPr id="8" name="文本框 2">
             <a:extLst>
               <a:ext uri="{FF2B5EF4-FFF2-40B4-BE49-F238E27FC236}">
-                <a16:creationId xmlns:a16="http://schemas.microsoft.com/office/drawing/2014/main" xmlns="" id="{87BFA67E-CCCA-48D4-8C88-A63CF6C3CD66}"/>
+                <a16:creationId xmlns:a16="http://schemas.microsoft.com/office/drawing/2014/main" id="{87BFA67E-CCCA-48D4-8C88-A63CF6C3CD66}"/>
               </a:ext>
             </a:extLst>
           </p:cNvPr>
@@ -13300,10 +13227,10 @@
           <p:cNvPr id="11" name="Rectangle 10">
             <a:extLst>
               <a:ext uri="{FF2B5EF4-FFF2-40B4-BE49-F238E27FC236}">
-                <a16:creationId xmlns:a16="http://schemas.microsoft.com/office/drawing/2014/main" xmlns="" id="{559AE206-7EBA-4D33-8BC9-9D8158553F0E}"/>
+                <a16:creationId xmlns:a16="http://schemas.microsoft.com/office/drawing/2014/main" id="{559AE206-7EBA-4D33-8BC9-9D8158553F0E}"/>
               </a:ext>
               <a:ext uri="{C183D7F6-B498-43B3-948B-1728B52AA6E4}">
-                <adec:decorative xmlns:adec="http://schemas.microsoft.com/office/drawing/2017/decorative" xmlns="" val="1"/>
+                <adec:decorative xmlns:adec="http://schemas.microsoft.com/office/drawing/2017/decorative" val="1"/>
               </a:ext>
             </a:extLst>
           </p:cNvPr>
@@ -13389,7 +13316,7 @@
           <p:cNvPr id="2" name="Title 1">
             <a:extLst>
               <a:ext uri="{FF2B5EF4-FFF2-40B4-BE49-F238E27FC236}">
-                <a16:creationId xmlns:a16="http://schemas.microsoft.com/office/drawing/2014/main" xmlns="" id="{DD775157-5AA1-384D-B45C-859A191D6F1D}"/>
+                <a16:creationId xmlns:a16="http://schemas.microsoft.com/office/drawing/2014/main" id="{DD775157-5AA1-384D-B45C-859A191D6F1D}"/>
               </a:ext>
             </a:extLst>
           </p:cNvPr>
@@ -13436,10 +13363,10 @@
           <p:cNvPr id="13" name="Oval 12">
             <a:extLst>
               <a:ext uri="{FF2B5EF4-FFF2-40B4-BE49-F238E27FC236}">
-                <a16:creationId xmlns:a16="http://schemas.microsoft.com/office/drawing/2014/main" xmlns="" id="{6437D937-A7F1-4011-92B4-328E5BE1B166}"/>
+                <a16:creationId xmlns:a16="http://schemas.microsoft.com/office/drawing/2014/main" id="{6437D937-A7F1-4011-92B4-328E5BE1B166}"/>
               </a:ext>
               <a:ext uri="{C183D7F6-B498-43B3-948B-1728B52AA6E4}">
-                <adec:decorative xmlns:adec="http://schemas.microsoft.com/office/drawing/2017/decorative" xmlns="" val="1"/>
+                <adec:decorative xmlns:adec="http://schemas.microsoft.com/office/drawing/2017/decorative" val="1"/>
               </a:ext>
             </a:extLst>
           </p:cNvPr>
@@ -13528,10 +13455,10 @@
           <p:cNvPr id="15" name="Oval 14">
             <a:extLst>
               <a:ext uri="{FF2B5EF4-FFF2-40B4-BE49-F238E27FC236}">
-                <a16:creationId xmlns:a16="http://schemas.microsoft.com/office/drawing/2014/main" xmlns="" id="{B672F332-AF08-46C6-94F0-77684310D7B7}"/>
+                <a16:creationId xmlns:a16="http://schemas.microsoft.com/office/drawing/2014/main" id="{B672F332-AF08-46C6-94F0-77684310D7B7}"/>
               </a:ext>
               <a:ext uri="{C183D7F6-B498-43B3-948B-1728B52AA6E4}">
-                <adec:decorative xmlns:adec="http://schemas.microsoft.com/office/drawing/2017/decorative" xmlns="" val="1"/>
+                <adec:decorative xmlns:adec="http://schemas.microsoft.com/office/drawing/2017/decorative" val="1"/>
               </a:ext>
             </a:extLst>
           </p:cNvPr>
@@ -13620,10 +13547,10 @@
           <p:cNvPr id="17" name="Oval 16">
             <a:extLst>
               <a:ext uri="{FF2B5EF4-FFF2-40B4-BE49-F238E27FC236}">
-                <a16:creationId xmlns:a16="http://schemas.microsoft.com/office/drawing/2014/main" xmlns="" id="{34244EF8-D73A-40E1-BE73-D46E6B4B04ED}"/>
+                <a16:creationId xmlns:a16="http://schemas.microsoft.com/office/drawing/2014/main" id="{34244EF8-D73A-40E1-BE73-D46E6B4B04ED}"/>
               </a:ext>
               <a:ext uri="{C183D7F6-B498-43B3-948B-1728B52AA6E4}">
-                <adec:decorative xmlns:adec="http://schemas.microsoft.com/office/drawing/2017/decorative" xmlns="" val="1"/>
+                <adec:decorative xmlns:adec="http://schemas.microsoft.com/office/drawing/2017/decorative" val="1"/>
               </a:ext>
             </a:extLst>
           </p:cNvPr>
@@ -13712,10 +13639,10 @@
           <p:cNvPr id="19" name="Freeform: Shape 18">
             <a:extLst>
               <a:ext uri="{FF2B5EF4-FFF2-40B4-BE49-F238E27FC236}">
-                <a16:creationId xmlns:a16="http://schemas.microsoft.com/office/drawing/2014/main" xmlns="" id="{AB84D7E8-4ECB-42D7-ADBF-01689B0F24AE}"/>
+                <a16:creationId xmlns:a16="http://schemas.microsoft.com/office/drawing/2014/main" id="{AB84D7E8-4ECB-42D7-ADBF-01689B0F24AE}"/>
               </a:ext>
               <a:ext uri="{C183D7F6-B498-43B3-948B-1728B52AA6E4}">
-                <adec:decorative xmlns:adec="http://schemas.microsoft.com/office/drawing/2017/decorative" xmlns="" val="1"/>
+                <adec:decorative xmlns:adec="http://schemas.microsoft.com/office/drawing/2017/decorative" val="1"/>
               </a:ext>
             </a:extLst>
           </p:cNvPr>
@@ -13867,10 +13794,10 @@
           <p:cNvPr id="21" name="Straight Connector 20">
             <a:extLst>
               <a:ext uri="{FF2B5EF4-FFF2-40B4-BE49-F238E27FC236}">
-                <a16:creationId xmlns:a16="http://schemas.microsoft.com/office/drawing/2014/main" xmlns="" id="{9E8E38ED-369A-44C2-B635-0BED0E48A6E8}"/>
+                <a16:creationId xmlns:a16="http://schemas.microsoft.com/office/drawing/2014/main" id="{9E8E38ED-369A-44C2-B635-0BED0E48A6E8}"/>
               </a:ext>
               <a:ext uri="{C183D7F6-B498-43B3-948B-1728B52AA6E4}">
-                <adec:decorative xmlns:adec="http://schemas.microsoft.com/office/drawing/2017/decorative" xmlns="" val="1"/>
+                <adec:decorative xmlns:adec="http://schemas.microsoft.com/office/drawing/2017/decorative" val="1"/>
               </a:ext>
             </a:extLst>
           </p:cNvPr>
@@ -13919,7 +13846,7 @@
           <p:cNvPr id="6" name="TextBox 5">
             <a:extLst>
               <a:ext uri="{FF2B5EF4-FFF2-40B4-BE49-F238E27FC236}">
-                <a16:creationId xmlns:a16="http://schemas.microsoft.com/office/drawing/2014/main" xmlns="" id="{22B54AF2-355A-C640-94BB-354252E5DA20}"/>
+                <a16:creationId xmlns:a16="http://schemas.microsoft.com/office/drawing/2014/main" id="{22B54AF2-355A-C640-94BB-354252E5DA20}"/>
               </a:ext>
             </a:extLst>
           </p:cNvPr>
@@ -13957,7 +13884,7 @@
                 <a:hlinkClick r:id="rId2" tooltip="http://umaprofessoramaluquinha.com.br/?attachment_id=1237">
                   <a:extLst>
                     <a:ext uri="{A12FA001-AC4F-418D-AE19-62706E023703}">
-                      <ahyp:hlinkClr xmlns:ahyp="http://schemas.microsoft.com/office/drawing/2018/hyperlinkcolor" xmlns="" val="tx"/>
+                      <ahyp:hlinkClr xmlns:ahyp="http://schemas.microsoft.com/office/drawing/2018/hyperlinkcolor" val="tx"/>
                     </a:ext>
                   </a:extLst>
                 </a:hlinkClick>
@@ -13980,7 +13907,7 @@
                 <a:hlinkClick r:id="rId3" tooltip="https://creativecommons.org/licenses/by/3.0/">
                   <a:extLst>
                     <a:ext uri="{A12FA001-AC4F-418D-AE19-62706E023703}">
-                      <ahyp:hlinkClr xmlns:ahyp="http://schemas.microsoft.com/office/drawing/2018/hyperlinkcolor" xmlns="" val="tx"/>
+                      <ahyp:hlinkClr xmlns:ahyp="http://schemas.microsoft.com/office/drawing/2018/hyperlinkcolor" val="tx"/>
                     </a:ext>
                   </a:extLst>
                 </a:hlinkClick>
@@ -14038,10 +13965,10 @@
           <p:cNvPr id="16" name="Freeform: Shape 9">
             <a:extLst>
               <a:ext uri="{FF2B5EF4-FFF2-40B4-BE49-F238E27FC236}">
-                <a16:creationId xmlns:a16="http://schemas.microsoft.com/office/drawing/2014/main" xmlns="" id="{46C2E80F-49A6-4372-B103-219D417A55ED}"/>
+                <a16:creationId xmlns:a16="http://schemas.microsoft.com/office/drawing/2014/main" id="{46C2E80F-49A6-4372-B103-219D417A55ED}"/>
               </a:ext>
               <a:ext uri="{C183D7F6-B498-43B3-948B-1728B52AA6E4}">
-                <adec:decorative xmlns:adec="http://schemas.microsoft.com/office/drawing/2017/decorative" xmlns="" val="1"/>
+                <adec:decorative xmlns:adec="http://schemas.microsoft.com/office/drawing/2017/decorative" val="1"/>
               </a:ext>
             </a:extLst>
           </p:cNvPr>
@@ -14519,7 +14446,7 @@
           <p:cNvPr id="2" name="标题 1">
             <a:extLst>
               <a:ext uri="{FF2B5EF4-FFF2-40B4-BE49-F238E27FC236}">
-                <a16:creationId xmlns:a16="http://schemas.microsoft.com/office/drawing/2014/main" xmlns="" id="{EB96F098-1AE7-4FB6-999B-C6071E5548D4}"/>
+                <a16:creationId xmlns:a16="http://schemas.microsoft.com/office/drawing/2014/main" id="{EB96F098-1AE7-4FB6-999B-C6071E5548D4}"/>
               </a:ext>
             </a:extLst>
           </p:cNvPr>
@@ -14563,7 +14490,7 @@
           <p:cNvPr id="5" name="内容占位符 2">
             <a:extLst>
               <a:ext uri="{FF2B5EF4-FFF2-40B4-BE49-F238E27FC236}">
-                <a16:creationId xmlns:a16="http://schemas.microsoft.com/office/drawing/2014/main" xmlns="" id="{10A26374-4B1C-45B9-8874-9A4F2E80A9D8}"/>
+                <a16:creationId xmlns:a16="http://schemas.microsoft.com/office/drawing/2014/main" id="{10A26374-4B1C-45B9-8874-9A4F2E80A9D8}"/>
               </a:ext>
             </a:extLst>
           </p:cNvPr>
@@ -14624,7 +14551,7 @@
           <p:cNvPr id="2" name="标题 1">
             <a:extLst>
               <a:ext uri="{FF2B5EF4-FFF2-40B4-BE49-F238E27FC236}">
-                <a16:creationId xmlns:a16="http://schemas.microsoft.com/office/drawing/2014/main" xmlns="" id="{6FBE974E-E76A-4250-8749-81F2263762BF}"/>
+                <a16:creationId xmlns:a16="http://schemas.microsoft.com/office/drawing/2014/main" id="{6FBE974E-E76A-4250-8749-81F2263762BF}"/>
               </a:ext>
             </a:extLst>
           </p:cNvPr>
@@ -14653,7 +14580,7 @@
           <p:cNvPr id="3" name="内容占位符 2">
             <a:extLst>
               <a:ext uri="{FF2B5EF4-FFF2-40B4-BE49-F238E27FC236}">
-                <a16:creationId xmlns:a16="http://schemas.microsoft.com/office/drawing/2014/main" xmlns="" id="{3B9A228A-3D3D-4C00-B1A2-139CA10D9289}"/>
+                <a16:creationId xmlns:a16="http://schemas.microsoft.com/office/drawing/2014/main" id="{3B9A228A-3D3D-4C00-B1A2-139CA10D9289}"/>
               </a:ext>
             </a:extLst>
           </p:cNvPr>
@@ -14678,7 +14605,7 @@
           <p:cNvPr id="18" name="组合 17">
             <a:extLst>
               <a:ext uri="{FF2B5EF4-FFF2-40B4-BE49-F238E27FC236}">
-                <a16:creationId xmlns:a16="http://schemas.microsoft.com/office/drawing/2014/main" xmlns="" id="{459AF89D-E46E-4C06-B76E-271B0091EAEE}"/>
+                <a16:creationId xmlns:a16="http://schemas.microsoft.com/office/drawing/2014/main" id="{459AF89D-E46E-4C06-B76E-271B0091EAEE}"/>
               </a:ext>
             </a:extLst>
           </p:cNvPr>
@@ -14698,7 +14625,7 @@
             <p:cNvPr id="19" name="椭圆 18">
               <a:extLst>
                 <a:ext uri="{FF2B5EF4-FFF2-40B4-BE49-F238E27FC236}">
-                  <a16:creationId xmlns:a16="http://schemas.microsoft.com/office/drawing/2014/main" xmlns="" id="{2AF47829-B268-415D-AEAD-41AEE6139AEB}"/>
+                  <a16:creationId xmlns:a16="http://schemas.microsoft.com/office/drawing/2014/main" id="{2AF47829-B268-415D-AEAD-41AEE6139AEB}"/>
                 </a:ext>
               </a:extLst>
             </p:cNvPr>
@@ -14767,7 +14694,7 @@
             <p:cNvPr id="20" name="椭圆 19">
               <a:extLst>
                 <a:ext uri="{FF2B5EF4-FFF2-40B4-BE49-F238E27FC236}">
-                  <a16:creationId xmlns:a16="http://schemas.microsoft.com/office/drawing/2014/main" xmlns="" id="{B98839A0-DC26-49B0-AAC2-9AF5C7812976}"/>
+                  <a16:creationId xmlns:a16="http://schemas.microsoft.com/office/drawing/2014/main" id="{B98839A0-DC26-49B0-AAC2-9AF5C7812976}"/>
                 </a:ext>
               </a:extLst>
             </p:cNvPr>
@@ -14817,7 +14744,7 @@
             <p:cNvPr id="21" name="椭圆 20">
               <a:extLst>
                 <a:ext uri="{FF2B5EF4-FFF2-40B4-BE49-F238E27FC236}">
-                  <a16:creationId xmlns:a16="http://schemas.microsoft.com/office/drawing/2014/main" xmlns="" id="{5DDBB2C4-7B23-4FC2-88BD-2112505F2632}"/>
+                  <a16:creationId xmlns:a16="http://schemas.microsoft.com/office/drawing/2014/main" id="{5DDBB2C4-7B23-4FC2-88BD-2112505F2632}"/>
                 </a:ext>
               </a:extLst>
             </p:cNvPr>
@@ -14871,7 +14798,7 @@
             <p:cNvPr id="22" name="椭圆 21">
               <a:extLst>
                 <a:ext uri="{FF2B5EF4-FFF2-40B4-BE49-F238E27FC236}">
-                  <a16:creationId xmlns:a16="http://schemas.microsoft.com/office/drawing/2014/main" xmlns="" id="{12EDF1FA-ED22-4D98-B49D-34306B6822D5}"/>
+                  <a16:creationId xmlns:a16="http://schemas.microsoft.com/office/drawing/2014/main" id="{12EDF1FA-ED22-4D98-B49D-34306B6822D5}"/>
                 </a:ext>
               </a:extLst>
             </p:cNvPr>
@@ -14925,7 +14852,7 @@
             <p:cNvPr id="23" name="椭圆 22">
               <a:extLst>
                 <a:ext uri="{FF2B5EF4-FFF2-40B4-BE49-F238E27FC236}">
-                  <a16:creationId xmlns:a16="http://schemas.microsoft.com/office/drawing/2014/main" xmlns="" id="{DFB349E3-F103-48A5-95F6-ACDA54B277E8}"/>
+                  <a16:creationId xmlns:a16="http://schemas.microsoft.com/office/drawing/2014/main" id="{DFB349E3-F103-48A5-95F6-ACDA54B277E8}"/>
                 </a:ext>
               </a:extLst>
             </p:cNvPr>
@@ -14979,7 +14906,7 @@
             <p:cNvPr id="24" name="椭圆 23">
               <a:extLst>
                 <a:ext uri="{FF2B5EF4-FFF2-40B4-BE49-F238E27FC236}">
-                  <a16:creationId xmlns:a16="http://schemas.microsoft.com/office/drawing/2014/main" xmlns="" id="{8A9D2E9D-ADF0-49D9-8C02-E226E1F1535E}"/>
+                  <a16:creationId xmlns:a16="http://schemas.microsoft.com/office/drawing/2014/main" id="{8A9D2E9D-ADF0-49D9-8C02-E226E1F1535E}"/>
                 </a:ext>
               </a:extLst>
             </p:cNvPr>
@@ -15033,7 +14960,7 @@
             <p:cNvPr id="25" name="椭圆 24">
               <a:extLst>
                 <a:ext uri="{FF2B5EF4-FFF2-40B4-BE49-F238E27FC236}">
-                  <a16:creationId xmlns:a16="http://schemas.microsoft.com/office/drawing/2014/main" xmlns="" id="{C17EE380-C57D-4988-BAB8-40D5F128EA92}"/>
+                  <a16:creationId xmlns:a16="http://schemas.microsoft.com/office/drawing/2014/main" id="{C17EE380-C57D-4988-BAB8-40D5F128EA92}"/>
                 </a:ext>
               </a:extLst>
             </p:cNvPr>
@@ -15083,7 +15010,7 @@
             <p:cNvPr id="26" name="椭圆 25">
               <a:extLst>
                 <a:ext uri="{FF2B5EF4-FFF2-40B4-BE49-F238E27FC236}">
-                  <a16:creationId xmlns:a16="http://schemas.microsoft.com/office/drawing/2014/main" xmlns="" id="{9B3279FE-37D1-44A8-899E-2DA8F84D672C}"/>
+                  <a16:creationId xmlns:a16="http://schemas.microsoft.com/office/drawing/2014/main" id="{9B3279FE-37D1-44A8-899E-2DA8F84D672C}"/>
                 </a:ext>
               </a:extLst>
             </p:cNvPr>
@@ -15133,7 +15060,7 @@
             <p:cNvPr id="27" name="文本框 2">
               <a:extLst>
                 <a:ext uri="{FF2B5EF4-FFF2-40B4-BE49-F238E27FC236}">
-                  <a16:creationId xmlns:a16="http://schemas.microsoft.com/office/drawing/2014/main" xmlns="" id="{5C3ABEC4-4436-4721-AB06-EDE0809BEECC}"/>
+                  <a16:creationId xmlns:a16="http://schemas.microsoft.com/office/drawing/2014/main" id="{5C3ABEC4-4436-4721-AB06-EDE0809BEECC}"/>
                 </a:ext>
               </a:extLst>
             </p:cNvPr>
@@ -15192,7 +15119,7 @@
             <p:cNvPr id="28" name="椭圆 27">
               <a:extLst>
                 <a:ext uri="{FF2B5EF4-FFF2-40B4-BE49-F238E27FC236}">
-                  <a16:creationId xmlns:a16="http://schemas.microsoft.com/office/drawing/2014/main" xmlns="" id="{E252D1A3-C7BF-44D9-B6B7-F47E53FD609A}"/>
+                  <a16:creationId xmlns:a16="http://schemas.microsoft.com/office/drawing/2014/main" id="{E252D1A3-C7BF-44D9-B6B7-F47E53FD609A}"/>
                 </a:ext>
               </a:extLst>
             </p:cNvPr>
@@ -15261,7 +15188,7 @@
             <p:cNvPr id="29" name="文本框 2">
               <a:extLst>
                 <a:ext uri="{FF2B5EF4-FFF2-40B4-BE49-F238E27FC236}">
-                  <a16:creationId xmlns:a16="http://schemas.microsoft.com/office/drawing/2014/main" xmlns="" id="{64692BA0-7B08-4F70-8A70-466C2B7CDADB}"/>
+                  <a16:creationId xmlns:a16="http://schemas.microsoft.com/office/drawing/2014/main" id="{64692BA0-7B08-4F70-8A70-466C2B7CDADB}"/>
                 </a:ext>
               </a:extLst>
             </p:cNvPr>
@@ -15320,7 +15247,7 @@
             <p:cNvPr id="30" name="文本框 2">
               <a:extLst>
                 <a:ext uri="{FF2B5EF4-FFF2-40B4-BE49-F238E27FC236}">
-                  <a16:creationId xmlns:a16="http://schemas.microsoft.com/office/drawing/2014/main" xmlns="" id="{D6484BE1-A1CF-4437-9B9C-B4486F77B689}"/>
+                  <a16:creationId xmlns:a16="http://schemas.microsoft.com/office/drawing/2014/main" id="{D6484BE1-A1CF-4437-9B9C-B4486F77B689}"/>
                 </a:ext>
               </a:extLst>
             </p:cNvPr>
@@ -15382,7 +15309,7 @@
             <p:cNvPr id="31" name="文本框 2">
               <a:extLst>
                 <a:ext uri="{FF2B5EF4-FFF2-40B4-BE49-F238E27FC236}">
-                  <a16:creationId xmlns:a16="http://schemas.microsoft.com/office/drawing/2014/main" xmlns="" id="{A1CF3FB0-717F-4AF6-ADD2-8B720D1B3B6D}"/>
+                  <a16:creationId xmlns:a16="http://schemas.microsoft.com/office/drawing/2014/main" id="{A1CF3FB0-717F-4AF6-ADD2-8B720D1B3B6D}"/>
                 </a:ext>
               </a:extLst>
             </p:cNvPr>
@@ -15445,7 +15372,7 @@
           <p:cNvPr id="32" name="椭圆 31">
             <a:extLst>
               <a:ext uri="{FF2B5EF4-FFF2-40B4-BE49-F238E27FC236}">
-                <a16:creationId xmlns:a16="http://schemas.microsoft.com/office/drawing/2014/main" xmlns="" id="{C174CF94-8C59-4881-8872-D0FC108B6E90}"/>
+                <a16:creationId xmlns:a16="http://schemas.microsoft.com/office/drawing/2014/main" id="{C174CF94-8C59-4881-8872-D0FC108B6E90}"/>
               </a:ext>
             </a:extLst>
           </p:cNvPr>
@@ -15495,7 +15422,7 @@
           <p:cNvPr id="33" name="椭圆 32">
             <a:extLst>
               <a:ext uri="{FF2B5EF4-FFF2-40B4-BE49-F238E27FC236}">
-                <a16:creationId xmlns:a16="http://schemas.microsoft.com/office/drawing/2014/main" xmlns="" id="{A0876C01-5D1D-4B7B-A6C4-031DF77D6492}"/>
+                <a16:creationId xmlns:a16="http://schemas.microsoft.com/office/drawing/2014/main" id="{A0876C01-5D1D-4B7B-A6C4-031DF77D6492}"/>
               </a:ext>
             </a:extLst>
           </p:cNvPr>
@@ -15553,7 +15480,7 @@
           <p:cNvPr id="34" name="椭圆 33">
             <a:extLst>
               <a:ext uri="{FF2B5EF4-FFF2-40B4-BE49-F238E27FC236}">
-                <a16:creationId xmlns:a16="http://schemas.microsoft.com/office/drawing/2014/main" xmlns="" id="{C8E26C8B-F15C-4E63-828A-A87881989C88}"/>
+                <a16:creationId xmlns:a16="http://schemas.microsoft.com/office/drawing/2014/main" id="{C8E26C8B-F15C-4E63-828A-A87881989C88}"/>
               </a:ext>
             </a:extLst>
           </p:cNvPr>
@@ -15611,7 +15538,7 @@
           <p:cNvPr id="35" name="文本框 2">
             <a:extLst>
               <a:ext uri="{FF2B5EF4-FFF2-40B4-BE49-F238E27FC236}">
-                <a16:creationId xmlns:a16="http://schemas.microsoft.com/office/drawing/2014/main" xmlns="" id="{2B76B6E6-AD2E-4CE6-AF7F-C805CCE58B4C}"/>
+                <a16:creationId xmlns:a16="http://schemas.microsoft.com/office/drawing/2014/main" id="{2B76B6E6-AD2E-4CE6-AF7F-C805CCE58B4C}"/>
               </a:ext>
             </a:extLst>
           </p:cNvPr>
@@ -15717,10 +15644,10 @@
           <p:cNvPr id="10" name="Freeform: Shape 9">
             <a:extLst>
               <a:ext uri="{FF2B5EF4-FFF2-40B4-BE49-F238E27FC236}">
-                <a16:creationId xmlns:a16="http://schemas.microsoft.com/office/drawing/2014/main" xmlns="" id="{42285737-90EE-47DC-AC80-8AE156B11969}"/>
+                <a16:creationId xmlns:a16="http://schemas.microsoft.com/office/drawing/2014/main" id="{42285737-90EE-47DC-AC80-8AE156B11969}"/>
               </a:ext>
               <a:ext uri="{C183D7F6-B498-43B3-948B-1728B52AA6E4}">
-                <adec:decorative xmlns:adec="http://schemas.microsoft.com/office/drawing/2017/decorative" xmlns="" val="1"/>
+                <adec:decorative xmlns:adec="http://schemas.microsoft.com/office/drawing/2017/decorative" val="1"/>
               </a:ext>
             </a:extLst>
           </p:cNvPr>
@@ -15897,10 +15824,10 @@
           <p:cNvPr id="12" name="Group 11">
             <a:extLst>
               <a:ext uri="{FF2B5EF4-FFF2-40B4-BE49-F238E27FC236}">
-                <a16:creationId xmlns:a16="http://schemas.microsoft.com/office/drawing/2014/main" xmlns="" id="{B57BDC17-F1B3-455F-BBF1-680AA1F25C06}"/>
+                <a16:creationId xmlns:a16="http://schemas.microsoft.com/office/drawing/2014/main" id="{B57BDC17-F1B3-455F-BBF1-680AA1F25C06}"/>
               </a:ext>
               <a:ext uri="{C183D7F6-B498-43B3-948B-1728B52AA6E4}">
-                <adec:decorative xmlns:adec="http://schemas.microsoft.com/office/drawing/2017/decorative" xmlns="" val="1"/>
+                <adec:decorative xmlns:adec="http://schemas.microsoft.com/office/drawing/2017/decorative" val="1"/>
               </a:ext>
             </a:extLst>
           </p:cNvPr>
@@ -15928,10 +15855,10 @@
             <p:cNvPr id="13" name="Freeform 6">
               <a:extLst>
                 <a:ext uri="{FF2B5EF4-FFF2-40B4-BE49-F238E27FC236}">
-                  <a16:creationId xmlns:a16="http://schemas.microsoft.com/office/drawing/2014/main" xmlns="" id="{64E2FA9A-FEF7-4501-B0EB-5E45EDD2177A}"/>
+                  <a16:creationId xmlns:a16="http://schemas.microsoft.com/office/drawing/2014/main" id="{64E2FA9A-FEF7-4501-B0EB-5E45EDD2177A}"/>
                 </a:ext>
                 <a:ext uri="{C183D7F6-B498-43B3-948B-1728B52AA6E4}">
-                  <adec:decorative xmlns:adec="http://schemas.microsoft.com/office/drawing/2017/decorative" xmlns="" val="1"/>
+                  <adec:decorative xmlns:adec="http://schemas.microsoft.com/office/drawing/2017/decorative" val="1"/>
                 </a:ext>
               </a:extLst>
             </p:cNvPr>
@@ -15989,10 +15916,10 @@
             <p:cNvPr id="14" name="Freeform 7">
               <a:extLst>
                 <a:ext uri="{FF2B5EF4-FFF2-40B4-BE49-F238E27FC236}">
-                  <a16:creationId xmlns:a16="http://schemas.microsoft.com/office/drawing/2014/main" xmlns="" id="{BC38192B-B4CB-47D4-A3B1-10010247F158}"/>
+                  <a16:creationId xmlns:a16="http://schemas.microsoft.com/office/drawing/2014/main" id="{BC38192B-B4CB-47D4-A3B1-10010247F158}"/>
                 </a:ext>
                 <a:ext uri="{C183D7F6-B498-43B3-948B-1728B52AA6E4}">
-                  <adec:decorative xmlns:adec="http://schemas.microsoft.com/office/drawing/2017/decorative" xmlns="" val="1"/>
+                  <adec:decorative xmlns:adec="http://schemas.microsoft.com/office/drawing/2017/decorative" val="1"/>
                 </a:ext>
               </a:extLst>
             </p:cNvPr>
@@ -16050,10 +15977,10 @@
             <p:cNvPr id="15" name="Freeform 8">
               <a:extLst>
                 <a:ext uri="{FF2B5EF4-FFF2-40B4-BE49-F238E27FC236}">
-                  <a16:creationId xmlns:a16="http://schemas.microsoft.com/office/drawing/2014/main" xmlns="" id="{96330E33-E171-4B0F-82B5-AF7230399B5C}"/>
+                  <a16:creationId xmlns:a16="http://schemas.microsoft.com/office/drawing/2014/main" id="{96330E33-E171-4B0F-82B5-AF7230399B5C}"/>
                 </a:ext>
                 <a:ext uri="{C183D7F6-B498-43B3-948B-1728B52AA6E4}">
-                  <adec:decorative xmlns:adec="http://schemas.microsoft.com/office/drawing/2017/decorative" xmlns="" val="1"/>
+                  <adec:decorative xmlns:adec="http://schemas.microsoft.com/office/drawing/2017/decorative" val="1"/>
                 </a:ext>
               </a:extLst>
             </p:cNvPr>
@@ -16108,10 +16035,10 @@
             <p:cNvPr id="16" name="Freeform 9">
               <a:extLst>
                 <a:ext uri="{FF2B5EF4-FFF2-40B4-BE49-F238E27FC236}">
-                  <a16:creationId xmlns:a16="http://schemas.microsoft.com/office/drawing/2014/main" xmlns="" id="{332B1723-69BF-42D7-B757-0FA059E15256}"/>
+                  <a16:creationId xmlns:a16="http://schemas.microsoft.com/office/drawing/2014/main" id="{332B1723-69BF-42D7-B757-0FA059E15256}"/>
                 </a:ext>
                 <a:ext uri="{C183D7F6-B498-43B3-948B-1728B52AA6E4}">
-                  <adec:decorative xmlns:adec="http://schemas.microsoft.com/office/drawing/2017/decorative" xmlns="" val="1"/>
+                  <adec:decorative xmlns:adec="http://schemas.microsoft.com/office/drawing/2017/decorative" val="1"/>
                 </a:ext>
               </a:extLst>
             </p:cNvPr>
@@ -16168,10 +16095,10 @@
             <p:cNvPr id="17" name="Freeform 10">
               <a:extLst>
                 <a:ext uri="{FF2B5EF4-FFF2-40B4-BE49-F238E27FC236}">
-                  <a16:creationId xmlns:a16="http://schemas.microsoft.com/office/drawing/2014/main" xmlns="" id="{F115D62D-1E96-48D1-A78D-D370A0BFB9B5}"/>
+                  <a16:creationId xmlns:a16="http://schemas.microsoft.com/office/drawing/2014/main" id="{F115D62D-1E96-48D1-A78D-D370A0BFB9B5}"/>
                 </a:ext>
                 <a:ext uri="{C183D7F6-B498-43B3-948B-1728B52AA6E4}">
-                  <adec:decorative xmlns:adec="http://schemas.microsoft.com/office/drawing/2017/decorative" xmlns="" val="1"/>
+                  <adec:decorative xmlns:adec="http://schemas.microsoft.com/office/drawing/2017/decorative" val="1"/>
                 </a:ext>
               </a:extLst>
             </p:cNvPr>
@@ -16234,10 +16161,10 @@
             <p:cNvPr id="18" name="Freeform 11">
               <a:extLst>
                 <a:ext uri="{FF2B5EF4-FFF2-40B4-BE49-F238E27FC236}">
-                  <a16:creationId xmlns:a16="http://schemas.microsoft.com/office/drawing/2014/main" xmlns="" id="{91C2876A-169D-4822-A766-C00578C88B4B}"/>
+                  <a16:creationId xmlns:a16="http://schemas.microsoft.com/office/drawing/2014/main" id="{91C2876A-169D-4822-A766-C00578C88B4B}"/>
                 </a:ext>
                 <a:ext uri="{C183D7F6-B498-43B3-948B-1728B52AA6E4}">
-                  <adec:decorative xmlns:adec="http://schemas.microsoft.com/office/drawing/2017/decorative" xmlns="" val="1"/>
+                  <adec:decorative xmlns:adec="http://schemas.microsoft.com/office/drawing/2017/decorative" val="1"/>
                 </a:ext>
               </a:extLst>
             </p:cNvPr>
@@ -16311,7 +16238,7 @@
           <p:cNvPr id="2" name="标题 1">
             <a:extLst>
               <a:ext uri="{FF2B5EF4-FFF2-40B4-BE49-F238E27FC236}">
-                <a16:creationId xmlns:a16="http://schemas.microsoft.com/office/drawing/2014/main" xmlns="" id="{F6273AB9-728E-4AFC-A6FB-5080CEDF6800}"/>
+                <a16:creationId xmlns:a16="http://schemas.microsoft.com/office/drawing/2014/main" id="{F6273AB9-728E-4AFC-A6FB-5080CEDF6800}"/>
               </a:ext>
             </a:extLst>
           </p:cNvPr>
@@ -16355,7 +16282,7 @@
           <p:cNvPr id="5" name="内容占位符 2">
             <a:extLst>
               <a:ext uri="{FF2B5EF4-FFF2-40B4-BE49-F238E27FC236}">
-                <a16:creationId xmlns:a16="http://schemas.microsoft.com/office/drawing/2014/main" xmlns="" id="{FFF0274C-3BB3-41E9-9B5A-1F9CAF11F37D}"/>
+                <a16:creationId xmlns:a16="http://schemas.microsoft.com/office/drawing/2014/main" id="{FFF0274C-3BB3-41E9-9B5A-1F9CAF11F37D}"/>
               </a:ext>
             </a:extLst>
           </p:cNvPr>
@@ -16424,10 +16351,10 @@
           <p:cNvPr id="11" name="Rectangle 10">
             <a:extLst>
               <a:ext uri="{FF2B5EF4-FFF2-40B4-BE49-F238E27FC236}">
-                <a16:creationId xmlns:a16="http://schemas.microsoft.com/office/drawing/2014/main" xmlns="" id="{559AE206-7EBA-4D33-8BC9-9D8158553F0E}"/>
+                <a16:creationId xmlns:a16="http://schemas.microsoft.com/office/drawing/2014/main" id="{559AE206-7EBA-4D33-8BC9-9D8158553F0E}"/>
               </a:ext>
               <a:ext uri="{C183D7F6-B498-43B3-948B-1728B52AA6E4}">
-                <adec:decorative xmlns:adec="http://schemas.microsoft.com/office/drawing/2017/decorative" xmlns="" val="1"/>
+                <adec:decorative xmlns:adec="http://schemas.microsoft.com/office/drawing/2017/decorative" val="1"/>
               </a:ext>
             </a:extLst>
           </p:cNvPr>
@@ -16513,10 +16440,10 @@
           <p:cNvPr id="13" name="Oval 12">
             <a:extLst>
               <a:ext uri="{FF2B5EF4-FFF2-40B4-BE49-F238E27FC236}">
-                <a16:creationId xmlns:a16="http://schemas.microsoft.com/office/drawing/2014/main" xmlns="" id="{6437D937-A7F1-4011-92B4-328E5BE1B166}"/>
+                <a16:creationId xmlns:a16="http://schemas.microsoft.com/office/drawing/2014/main" id="{6437D937-A7F1-4011-92B4-328E5BE1B166}"/>
               </a:ext>
               <a:ext uri="{C183D7F6-B498-43B3-948B-1728B52AA6E4}">
-                <adec:decorative xmlns:adec="http://schemas.microsoft.com/office/drawing/2017/decorative" xmlns="" val="1"/>
+                <adec:decorative xmlns:adec="http://schemas.microsoft.com/office/drawing/2017/decorative" val="1"/>
               </a:ext>
             </a:extLst>
           </p:cNvPr>
@@ -16605,10 +16532,10 @@
           <p:cNvPr id="15" name="Oval 14">
             <a:extLst>
               <a:ext uri="{FF2B5EF4-FFF2-40B4-BE49-F238E27FC236}">
-                <a16:creationId xmlns:a16="http://schemas.microsoft.com/office/drawing/2014/main" xmlns="" id="{B672F332-AF08-46C6-94F0-77684310D7B7}"/>
+                <a16:creationId xmlns:a16="http://schemas.microsoft.com/office/drawing/2014/main" id="{B672F332-AF08-46C6-94F0-77684310D7B7}"/>
               </a:ext>
               <a:ext uri="{C183D7F6-B498-43B3-948B-1728B52AA6E4}">
-                <adec:decorative xmlns:adec="http://schemas.microsoft.com/office/drawing/2017/decorative" xmlns="" val="1"/>
+                <adec:decorative xmlns:adec="http://schemas.microsoft.com/office/drawing/2017/decorative" val="1"/>
               </a:ext>
             </a:extLst>
           </p:cNvPr>
@@ -16697,10 +16624,10 @@
           <p:cNvPr id="17" name="Oval 16">
             <a:extLst>
               <a:ext uri="{FF2B5EF4-FFF2-40B4-BE49-F238E27FC236}">
-                <a16:creationId xmlns:a16="http://schemas.microsoft.com/office/drawing/2014/main" xmlns="" id="{34244EF8-D73A-40E1-BE73-D46E6B4B04ED}"/>
+                <a16:creationId xmlns:a16="http://schemas.microsoft.com/office/drawing/2014/main" id="{34244EF8-D73A-40E1-BE73-D46E6B4B04ED}"/>
               </a:ext>
               <a:ext uri="{C183D7F6-B498-43B3-948B-1728B52AA6E4}">
-                <adec:decorative xmlns:adec="http://schemas.microsoft.com/office/drawing/2017/decorative" xmlns="" val="1"/>
+                <adec:decorative xmlns:adec="http://schemas.microsoft.com/office/drawing/2017/decorative" val="1"/>
               </a:ext>
             </a:extLst>
           </p:cNvPr>
@@ -16789,10 +16716,10 @@
           <p:cNvPr id="19" name="Freeform: Shape 18">
             <a:extLst>
               <a:ext uri="{FF2B5EF4-FFF2-40B4-BE49-F238E27FC236}">
-                <a16:creationId xmlns:a16="http://schemas.microsoft.com/office/drawing/2014/main" xmlns="" id="{AB84D7E8-4ECB-42D7-ADBF-01689B0F24AE}"/>
+                <a16:creationId xmlns:a16="http://schemas.microsoft.com/office/drawing/2014/main" id="{AB84D7E8-4ECB-42D7-ADBF-01689B0F24AE}"/>
               </a:ext>
               <a:ext uri="{C183D7F6-B498-43B3-948B-1728B52AA6E4}">
-                <adec:decorative xmlns:adec="http://schemas.microsoft.com/office/drawing/2017/decorative" xmlns="" val="1"/>
+                <adec:decorative xmlns:adec="http://schemas.microsoft.com/office/drawing/2017/decorative" val="1"/>
               </a:ext>
             </a:extLst>
           </p:cNvPr>
@@ -16944,10 +16871,10 @@
           <p:cNvPr id="21" name="Straight Connector 20">
             <a:extLst>
               <a:ext uri="{FF2B5EF4-FFF2-40B4-BE49-F238E27FC236}">
-                <a16:creationId xmlns:a16="http://schemas.microsoft.com/office/drawing/2014/main" xmlns="" id="{9E8E38ED-369A-44C2-B635-0BED0E48A6E8}"/>
+                <a16:creationId xmlns:a16="http://schemas.microsoft.com/office/drawing/2014/main" id="{9E8E38ED-369A-44C2-B635-0BED0E48A6E8}"/>
               </a:ext>
               <a:ext uri="{C183D7F6-B498-43B3-948B-1728B52AA6E4}">
-                <adec:decorative xmlns:adec="http://schemas.microsoft.com/office/drawing/2017/decorative" xmlns="" val="1"/>
+                <adec:decorative xmlns:adec="http://schemas.microsoft.com/office/drawing/2017/decorative" val="1"/>
               </a:ext>
             </a:extLst>
           </p:cNvPr>
@@ -16996,7 +16923,7 @@
           <p:cNvPr id="6" name="TextBox 5">
             <a:extLst>
               <a:ext uri="{FF2B5EF4-FFF2-40B4-BE49-F238E27FC236}">
-                <a16:creationId xmlns:a16="http://schemas.microsoft.com/office/drawing/2014/main" xmlns="" id="{22B54AF2-355A-C640-94BB-354252E5DA20}"/>
+                <a16:creationId xmlns:a16="http://schemas.microsoft.com/office/drawing/2014/main" id="{22B54AF2-355A-C640-94BB-354252E5DA20}"/>
               </a:ext>
             </a:extLst>
           </p:cNvPr>
@@ -17034,7 +16961,7 @@
                 <a:hlinkClick r:id="rId2" tooltip="http://umaprofessoramaluquinha.com.br/?attachment_id=1237">
                   <a:extLst>
                     <a:ext uri="{A12FA001-AC4F-418D-AE19-62706E023703}">
-                      <ahyp:hlinkClr xmlns:ahyp="http://schemas.microsoft.com/office/drawing/2018/hyperlinkcolor" xmlns="" val="tx"/>
+                      <ahyp:hlinkClr xmlns:ahyp="http://schemas.microsoft.com/office/drawing/2018/hyperlinkcolor" val="tx"/>
                     </a:ext>
                   </a:extLst>
                 </a:hlinkClick>
@@ -17057,7 +16984,7 @@
                 <a:hlinkClick r:id="rId3" tooltip="https://creativecommons.org/licenses/by/3.0/">
                   <a:extLst>
                     <a:ext uri="{A12FA001-AC4F-418D-AE19-62706E023703}">
-                      <ahyp:hlinkClr xmlns:ahyp="http://schemas.microsoft.com/office/drawing/2018/hyperlinkcolor" xmlns="" val="tx"/>
+                      <ahyp:hlinkClr xmlns:ahyp="http://schemas.microsoft.com/office/drawing/2018/hyperlinkcolor" val="tx"/>
                     </a:ext>
                   </a:extLst>
                 </a:hlinkClick>
@@ -17077,7 +17004,7 @@
           <p:cNvPr id="10" name="Title 1">
             <a:extLst>
               <a:ext uri="{FF2B5EF4-FFF2-40B4-BE49-F238E27FC236}">
-                <a16:creationId xmlns="" xmlns:a16="http://schemas.microsoft.com/office/drawing/2014/main" id="{DD775157-5AA1-384D-B45C-859A191D6F1D}"/>
+                <a16:creationId xmlns:a16="http://schemas.microsoft.com/office/drawing/2014/main" id="{DD775157-5AA1-384D-B45C-859A191D6F1D}"/>
               </a:ext>
             </a:extLst>
           </p:cNvPr>
@@ -17121,7 +17048,7 @@
           <a:p>
             <a:pPr algn="r"/>
             <a:r>
-              <a:rPr lang="en-US" altLang="zh-CN" sz="6000" b="1" dirty="0" smtClean="0">
+              <a:rPr lang="en-US" altLang="zh-CN" sz="6000" b="1" dirty="0">
                 <a:latin typeface="Helvetica Neue" panose="02000503000000020004" pitchFamily="2" charset="0"/>
                 <a:ea typeface="Helvetica Neue" panose="02000503000000020004" pitchFamily="2" charset="0"/>
                 <a:cs typeface="Helvetica Neue" panose="02000503000000020004" pitchFamily="2" charset="0"/>
@@ -17129,7 +17056,7 @@
               <a:t>1</a:t>
             </a:r>
             <a:r>
-              <a:rPr lang="en-US" sz="6000" b="1" dirty="0" smtClean="0">
+              <a:rPr lang="en-US" sz="6000" b="1" dirty="0">
                 <a:latin typeface="Helvetica Neue" panose="02000503000000020004" pitchFamily="2" charset="0"/>
                 <a:ea typeface="Helvetica Neue" panose="02000503000000020004" pitchFamily="2" charset="0"/>
                 <a:cs typeface="Helvetica Neue" panose="02000503000000020004" pitchFamily="2" charset="0"/>
@@ -17137,7 +17064,7 @@
               <a:t>.0	</a:t>
             </a:r>
             <a:r>
-              <a:rPr lang="en-US" altLang="zh-CN" sz="6000" b="1" dirty="0" smtClean="0">
+              <a:rPr lang="en-US" altLang="zh-CN" sz="6000" b="1" dirty="0">
                 <a:latin typeface="Helvetica Neue" panose="02000503000000020004" pitchFamily="2" charset="0"/>
                 <a:ea typeface="Helvetica Neue" panose="02000503000000020004" pitchFamily="2" charset="0"/>
                 <a:cs typeface="Helvetica Neue" panose="02000503000000020004" pitchFamily="2" charset="0"/>
@@ -17145,7 +17072,7 @@
               <a:t>Data</a:t>
             </a:r>
             <a:r>
-              <a:rPr lang="zh-CN" altLang="en-US" sz="6000" b="1" dirty="0" smtClean="0">
+              <a:rPr lang="zh-CN" altLang="en-US" sz="6000" b="1" dirty="0">
                 <a:latin typeface="Helvetica Neue" panose="02000503000000020004" pitchFamily="2" charset="0"/>
                 <a:ea typeface="Helvetica Neue" panose="02000503000000020004" pitchFamily="2" charset="0"/>
                 <a:cs typeface="Helvetica Neue" panose="02000503000000020004" pitchFamily="2" charset="0"/>
@@ -17153,7 +17080,7 @@
               <a:t> </a:t>
             </a:r>
             <a:r>
-              <a:rPr lang="en-US" altLang="zh-CN" sz="6000" b="1" dirty="0" smtClean="0">
+              <a:rPr lang="en-US" altLang="zh-CN" sz="6000" b="1" dirty="0">
                 <a:latin typeface="Helvetica Neue" panose="02000503000000020004" pitchFamily="2" charset="0"/>
                 <a:ea typeface="Helvetica Neue" panose="02000503000000020004" pitchFamily="2" charset="0"/>
                 <a:cs typeface="Helvetica Neue" panose="02000503000000020004" pitchFamily="2" charset="0"/>
@@ -17161,7 +17088,7 @@
               <a:t>Collection</a:t>
             </a:r>
             <a:r>
-              <a:rPr lang="zh-CN" altLang="en-US" sz="6000" b="1" dirty="0" smtClean="0">
+              <a:rPr lang="zh-CN" altLang="en-US" sz="6000" b="1" dirty="0">
                 <a:latin typeface="Helvetica Neue" panose="02000503000000020004" pitchFamily="2" charset="0"/>
                 <a:ea typeface="Helvetica Neue" panose="02000503000000020004" pitchFamily="2" charset="0"/>
                 <a:cs typeface="Helvetica Neue" panose="02000503000000020004" pitchFamily="2" charset="0"/>
@@ -17169,7 +17096,7 @@
               <a:t> </a:t>
             </a:r>
             <a:r>
-              <a:rPr lang="en-US" altLang="zh-CN" sz="6000" b="1" dirty="0" smtClean="0">
+              <a:rPr lang="en-US" altLang="zh-CN" sz="6000" b="1" dirty="0">
                 <a:latin typeface="Helvetica Neue" panose="02000503000000020004" pitchFamily="2" charset="0"/>
                 <a:ea typeface="Helvetica Neue" panose="02000503000000020004" pitchFamily="2" charset="0"/>
                 <a:cs typeface="Helvetica Neue" panose="02000503000000020004" pitchFamily="2" charset="0"/>
@@ -17177,7 +17104,7 @@
               <a:t>and</a:t>
             </a:r>
             <a:r>
-              <a:rPr lang="zh-CN" altLang="en-US" sz="6000" b="1" dirty="0" smtClean="0">
+              <a:rPr lang="zh-CN" altLang="en-US" sz="6000" b="1" dirty="0">
                 <a:latin typeface="Helvetica Neue" panose="02000503000000020004" pitchFamily="2" charset="0"/>
                 <a:ea typeface="Helvetica Neue" panose="02000503000000020004" pitchFamily="2" charset="0"/>
                 <a:cs typeface="Helvetica Neue" panose="02000503000000020004" pitchFamily="2" charset="0"/>
@@ -17185,7 +17112,7 @@
               <a:t> </a:t>
             </a:r>
             <a:r>
-              <a:rPr lang="en-US" altLang="zh-CN" sz="6000" b="1" dirty="0" smtClean="0">
+              <a:rPr lang="en-US" altLang="zh-CN" sz="6000" b="1" dirty="0">
                 <a:latin typeface="Helvetica Neue" panose="02000503000000020004" pitchFamily="2" charset="0"/>
                 <a:ea typeface="Helvetica Neue" panose="02000503000000020004" pitchFamily="2" charset="0"/>
                 <a:cs typeface="Helvetica Neue" panose="02000503000000020004" pitchFamily="2" charset="0"/>
@@ -17193,7 +17120,7 @@
               <a:t>Set</a:t>
             </a:r>
             <a:r>
-              <a:rPr lang="zh-CN" altLang="en-US" sz="6000" b="1" dirty="0" smtClean="0">
+              <a:rPr lang="zh-CN" altLang="en-US" sz="6000" b="1" dirty="0">
                 <a:latin typeface="Helvetica Neue" panose="02000503000000020004" pitchFamily="2" charset="0"/>
                 <a:ea typeface="Helvetica Neue" panose="02000503000000020004" pitchFamily="2" charset="0"/>
                 <a:cs typeface="Helvetica Neue" panose="02000503000000020004" pitchFamily="2" charset="0"/>
@@ -17201,7 +17128,7 @@
               <a:t> </a:t>
             </a:r>
             <a:r>
-              <a:rPr lang="en-US" altLang="zh-CN" sz="6000" b="1" dirty="0" smtClean="0">
+              <a:rPr lang="en-US" altLang="zh-CN" sz="6000" b="1" dirty="0">
                 <a:latin typeface="Helvetica Neue" panose="02000503000000020004" pitchFamily="2" charset="0"/>
                 <a:ea typeface="Helvetica Neue" panose="02000503000000020004" pitchFamily="2" charset="0"/>
                 <a:cs typeface="Helvetica Neue" panose="02000503000000020004" pitchFamily="2" charset="0"/>
@@ -17251,7 +17178,7 @@
           <p:cNvPr id="2" name="Title 1">
             <a:extLst>
               <a:ext uri="{FF2B5EF4-FFF2-40B4-BE49-F238E27FC236}">
-                <a16:creationId xmlns="" xmlns:a16="http://schemas.microsoft.com/office/drawing/2014/main" id="{590D5C6B-75CD-0845-B759-3C689DD6CB26}"/>
+                <a16:creationId xmlns:a16="http://schemas.microsoft.com/office/drawing/2014/main" id="{590D5C6B-75CD-0845-B759-3C689DD6CB26}"/>
               </a:ext>
             </a:extLst>
           </p:cNvPr>
@@ -17281,23 +17208,15 @@
               <a:t>1</a:t>
             </a:r>
             <a:r>
-              <a:rPr lang="en-US" b="1" dirty="0" smtClean="0">
-                <a:latin typeface="Helvetica Neue" panose="02000503000000020004" pitchFamily="2" charset="0"/>
-                <a:ea typeface="Helvetica Neue" panose="02000503000000020004" pitchFamily="2" charset="0"/>
-                <a:cs typeface="Helvetica Neue" panose="02000503000000020004" pitchFamily="2" charset="0"/>
-              </a:rPr>
-              <a:t>.1</a:t>
-            </a:r>
-            <a:r>
               <a:rPr lang="en-US" b="1" dirty="0">
                 <a:latin typeface="Helvetica Neue" panose="02000503000000020004" pitchFamily="2" charset="0"/>
                 <a:ea typeface="Helvetica Neue" panose="02000503000000020004" pitchFamily="2" charset="0"/>
                 <a:cs typeface="Helvetica Neue" panose="02000503000000020004" pitchFamily="2" charset="0"/>
               </a:rPr>
-              <a:t>	</a:t>
-            </a:r>
-            <a:r>
-              <a:rPr lang="en-US" altLang="zh-CN" b="1" dirty="0" smtClean="0">
+              <a:t>.1	</a:t>
+            </a:r>
+            <a:r>
+              <a:rPr lang="en-US" altLang="zh-CN" b="1" dirty="0">
                 <a:latin typeface="Helvetica Neue" panose="02000503000000020004" pitchFamily="2" charset="0"/>
                 <a:ea typeface="Helvetica Neue" panose="02000503000000020004" pitchFamily="2" charset="0"/>
                 <a:cs typeface="Helvetica Neue" panose="02000503000000020004" pitchFamily="2" charset="0"/>
@@ -17305,7 +17224,7 @@
               <a:t>Hardware</a:t>
             </a:r>
             <a:r>
-              <a:rPr lang="zh-CN" altLang="en-US" b="1" dirty="0" smtClean="0">
+              <a:rPr lang="zh-CN" altLang="en-US" b="1" dirty="0">
                 <a:latin typeface="Helvetica Neue" panose="02000503000000020004" pitchFamily="2" charset="0"/>
                 <a:ea typeface="Helvetica Neue" panose="02000503000000020004" pitchFamily="2" charset="0"/>
                 <a:cs typeface="Helvetica Neue" panose="02000503000000020004" pitchFamily="2" charset="0"/>
@@ -17313,7 +17232,7 @@
               <a:t>  </a:t>
             </a:r>
             <a:r>
-              <a:rPr lang="en-US" altLang="zh-CN" b="1" dirty="0" smtClean="0">
+              <a:rPr lang="en-US" altLang="zh-CN" b="1" dirty="0">
                 <a:latin typeface="Helvetica Neue" panose="02000503000000020004" pitchFamily="2" charset="0"/>
                 <a:ea typeface="Helvetica Neue" panose="02000503000000020004" pitchFamily="2" charset="0"/>
                 <a:cs typeface="Helvetica Neue" panose="02000503000000020004" pitchFamily="2" charset="0"/>
@@ -17321,7 +17240,7 @@
               <a:t>&amp;</a:t>
             </a:r>
             <a:r>
-              <a:rPr lang="zh-CN" altLang="en-US" b="1" dirty="0" smtClean="0">
+              <a:rPr lang="zh-CN" altLang="en-US" b="1" dirty="0">
                 <a:latin typeface="Helvetica Neue" panose="02000503000000020004" pitchFamily="2" charset="0"/>
                 <a:ea typeface="Helvetica Neue" panose="02000503000000020004" pitchFamily="2" charset="0"/>
                 <a:cs typeface="Helvetica Neue" panose="02000503000000020004" pitchFamily="2" charset="0"/>
@@ -17419,7 +17338,7 @@
             <a:lstStyle/>
             <a:p>
               <a:r>
-                <a:rPr kumimoji="1" lang="en-US" altLang="zh-CN" smtClean="0"/>
+                <a:rPr kumimoji="1" lang="en-US" altLang="zh-CN"/>
                 <a:t>SensorTag</a:t>
               </a:r>
               <a:endParaRPr kumimoji="1" lang="zh-CN" altLang="en-US" dirty="0"/>
@@ -17494,7 +17413,7 @@
             <a:lstStyle/>
             <a:p>
               <a:r>
-                <a:rPr kumimoji="1" lang="en-US" altLang="zh-CN" smtClean="0"/>
+                <a:rPr kumimoji="1" lang="en-US" altLang="zh-CN"/>
                 <a:t>python</a:t>
               </a:r>
               <a:endParaRPr kumimoji="1" lang="zh-CN" altLang="en-US" dirty="0"/>
@@ -17569,15 +17488,15 @@
             <a:lstStyle/>
             <a:p>
               <a:r>
-                <a:rPr kumimoji="1" lang="en-US" altLang="zh-CN" dirty="0" smtClean="0"/>
+                <a:rPr kumimoji="1" lang="en-US" altLang="zh-CN" dirty="0"/>
                 <a:t>C</a:t>
               </a:r>
               <a:r>
-                <a:rPr kumimoji="1" lang="zh-CN" altLang="en-US" dirty="0" smtClean="0"/>
+                <a:rPr kumimoji="1" lang="zh-CN" altLang="en-US" dirty="0"/>
                 <a:t> </a:t>
               </a:r>
               <a:r>
-                <a:rPr kumimoji="1" lang="en-US" altLang="zh-CN" dirty="0" smtClean="0"/>
+                <a:rPr kumimoji="1" lang="en-US" altLang="zh-CN" dirty="0"/>
                 <a:t>language</a:t>
               </a:r>
               <a:endParaRPr kumimoji="1" lang="zh-CN" altLang="en-US" dirty="0"/>
@@ -17652,7 +17571,7 @@
             <a:lstStyle/>
             <a:p>
               <a:r>
-                <a:rPr kumimoji="1" lang="en-US" altLang="zh-CN" smtClean="0"/>
+                <a:rPr kumimoji="1" lang="en-US" altLang="zh-CN"/>
                 <a:t>Github</a:t>
               </a:r>
               <a:endParaRPr kumimoji="1" lang="zh-CN" altLang="en-US" dirty="0"/>
@@ -17695,7 +17614,7 @@
           <p:cNvPr id="2" name="Title 1">
             <a:extLst>
               <a:ext uri="{FF2B5EF4-FFF2-40B4-BE49-F238E27FC236}">
-                <a16:creationId xmlns="" xmlns:a16="http://schemas.microsoft.com/office/drawing/2014/main" id="{590D5C6B-75CD-0845-B759-3C689DD6CB26}"/>
+                <a16:creationId xmlns:a16="http://schemas.microsoft.com/office/drawing/2014/main" id="{590D5C6B-75CD-0845-B759-3C689DD6CB26}"/>
               </a:ext>
             </a:extLst>
           </p:cNvPr>
@@ -17717,7 +17636,7 @@
           <a:lstStyle/>
           <a:p>
             <a:r>
-              <a:rPr lang="en-US" altLang="zh-CN" b="1" dirty="0" smtClean="0">
+              <a:rPr lang="en-US" altLang="zh-CN" b="1" dirty="0">
                 <a:latin typeface="Helvetica Neue" panose="02000503000000020004" pitchFamily="2" charset="0"/>
                 <a:ea typeface="Helvetica Neue" panose="02000503000000020004" pitchFamily="2" charset="0"/>
                 <a:cs typeface="Helvetica Neue" panose="02000503000000020004" pitchFamily="2" charset="0"/>
@@ -17725,7 +17644,7 @@
               <a:t>1</a:t>
             </a:r>
             <a:r>
-              <a:rPr lang="en-US" b="1" dirty="0" smtClean="0">
+              <a:rPr lang="en-US" b="1" dirty="0">
                 <a:latin typeface="Helvetica Neue" panose="02000503000000020004" pitchFamily="2" charset="0"/>
                 <a:ea typeface="Helvetica Neue" panose="02000503000000020004" pitchFamily="2" charset="0"/>
                 <a:cs typeface="Helvetica Neue" panose="02000503000000020004" pitchFamily="2" charset="0"/>
@@ -17733,7 +17652,7 @@
               <a:t>.</a:t>
             </a:r>
             <a:r>
-              <a:rPr lang="en-US" altLang="zh-CN" b="1" dirty="0" smtClean="0">
+              <a:rPr lang="en-US" altLang="zh-CN" b="1" dirty="0">
                 <a:latin typeface="Helvetica Neue" panose="02000503000000020004" pitchFamily="2" charset="0"/>
                 <a:ea typeface="Helvetica Neue" panose="02000503000000020004" pitchFamily="2" charset="0"/>
                 <a:cs typeface="Helvetica Neue" panose="02000503000000020004" pitchFamily="2" charset="0"/>
@@ -17749,7 +17668,7 @@
               <a:t>	</a:t>
             </a:r>
             <a:r>
-              <a:rPr lang="en-US" altLang="zh-CN" b="1" dirty="0" smtClean="0">
+              <a:rPr lang="en-US" altLang="zh-CN" b="1" dirty="0">
                 <a:latin typeface="Helvetica Neue" panose="02000503000000020004" pitchFamily="2" charset="0"/>
                 <a:ea typeface="Helvetica Neue" panose="02000503000000020004" pitchFamily="2" charset="0"/>
                 <a:cs typeface="Helvetica Neue" panose="02000503000000020004" pitchFamily="2" charset="0"/>
@@ -17912,7 +17831,7 @@
             <a:p>
               <a:pPr algn="ctr"/>
               <a:r>
-                <a:rPr kumimoji="1" lang="en-US" altLang="zh-CN" b="1" dirty="0" smtClean="0">
+                <a:rPr kumimoji="1" lang="en-US" altLang="zh-CN" b="1" dirty="0">
                   <a:solidFill>
                     <a:schemeClr val="bg1"/>
                   </a:solidFill>
@@ -17972,7 +17891,7 @@
             <a:p>
               <a:pPr algn="ctr"/>
               <a:r>
-                <a:rPr kumimoji="1" lang="en-US" altLang="zh-CN" b="1" dirty="0" smtClean="0">
+                <a:rPr kumimoji="1" lang="en-US" altLang="zh-CN" b="1" dirty="0">
                   <a:solidFill>
                     <a:schemeClr val="bg1"/>
                   </a:solidFill>
@@ -18032,7 +17951,7 @@
             <a:p>
               <a:pPr algn="ctr"/>
               <a:r>
-                <a:rPr kumimoji="1" lang="en-US" altLang="zh-CN" b="1" dirty="0" smtClean="0">
+                <a:rPr kumimoji="1" lang="en-US" altLang="zh-CN" b="1" dirty="0">
                   <a:solidFill>
                     <a:schemeClr val="bg1"/>
                   </a:solidFill>
@@ -18092,7 +18011,7 @@
             <a:p>
               <a:pPr algn="ctr"/>
               <a:r>
-                <a:rPr kumimoji="1" lang="en-US" altLang="zh-CN" b="1" dirty="0" smtClean="0">
+                <a:rPr kumimoji="1" lang="en-US" altLang="zh-CN" b="1" dirty="0">
                   <a:solidFill>
                     <a:schemeClr val="bg1"/>
                   </a:solidFill>
@@ -18143,7 +18062,7 @@
           <p:cNvPr id="2" name="Title 1">
             <a:extLst>
               <a:ext uri="{FF2B5EF4-FFF2-40B4-BE49-F238E27FC236}">
-                <a16:creationId xmlns="" xmlns:a16="http://schemas.microsoft.com/office/drawing/2014/main" id="{590D5C6B-75CD-0845-B759-3C689DD6CB26}"/>
+                <a16:creationId xmlns:a16="http://schemas.microsoft.com/office/drawing/2014/main" id="{590D5C6B-75CD-0845-B759-3C689DD6CB26}"/>
               </a:ext>
             </a:extLst>
           </p:cNvPr>
@@ -18165,7 +18084,7 @@
           <a:lstStyle/>
           <a:p>
             <a:r>
-              <a:rPr lang="en-US" altLang="zh-CN" b="1" dirty="0" smtClean="0">
+              <a:rPr lang="en-US" altLang="zh-CN" b="1" dirty="0">
                 <a:latin typeface="Helvetica Neue" panose="02000503000000020004" pitchFamily="2" charset="0"/>
                 <a:ea typeface="Helvetica Neue" panose="02000503000000020004" pitchFamily="2" charset="0"/>
                 <a:cs typeface="Helvetica Neue" panose="02000503000000020004" pitchFamily="2" charset="0"/>
@@ -18173,7 +18092,7 @@
               <a:t>1</a:t>
             </a:r>
             <a:r>
-              <a:rPr lang="en-US" b="1" dirty="0" smtClean="0">
+              <a:rPr lang="en-US" b="1" dirty="0">
                 <a:latin typeface="Helvetica Neue" panose="02000503000000020004" pitchFamily="2" charset="0"/>
                 <a:ea typeface="Helvetica Neue" panose="02000503000000020004" pitchFamily="2" charset="0"/>
                 <a:cs typeface="Helvetica Neue" panose="02000503000000020004" pitchFamily="2" charset="0"/>
@@ -18197,7 +18116,7 @@
               <a:t>	</a:t>
             </a:r>
             <a:r>
-              <a:rPr lang="en-US" altLang="zh-CN" b="1" dirty="0" smtClean="0">
+              <a:rPr lang="en-US" altLang="zh-CN" b="1" dirty="0">
                 <a:latin typeface="Helvetica Neue" panose="02000503000000020004" pitchFamily="2" charset="0"/>
                 <a:ea typeface="Helvetica Neue" panose="02000503000000020004" pitchFamily="2" charset="0"/>
                 <a:cs typeface="Helvetica Neue" panose="02000503000000020004" pitchFamily="2" charset="0"/>
@@ -18205,7 +18124,7 @@
               <a:t>Data</a:t>
             </a:r>
             <a:r>
-              <a:rPr lang="zh-CN" altLang="en-US" b="1" dirty="0" smtClean="0">
+              <a:rPr lang="zh-CN" altLang="en-US" b="1" dirty="0">
                 <a:latin typeface="Helvetica Neue" panose="02000503000000020004" pitchFamily="2" charset="0"/>
                 <a:ea typeface="Helvetica Neue" panose="02000503000000020004" pitchFamily="2" charset="0"/>
                 <a:cs typeface="Helvetica Neue" panose="02000503000000020004" pitchFamily="2" charset="0"/>
@@ -18213,7 +18132,7 @@
               <a:t> </a:t>
             </a:r>
             <a:r>
-              <a:rPr lang="en-US" altLang="zh-CN" b="1" dirty="0" smtClean="0">
+              <a:rPr lang="en-US" altLang="zh-CN" b="1" dirty="0">
                 <a:latin typeface="Helvetica Neue" panose="02000503000000020004" pitchFamily="2" charset="0"/>
                 <a:ea typeface="Helvetica Neue" panose="02000503000000020004" pitchFamily="2" charset="0"/>
                 <a:cs typeface="Helvetica Neue" panose="02000503000000020004" pitchFamily="2" charset="0"/>
@@ -18251,23 +18170,23 @@
           <a:lstStyle/>
           <a:p>
             <a:r>
-              <a:rPr kumimoji="1" lang="en-US" altLang="zh-CN" sz="2000" b="1" dirty="0" smtClean="0"/>
+              <a:rPr kumimoji="1" lang="en-US" altLang="zh-CN" sz="2000" b="1" dirty="0"/>
               <a:t>Data</a:t>
             </a:r>
             <a:r>
-              <a:rPr kumimoji="1" lang="zh-CN" altLang="en-US" sz="2000" b="1" dirty="0" smtClean="0"/>
+              <a:rPr kumimoji="1" lang="zh-CN" altLang="en-US" sz="2000" b="1" dirty="0"/>
               <a:t> </a:t>
             </a:r>
             <a:r>
-              <a:rPr kumimoji="1" lang="en-US" altLang="zh-CN" sz="2000" b="1" dirty="0" smtClean="0"/>
+              <a:rPr kumimoji="1" lang="en-US" altLang="zh-CN" sz="2000" b="1" dirty="0"/>
               <a:t>Set</a:t>
             </a:r>
             <a:r>
-              <a:rPr kumimoji="1" lang="zh-CN" altLang="en-US" sz="2000" b="1" dirty="0" smtClean="0"/>
+              <a:rPr kumimoji="1" lang="zh-CN" altLang="en-US" sz="2000" b="1" dirty="0"/>
               <a:t> </a:t>
             </a:r>
             <a:r>
-              <a:rPr kumimoji="1" lang="en-US" altLang="zh-CN" sz="2000" b="1" dirty="0" smtClean="0"/>
+              <a:rPr kumimoji="1" lang="en-US" altLang="zh-CN" sz="2000" b="1" dirty="0"/>
               <a:t>1:</a:t>
             </a:r>
           </a:p>
@@ -18277,47 +18196,47 @@
               <a:buChar char="•"/>
             </a:pPr>
             <a:r>
-              <a:rPr kumimoji="1" lang="en-US" altLang="zh-CN" sz="2000" dirty="0" smtClean="0"/>
+              <a:rPr kumimoji="1" lang="en-US" altLang="zh-CN" sz="2000" dirty="0"/>
               <a:t>Number</a:t>
             </a:r>
             <a:r>
-              <a:rPr kumimoji="1" lang="zh-CN" altLang="en-US" sz="2000" dirty="0" smtClean="0"/>
+              <a:rPr kumimoji="1" lang="zh-CN" altLang="en-US" sz="2000" dirty="0"/>
               <a:t> </a:t>
             </a:r>
             <a:r>
-              <a:rPr kumimoji="1" lang="en-US" altLang="zh-CN" sz="2000" dirty="0" smtClean="0"/>
+              <a:rPr kumimoji="1" lang="en-US" altLang="zh-CN" sz="2000" dirty="0"/>
               <a:t>of</a:t>
             </a:r>
             <a:r>
-              <a:rPr kumimoji="1" lang="zh-CN" altLang="en-US" sz="2000" dirty="0" smtClean="0"/>
+              <a:rPr kumimoji="1" lang="zh-CN" altLang="en-US" sz="2000" dirty="0"/>
               <a:t> </a:t>
             </a:r>
             <a:r>
-              <a:rPr kumimoji="1" lang="en-US" altLang="zh-CN" sz="2000" dirty="0" smtClean="0"/>
+              <a:rPr kumimoji="1" lang="en-US" altLang="zh-CN" sz="2000" dirty="0"/>
               <a:t>sensor</a:t>
             </a:r>
             <a:r>
-              <a:rPr kumimoji="1" lang="zh-CN" altLang="en-US" sz="2000" dirty="0" smtClean="0"/>
+              <a:rPr kumimoji="1" lang="zh-CN" altLang="en-US" sz="2000" dirty="0"/>
               <a:t> </a:t>
             </a:r>
             <a:r>
-              <a:rPr kumimoji="1" lang="en-US" altLang="zh-CN" sz="2000" dirty="0" smtClean="0"/>
+              <a:rPr kumimoji="1" lang="en-US" altLang="zh-CN" sz="2000" dirty="0"/>
               <a:t>tag</a:t>
             </a:r>
             <a:r>
-              <a:rPr kumimoji="1" lang="zh-CN" altLang="en-US" sz="2000" dirty="0" smtClean="0"/>
+              <a:rPr kumimoji="1" lang="zh-CN" altLang="en-US" sz="2000" dirty="0"/>
               <a:t> </a:t>
             </a:r>
             <a:r>
-              <a:rPr kumimoji="1" lang="en-US" altLang="zh-CN" sz="2000" dirty="0" smtClean="0"/>
+              <a:rPr kumimoji="1" lang="en-US" altLang="zh-CN" sz="2000" dirty="0"/>
               <a:t>:</a:t>
             </a:r>
             <a:r>
-              <a:rPr kumimoji="1" lang="zh-CN" altLang="en-US" sz="2000" dirty="0" smtClean="0"/>
+              <a:rPr kumimoji="1" lang="zh-CN" altLang="en-US" sz="2000" dirty="0"/>
               <a:t> </a:t>
             </a:r>
             <a:r>
-              <a:rPr kumimoji="1" lang="en-US" altLang="zh-CN" sz="2000" dirty="0" smtClean="0"/>
+              <a:rPr kumimoji="1" lang="en-US" altLang="zh-CN" sz="2000" dirty="0"/>
               <a:t>5</a:t>
             </a:r>
           </a:p>
@@ -18327,39 +18246,39 @@
               <a:buChar char="•"/>
             </a:pPr>
             <a:r>
-              <a:rPr kumimoji="1" lang="en-US" altLang="zh-CN" sz="2000" dirty="0" smtClean="0"/>
+              <a:rPr kumimoji="1" lang="en-US" altLang="zh-CN" sz="2000" dirty="0"/>
               <a:t>Number</a:t>
             </a:r>
             <a:r>
-              <a:rPr kumimoji="1" lang="zh-CN" altLang="en-US" sz="2000" dirty="0" smtClean="0"/>
+              <a:rPr kumimoji="1" lang="zh-CN" altLang="en-US" sz="2000" dirty="0"/>
               <a:t> </a:t>
             </a:r>
             <a:r>
-              <a:rPr kumimoji="1" lang="en-US" altLang="zh-CN" sz="2000" dirty="0" smtClean="0"/>
+              <a:rPr kumimoji="1" lang="en-US" altLang="zh-CN" sz="2000" dirty="0"/>
               <a:t>of</a:t>
             </a:r>
             <a:r>
-              <a:rPr kumimoji="1" lang="zh-CN" altLang="en-US" sz="2000" dirty="0" smtClean="0"/>
+              <a:rPr kumimoji="1" lang="zh-CN" altLang="en-US" sz="2000" dirty="0"/>
               <a:t> </a:t>
             </a:r>
             <a:r>
-              <a:rPr kumimoji="1" lang="en-US" altLang="zh-CN" sz="2000" dirty="0" smtClean="0"/>
+              <a:rPr kumimoji="1" lang="en-US" altLang="zh-CN" sz="2000" dirty="0"/>
               <a:t>Sample</a:t>
             </a:r>
             <a:r>
-              <a:rPr kumimoji="1" lang="zh-CN" altLang="en-US" sz="2000" dirty="0" smtClean="0"/>
+              <a:rPr kumimoji="1" lang="zh-CN" altLang="en-US" sz="2000" dirty="0"/>
               <a:t> </a:t>
             </a:r>
             <a:r>
-              <a:rPr kumimoji="1" lang="en-US" altLang="zh-CN" sz="2000" dirty="0" smtClean="0"/>
+              <a:rPr kumimoji="1" lang="en-US" altLang="zh-CN" sz="2000" dirty="0"/>
               <a:t>:</a:t>
             </a:r>
             <a:r>
-              <a:rPr kumimoji="1" lang="zh-CN" altLang="en-US" sz="2000" dirty="0" smtClean="0"/>
+              <a:rPr kumimoji="1" lang="zh-CN" altLang="en-US" sz="2000" dirty="0"/>
               <a:t> </a:t>
             </a:r>
             <a:r>
-              <a:rPr kumimoji="1" lang="en-US" altLang="zh-CN" sz="2000" dirty="0" smtClean="0"/>
+              <a:rPr kumimoji="1" lang="en-US" altLang="zh-CN" sz="2000" dirty="0"/>
               <a:t>25</a:t>
             </a:r>
           </a:p>
@@ -18369,23 +18288,23 @@
               <a:buChar char="•"/>
             </a:pPr>
             <a:r>
-              <a:rPr kumimoji="1" lang="en-US" altLang="zh-CN" sz="2000" dirty="0" smtClean="0"/>
+              <a:rPr kumimoji="1" lang="en-US" altLang="zh-CN" sz="2000" dirty="0"/>
               <a:t>Period:</a:t>
             </a:r>
             <a:r>
-              <a:rPr kumimoji="1" lang="zh-CN" altLang="en-US" sz="2000" dirty="0" smtClean="0"/>
+              <a:rPr kumimoji="1" lang="zh-CN" altLang="en-US" sz="2000" dirty="0"/>
               <a:t> </a:t>
             </a:r>
             <a:r>
-              <a:rPr kumimoji="1" lang="en-US" altLang="zh-CN" sz="2000" dirty="0" smtClean="0"/>
+              <a:rPr kumimoji="1" lang="en-US" altLang="zh-CN" sz="2000" dirty="0"/>
               <a:t>1pm-5pm</a:t>
             </a:r>
             <a:r>
-              <a:rPr kumimoji="1" lang="zh-CN" altLang="en-US" sz="2000" dirty="0" smtClean="0"/>
+              <a:rPr kumimoji="1" lang="zh-CN" altLang="en-US" sz="2000" dirty="0"/>
               <a:t> </a:t>
             </a:r>
             <a:r>
-              <a:rPr kumimoji="1" lang="en-US" altLang="zh-CN" sz="2000" dirty="0" smtClean="0"/>
+              <a:rPr kumimoji="1" lang="en-US" altLang="zh-CN" sz="2000" dirty="0"/>
               <a:t>Wednesday</a:t>
             </a:r>
           </a:p>
@@ -18395,39 +18314,39 @@
               <a:buChar char="•"/>
             </a:pPr>
             <a:r>
-              <a:rPr kumimoji="1" lang="en-US" altLang="zh-CN" sz="2000" dirty="0" smtClean="0"/>
+              <a:rPr kumimoji="1" lang="en-US" altLang="zh-CN" sz="2000" dirty="0"/>
               <a:t>Number</a:t>
             </a:r>
             <a:r>
-              <a:rPr kumimoji="1" lang="zh-CN" altLang="en-US" sz="2000" dirty="0" smtClean="0"/>
+              <a:rPr kumimoji="1" lang="zh-CN" altLang="en-US" sz="2000" dirty="0"/>
               <a:t> </a:t>
             </a:r>
             <a:r>
-              <a:rPr kumimoji="1" lang="en-US" altLang="zh-CN" sz="2000" dirty="0" smtClean="0"/>
+              <a:rPr kumimoji="1" lang="en-US" altLang="zh-CN" sz="2000" dirty="0"/>
               <a:t>of</a:t>
             </a:r>
             <a:r>
-              <a:rPr kumimoji="1" lang="zh-CN" altLang="en-US" sz="2000" dirty="0" smtClean="0"/>
+              <a:rPr kumimoji="1" lang="zh-CN" altLang="en-US" sz="2000" dirty="0"/>
               <a:t> </a:t>
             </a:r>
             <a:r>
-              <a:rPr kumimoji="1" lang="en-US" altLang="zh-CN" sz="2000" dirty="0" smtClean="0"/>
+              <a:rPr kumimoji="1" lang="en-US" altLang="zh-CN" sz="2000" dirty="0"/>
               <a:t>Test</a:t>
             </a:r>
             <a:r>
-              <a:rPr kumimoji="1" lang="zh-CN" altLang="en-US" sz="2000" dirty="0" smtClean="0"/>
+              <a:rPr kumimoji="1" lang="zh-CN" altLang="en-US" sz="2000" dirty="0"/>
               <a:t> </a:t>
             </a:r>
             <a:r>
-              <a:rPr kumimoji="1" lang="en-US" altLang="zh-CN" sz="2000" dirty="0" smtClean="0"/>
+              <a:rPr kumimoji="1" lang="en-US" altLang="zh-CN" sz="2000" dirty="0"/>
               <a:t>Point:</a:t>
             </a:r>
             <a:r>
-              <a:rPr kumimoji="1" lang="zh-CN" altLang="en-US" sz="2000" dirty="0" smtClean="0"/>
+              <a:rPr kumimoji="1" lang="zh-CN" altLang="en-US" sz="2000" dirty="0"/>
               <a:t> </a:t>
             </a:r>
             <a:r>
-              <a:rPr kumimoji="1" lang="en-US" altLang="zh-CN" sz="2000" dirty="0" smtClean="0"/>
+              <a:rPr kumimoji="1" lang="en-US" altLang="zh-CN" sz="2000" dirty="0"/>
               <a:t>5</a:t>
             </a:r>
           </a:p>
@@ -18459,28 +18378,24 @@
           <a:lstStyle/>
           <a:p>
             <a:r>
-              <a:rPr kumimoji="1" lang="en-US" altLang="zh-CN" sz="2000" b="1" dirty="0" smtClean="0"/>
+              <a:rPr kumimoji="1" lang="en-US" altLang="zh-CN" sz="2000" b="1" dirty="0"/>
               <a:t>Data</a:t>
             </a:r>
             <a:r>
-              <a:rPr kumimoji="1" lang="zh-CN" altLang="en-US" sz="2000" b="1" dirty="0" smtClean="0"/>
+              <a:rPr kumimoji="1" lang="zh-CN" altLang="en-US" sz="2000" b="1" dirty="0"/>
               <a:t> </a:t>
             </a:r>
             <a:r>
-              <a:rPr kumimoji="1" lang="en-US" altLang="zh-CN" sz="2000" b="1" dirty="0" smtClean="0"/>
+              <a:rPr kumimoji="1" lang="en-US" altLang="zh-CN" sz="2000" b="1" dirty="0"/>
               <a:t>Set</a:t>
             </a:r>
             <a:r>
-              <a:rPr kumimoji="1" lang="zh-CN" altLang="en-US" sz="2000" b="1" dirty="0" smtClean="0"/>
+              <a:rPr kumimoji="1" lang="zh-CN" altLang="en-US" sz="2000" b="1" dirty="0"/>
               <a:t> </a:t>
             </a:r>
             <a:r>
               <a:rPr kumimoji="1" lang="en-US" altLang="zh-CN" sz="2000" b="1" dirty="0"/>
-              <a:t>2</a:t>
-            </a:r>
-            <a:r>
-              <a:rPr kumimoji="1" lang="en-US" altLang="zh-CN" sz="2000" b="1" dirty="0" smtClean="0"/>
-              <a:t>:</a:t>
+              <a:t>2:</a:t>
             </a:r>
           </a:p>
           <a:p>
@@ -18489,47 +18404,47 @@
               <a:buChar char="•"/>
             </a:pPr>
             <a:r>
-              <a:rPr kumimoji="1" lang="en-US" altLang="zh-CN" sz="2000" dirty="0" smtClean="0"/>
+              <a:rPr kumimoji="1" lang="en-US" altLang="zh-CN" sz="2000" dirty="0"/>
               <a:t>Number</a:t>
             </a:r>
             <a:r>
-              <a:rPr kumimoji="1" lang="zh-CN" altLang="en-US" sz="2000" dirty="0" smtClean="0"/>
+              <a:rPr kumimoji="1" lang="zh-CN" altLang="en-US" sz="2000" dirty="0"/>
               <a:t> </a:t>
             </a:r>
             <a:r>
-              <a:rPr kumimoji="1" lang="en-US" altLang="zh-CN" sz="2000" dirty="0" smtClean="0"/>
+              <a:rPr kumimoji="1" lang="en-US" altLang="zh-CN" sz="2000" dirty="0"/>
               <a:t>of</a:t>
             </a:r>
             <a:r>
-              <a:rPr kumimoji="1" lang="zh-CN" altLang="en-US" sz="2000" dirty="0" smtClean="0"/>
+              <a:rPr kumimoji="1" lang="zh-CN" altLang="en-US" sz="2000" dirty="0"/>
               <a:t> </a:t>
             </a:r>
             <a:r>
-              <a:rPr kumimoji="1" lang="en-US" altLang="zh-CN" sz="2000" dirty="0" smtClean="0"/>
+              <a:rPr kumimoji="1" lang="en-US" altLang="zh-CN" sz="2000" dirty="0"/>
               <a:t>sensor</a:t>
             </a:r>
             <a:r>
-              <a:rPr kumimoji="1" lang="zh-CN" altLang="en-US" sz="2000" dirty="0" smtClean="0"/>
+              <a:rPr kumimoji="1" lang="zh-CN" altLang="en-US" sz="2000" dirty="0"/>
               <a:t> </a:t>
             </a:r>
             <a:r>
-              <a:rPr kumimoji="1" lang="en-US" altLang="zh-CN" sz="2000" dirty="0" smtClean="0"/>
+              <a:rPr kumimoji="1" lang="en-US" altLang="zh-CN" sz="2000" dirty="0"/>
               <a:t>tag</a:t>
             </a:r>
             <a:r>
-              <a:rPr kumimoji="1" lang="zh-CN" altLang="en-US" sz="2000" dirty="0" smtClean="0"/>
+              <a:rPr kumimoji="1" lang="zh-CN" altLang="en-US" sz="2000" dirty="0"/>
               <a:t> </a:t>
             </a:r>
             <a:r>
-              <a:rPr kumimoji="1" lang="en-US" altLang="zh-CN" sz="2000" dirty="0" smtClean="0"/>
+              <a:rPr kumimoji="1" lang="en-US" altLang="zh-CN" sz="2000" dirty="0"/>
               <a:t>:</a:t>
             </a:r>
             <a:r>
-              <a:rPr kumimoji="1" lang="zh-CN" altLang="en-US" sz="2000" dirty="0" smtClean="0"/>
+              <a:rPr kumimoji="1" lang="zh-CN" altLang="en-US" sz="2000" dirty="0"/>
               <a:t> </a:t>
             </a:r>
             <a:r>
-              <a:rPr kumimoji="1" lang="en-US" altLang="zh-CN" sz="2000" dirty="0" smtClean="0"/>
+              <a:rPr kumimoji="1" lang="en-US" altLang="zh-CN" sz="2000" dirty="0"/>
               <a:t>5</a:t>
             </a:r>
           </a:p>
@@ -18539,44 +18454,40 @@
               <a:buChar char="•"/>
             </a:pPr>
             <a:r>
-              <a:rPr kumimoji="1" lang="en-US" altLang="zh-CN" sz="2000" dirty="0" smtClean="0"/>
+              <a:rPr kumimoji="1" lang="en-US" altLang="zh-CN" sz="2000" dirty="0"/>
               <a:t>Number</a:t>
             </a:r>
             <a:r>
-              <a:rPr kumimoji="1" lang="zh-CN" altLang="en-US" sz="2000" dirty="0" smtClean="0"/>
+              <a:rPr kumimoji="1" lang="zh-CN" altLang="en-US" sz="2000" dirty="0"/>
               <a:t> </a:t>
             </a:r>
             <a:r>
-              <a:rPr kumimoji="1" lang="en-US" altLang="zh-CN" sz="2000" dirty="0" smtClean="0"/>
+              <a:rPr kumimoji="1" lang="en-US" altLang="zh-CN" sz="2000" dirty="0"/>
               <a:t>of</a:t>
             </a:r>
             <a:r>
-              <a:rPr kumimoji="1" lang="zh-CN" altLang="en-US" sz="2000" dirty="0" smtClean="0"/>
+              <a:rPr kumimoji="1" lang="zh-CN" altLang="en-US" sz="2000" dirty="0"/>
               <a:t> </a:t>
             </a:r>
             <a:r>
-              <a:rPr kumimoji="1" lang="en-US" altLang="zh-CN" sz="2000" dirty="0" smtClean="0"/>
+              <a:rPr kumimoji="1" lang="en-US" altLang="zh-CN" sz="2000" dirty="0"/>
               <a:t>Sample</a:t>
             </a:r>
             <a:r>
-              <a:rPr kumimoji="1" lang="zh-CN" altLang="en-US" sz="2000" dirty="0" smtClean="0"/>
+              <a:rPr kumimoji="1" lang="zh-CN" altLang="en-US" sz="2000" dirty="0"/>
               <a:t> </a:t>
             </a:r>
             <a:r>
-              <a:rPr kumimoji="1" lang="en-US" altLang="zh-CN" sz="2000" dirty="0" smtClean="0"/>
+              <a:rPr kumimoji="1" lang="en-US" altLang="zh-CN" sz="2000" dirty="0"/>
               <a:t>:</a:t>
             </a:r>
             <a:r>
-              <a:rPr kumimoji="1" lang="zh-CN" altLang="en-US" sz="2000" dirty="0" smtClean="0"/>
+              <a:rPr kumimoji="1" lang="zh-CN" altLang="en-US" sz="2000" dirty="0"/>
               <a:t> </a:t>
             </a:r>
             <a:r>
               <a:rPr kumimoji="1" lang="en-US" altLang="zh-CN" sz="2000" dirty="0"/>
-              <a:t>1</a:t>
-            </a:r>
-            <a:r>
-              <a:rPr kumimoji="1" lang="en-US" altLang="zh-CN" sz="2000" dirty="0" smtClean="0"/>
-              <a:t>5</a:t>
+              <a:t>15</a:t>
             </a:r>
           </a:p>
           <a:p>
@@ -18585,23 +18496,23 @@
               <a:buChar char="•"/>
             </a:pPr>
             <a:r>
-              <a:rPr kumimoji="1" lang="en-US" altLang="zh-CN" sz="2000" dirty="0" smtClean="0"/>
+              <a:rPr kumimoji="1" lang="en-US" altLang="zh-CN" sz="2000" dirty="0"/>
               <a:t>Period:</a:t>
             </a:r>
             <a:r>
-              <a:rPr kumimoji="1" lang="zh-CN" altLang="en-US" sz="2000" dirty="0" smtClean="0"/>
+              <a:rPr kumimoji="1" lang="zh-CN" altLang="en-US" sz="2000" dirty="0"/>
               <a:t> </a:t>
             </a:r>
             <a:r>
-              <a:rPr kumimoji="1" lang="en-US" altLang="zh-CN" sz="2000" dirty="0" smtClean="0"/>
+              <a:rPr kumimoji="1" lang="en-US" altLang="zh-CN" sz="2000" dirty="0"/>
               <a:t>12pm-5pm</a:t>
             </a:r>
             <a:r>
-              <a:rPr kumimoji="1" lang="zh-CN" altLang="en-US" sz="2000" dirty="0" smtClean="0"/>
+              <a:rPr kumimoji="1" lang="zh-CN" altLang="en-US" sz="2000" dirty="0"/>
               <a:t> </a:t>
             </a:r>
             <a:r>
-              <a:rPr kumimoji="1" lang="en-US" altLang="zh-CN" sz="2000" dirty="0" smtClean="0"/>
+              <a:rPr kumimoji="1" lang="en-US" altLang="zh-CN" sz="2000" dirty="0"/>
               <a:t>Sunday</a:t>
             </a:r>
           </a:p>
@@ -18611,43 +18522,39 @@
               <a:buChar char="•"/>
             </a:pPr>
             <a:r>
-              <a:rPr kumimoji="1" lang="en-US" altLang="zh-CN" sz="2000" dirty="0" smtClean="0"/>
+              <a:rPr kumimoji="1" lang="en-US" altLang="zh-CN" sz="2000" dirty="0"/>
               <a:t>Number</a:t>
             </a:r>
             <a:r>
-              <a:rPr kumimoji="1" lang="zh-CN" altLang="en-US" sz="2000" dirty="0" smtClean="0"/>
+              <a:rPr kumimoji="1" lang="zh-CN" altLang="en-US" sz="2000" dirty="0"/>
               <a:t> </a:t>
             </a:r>
             <a:r>
-              <a:rPr kumimoji="1" lang="en-US" altLang="zh-CN" sz="2000" dirty="0" smtClean="0"/>
+              <a:rPr kumimoji="1" lang="en-US" altLang="zh-CN" sz="2000" dirty="0"/>
               <a:t>of</a:t>
             </a:r>
             <a:r>
-              <a:rPr kumimoji="1" lang="zh-CN" altLang="en-US" sz="2000" dirty="0" smtClean="0"/>
+              <a:rPr kumimoji="1" lang="zh-CN" altLang="en-US" sz="2000" dirty="0"/>
               <a:t> </a:t>
             </a:r>
             <a:r>
               <a:rPr kumimoji="1" lang="en-US" altLang="zh-CN" sz="2000" dirty="0"/>
-              <a:t>T</a:t>
-            </a:r>
-            <a:r>
-              <a:rPr kumimoji="1" lang="en-US" altLang="zh-CN" sz="2000" dirty="0" smtClean="0"/>
-              <a:t>est</a:t>
-            </a:r>
-            <a:r>
-              <a:rPr kumimoji="1" lang="zh-CN" altLang="en-US" sz="2000" dirty="0" smtClean="0"/>
+              <a:t>Test</a:t>
+            </a:r>
+            <a:r>
+              <a:rPr kumimoji="1" lang="zh-CN" altLang="en-US" sz="2000" dirty="0"/>
               <a:t> </a:t>
             </a:r>
             <a:r>
-              <a:rPr kumimoji="1" lang="en-US" altLang="zh-CN" sz="2000" dirty="0" smtClean="0"/>
+              <a:rPr kumimoji="1" lang="en-US" altLang="zh-CN" sz="2000" dirty="0"/>
               <a:t>Point:</a:t>
             </a:r>
             <a:r>
-              <a:rPr kumimoji="1" lang="zh-CN" altLang="en-US" sz="2000" dirty="0" smtClean="0"/>
+              <a:rPr kumimoji="1" lang="zh-CN" altLang="en-US" sz="2000" dirty="0"/>
               <a:t> </a:t>
             </a:r>
             <a:r>
-              <a:rPr kumimoji="1" lang="en-US" altLang="zh-CN" sz="2000" dirty="0" smtClean="0"/>
+              <a:rPr kumimoji="1" lang="en-US" altLang="zh-CN" sz="2000" dirty="0"/>
               <a:t>8</a:t>
             </a:r>
           </a:p>
@@ -18679,15 +18586,15 @@
           <a:lstStyle/>
           <a:p>
             <a:r>
-              <a:rPr kumimoji="1" lang="en-US" altLang="zh-CN" sz="2000" b="1" dirty="0" smtClean="0"/>
+              <a:rPr kumimoji="1" lang="en-US" altLang="zh-CN" sz="2000" b="1" dirty="0"/>
               <a:t>Collection</a:t>
             </a:r>
             <a:r>
-              <a:rPr kumimoji="1" lang="zh-CN" altLang="en-US" sz="2000" b="1" dirty="0" smtClean="0"/>
+              <a:rPr kumimoji="1" lang="zh-CN" altLang="en-US" sz="2000" b="1" dirty="0"/>
               <a:t> </a:t>
             </a:r>
             <a:r>
-              <a:rPr kumimoji="1" lang="en-US" altLang="zh-CN" sz="2000" b="1" dirty="0" smtClean="0"/>
+              <a:rPr kumimoji="1" lang="en-US" altLang="zh-CN" sz="2000" b="1" dirty="0"/>
               <a:t>Method:</a:t>
             </a:r>
           </a:p>
@@ -18697,47 +18604,47 @@
               <a:buChar char="ü"/>
             </a:pPr>
             <a:r>
-              <a:rPr kumimoji="1" lang="en-US" altLang="zh-CN" sz="2000" dirty="0" smtClean="0"/>
+              <a:rPr kumimoji="1" lang="en-US" altLang="zh-CN" sz="2000" dirty="0"/>
               <a:t>collects</a:t>
             </a:r>
             <a:r>
-              <a:rPr kumimoji="1" lang="zh-CN" altLang="en-US" sz="2000" dirty="0" smtClean="0"/>
+              <a:rPr kumimoji="1" lang="zh-CN" altLang="en-US" sz="2000" dirty="0"/>
               <a:t> </a:t>
             </a:r>
             <a:r>
-              <a:rPr kumimoji="1" lang="en-US" altLang="zh-CN" sz="2000" dirty="0" smtClean="0"/>
+              <a:rPr kumimoji="1" lang="en-US" altLang="zh-CN" sz="2000" dirty="0"/>
               <a:t>data</a:t>
             </a:r>
             <a:r>
-              <a:rPr kumimoji="1" lang="zh-CN" altLang="en-US" sz="2000" dirty="0" smtClean="0"/>
+              <a:rPr kumimoji="1" lang="zh-CN" altLang="en-US" sz="2000" dirty="0"/>
               <a:t> </a:t>
             </a:r>
             <a:r>
-              <a:rPr kumimoji="1" lang="en-US" altLang="zh-CN" sz="2000" dirty="0" smtClean="0"/>
+              <a:rPr kumimoji="1" lang="en-US" altLang="zh-CN" sz="2000" dirty="0"/>
               <a:t>from</a:t>
             </a:r>
             <a:r>
-              <a:rPr kumimoji="1" lang="zh-CN" altLang="en-US" sz="2000" dirty="0" smtClean="0"/>
+              <a:rPr kumimoji="1" lang="zh-CN" altLang="en-US" sz="2000" dirty="0"/>
               <a:t> </a:t>
             </a:r>
             <a:r>
-              <a:rPr kumimoji="1" lang="en-US" altLang="zh-CN" sz="2000" dirty="0" smtClean="0"/>
+              <a:rPr kumimoji="1" lang="en-US" altLang="zh-CN" sz="2000" dirty="0"/>
               <a:t>5</a:t>
             </a:r>
             <a:r>
-              <a:rPr kumimoji="1" lang="zh-CN" altLang="en-US" sz="2000" dirty="0" smtClean="0"/>
+              <a:rPr kumimoji="1" lang="zh-CN" altLang="en-US" sz="2000" dirty="0"/>
               <a:t> </a:t>
             </a:r>
             <a:r>
-              <a:rPr kumimoji="1" lang="en-US" altLang="zh-CN" sz="2000" dirty="0" smtClean="0"/>
+              <a:rPr kumimoji="1" lang="en-US" altLang="zh-CN" sz="2000" dirty="0"/>
               <a:t>sensor</a:t>
             </a:r>
             <a:r>
-              <a:rPr kumimoji="1" lang="zh-CN" altLang="en-US" sz="2000" dirty="0" smtClean="0"/>
+              <a:rPr kumimoji="1" lang="zh-CN" altLang="en-US" sz="2000" dirty="0"/>
               <a:t> </a:t>
             </a:r>
             <a:r>
-              <a:rPr kumimoji="1" lang="en-US" altLang="zh-CN" sz="2000" dirty="0" smtClean="0"/>
+              <a:rPr kumimoji="1" lang="en-US" altLang="zh-CN" sz="2000" dirty="0"/>
               <a:t>tags</a:t>
             </a:r>
           </a:p>
@@ -18747,39 +18654,39 @@
               <a:buChar char="ü"/>
             </a:pPr>
             <a:r>
-              <a:rPr kumimoji="1" lang="en-US" altLang="zh-CN" sz="2000" dirty="0" smtClean="0"/>
+              <a:rPr kumimoji="1" lang="en-US" altLang="zh-CN" sz="2000" dirty="0"/>
               <a:t>Each</a:t>
             </a:r>
             <a:r>
-              <a:rPr kumimoji="1" lang="zh-CN" altLang="en-US" sz="2000" dirty="0" smtClean="0"/>
+              <a:rPr kumimoji="1" lang="zh-CN" altLang="en-US" sz="2000" dirty="0"/>
               <a:t> </a:t>
             </a:r>
             <a:r>
-              <a:rPr kumimoji="1" lang="en-US" altLang="zh-CN" sz="2000" dirty="0" smtClean="0"/>
+              <a:rPr kumimoji="1" lang="en-US" altLang="zh-CN" sz="2000" dirty="0"/>
               <a:t>group</a:t>
             </a:r>
             <a:r>
-              <a:rPr kumimoji="1" lang="zh-CN" altLang="en-US" sz="2000" dirty="0" smtClean="0"/>
+              <a:rPr kumimoji="1" lang="zh-CN" altLang="en-US" sz="2000" dirty="0"/>
               <a:t> </a:t>
             </a:r>
             <a:r>
-              <a:rPr kumimoji="1" lang="en-US" altLang="zh-CN" sz="2000" dirty="0" smtClean="0"/>
+              <a:rPr kumimoji="1" lang="en-US" altLang="zh-CN" sz="2000" dirty="0"/>
               <a:t>collects</a:t>
             </a:r>
             <a:r>
-              <a:rPr kumimoji="1" lang="zh-CN" altLang="en-US" sz="2000" dirty="0" smtClean="0"/>
+              <a:rPr kumimoji="1" lang="zh-CN" altLang="en-US" sz="2000" dirty="0"/>
               <a:t> </a:t>
             </a:r>
             <a:r>
-              <a:rPr kumimoji="1" lang="en-US" altLang="zh-CN" sz="2000" dirty="0" smtClean="0"/>
+              <a:rPr kumimoji="1" lang="en-US" altLang="zh-CN" sz="2000" dirty="0"/>
               <a:t>3</a:t>
             </a:r>
             <a:r>
-              <a:rPr kumimoji="1" lang="zh-CN" altLang="en-US" sz="2000" dirty="0" smtClean="0"/>
+              <a:rPr kumimoji="1" lang="zh-CN" altLang="en-US" sz="2000" dirty="0"/>
               <a:t> </a:t>
             </a:r>
             <a:r>
-              <a:rPr kumimoji="1" lang="en-US" altLang="zh-CN" sz="2000" dirty="0" smtClean="0"/>
+              <a:rPr kumimoji="1" lang="en-US" altLang="zh-CN" sz="2000" dirty="0"/>
               <a:t>times</a:t>
             </a:r>
           </a:p>
@@ -18789,63 +18696,63 @@
               <a:buChar char="ü"/>
             </a:pPr>
             <a:r>
-              <a:rPr kumimoji="1" lang="en-US" altLang="zh-CN" sz="2000" dirty="0" smtClean="0"/>
+              <a:rPr kumimoji="1" lang="en-US" altLang="zh-CN" sz="2000" dirty="0"/>
               <a:t>Time</a:t>
             </a:r>
             <a:r>
-              <a:rPr kumimoji="1" lang="zh-CN" altLang="en-US" sz="2000" dirty="0" smtClean="0"/>
+              <a:rPr kumimoji="1" lang="zh-CN" altLang="en-US" sz="2000" dirty="0"/>
               <a:t> </a:t>
             </a:r>
             <a:r>
-              <a:rPr kumimoji="1" lang="en-US" altLang="zh-CN" sz="2000" dirty="0" smtClean="0"/>
+              <a:rPr kumimoji="1" lang="en-US" altLang="zh-CN" sz="2000" dirty="0"/>
               <a:t>interval</a:t>
             </a:r>
             <a:r>
-              <a:rPr kumimoji="1" lang="zh-CN" altLang="en-US" sz="2000" dirty="0" smtClean="0"/>
+              <a:rPr kumimoji="1" lang="zh-CN" altLang="en-US" sz="2000" dirty="0"/>
               <a:t> </a:t>
             </a:r>
             <a:r>
-              <a:rPr kumimoji="1" lang="en-US" altLang="zh-CN" sz="2000" dirty="0" smtClean="0"/>
+              <a:rPr kumimoji="1" lang="en-US" altLang="zh-CN" sz="2000" dirty="0"/>
               <a:t>between</a:t>
             </a:r>
             <a:r>
-              <a:rPr kumimoji="1" lang="zh-CN" altLang="en-US" sz="2000" dirty="0" smtClean="0"/>
+              <a:rPr kumimoji="1" lang="zh-CN" altLang="en-US" sz="2000" dirty="0"/>
               <a:t> </a:t>
             </a:r>
             <a:r>
-              <a:rPr kumimoji="1" lang="en-US" altLang="zh-CN" sz="2000" dirty="0" smtClean="0"/>
+              <a:rPr kumimoji="1" lang="en-US" altLang="zh-CN" sz="2000" dirty="0"/>
               <a:t>each</a:t>
             </a:r>
             <a:r>
-              <a:rPr kumimoji="1" lang="zh-CN" altLang="en-US" sz="2000" dirty="0" smtClean="0"/>
+              <a:rPr kumimoji="1" lang="zh-CN" altLang="en-US" sz="2000" dirty="0"/>
               <a:t> </a:t>
             </a:r>
             <a:r>
-              <a:rPr kumimoji="1" lang="en-US" altLang="zh-CN" sz="2000" dirty="0" smtClean="0"/>
+              <a:rPr kumimoji="1" lang="en-US" altLang="zh-CN" sz="2000" dirty="0"/>
               <a:t>group</a:t>
             </a:r>
             <a:r>
-              <a:rPr kumimoji="1" lang="zh-CN" altLang="en-US" sz="2000" dirty="0" smtClean="0"/>
+              <a:rPr kumimoji="1" lang="zh-CN" altLang="en-US" sz="2000" dirty="0"/>
               <a:t> </a:t>
             </a:r>
             <a:r>
-              <a:rPr kumimoji="1" lang="en-US" altLang="zh-CN" sz="2000" dirty="0" smtClean="0"/>
+              <a:rPr kumimoji="1" lang="en-US" altLang="zh-CN" sz="2000" dirty="0"/>
               <a:t>is</a:t>
             </a:r>
             <a:r>
-              <a:rPr kumimoji="1" lang="zh-CN" altLang="en-US" sz="2000" dirty="0" smtClean="0"/>
+              <a:rPr kumimoji="1" lang="zh-CN" altLang="en-US" sz="2000" dirty="0"/>
               <a:t> </a:t>
             </a:r>
             <a:r>
-              <a:rPr kumimoji="1" lang="en-US" altLang="zh-CN" sz="2000" dirty="0" smtClean="0"/>
+              <a:rPr kumimoji="1" lang="en-US" altLang="zh-CN" sz="2000" dirty="0"/>
               <a:t>1</a:t>
             </a:r>
             <a:r>
-              <a:rPr kumimoji="1" lang="zh-CN" altLang="en-US" sz="2000" dirty="0" smtClean="0"/>
+              <a:rPr kumimoji="1" lang="zh-CN" altLang="en-US" sz="2000" dirty="0"/>
               <a:t> </a:t>
             </a:r>
             <a:r>
-              <a:rPr kumimoji="1" lang="en-US" altLang="zh-CN" sz="2000" dirty="0" smtClean="0"/>
+              <a:rPr kumimoji="1" lang="en-US" altLang="zh-CN" sz="2000" dirty="0"/>
               <a:t>sec</a:t>
             </a:r>
           </a:p>
@@ -18855,55 +18762,55 @@
               <a:buChar char="ü"/>
             </a:pPr>
             <a:r>
-              <a:rPr kumimoji="1" lang="en-US" altLang="zh-CN" sz="2000" dirty="0" smtClean="0"/>
+              <a:rPr kumimoji="1" lang="en-US" altLang="zh-CN" sz="2000" dirty="0"/>
               <a:t>Save</a:t>
             </a:r>
             <a:r>
-              <a:rPr kumimoji="1" lang="zh-CN" altLang="en-US" sz="2000" dirty="0" smtClean="0"/>
+              <a:rPr kumimoji="1" lang="zh-CN" altLang="en-US" sz="2000" dirty="0"/>
               <a:t> </a:t>
             </a:r>
             <a:r>
-              <a:rPr kumimoji="1" lang="en-US" altLang="zh-CN" sz="2000" dirty="0" smtClean="0"/>
+              <a:rPr kumimoji="1" lang="en-US" altLang="zh-CN" sz="2000" dirty="0"/>
               <a:t>all</a:t>
             </a:r>
             <a:r>
-              <a:rPr kumimoji="1" lang="zh-CN" altLang="en-US" sz="2000" dirty="0" smtClean="0"/>
+              <a:rPr kumimoji="1" lang="zh-CN" altLang="en-US" sz="2000" dirty="0"/>
               <a:t> </a:t>
             </a:r>
             <a:r>
-              <a:rPr kumimoji="1" lang="en-US" altLang="zh-CN" sz="2000" dirty="0" smtClean="0"/>
+              <a:rPr kumimoji="1" lang="en-US" altLang="zh-CN" sz="2000" dirty="0"/>
               <a:t>data</a:t>
             </a:r>
             <a:r>
-              <a:rPr kumimoji="1" lang="zh-CN" altLang="en-US" sz="2000" dirty="0" smtClean="0"/>
+              <a:rPr kumimoji="1" lang="zh-CN" altLang="en-US" sz="2000" dirty="0"/>
               <a:t> </a:t>
             </a:r>
             <a:r>
-              <a:rPr kumimoji="1" lang="en-US" altLang="zh-CN" sz="2000" dirty="0" smtClean="0"/>
+              <a:rPr kumimoji="1" lang="en-US" altLang="zh-CN" sz="2000" dirty="0"/>
               <a:t>in</a:t>
             </a:r>
             <a:r>
-              <a:rPr kumimoji="1" lang="zh-CN" altLang="en-US" sz="2000" dirty="0" smtClean="0"/>
+              <a:rPr kumimoji="1" lang="zh-CN" altLang="en-US" sz="2000" dirty="0"/>
               <a:t> </a:t>
             </a:r>
             <a:r>
-              <a:rPr kumimoji="1" lang="en-US" altLang="zh-CN" sz="2000" dirty="0" smtClean="0"/>
+              <a:rPr kumimoji="1" lang="en-US" altLang="zh-CN" sz="2000" dirty="0"/>
               <a:t>a</a:t>
             </a:r>
             <a:r>
-              <a:rPr kumimoji="1" lang="zh-CN" altLang="en-US" sz="2000" dirty="0" smtClean="0"/>
+              <a:rPr kumimoji="1" lang="zh-CN" altLang="en-US" sz="2000" dirty="0"/>
               <a:t> </a:t>
             </a:r>
             <a:r>
-              <a:rPr kumimoji="1" lang="en-US" altLang="zh-CN" sz="2000" dirty="0" smtClean="0"/>
+              <a:rPr kumimoji="1" lang="en-US" altLang="zh-CN" sz="2000" dirty="0"/>
               <a:t>txt</a:t>
             </a:r>
             <a:r>
-              <a:rPr kumimoji="1" lang="zh-CN" altLang="en-US" sz="2000" dirty="0" smtClean="0"/>
+              <a:rPr kumimoji="1" lang="zh-CN" altLang="en-US" sz="2000" dirty="0"/>
               <a:t> </a:t>
             </a:r>
             <a:r>
-              <a:rPr kumimoji="1" lang="en-US" altLang="zh-CN" sz="2000" dirty="0" smtClean="0"/>
+              <a:rPr kumimoji="1" lang="en-US" altLang="zh-CN" sz="2000" dirty="0"/>
               <a:t>file</a:t>
             </a:r>
           </a:p>
@@ -18944,7 +18851,7 @@
           <p:cNvPr id="2" name="Title 1">
             <a:extLst>
               <a:ext uri="{FF2B5EF4-FFF2-40B4-BE49-F238E27FC236}">
-                <a16:creationId xmlns="" xmlns:a16="http://schemas.microsoft.com/office/drawing/2014/main" id="{590D5C6B-75CD-0845-B759-3C689DD6CB26}"/>
+                <a16:creationId xmlns:a16="http://schemas.microsoft.com/office/drawing/2014/main" id="{590D5C6B-75CD-0845-B759-3C689DD6CB26}"/>
               </a:ext>
             </a:extLst>
           </p:cNvPr>
@@ -18966,7 +18873,7 @@
           <a:lstStyle/>
           <a:p>
             <a:r>
-              <a:rPr lang="en-US" altLang="zh-CN" b="1" dirty="0" smtClean="0">
+              <a:rPr lang="en-US" altLang="zh-CN" b="1" dirty="0">
                 <a:latin typeface="Helvetica Neue" panose="02000503000000020004" pitchFamily="2" charset="0"/>
                 <a:ea typeface="Helvetica Neue" panose="02000503000000020004" pitchFamily="2" charset="0"/>
                 <a:cs typeface="Helvetica Neue" panose="02000503000000020004" pitchFamily="2" charset="0"/>
@@ -18974,7 +18881,7 @@
               <a:t>1</a:t>
             </a:r>
             <a:r>
-              <a:rPr lang="en-US" b="1" dirty="0" smtClean="0">
+              <a:rPr lang="en-US" b="1" dirty="0">
                 <a:latin typeface="Helvetica Neue" panose="02000503000000020004" pitchFamily="2" charset="0"/>
                 <a:ea typeface="Helvetica Neue" panose="02000503000000020004" pitchFamily="2" charset="0"/>
                 <a:cs typeface="Helvetica Neue" panose="02000503000000020004" pitchFamily="2" charset="0"/>
@@ -18998,7 +18905,7 @@
               <a:t>	</a:t>
             </a:r>
             <a:r>
-              <a:rPr lang="en-US" altLang="zh-CN" b="1" dirty="0" smtClean="0">
+              <a:rPr lang="en-US" altLang="zh-CN" b="1" dirty="0">
                 <a:latin typeface="Helvetica Neue" panose="02000503000000020004" pitchFamily="2" charset="0"/>
                 <a:ea typeface="Helvetica Neue" panose="02000503000000020004" pitchFamily="2" charset="0"/>
                 <a:cs typeface="Helvetica Neue" panose="02000503000000020004" pitchFamily="2" charset="0"/>
@@ -19006,7 +18913,7 @@
               <a:t>Analysis</a:t>
             </a:r>
             <a:r>
-              <a:rPr lang="zh-CN" altLang="en-US" b="1" dirty="0" smtClean="0">
+              <a:rPr lang="zh-CN" altLang="en-US" b="1" dirty="0">
                 <a:latin typeface="Helvetica Neue" panose="02000503000000020004" pitchFamily="2" charset="0"/>
                 <a:ea typeface="Helvetica Neue" panose="02000503000000020004" pitchFamily="2" charset="0"/>
                 <a:cs typeface="Helvetica Neue" panose="02000503000000020004" pitchFamily="2" charset="0"/>
@@ -19014,7 +18921,7 @@
               <a:t> </a:t>
             </a:r>
             <a:r>
-              <a:rPr lang="en-US" altLang="zh-CN" b="1" dirty="0" smtClean="0">
+              <a:rPr lang="en-US" altLang="zh-CN" b="1" dirty="0">
                 <a:latin typeface="Helvetica Neue" panose="02000503000000020004" pitchFamily="2" charset="0"/>
                 <a:ea typeface="Helvetica Neue" panose="02000503000000020004" pitchFamily="2" charset="0"/>
                 <a:cs typeface="Helvetica Neue" panose="02000503000000020004" pitchFamily="2" charset="0"/>
@@ -19022,7 +18929,7 @@
               <a:t>Collected</a:t>
             </a:r>
             <a:r>
-              <a:rPr lang="zh-CN" altLang="en-US" b="1" dirty="0" smtClean="0">
+              <a:rPr lang="zh-CN" altLang="en-US" b="1" dirty="0">
                 <a:latin typeface="Helvetica Neue" panose="02000503000000020004" pitchFamily="2" charset="0"/>
                 <a:ea typeface="Helvetica Neue" panose="02000503000000020004" pitchFamily="2" charset="0"/>
                 <a:cs typeface="Helvetica Neue" panose="02000503000000020004" pitchFamily="2" charset="0"/>
@@ -19030,7 +18937,7 @@
               <a:t> </a:t>
             </a:r>
             <a:r>
-              <a:rPr lang="en-US" altLang="zh-CN" b="1" dirty="0" smtClean="0">
+              <a:rPr lang="en-US" altLang="zh-CN" b="1" dirty="0">
                 <a:latin typeface="Helvetica Neue" panose="02000503000000020004" pitchFamily="2" charset="0"/>
                 <a:ea typeface="Helvetica Neue" panose="02000503000000020004" pitchFamily="2" charset="0"/>
                 <a:cs typeface="Helvetica Neue" panose="02000503000000020004" pitchFamily="2" charset="0"/>
@@ -19068,70 +18975,70 @@
           <a:lstStyle/>
           <a:p>
             <a:r>
-              <a:rPr kumimoji="1" lang="en-US" altLang="zh-CN" sz="2000" dirty="0" smtClean="0"/>
+              <a:rPr kumimoji="1" lang="en-US" altLang="zh-CN" sz="2000" dirty="0"/>
               <a:t>Data</a:t>
             </a:r>
             <a:r>
-              <a:rPr kumimoji="1" lang="zh-CN" altLang="en-US" sz="2000" dirty="0" smtClean="0"/>
+              <a:rPr kumimoji="1" lang="zh-CN" altLang="en-US" sz="2000" dirty="0"/>
               <a:t> </a:t>
             </a:r>
             <a:r>
-              <a:rPr kumimoji="1" lang="en-US" altLang="zh-CN" sz="2000" dirty="0" smtClean="0"/>
+              <a:rPr kumimoji="1" lang="en-US" altLang="zh-CN" sz="2000" dirty="0"/>
               <a:t>Set</a:t>
             </a:r>
             <a:r>
-              <a:rPr kumimoji="1" lang="zh-CN" altLang="en-US" sz="2000" dirty="0" smtClean="0"/>
+              <a:rPr kumimoji="1" lang="zh-CN" altLang="en-US" sz="2000" dirty="0"/>
               <a:t> </a:t>
             </a:r>
             <a:r>
-              <a:rPr kumimoji="1" lang="en-US" altLang="zh-CN" sz="2000" dirty="0" smtClean="0"/>
+              <a:rPr kumimoji="1" lang="en-US" altLang="zh-CN" sz="2000" dirty="0"/>
               <a:t>1</a:t>
             </a:r>
             <a:r>
-              <a:rPr kumimoji="1" lang="zh-CN" altLang="en-US" sz="2000" dirty="0" smtClean="0"/>
+              <a:rPr kumimoji="1" lang="zh-CN" altLang="en-US" sz="2000" dirty="0"/>
               <a:t> </a:t>
             </a:r>
             <a:r>
-              <a:rPr kumimoji="1" lang="en-US" altLang="zh-CN" sz="2000" dirty="0" smtClean="0"/>
+              <a:rPr kumimoji="1" lang="en-US" altLang="zh-CN" sz="2000" dirty="0"/>
               <a:t>is</a:t>
             </a:r>
             <a:r>
-              <a:rPr kumimoji="1" lang="zh-CN" altLang="en-US" sz="2000" dirty="0" smtClean="0"/>
+              <a:rPr kumimoji="1" lang="zh-CN" altLang="en-US" sz="2000" dirty="0"/>
               <a:t> </a:t>
             </a:r>
             <a:r>
-              <a:rPr kumimoji="1" lang="en-US" altLang="zh-CN" sz="2000" dirty="0" smtClean="0"/>
+              <a:rPr kumimoji="1" lang="en-US" altLang="zh-CN" sz="2000" dirty="0"/>
               <a:t>not</a:t>
             </a:r>
             <a:r>
-              <a:rPr kumimoji="1" lang="zh-CN" altLang="en-US" sz="2000" dirty="0" smtClean="0"/>
+              <a:rPr kumimoji="1" lang="zh-CN" altLang="en-US" sz="2000" dirty="0"/>
               <a:t> </a:t>
             </a:r>
             <a:r>
-              <a:rPr kumimoji="1" lang="en-US" altLang="zh-CN" sz="2000" dirty="0" smtClean="0"/>
+              <a:rPr kumimoji="1" lang="en-US" altLang="zh-CN" sz="2000" dirty="0"/>
               <a:t>an</a:t>
             </a:r>
             <a:r>
-              <a:rPr kumimoji="1" lang="zh-CN" altLang="en-US" sz="2000" dirty="0" smtClean="0"/>
+              <a:rPr kumimoji="1" lang="zh-CN" altLang="en-US" sz="2000" dirty="0"/>
               <a:t> </a:t>
             </a:r>
             <a:r>
-              <a:rPr kumimoji="1" lang="en-US" altLang="zh-CN" sz="2000" dirty="0" smtClean="0"/>
+              <a:rPr kumimoji="1" lang="en-US" altLang="zh-CN" sz="2000" dirty="0"/>
               <a:t>appropriate</a:t>
             </a:r>
             <a:r>
-              <a:rPr kumimoji="1" lang="zh-CN" altLang="en-US" sz="2000" dirty="0" smtClean="0"/>
+              <a:rPr kumimoji="1" lang="zh-CN" altLang="en-US" sz="2000" dirty="0"/>
               <a:t> </a:t>
             </a:r>
             <a:r>
-              <a:rPr kumimoji="1" lang="en-US" altLang="zh-CN" sz="2000" dirty="0" smtClean="0"/>
+              <a:rPr kumimoji="1" lang="en-US" altLang="zh-CN" sz="2000" dirty="0"/>
               <a:t>data.</a:t>
             </a:r>
             <a:r>
-              <a:rPr kumimoji="1" lang="zh-CN" altLang="en-US" sz="2000" dirty="0" smtClean="0"/>
+              <a:rPr kumimoji="1" lang="zh-CN" altLang="en-US" sz="2000" dirty="0"/>
               <a:t> </a:t>
             </a:r>
-            <a:endParaRPr kumimoji="1" lang="en-US" altLang="zh-CN" sz="2000" dirty="0" smtClean="0"/>
+            <a:endParaRPr kumimoji="1" lang="en-US" altLang="zh-CN" sz="2000" dirty="0"/>
           </a:p>
           <a:p>
             <a:pPr marL="342900" indent="-342900">
@@ -19139,63 +19046,63 @@
               <a:buChar char="•"/>
             </a:pPr>
             <a:r>
-              <a:rPr kumimoji="1" lang="en-US" altLang="zh-CN" sz="2000" dirty="0" smtClean="0"/>
+              <a:rPr kumimoji="1" lang="en-US" altLang="zh-CN" sz="2000" dirty="0"/>
               <a:t>Some</a:t>
             </a:r>
             <a:r>
-              <a:rPr kumimoji="1" lang="zh-CN" altLang="en-US" sz="2000" dirty="0" smtClean="0"/>
+              <a:rPr kumimoji="1" lang="zh-CN" altLang="en-US" sz="2000" dirty="0"/>
               <a:t> </a:t>
             </a:r>
             <a:r>
-              <a:rPr kumimoji="1" lang="en-US" altLang="zh-CN" sz="2000" dirty="0" smtClean="0"/>
+              <a:rPr kumimoji="1" lang="en-US" altLang="zh-CN" sz="2000" dirty="0"/>
               <a:t>different</a:t>
             </a:r>
             <a:r>
-              <a:rPr kumimoji="1" lang="zh-CN" altLang="en-US" sz="2000" dirty="0" smtClean="0"/>
+              <a:rPr kumimoji="1" lang="zh-CN" altLang="en-US" sz="2000" dirty="0"/>
               <a:t> </a:t>
             </a:r>
             <a:r>
-              <a:rPr kumimoji="1" lang="en-US" altLang="zh-CN" sz="2000" dirty="0" smtClean="0"/>
+              <a:rPr kumimoji="1" lang="en-US" altLang="zh-CN" sz="2000" dirty="0"/>
               <a:t>points</a:t>
             </a:r>
             <a:r>
-              <a:rPr kumimoji="1" lang="zh-CN" altLang="en-US" sz="2000" dirty="0" smtClean="0"/>
+              <a:rPr kumimoji="1" lang="zh-CN" altLang="en-US" sz="2000" dirty="0"/>
               <a:t> </a:t>
             </a:r>
             <a:r>
-              <a:rPr kumimoji="1" lang="en-US" altLang="zh-CN" sz="2000" dirty="0" smtClean="0"/>
+              <a:rPr kumimoji="1" lang="en-US" altLang="zh-CN" sz="2000" dirty="0"/>
               <a:t>have</a:t>
             </a:r>
             <a:r>
-              <a:rPr kumimoji="1" lang="zh-CN" altLang="en-US" sz="2000" dirty="0" smtClean="0"/>
+              <a:rPr kumimoji="1" lang="zh-CN" altLang="en-US" sz="2000" dirty="0"/>
               <a:t> </a:t>
             </a:r>
             <a:r>
-              <a:rPr kumimoji="1" lang="en-US" altLang="zh-CN" sz="2000" dirty="0" smtClean="0"/>
+              <a:rPr kumimoji="1" lang="en-US" altLang="zh-CN" sz="2000" dirty="0"/>
               <a:t>the</a:t>
             </a:r>
             <a:r>
-              <a:rPr kumimoji="1" lang="zh-CN" altLang="en-US" sz="2000" dirty="0" smtClean="0"/>
+              <a:rPr kumimoji="1" lang="zh-CN" altLang="en-US" sz="2000" dirty="0"/>
               <a:t> </a:t>
             </a:r>
             <a:r>
-              <a:rPr kumimoji="1" lang="en-US" altLang="zh-CN" sz="2000" dirty="0" smtClean="0"/>
+              <a:rPr kumimoji="1" lang="en-US" altLang="zh-CN" sz="2000" dirty="0"/>
               <a:t>same</a:t>
             </a:r>
             <a:r>
-              <a:rPr kumimoji="1" lang="zh-CN" altLang="en-US" sz="2000" dirty="0" smtClean="0"/>
+              <a:rPr kumimoji="1" lang="zh-CN" altLang="en-US" sz="2000" dirty="0"/>
               <a:t> </a:t>
             </a:r>
             <a:r>
-              <a:rPr kumimoji="1" lang="en-US" altLang="zh-CN" sz="2000" dirty="0" smtClean="0"/>
+              <a:rPr kumimoji="1" lang="en-US" altLang="zh-CN" sz="2000" dirty="0"/>
               <a:t>signal</a:t>
             </a:r>
             <a:r>
-              <a:rPr kumimoji="1" lang="zh-CN" altLang="en-US" sz="2000" dirty="0" smtClean="0"/>
+              <a:rPr kumimoji="1" lang="zh-CN" altLang="en-US" sz="2000" dirty="0"/>
               <a:t> </a:t>
             </a:r>
             <a:r>
-              <a:rPr kumimoji="1" lang="en-US" altLang="zh-CN" sz="2000" dirty="0" smtClean="0"/>
+              <a:rPr kumimoji="1" lang="en-US" altLang="zh-CN" sz="2000" dirty="0"/>
               <a:t>strength.</a:t>
             </a:r>
           </a:p>
@@ -19205,185 +19112,185 @@
               <a:buChar char="•"/>
             </a:pPr>
             <a:r>
-              <a:rPr kumimoji="1" lang="en-US" altLang="zh-CN" sz="2000" dirty="0" smtClean="0"/>
+              <a:rPr kumimoji="1" lang="en-US" altLang="zh-CN" sz="2000" dirty="0"/>
               <a:t>Some</a:t>
             </a:r>
             <a:r>
-              <a:rPr kumimoji="1" lang="zh-CN" altLang="en-US" sz="2000" dirty="0" smtClean="0"/>
+              <a:rPr kumimoji="1" lang="zh-CN" altLang="en-US" sz="2000" dirty="0"/>
               <a:t> </a:t>
             </a:r>
             <a:r>
-              <a:rPr kumimoji="1" lang="en-US" altLang="zh-CN" sz="2000" dirty="0" smtClean="0"/>
+              <a:rPr kumimoji="1" lang="en-US" altLang="zh-CN" sz="2000" dirty="0"/>
               <a:t>points</a:t>
             </a:r>
             <a:r>
-              <a:rPr kumimoji="1" lang="zh-CN" altLang="en-US" sz="2000" dirty="0" smtClean="0"/>
+              <a:rPr kumimoji="1" lang="zh-CN" altLang="en-US" sz="2000" dirty="0"/>
               <a:t> </a:t>
             </a:r>
             <a:r>
-              <a:rPr kumimoji="1" lang="en-US" altLang="zh-CN" sz="2000" dirty="0" smtClean="0"/>
+              <a:rPr kumimoji="1" lang="en-US" altLang="zh-CN" sz="2000" dirty="0"/>
               <a:t>have</a:t>
             </a:r>
             <a:r>
-              <a:rPr kumimoji="1" lang="zh-CN" altLang="en-US" sz="2000" dirty="0" smtClean="0"/>
+              <a:rPr kumimoji="1" lang="zh-CN" altLang="en-US" sz="2000" dirty="0"/>
               <a:t> </a:t>
             </a:r>
             <a:r>
-              <a:rPr kumimoji="1" lang="en-US" altLang="zh-CN" sz="2000" dirty="0" smtClean="0"/>
+              <a:rPr kumimoji="1" lang="en-US" altLang="zh-CN" sz="2000" dirty="0"/>
               <a:t>significant</a:t>
             </a:r>
             <a:r>
-              <a:rPr kumimoji="1" lang="zh-CN" altLang="en-US" sz="2000" dirty="0" smtClean="0"/>
+              <a:rPr kumimoji="1" lang="zh-CN" altLang="en-US" sz="2000" dirty="0"/>
               <a:t> </a:t>
             </a:r>
             <a:r>
-              <a:rPr kumimoji="1" lang="en-US" altLang="zh-CN" sz="2000" dirty="0" smtClean="0"/>
+              <a:rPr kumimoji="1" lang="en-US" altLang="zh-CN" sz="2000" dirty="0"/>
               <a:t>drift</a:t>
             </a:r>
             <a:r>
-              <a:rPr kumimoji="1" lang="zh-CN" altLang="en-US" sz="2000" dirty="0" smtClean="0"/>
+              <a:rPr kumimoji="1" lang="zh-CN" altLang="en-US" sz="2000" dirty="0"/>
               <a:t> </a:t>
             </a:r>
             <a:r>
-              <a:rPr kumimoji="1" lang="en-US" altLang="zh-CN" sz="2000" dirty="0" smtClean="0"/>
+              <a:rPr kumimoji="1" lang="en-US" altLang="zh-CN" sz="2000" dirty="0"/>
               <a:t>at</a:t>
             </a:r>
             <a:r>
-              <a:rPr kumimoji="1" lang="zh-CN" altLang="en-US" sz="2000" dirty="0" smtClean="0"/>
+              <a:rPr kumimoji="1" lang="zh-CN" altLang="en-US" sz="2000" dirty="0"/>
               <a:t> </a:t>
             </a:r>
             <a:r>
-              <a:rPr kumimoji="1" lang="en-US" altLang="zh-CN" sz="2000" dirty="0" smtClean="0"/>
+              <a:rPr kumimoji="1" lang="en-US" altLang="zh-CN" sz="2000" dirty="0"/>
               <a:t>different</a:t>
             </a:r>
             <a:r>
-              <a:rPr kumimoji="1" lang="zh-CN" altLang="en-US" sz="2000" dirty="0" smtClean="0"/>
+              <a:rPr kumimoji="1" lang="zh-CN" altLang="en-US" sz="2000" dirty="0"/>
               <a:t> </a:t>
             </a:r>
             <a:r>
-              <a:rPr kumimoji="1" lang="en-US" altLang="zh-CN" sz="2000" dirty="0" smtClean="0"/>
+              <a:rPr kumimoji="1" lang="en-US" altLang="zh-CN" sz="2000" dirty="0"/>
               <a:t>time.</a:t>
             </a:r>
           </a:p>
           <a:p>
-            <a:endParaRPr kumimoji="1" lang="en-US" altLang="zh-CN" sz="2000" dirty="0" smtClean="0"/>
-          </a:p>
-          <a:p>
-            <a:r>
-              <a:rPr kumimoji="1" lang="en-US" altLang="zh-CN" sz="2000" dirty="0" smtClean="0"/>
+            <a:endParaRPr kumimoji="1" lang="en-US" altLang="zh-CN" sz="2000" dirty="0"/>
+          </a:p>
+          <a:p>
+            <a:r>
+              <a:rPr kumimoji="1" lang="en-US" altLang="zh-CN" sz="2000" dirty="0"/>
               <a:t>Reason</a:t>
             </a:r>
             <a:r>
-              <a:rPr kumimoji="1" lang="zh-CN" altLang="en-US" sz="2000" dirty="0" smtClean="0"/>
+              <a:rPr kumimoji="1" lang="zh-CN" altLang="en-US" sz="2000" dirty="0"/>
               <a:t> </a:t>
             </a:r>
             <a:r>
-              <a:rPr kumimoji="1" lang="en-US" altLang="zh-CN" sz="2000" dirty="0" smtClean="0"/>
+              <a:rPr kumimoji="1" lang="en-US" altLang="zh-CN" sz="2000" dirty="0"/>
               <a:t>:</a:t>
             </a:r>
           </a:p>
           <a:p>
             <a:r>
-              <a:rPr kumimoji="1" lang="en-US" altLang="zh-CN" sz="2000" dirty="0" smtClean="0"/>
+              <a:rPr kumimoji="1" lang="en-US" altLang="zh-CN" sz="2000" dirty="0"/>
               <a:t>Significant</a:t>
             </a:r>
             <a:r>
-              <a:rPr kumimoji="1" lang="zh-CN" altLang="en-US" sz="2000" dirty="0" smtClean="0"/>
+              <a:rPr kumimoji="1" lang="zh-CN" altLang="en-US" sz="2000" dirty="0"/>
               <a:t> </a:t>
             </a:r>
             <a:r>
-              <a:rPr kumimoji="1" lang="en-US" altLang="zh-CN" sz="2000" dirty="0" smtClean="0"/>
+              <a:rPr kumimoji="1" lang="en-US" altLang="zh-CN" sz="2000" dirty="0"/>
               <a:t>Signal</a:t>
             </a:r>
             <a:r>
-              <a:rPr kumimoji="1" lang="zh-CN" altLang="en-US" sz="2000" dirty="0" smtClean="0"/>
+              <a:rPr kumimoji="1" lang="zh-CN" altLang="en-US" sz="2000" dirty="0"/>
               <a:t> </a:t>
             </a:r>
             <a:r>
-              <a:rPr kumimoji="1" lang="en-US" altLang="zh-CN" sz="2000" dirty="0" smtClean="0"/>
+              <a:rPr kumimoji="1" lang="en-US" altLang="zh-CN" sz="2000" dirty="0"/>
               <a:t>Inference</a:t>
             </a:r>
           </a:p>
           <a:p>
             <a:r>
-              <a:rPr kumimoji="1" lang="en-US" altLang="zh-CN" sz="2000" dirty="0" smtClean="0"/>
+              <a:rPr kumimoji="1" lang="en-US" altLang="zh-CN" sz="2000" dirty="0"/>
               <a:t>There</a:t>
             </a:r>
             <a:r>
-              <a:rPr kumimoji="1" lang="zh-CN" altLang="en-US" sz="2000" dirty="0" smtClean="0"/>
+              <a:rPr kumimoji="1" lang="zh-CN" altLang="en-US" sz="2000" dirty="0"/>
               <a:t> </a:t>
             </a:r>
             <a:r>
-              <a:rPr kumimoji="1" lang="en-US" altLang="zh-CN" sz="2000" dirty="0" smtClean="0"/>
+              <a:rPr kumimoji="1" lang="en-US" altLang="zh-CN" sz="2000" dirty="0"/>
               <a:t>are</a:t>
             </a:r>
             <a:r>
-              <a:rPr kumimoji="1" lang="zh-CN" altLang="en-US" sz="2000" dirty="0" smtClean="0"/>
+              <a:rPr kumimoji="1" lang="zh-CN" altLang="en-US" sz="2000" dirty="0"/>
               <a:t> </a:t>
             </a:r>
             <a:r>
-              <a:rPr kumimoji="1" lang="en-US" altLang="zh-CN" sz="2000" dirty="0" smtClean="0"/>
+              <a:rPr kumimoji="1" lang="en-US" altLang="zh-CN" sz="2000" dirty="0"/>
               <a:t>hundreds</a:t>
             </a:r>
             <a:r>
-              <a:rPr kumimoji="1" lang="zh-CN" altLang="en-US" sz="2000" dirty="0" smtClean="0"/>
+              <a:rPr kumimoji="1" lang="zh-CN" altLang="en-US" sz="2000" dirty="0"/>
               <a:t> </a:t>
             </a:r>
             <a:r>
-              <a:rPr kumimoji="1" lang="en-US" altLang="zh-CN" sz="2000" dirty="0" smtClean="0"/>
+              <a:rPr kumimoji="1" lang="en-US" altLang="zh-CN" sz="2000" dirty="0"/>
               <a:t>of</a:t>
             </a:r>
             <a:r>
-              <a:rPr kumimoji="1" lang="zh-CN" altLang="en-US" sz="2000" dirty="0" smtClean="0"/>
+              <a:rPr kumimoji="1" lang="zh-CN" altLang="en-US" sz="2000" dirty="0"/>
               <a:t> </a:t>
             </a:r>
             <a:r>
-              <a:rPr kumimoji="1" lang="en-US" altLang="zh-CN" sz="2000" dirty="0" smtClean="0"/>
+              <a:rPr kumimoji="1" lang="en-US" altLang="zh-CN" sz="2000" dirty="0"/>
               <a:t>electronic</a:t>
             </a:r>
             <a:r>
-              <a:rPr kumimoji="1" lang="zh-CN" altLang="en-US" sz="2000" dirty="0" smtClean="0"/>
+              <a:rPr kumimoji="1" lang="zh-CN" altLang="en-US" sz="2000" dirty="0"/>
               <a:t> </a:t>
             </a:r>
             <a:r>
-              <a:rPr kumimoji="1" lang="en-US" altLang="zh-CN" sz="2000" dirty="0" smtClean="0"/>
+              <a:rPr kumimoji="1" lang="en-US" altLang="zh-CN" sz="2000" dirty="0"/>
               <a:t>devices</a:t>
             </a:r>
             <a:r>
-              <a:rPr kumimoji="1" lang="zh-CN" altLang="en-US" sz="2000" dirty="0" smtClean="0"/>
+              <a:rPr kumimoji="1" lang="zh-CN" altLang="en-US" sz="2000" dirty="0"/>
               <a:t> </a:t>
             </a:r>
             <a:r>
-              <a:rPr kumimoji="1" lang="en-US" altLang="zh-CN" sz="2000" dirty="0" smtClean="0"/>
+              <a:rPr kumimoji="1" lang="en-US" altLang="zh-CN" sz="2000" dirty="0"/>
               <a:t>in</a:t>
             </a:r>
             <a:r>
-              <a:rPr kumimoji="1" lang="zh-CN" altLang="en-US" sz="2000" dirty="0" smtClean="0"/>
+              <a:rPr kumimoji="1" lang="zh-CN" altLang="en-US" sz="2000" dirty="0"/>
               <a:t> </a:t>
             </a:r>
             <a:r>
-              <a:rPr kumimoji="1" lang="en-US" altLang="zh-CN" sz="2000" dirty="0" smtClean="0"/>
+              <a:rPr kumimoji="1" lang="en-US" altLang="zh-CN" sz="2000" dirty="0"/>
               <a:t>the</a:t>
             </a:r>
             <a:r>
-              <a:rPr kumimoji="1" lang="zh-CN" altLang="en-US" sz="2000" dirty="0" smtClean="0"/>
+              <a:rPr kumimoji="1" lang="zh-CN" altLang="en-US" sz="2000" dirty="0"/>
               <a:t> </a:t>
             </a:r>
             <a:r>
-              <a:rPr kumimoji="1" lang="en-US" altLang="zh-CN" sz="2000" dirty="0" smtClean="0"/>
+              <a:rPr kumimoji="1" lang="en-US" altLang="zh-CN" sz="2000" dirty="0"/>
               <a:t>experiment</a:t>
             </a:r>
             <a:r>
-              <a:rPr kumimoji="1" lang="zh-CN" altLang="en-US" sz="2000" dirty="0" smtClean="0"/>
+              <a:rPr kumimoji="1" lang="zh-CN" altLang="en-US" sz="2000" dirty="0"/>
               <a:t> </a:t>
             </a:r>
             <a:r>
-              <a:rPr kumimoji="1" lang="en-US" altLang="zh-CN" sz="2000" dirty="0" smtClean="0"/>
+              <a:rPr kumimoji="1" lang="en-US" altLang="zh-CN" sz="2000" dirty="0"/>
               <a:t>environment.</a:t>
             </a:r>
           </a:p>
           <a:p>
-            <a:endParaRPr kumimoji="1" lang="en-US" altLang="zh-CN" dirty="0" smtClean="0"/>
+            <a:endParaRPr kumimoji="1" lang="en-US" altLang="zh-CN" dirty="0"/>
           </a:p>
           <a:p>
             <a:endParaRPr kumimoji="1" lang="zh-CN" altLang="en-US" dirty="0"/>
@@ -19413,298 +19320,294 @@
           <a:lstStyle/>
           <a:p>
             <a:r>
-              <a:rPr kumimoji="1" lang="en-US" altLang="zh-CN" sz="2000" dirty="0" smtClean="0"/>
+              <a:rPr kumimoji="1" lang="en-US" altLang="zh-CN" sz="2000" dirty="0"/>
               <a:t>Data</a:t>
             </a:r>
             <a:r>
-              <a:rPr kumimoji="1" lang="zh-CN" altLang="en-US" sz="2000" dirty="0" smtClean="0"/>
+              <a:rPr kumimoji="1" lang="zh-CN" altLang="en-US" sz="2000" dirty="0"/>
               <a:t> </a:t>
             </a:r>
             <a:r>
-              <a:rPr kumimoji="1" lang="en-US" altLang="zh-CN" sz="2000" dirty="0" smtClean="0"/>
+              <a:rPr kumimoji="1" lang="en-US" altLang="zh-CN" sz="2000" dirty="0"/>
               <a:t>Set</a:t>
             </a:r>
             <a:r>
-              <a:rPr kumimoji="1" lang="zh-CN" altLang="en-US" sz="2000" dirty="0" smtClean="0"/>
+              <a:rPr kumimoji="1" lang="zh-CN" altLang="en-US" sz="2000" dirty="0"/>
               <a:t> </a:t>
             </a:r>
             <a:r>
-              <a:rPr kumimoji="1" lang="en-US" altLang="zh-CN" sz="2000" dirty="0" smtClean="0"/>
+              <a:rPr kumimoji="1" lang="en-US" altLang="zh-CN" sz="2000" dirty="0"/>
               <a:t>2</a:t>
             </a:r>
             <a:r>
-              <a:rPr kumimoji="1" lang="zh-CN" altLang="en-US" sz="2000" dirty="0" smtClean="0"/>
+              <a:rPr kumimoji="1" lang="zh-CN" altLang="en-US" sz="2000" dirty="0"/>
               <a:t> </a:t>
             </a:r>
             <a:r>
-              <a:rPr kumimoji="1" lang="en-US" altLang="zh-CN" sz="2000" dirty="0" smtClean="0"/>
+              <a:rPr kumimoji="1" lang="en-US" altLang="zh-CN" sz="2000" dirty="0"/>
               <a:t>is</a:t>
             </a:r>
             <a:r>
-              <a:rPr kumimoji="1" lang="zh-CN" altLang="en-US" sz="2000" dirty="0" smtClean="0"/>
+              <a:rPr kumimoji="1" lang="zh-CN" altLang="en-US" sz="2000" dirty="0"/>
               <a:t> </a:t>
             </a:r>
             <a:r>
-              <a:rPr kumimoji="1" lang="en-US" altLang="zh-CN" sz="2000" dirty="0" smtClean="0"/>
+              <a:rPr kumimoji="1" lang="en-US" altLang="zh-CN" sz="2000" dirty="0"/>
               <a:t>an</a:t>
             </a:r>
             <a:r>
-              <a:rPr kumimoji="1" lang="zh-CN" altLang="en-US" sz="2000" dirty="0" smtClean="0"/>
+              <a:rPr kumimoji="1" lang="zh-CN" altLang="en-US" sz="2000" dirty="0"/>
               <a:t> </a:t>
             </a:r>
             <a:r>
-              <a:rPr kumimoji="1" lang="en-US" altLang="zh-CN" sz="2000" dirty="0" smtClean="0"/>
+              <a:rPr kumimoji="1" lang="en-US" altLang="zh-CN" sz="2000" dirty="0"/>
               <a:t>appropriate</a:t>
             </a:r>
             <a:r>
-              <a:rPr kumimoji="1" lang="zh-CN" altLang="en-US" sz="2000" dirty="0" smtClean="0"/>
+              <a:rPr kumimoji="1" lang="zh-CN" altLang="en-US" sz="2000" dirty="0"/>
               <a:t> </a:t>
             </a:r>
             <a:r>
-              <a:rPr kumimoji="1" lang="en-US" altLang="zh-CN" sz="2000" dirty="0" smtClean="0"/>
+              <a:rPr kumimoji="1" lang="en-US" altLang="zh-CN" sz="2000" dirty="0"/>
               <a:t>data.</a:t>
             </a:r>
             <a:r>
-              <a:rPr kumimoji="1" lang="zh-CN" altLang="en-US" sz="2000" dirty="0" smtClean="0"/>
+              <a:rPr kumimoji="1" lang="zh-CN" altLang="en-US" sz="2000" dirty="0"/>
               <a:t> </a:t>
             </a:r>
-            <a:endParaRPr kumimoji="1" lang="en-US" altLang="zh-CN" sz="2000" dirty="0" smtClean="0"/>
-          </a:p>
-          <a:p>
-            <a:r>
-              <a:rPr kumimoji="1" lang="en-US" altLang="zh-CN" dirty="0" smtClean="0"/>
+            <a:endParaRPr kumimoji="1" lang="en-US" altLang="zh-CN" sz="2000" dirty="0"/>
+          </a:p>
+          <a:p>
+            <a:r>
+              <a:rPr kumimoji="1" lang="en-US" altLang="zh-CN" dirty="0"/>
               <a:t>There</a:t>
             </a:r>
             <a:r>
-              <a:rPr kumimoji="1" lang="zh-CN" altLang="en-US" dirty="0" smtClean="0"/>
+              <a:rPr kumimoji="1" lang="zh-CN" altLang="en-US" dirty="0"/>
               <a:t> </a:t>
             </a:r>
             <a:r>
-              <a:rPr kumimoji="1" lang="en-US" altLang="zh-CN" dirty="0" smtClean="0"/>
+              <a:rPr kumimoji="1" lang="en-US" altLang="zh-CN" dirty="0"/>
               <a:t>is</a:t>
             </a:r>
             <a:r>
-              <a:rPr kumimoji="1" lang="zh-CN" altLang="en-US" dirty="0" smtClean="0"/>
+              <a:rPr kumimoji="1" lang="zh-CN" altLang="en-US" dirty="0"/>
               <a:t> </a:t>
             </a:r>
             <a:r>
-              <a:rPr kumimoji="1" lang="en-US" altLang="zh-CN" dirty="0" smtClean="0"/>
+              <a:rPr kumimoji="1" lang="en-US" altLang="zh-CN" dirty="0"/>
               <a:t>less</a:t>
             </a:r>
             <a:r>
-              <a:rPr kumimoji="1" lang="zh-CN" altLang="en-US" dirty="0" smtClean="0"/>
+              <a:rPr kumimoji="1" lang="zh-CN" altLang="en-US" dirty="0"/>
               <a:t> </a:t>
             </a:r>
             <a:r>
-              <a:rPr kumimoji="1" lang="en-US" altLang="zh-CN" dirty="0" smtClean="0"/>
+              <a:rPr kumimoji="1" lang="en-US" altLang="zh-CN" dirty="0"/>
               <a:t>inference</a:t>
             </a:r>
             <a:r>
-              <a:rPr kumimoji="1" lang="zh-CN" altLang="en-US" dirty="0" smtClean="0"/>
+              <a:rPr kumimoji="1" lang="zh-CN" altLang="en-US" dirty="0"/>
               <a:t> </a:t>
             </a:r>
             <a:r>
-              <a:rPr kumimoji="1" lang="en-US" altLang="zh-CN" dirty="0" smtClean="0"/>
+              <a:rPr kumimoji="1" lang="en-US" altLang="zh-CN" dirty="0"/>
               <a:t>during</a:t>
             </a:r>
             <a:r>
-              <a:rPr kumimoji="1" lang="zh-CN" altLang="en-US" dirty="0" smtClean="0"/>
+              <a:rPr kumimoji="1" lang="zh-CN" altLang="en-US" dirty="0"/>
               <a:t> </a:t>
             </a:r>
             <a:r>
-              <a:rPr kumimoji="1" lang="en-US" altLang="zh-CN" dirty="0" smtClean="0"/>
+              <a:rPr kumimoji="1" lang="en-US" altLang="zh-CN" dirty="0"/>
               <a:t>collecting</a:t>
             </a:r>
             <a:r>
-              <a:rPr kumimoji="1" lang="zh-CN" altLang="en-US" dirty="0" smtClean="0"/>
+              <a:rPr kumimoji="1" lang="zh-CN" altLang="en-US" dirty="0"/>
               <a:t> </a:t>
             </a:r>
             <a:r>
-              <a:rPr kumimoji="1" lang="en-US" altLang="zh-CN" dirty="0" smtClean="0"/>
+              <a:rPr kumimoji="1" lang="en-US" altLang="zh-CN" dirty="0"/>
               <a:t>data</a:t>
             </a:r>
             <a:r>
-              <a:rPr kumimoji="1" lang="zh-CN" altLang="en-US" dirty="0" smtClean="0"/>
+              <a:rPr kumimoji="1" lang="zh-CN" altLang="en-US" dirty="0"/>
               <a:t> </a:t>
             </a:r>
             <a:r>
-              <a:rPr kumimoji="1" lang="en-US" altLang="zh-CN" dirty="0" smtClean="0"/>
+              <a:rPr kumimoji="1" lang="en-US" altLang="zh-CN" dirty="0"/>
               <a:t>set</a:t>
             </a:r>
             <a:r>
-              <a:rPr kumimoji="1" lang="zh-CN" altLang="en-US" dirty="0" smtClean="0"/>
+              <a:rPr kumimoji="1" lang="zh-CN" altLang="en-US" dirty="0"/>
               <a:t> </a:t>
             </a:r>
             <a:r>
-              <a:rPr kumimoji="1" lang="en-US" altLang="zh-CN" dirty="0" smtClean="0"/>
+              <a:rPr kumimoji="1" lang="en-US" altLang="zh-CN" dirty="0"/>
               <a:t>2.</a:t>
             </a:r>
           </a:p>
           <a:p>
             <a:r>
-              <a:rPr kumimoji="1" lang="en-US" altLang="zh-CN" dirty="0" smtClean="0"/>
+              <a:rPr kumimoji="1" lang="en-US" altLang="zh-CN" dirty="0"/>
               <a:t>Each</a:t>
             </a:r>
             <a:r>
-              <a:rPr kumimoji="1" lang="zh-CN" altLang="en-US" dirty="0" smtClean="0"/>
+              <a:rPr kumimoji="1" lang="zh-CN" altLang="en-US" dirty="0"/>
               <a:t> </a:t>
             </a:r>
             <a:r>
-              <a:rPr kumimoji="1" lang="en-US" altLang="zh-CN" dirty="0" smtClean="0"/>
+              <a:rPr kumimoji="1" lang="en-US" altLang="zh-CN" dirty="0"/>
               <a:t>sample</a:t>
             </a:r>
             <a:r>
-              <a:rPr kumimoji="1" lang="zh-CN" altLang="en-US" dirty="0" smtClean="0"/>
+              <a:rPr kumimoji="1" lang="zh-CN" altLang="en-US" dirty="0"/>
               <a:t> </a:t>
             </a:r>
             <a:r>
-              <a:rPr kumimoji="1" lang="en-US" altLang="zh-CN" dirty="0" smtClean="0"/>
+              <a:rPr kumimoji="1" lang="en-US" altLang="zh-CN" dirty="0"/>
               <a:t>point</a:t>
             </a:r>
             <a:r>
-              <a:rPr kumimoji="1" lang="zh-CN" altLang="en-US" dirty="0" smtClean="0"/>
+              <a:rPr kumimoji="1" lang="zh-CN" altLang="en-US" dirty="0"/>
               <a:t> </a:t>
             </a:r>
             <a:r>
-              <a:rPr kumimoji="1" lang="en-US" altLang="zh-CN" dirty="0" smtClean="0"/>
+              <a:rPr kumimoji="1" lang="en-US" altLang="zh-CN" dirty="0"/>
               <a:t>got</a:t>
             </a:r>
             <a:r>
-              <a:rPr kumimoji="1" lang="zh-CN" altLang="en-US" dirty="0" smtClean="0"/>
+              <a:rPr kumimoji="1" lang="zh-CN" altLang="en-US" dirty="0"/>
               <a:t> </a:t>
             </a:r>
             <a:r>
-              <a:rPr kumimoji="1" lang="en-US" altLang="zh-CN" dirty="0" smtClean="0"/>
+              <a:rPr kumimoji="1" lang="en-US" altLang="zh-CN" dirty="0"/>
               <a:t>the</a:t>
             </a:r>
             <a:r>
-              <a:rPr kumimoji="1" lang="zh-CN" altLang="en-US" dirty="0" smtClean="0"/>
+              <a:rPr kumimoji="1" lang="zh-CN" altLang="en-US" dirty="0"/>
               <a:t> </a:t>
             </a:r>
             <a:r>
-              <a:rPr kumimoji="1" lang="en-US" altLang="zh-CN" dirty="0" smtClean="0"/>
+              <a:rPr kumimoji="1" lang="en-US" altLang="zh-CN" dirty="0"/>
               <a:t>relative</a:t>
             </a:r>
             <a:r>
-              <a:rPr kumimoji="1" lang="zh-CN" altLang="en-US" dirty="0" smtClean="0"/>
+              <a:rPr kumimoji="1" lang="zh-CN" altLang="en-US" dirty="0"/>
               <a:t> </a:t>
             </a:r>
             <a:r>
-              <a:rPr kumimoji="1" lang="en-US" altLang="zh-CN" dirty="0" smtClean="0"/>
+              <a:rPr kumimoji="1" lang="en-US" altLang="zh-CN" dirty="0"/>
               <a:t>correct</a:t>
             </a:r>
             <a:r>
-              <a:rPr kumimoji="1" lang="zh-CN" altLang="en-US" dirty="0" smtClean="0"/>
+              <a:rPr kumimoji="1" lang="zh-CN" altLang="en-US" dirty="0"/>
               <a:t> </a:t>
             </a:r>
             <a:r>
-              <a:rPr kumimoji="1" lang="en-US" altLang="zh-CN" dirty="0" smtClean="0"/>
+              <a:rPr kumimoji="1" lang="en-US" altLang="zh-CN" dirty="0"/>
               <a:t>value.</a:t>
             </a:r>
           </a:p>
           <a:p>
             <a:r>
               <a:rPr kumimoji="1" lang="en-US" altLang="zh-CN" dirty="0"/>
-              <a:t>A</a:t>
-            </a:r>
-            <a:r>
-              <a:rPr kumimoji="1" lang="en-US" altLang="zh-CN" dirty="0" smtClean="0"/>
-              <a:t>verage</a:t>
-            </a:r>
-            <a:r>
-              <a:rPr kumimoji="1" lang="zh-CN" altLang="en-US" dirty="0" smtClean="0"/>
+              <a:t>Average</a:t>
+            </a:r>
+            <a:r>
+              <a:rPr kumimoji="1" lang="zh-CN" altLang="en-US" dirty="0"/>
               <a:t> </a:t>
             </a:r>
             <a:r>
-              <a:rPr kumimoji="1" lang="en-US" altLang="zh-CN" dirty="0" smtClean="0"/>
+              <a:rPr kumimoji="1" lang="en-US" altLang="zh-CN" dirty="0"/>
               <a:t>all</a:t>
             </a:r>
             <a:r>
-              <a:rPr kumimoji="1" lang="zh-CN" altLang="en-US" dirty="0" smtClean="0"/>
+              <a:rPr kumimoji="1" lang="zh-CN" altLang="en-US" dirty="0"/>
               <a:t> </a:t>
             </a:r>
             <a:r>
-              <a:rPr kumimoji="1" lang="en-US" altLang="zh-CN" dirty="0" smtClean="0"/>
+              <a:rPr kumimoji="1" lang="en-US" altLang="zh-CN" dirty="0"/>
               <a:t>values</a:t>
             </a:r>
             <a:r>
-              <a:rPr kumimoji="1" lang="zh-CN" altLang="en-US" dirty="0" smtClean="0"/>
+              <a:rPr kumimoji="1" lang="zh-CN" altLang="en-US" dirty="0"/>
               <a:t> </a:t>
             </a:r>
             <a:r>
-              <a:rPr kumimoji="1" lang="en-US" altLang="zh-CN" dirty="0" smtClean="0"/>
+              <a:rPr kumimoji="1" lang="en-US" altLang="zh-CN" dirty="0"/>
               <a:t>for</a:t>
             </a:r>
             <a:r>
-              <a:rPr kumimoji="1" lang="zh-CN" altLang="en-US" dirty="0" smtClean="0"/>
+              <a:rPr kumimoji="1" lang="zh-CN" altLang="en-US" dirty="0"/>
               <a:t> </a:t>
             </a:r>
             <a:r>
-              <a:rPr kumimoji="1" lang="en-US" altLang="zh-CN" dirty="0" smtClean="0"/>
+              <a:rPr kumimoji="1" lang="en-US" altLang="zh-CN" dirty="0"/>
               <a:t>each</a:t>
             </a:r>
             <a:r>
-              <a:rPr kumimoji="1" lang="zh-CN" altLang="en-US" dirty="0" smtClean="0"/>
+              <a:rPr kumimoji="1" lang="zh-CN" altLang="en-US" dirty="0"/>
               <a:t> </a:t>
             </a:r>
             <a:r>
-              <a:rPr kumimoji="1" lang="en-US" altLang="zh-CN" dirty="0" smtClean="0"/>
+              <a:rPr kumimoji="1" lang="en-US" altLang="zh-CN" dirty="0"/>
               <a:t>point</a:t>
             </a:r>
             <a:r>
-              <a:rPr kumimoji="1" lang="zh-CN" altLang="en-US" dirty="0" smtClean="0"/>
+              <a:rPr kumimoji="1" lang="zh-CN" altLang="en-US" dirty="0"/>
               <a:t> </a:t>
             </a:r>
             <a:r>
-              <a:rPr kumimoji="1" lang="en-US" altLang="zh-CN" dirty="0" smtClean="0"/>
+              <a:rPr kumimoji="1" lang="en-US" altLang="zh-CN" dirty="0"/>
               <a:t>in</a:t>
             </a:r>
             <a:r>
-              <a:rPr kumimoji="1" lang="zh-CN" altLang="en-US" dirty="0" smtClean="0"/>
+              <a:rPr kumimoji="1" lang="zh-CN" altLang="en-US" dirty="0"/>
               <a:t> </a:t>
             </a:r>
             <a:r>
-              <a:rPr kumimoji="1" lang="en-US" altLang="zh-CN" dirty="0" smtClean="0"/>
+              <a:rPr kumimoji="1" lang="en-US" altLang="zh-CN" dirty="0"/>
               <a:t>each</a:t>
             </a:r>
             <a:r>
-              <a:rPr kumimoji="1" lang="zh-CN" altLang="en-US" dirty="0" smtClean="0"/>
+              <a:rPr kumimoji="1" lang="zh-CN" altLang="en-US" dirty="0"/>
               <a:t> </a:t>
             </a:r>
             <a:r>
-              <a:rPr kumimoji="1" lang="en-US" altLang="zh-CN" dirty="0" smtClean="0"/>
+              <a:rPr kumimoji="1" lang="en-US" altLang="zh-CN" dirty="0"/>
               <a:t>group</a:t>
             </a:r>
             <a:r>
-              <a:rPr kumimoji="1" lang="zh-CN" altLang="en-US" dirty="0" smtClean="0"/>
+              <a:rPr kumimoji="1" lang="zh-CN" altLang="en-US" dirty="0"/>
               <a:t> </a:t>
             </a:r>
             <a:r>
-              <a:rPr kumimoji="1" lang="en-US" altLang="zh-CN" dirty="0" smtClean="0"/>
+              <a:rPr kumimoji="1" lang="en-US" altLang="zh-CN" dirty="0"/>
               <a:t>to</a:t>
             </a:r>
             <a:r>
-              <a:rPr kumimoji="1" lang="zh-CN" altLang="en-US" dirty="0" smtClean="0"/>
+              <a:rPr kumimoji="1" lang="zh-CN" altLang="en-US" dirty="0"/>
               <a:t> </a:t>
             </a:r>
             <a:r>
-              <a:rPr kumimoji="1" lang="en-US" altLang="zh-CN" dirty="0" smtClean="0"/>
+              <a:rPr kumimoji="1" lang="en-US" altLang="zh-CN" dirty="0"/>
               <a:t>reduce</a:t>
             </a:r>
             <a:r>
-              <a:rPr kumimoji="1" lang="zh-CN" altLang="en-US" dirty="0" smtClean="0"/>
+              <a:rPr kumimoji="1" lang="zh-CN" altLang="en-US" dirty="0"/>
               <a:t> </a:t>
             </a:r>
             <a:r>
-              <a:rPr kumimoji="1" lang="en-US" altLang="zh-CN" dirty="0" smtClean="0"/>
+              <a:rPr kumimoji="1" lang="en-US" altLang="zh-CN" dirty="0"/>
               <a:t>the</a:t>
             </a:r>
             <a:r>
-              <a:rPr kumimoji="1" lang="zh-CN" altLang="en-US" dirty="0" smtClean="0"/>
+              <a:rPr kumimoji="1" lang="zh-CN" altLang="en-US" dirty="0"/>
               <a:t> </a:t>
             </a:r>
             <a:r>
-              <a:rPr kumimoji="1" lang="en-US" altLang="zh-CN" dirty="0" smtClean="0"/>
+              <a:rPr kumimoji="1" lang="en-US" altLang="zh-CN" dirty="0"/>
               <a:t>error.</a:t>
             </a:r>
           </a:p>
@@ -19756,10 +19659,10 @@
           <p:cNvPr id="11" name="Rectangle 10">
             <a:extLst>
               <a:ext uri="{FF2B5EF4-FFF2-40B4-BE49-F238E27FC236}">
-                <a16:creationId xmlns:a16="http://schemas.microsoft.com/office/drawing/2014/main" xmlns="" id="{559AE206-7EBA-4D33-8BC9-9D8158553F0E}"/>
+                <a16:creationId xmlns:a16="http://schemas.microsoft.com/office/drawing/2014/main" id="{559AE206-7EBA-4D33-8BC9-9D8158553F0E}"/>
               </a:ext>
               <a:ext uri="{C183D7F6-B498-43B3-948B-1728B52AA6E4}">
-                <adec:decorative xmlns:adec="http://schemas.microsoft.com/office/drawing/2017/decorative" xmlns="" val="1"/>
+                <adec:decorative xmlns:adec="http://schemas.microsoft.com/office/drawing/2017/decorative" val="1"/>
               </a:ext>
             </a:extLst>
           </p:cNvPr>
@@ -19845,7 +19748,7 @@
           <p:cNvPr id="2" name="Title 1">
             <a:extLst>
               <a:ext uri="{FF2B5EF4-FFF2-40B4-BE49-F238E27FC236}">
-                <a16:creationId xmlns:a16="http://schemas.microsoft.com/office/drawing/2014/main" xmlns="" id="{DD775157-5AA1-384D-B45C-859A191D6F1D}"/>
+                <a16:creationId xmlns:a16="http://schemas.microsoft.com/office/drawing/2014/main" id="{DD775157-5AA1-384D-B45C-859A191D6F1D}"/>
               </a:ext>
             </a:extLst>
           </p:cNvPr>
@@ -19888,10 +19791,10 @@
           <p:cNvPr id="13" name="Oval 12">
             <a:extLst>
               <a:ext uri="{FF2B5EF4-FFF2-40B4-BE49-F238E27FC236}">
-                <a16:creationId xmlns:a16="http://schemas.microsoft.com/office/drawing/2014/main" xmlns="" id="{6437D937-A7F1-4011-92B4-328E5BE1B166}"/>
+                <a16:creationId xmlns:a16="http://schemas.microsoft.com/office/drawing/2014/main" id="{6437D937-A7F1-4011-92B4-328E5BE1B166}"/>
               </a:ext>
               <a:ext uri="{C183D7F6-B498-43B3-948B-1728B52AA6E4}">
-                <adec:decorative xmlns:adec="http://schemas.microsoft.com/office/drawing/2017/decorative" xmlns="" val="1"/>
+                <adec:decorative xmlns:adec="http://schemas.microsoft.com/office/drawing/2017/decorative" val="1"/>
               </a:ext>
             </a:extLst>
           </p:cNvPr>
@@ -19980,10 +19883,10 @@
           <p:cNvPr id="15" name="Oval 14">
             <a:extLst>
               <a:ext uri="{FF2B5EF4-FFF2-40B4-BE49-F238E27FC236}">
-                <a16:creationId xmlns:a16="http://schemas.microsoft.com/office/drawing/2014/main" xmlns="" id="{B672F332-AF08-46C6-94F0-77684310D7B7}"/>
+                <a16:creationId xmlns:a16="http://schemas.microsoft.com/office/drawing/2014/main" id="{B672F332-AF08-46C6-94F0-77684310D7B7}"/>
               </a:ext>
               <a:ext uri="{C183D7F6-B498-43B3-948B-1728B52AA6E4}">
-                <adec:decorative xmlns:adec="http://schemas.microsoft.com/office/drawing/2017/decorative" xmlns="" val="1"/>
+                <adec:decorative xmlns:adec="http://schemas.microsoft.com/office/drawing/2017/decorative" val="1"/>
               </a:ext>
             </a:extLst>
           </p:cNvPr>
@@ -20072,10 +19975,10 @@
           <p:cNvPr id="17" name="Oval 16">
             <a:extLst>
               <a:ext uri="{FF2B5EF4-FFF2-40B4-BE49-F238E27FC236}">
-                <a16:creationId xmlns:a16="http://schemas.microsoft.com/office/drawing/2014/main" xmlns="" id="{34244EF8-D73A-40E1-BE73-D46E6B4B04ED}"/>
+                <a16:creationId xmlns:a16="http://schemas.microsoft.com/office/drawing/2014/main" id="{34244EF8-D73A-40E1-BE73-D46E6B4B04ED}"/>
               </a:ext>
               <a:ext uri="{C183D7F6-B498-43B3-948B-1728B52AA6E4}">
-                <adec:decorative xmlns:adec="http://schemas.microsoft.com/office/drawing/2017/decorative" xmlns="" val="1"/>
+                <adec:decorative xmlns:adec="http://schemas.microsoft.com/office/drawing/2017/decorative" val="1"/>
               </a:ext>
             </a:extLst>
           </p:cNvPr>
@@ -20164,10 +20067,10 @@
           <p:cNvPr id="19" name="Freeform: Shape 18">
             <a:extLst>
               <a:ext uri="{FF2B5EF4-FFF2-40B4-BE49-F238E27FC236}">
-                <a16:creationId xmlns:a16="http://schemas.microsoft.com/office/drawing/2014/main" xmlns="" id="{AB84D7E8-4ECB-42D7-ADBF-01689B0F24AE}"/>
+                <a16:creationId xmlns:a16="http://schemas.microsoft.com/office/drawing/2014/main" id="{AB84D7E8-4ECB-42D7-ADBF-01689B0F24AE}"/>
               </a:ext>
               <a:ext uri="{C183D7F6-B498-43B3-948B-1728B52AA6E4}">
-                <adec:decorative xmlns:adec="http://schemas.microsoft.com/office/drawing/2017/decorative" xmlns="" val="1"/>
+                <adec:decorative xmlns:adec="http://schemas.microsoft.com/office/drawing/2017/decorative" val="1"/>
               </a:ext>
             </a:extLst>
           </p:cNvPr>
@@ -20319,10 +20222,10 @@
           <p:cNvPr id="21" name="Straight Connector 20">
             <a:extLst>
               <a:ext uri="{FF2B5EF4-FFF2-40B4-BE49-F238E27FC236}">
-                <a16:creationId xmlns:a16="http://schemas.microsoft.com/office/drawing/2014/main" xmlns="" id="{9E8E38ED-369A-44C2-B635-0BED0E48A6E8}"/>
+                <a16:creationId xmlns:a16="http://schemas.microsoft.com/office/drawing/2014/main" id="{9E8E38ED-369A-44C2-B635-0BED0E48A6E8}"/>
               </a:ext>
               <a:ext uri="{C183D7F6-B498-43B3-948B-1728B52AA6E4}">
-                <adec:decorative xmlns:adec="http://schemas.microsoft.com/office/drawing/2017/decorative" xmlns="" val="1"/>
+                <adec:decorative xmlns:adec="http://schemas.microsoft.com/office/drawing/2017/decorative" val="1"/>
               </a:ext>
             </a:extLst>
           </p:cNvPr>
@@ -20371,7 +20274,7 @@
           <p:cNvPr id="6" name="TextBox 5">
             <a:extLst>
               <a:ext uri="{FF2B5EF4-FFF2-40B4-BE49-F238E27FC236}">
-                <a16:creationId xmlns:a16="http://schemas.microsoft.com/office/drawing/2014/main" xmlns="" id="{22B54AF2-355A-C640-94BB-354252E5DA20}"/>
+                <a16:creationId xmlns:a16="http://schemas.microsoft.com/office/drawing/2014/main" id="{22B54AF2-355A-C640-94BB-354252E5DA20}"/>
               </a:ext>
             </a:extLst>
           </p:cNvPr>
@@ -20409,7 +20312,7 @@
                 <a:hlinkClick r:id="rId2" tooltip="http://umaprofessoramaluquinha.com.br/?attachment_id=1237">
                   <a:extLst>
                     <a:ext uri="{A12FA001-AC4F-418D-AE19-62706E023703}">
-                      <ahyp:hlinkClr xmlns:ahyp="http://schemas.microsoft.com/office/drawing/2018/hyperlinkcolor" xmlns="" val="tx"/>
+                      <ahyp:hlinkClr xmlns:ahyp="http://schemas.microsoft.com/office/drawing/2018/hyperlinkcolor" val="tx"/>
                     </a:ext>
                   </a:extLst>
                 </a:hlinkClick>
@@ -20432,7 +20335,7 @@
                 <a:hlinkClick r:id="rId3" tooltip="https://creativecommons.org/licenses/by/3.0/">
                   <a:extLst>
                     <a:ext uri="{A12FA001-AC4F-418D-AE19-62706E023703}">
-                      <ahyp:hlinkClr xmlns:ahyp="http://schemas.microsoft.com/office/drawing/2018/hyperlinkcolor" xmlns="" val="tx"/>
+                      <ahyp:hlinkClr xmlns:ahyp="http://schemas.microsoft.com/office/drawing/2018/hyperlinkcolor" val="tx"/>
                     </a:ext>
                   </a:extLst>
                 </a:hlinkClick>
@@ -20482,7 +20385,7 @@
           <p:cNvPr id="2" name="Title 1">
             <a:extLst>
               <a:ext uri="{FF2B5EF4-FFF2-40B4-BE49-F238E27FC236}">
-                <a16:creationId xmlns:a16="http://schemas.microsoft.com/office/drawing/2014/main" xmlns="" id="{590D5C6B-75CD-0845-B759-3C689DD6CB26}"/>
+                <a16:creationId xmlns:a16="http://schemas.microsoft.com/office/drawing/2014/main" id="{590D5C6B-75CD-0845-B759-3C689DD6CB26}"/>
               </a:ext>
             </a:extLst>
           </p:cNvPr>
@@ -20519,7 +20422,7 @@
           <p:cNvPr id="4" name="Content Placeholder 3">
             <a:extLst>
               <a:ext uri="{FF2B5EF4-FFF2-40B4-BE49-F238E27FC236}">
-                <a16:creationId xmlns:a16="http://schemas.microsoft.com/office/drawing/2014/main" xmlns="" id="{EBDE50FA-51BE-6A4C-8EEB-72EA6F12B77E}"/>
+                <a16:creationId xmlns:a16="http://schemas.microsoft.com/office/drawing/2014/main" id="{EBDE50FA-51BE-6A4C-8EEB-72EA6F12B77E}"/>
               </a:ext>
             </a:extLst>
           </p:cNvPr>
@@ -20551,7 +20454,7 @@
           <p:cNvPr id="8" name="TextBox 7">
             <a:extLst>
               <a:ext uri="{FF2B5EF4-FFF2-40B4-BE49-F238E27FC236}">
-                <a16:creationId xmlns:a16="http://schemas.microsoft.com/office/drawing/2014/main" xmlns="" id="{F10C63F9-D33B-814C-BF3D-52022FDE63A9}"/>
+                <a16:creationId xmlns:a16="http://schemas.microsoft.com/office/drawing/2014/main" id="{F10C63F9-D33B-814C-BF3D-52022FDE63A9}"/>
               </a:ext>
             </a:extLst>
           </p:cNvPr>
@@ -20695,7 +20598,7 @@
           <p:cNvPr id="2" name="Title 1">
             <a:extLst>
               <a:ext uri="{FF2B5EF4-FFF2-40B4-BE49-F238E27FC236}">
-                <a16:creationId xmlns:a16="http://schemas.microsoft.com/office/drawing/2014/main" xmlns="" id="{CC296259-EE03-7D4E-8B63-9613F9AEAB06}"/>
+                <a16:creationId xmlns:a16="http://schemas.microsoft.com/office/drawing/2014/main" id="{CC296259-EE03-7D4E-8B63-9613F9AEAB06}"/>
               </a:ext>
             </a:extLst>
           </p:cNvPr>
@@ -20740,7 +20643,7 @@
           <p:cNvPr id="4" name="Content Placeholder 3">
             <a:extLst>
               <a:ext uri="{FF2B5EF4-FFF2-40B4-BE49-F238E27FC236}">
-                <a16:creationId xmlns:a16="http://schemas.microsoft.com/office/drawing/2014/main" xmlns="" id="{85674701-A94F-5D4D-BD65-F276E5117184}"/>
+                <a16:creationId xmlns:a16="http://schemas.microsoft.com/office/drawing/2014/main" id="{85674701-A94F-5D4D-BD65-F276E5117184}"/>
               </a:ext>
             </a:extLst>
           </p:cNvPr>
@@ -20772,7 +20675,7 @@
           <p:cNvPr id="5" name="TextBox 4">
             <a:extLst>
               <a:ext uri="{FF2B5EF4-FFF2-40B4-BE49-F238E27FC236}">
-                <a16:creationId xmlns:a16="http://schemas.microsoft.com/office/drawing/2014/main" xmlns="" id="{153F35BB-45FF-944D-B91E-D69EAF8BBE29}"/>
+                <a16:creationId xmlns:a16="http://schemas.microsoft.com/office/drawing/2014/main" id="{153F35BB-45FF-944D-B91E-D69EAF8BBE29}"/>
               </a:ext>
             </a:extLst>
           </p:cNvPr>
